--- a/DRAFT - Research Capstone Project v1.pptx
+++ b/DRAFT - Research Capstone Project v1.pptx
@@ -7571,7 +7571,7 @@
           <a:p>
             <a:fld id="{4B2CACE1-0839-DD4E-8A8D-815B08AED9A4}" type="datetimeFigureOut">
               <a:rPr lang="en-US" smtClean="0"/>
-              <a:t>6/18/25</a:t>
+              <a:t>6/19/25</a:t>
             </a:fld>
             <a:endParaRPr lang="en-US"/>
           </a:p>
@@ -10084,8 +10084,8 @@
           </a:p>
         </p:txBody>
       </p:sp>
-      <mc:AlternateContent xmlns:mc="http://schemas.openxmlformats.org/markup-compatibility/2006">
-        <mc:Choice xmlns:a14="http://schemas.microsoft.com/office/drawing/2010/main" Requires="a14">
+      <mc:AlternateContent xmlns:mc="http://schemas.openxmlformats.org/markup-compatibility/2006" xmlns:a14="http://schemas.microsoft.com/office/drawing/2010/main">
+        <mc:Choice Requires="a14">
           <p:sp>
             <p:nvSpPr>
               <p:cNvPr id="6" name="Content Placeholder 5">
@@ -10290,7 +10290,7 @@
             </p:txBody>
           </p:sp>
         </mc:Choice>
-        <mc:Fallback>
+        <mc:Fallback xmlns="">
           <p:sp>
             <p:nvSpPr>
               <p:cNvPr id="6" name="Content Placeholder 5">
@@ -10801,14 +10801,30 @@
             </a:pPr>
             <a:r>
               <a:rPr lang="en-CA" sz="1800" dirty="0">
+                <a:latin typeface="Menlo" panose="020B0609030804020204" pitchFamily="49" charset="0"/>
+                <a:ea typeface="Menlo" panose="020B0609030804020204" pitchFamily="49" charset="0"/>
+                <a:cs typeface="Menlo" panose="020B0609030804020204" pitchFamily="49" charset="0"/>
+              </a:rPr>
+              <a:t>&gt; model &lt;- </a:t>
+            </a:r>
+            <a:r>
+              <a:rPr lang="en-CA" sz="1800" dirty="0">
                 <a:solidFill>
-                  <a:srgbClr val="0070C0"/>
+                  <a:srgbClr val="0432FF"/>
                 </a:solidFill>
                 <a:latin typeface="Menlo" panose="020B0609030804020204" pitchFamily="49" charset="0"/>
                 <a:ea typeface="Menlo" panose="020B0609030804020204" pitchFamily="49" charset="0"/>
                 <a:cs typeface="Menlo" panose="020B0609030804020204" pitchFamily="49" charset="0"/>
               </a:rPr>
-              <a:t>&gt; model &lt;- lm(y ~ x1 + ... + xp, data = ...)</a:t>
+              <a:t>lm</a:t>
+            </a:r>
+            <a:r>
+              <a:rPr lang="en-CA" sz="1800" dirty="0">
+                <a:latin typeface="Menlo" panose="020B0609030804020204" pitchFamily="49" charset="0"/>
+                <a:ea typeface="Menlo" panose="020B0609030804020204" pitchFamily="49" charset="0"/>
+                <a:cs typeface="Menlo" panose="020B0609030804020204" pitchFamily="49" charset="0"/>
+              </a:rPr>
+              <a:t>(y ~ x1 + ... + xp, data = ...)</a:t>
             </a:r>
           </a:p>
         </p:txBody>
@@ -10843,6 +10859,200 @@
           </a:p>
         </p:txBody>
       </p:sp>
+      <p:graphicFrame>
+        <p:nvGraphicFramePr>
+          <p:cNvPr id="3" name="Table 2">
+            <a:extLst>
+              <a:ext uri="{FF2B5EF4-FFF2-40B4-BE49-F238E27FC236}">
+                <a16:creationId xmlns:a16="http://schemas.microsoft.com/office/drawing/2014/main" id="{CC832090-E703-D8C8-EB49-11438BA88FCF}"/>
+              </a:ext>
+            </a:extLst>
+          </p:cNvPr>
+          <p:cNvGraphicFramePr>
+            <a:graphicFrameLocks noGrp="1"/>
+          </p:cNvGraphicFramePr>
+          <p:nvPr>
+            <p:extLst>
+              <p:ext uri="{D42A27DB-BD31-4B8C-83A1-F6EECF244321}">
+                <p14:modId xmlns:p14="http://schemas.microsoft.com/office/powerpoint/2010/main" val="86174332"/>
+              </p:ext>
+            </p:extLst>
+          </p:nvPr>
+        </p:nvGraphicFramePr>
+        <p:xfrm>
+          <a:off x="3866995" y="3713195"/>
+          <a:ext cx="4458010" cy="1112520"/>
+        </p:xfrm>
+        <a:graphic>
+          <a:graphicData uri="http://schemas.openxmlformats.org/drawingml/2006/table">
+            <a:tbl>
+              <a:tblPr firstRow="1" bandRow="1">
+                <a:tableStyleId>{9D7B26C5-4107-4FEC-AEDC-1716B250A1EF}</a:tableStyleId>
+              </a:tblPr>
+              <a:tblGrid>
+                <a:gridCol w="1569844">
+                  <a:extLst>
+                    <a:ext uri="{9D8B030D-6E8A-4147-A177-3AD203B41FA5}">
+                      <a16:colId xmlns:a16="http://schemas.microsoft.com/office/drawing/2014/main" val="238460430"/>
+                    </a:ext>
+                  </a:extLst>
+                </a:gridCol>
+                <a:gridCol w="2888166">
+                  <a:extLst>
+                    <a:ext uri="{9D8B030D-6E8A-4147-A177-3AD203B41FA5}">
+                      <a16:colId xmlns:a16="http://schemas.microsoft.com/office/drawing/2014/main" val="3672832534"/>
+                    </a:ext>
+                  </a:extLst>
+                </a:gridCol>
+              </a:tblGrid>
+              <a:tr h="370840">
+                <a:tc>
+                  <a:txBody>
+                    <a:bodyPr/>
+                    <a:lstStyle/>
+                    <a:p>
+                      <a:r>
+                        <a:rPr lang="en-CA" dirty="0"/>
+                        <a:t>Operator</a:t>
+                      </a:r>
+                    </a:p>
+                  </a:txBody>
+                  <a:tcPr/>
+                </a:tc>
+                <a:tc>
+                  <a:txBody>
+                    <a:bodyPr/>
+                    <a:lstStyle/>
+                    <a:p>
+                      <a:r>
+                        <a:rPr lang="en-CA" dirty="0"/>
+                        <a:t>Description</a:t>
+                      </a:r>
+                    </a:p>
+                  </a:txBody>
+                  <a:tcPr/>
+                </a:tc>
+                <a:extLst>
+                  <a:ext uri="{0D108BD9-81ED-4DB2-BD59-A6C34878D82A}">
+                    <a16:rowId xmlns:a16="http://schemas.microsoft.com/office/drawing/2014/main" val="2326783055"/>
+                  </a:ext>
+                </a:extLst>
+              </a:tr>
+              <a:tr h="370840">
+                <a:tc>
+                  <a:txBody>
+                    <a:bodyPr/>
+                    <a:lstStyle/>
+                    <a:p>
+                      <a:r>
+                        <a:rPr lang="en-CA" dirty="0">
+                          <a:latin typeface="Menlo" panose="020B0609030804020204" pitchFamily="49" charset="0"/>
+                          <a:ea typeface="Menlo" panose="020B0609030804020204" pitchFamily="49" charset="0"/>
+                          <a:cs typeface="Menlo" panose="020B0609030804020204" pitchFamily="49" charset="0"/>
+                        </a:rPr>
+                        <a:t>&lt;-</a:t>
+                      </a:r>
+                      <a:r>
+                        <a:rPr lang="en-CA" dirty="0"/>
+                        <a:t> or </a:t>
+                      </a:r>
+                      <a:r>
+                        <a:rPr lang="en-CA" dirty="0">
+                          <a:latin typeface="Menlo" panose="020B0609030804020204" pitchFamily="49" charset="0"/>
+                          <a:ea typeface="Menlo" panose="020B0609030804020204" pitchFamily="49" charset="0"/>
+                          <a:cs typeface="Menlo" panose="020B0609030804020204" pitchFamily="49" charset="0"/>
+                        </a:rPr>
+                        <a:t>=</a:t>
+                      </a:r>
+                    </a:p>
+                  </a:txBody>
+                  <a:tcPr>
+                    <a:solidFill>
+                      <a:schemeClr val="tx2">
+                        <a:lumMod val="60000"/>
+                        <a:lumOff val="40000"/>
+                        <a:alpha val="20000"/>
+                      </a:schemeClr>
+                    </a:solidFill>
+                  </a:tcPr>
+                </a:tc>
+                <a:tc>
+                  <a:txBody>
+                    <a:bodyPr/>
+                    <a:lstStyle/>
+                    <a:p>
+                      <a:r>
+                        <a:rPr lang="en-CA" dirty="0"/>
+                        <a:t>Assign a value to a variable.</a:t>
+                      </a:r>
+                    </a:p>
+                  </a:txBody>
+                  <a:tcPr>
+                    <a:solidFill>
+                      <a:schemeClr val="tx2">
+                        <a:lumMod val="60000"/>
+                        <a:lumOff val="40000"/>
+                        <a:alpha val="20000"/>
+                      </a:schemeClr>
+                    </a:solidFill>
+                  </a:tcPr>
+                </a:tc>
+                <a:extLst>
+                  <a:ext uri="{0D108BD9-81ED-4DB2-BD59-A6C34878D82A}">
+                    <a16:rowId xmlns:a16="http://schemas.microsoft.com/office/drawing/2014/main" val="3052857624"/>
+                  </a:ext>
+                </a:extLst>
+              </a:tr>
+              <a:tr h="370840">
+                <a:tc>
+                  <a:txBody>
+                    <a:bodyPr/>
+                    <a:lstStyle/>
+                    <a:p>
+                      <a:r>
+                        <a:rPr lang="en-CA" dirty="0">
+                          <a:latin typeface="Menlo" panose="020B0609030804020204" pitchFamily="49" charset="0"/>
+                          <a:ea typeface="Menlo" panose="020B0609030804020204" pitchFamily="49" charset="0"/>
+                          <a:cs typeface="Menlo" panose="020B0609030804020204" pitchFamily="49" charset="0"/>
+                        </a:rPr>
+                        <a:t>~</a:t>
+                      </a:r>
+                      <a:r>
+                        <a:rPr lang="en-CA" dirty="0"/>
+                        <a:t> (tilde)</a:t>
+                      </a:r>
+                      <a:endParaRPr lang="en-CA" dirty="0">
+                        <a:latin typeface="+mn-lt"/>
+                        <a:ea typeface="Menlo" panose="020B0609030804020204" pitchFamily="49" charset="0"/>
+                        <a:cs typeface="Menlo" panose="020B0609030804020204" pitchFamily="49" charset="0"/>
+                      </a:endParaRPr>
+                    </a:p>
+                  </a:txBody>
+                  <a:tcPr/>
+                </a:tc>
+                <a:tc>
+                  <a:txBody>
+                    <a:bodyPr/>
+                    <a:lstStyle/>
+                    <a:p>
+                      <a:r>
+                        <a:rPr lang="en-CA" dirty="0"/>
+                        <a:t>Define formula/relationship</a:t>
+                      </a:r>
+                    </a:p>
+                  </a:txBody>
+                  <a:tcPr/>
+                </a:tc>
+                <a:extLst>
+                  <a:ext uri="{0D108BD9-81ED-4DB2-BD59-A6C34878D82A}">
+                    <a16:rowId xmlns:a16="http://schemas.microsoft.com/office/drawing/2014/main" val="1533640873"/>
+                  </a:ext>
+                </a:extLst>
+              </a:tr>
+            </a:tbl>
+          </a:graphicData>
+        </a:graphic>
+      </p:graphicFrame>
     </p:spTree>
     <p:extLst>
       <p:ext uri="{BB962C8B-B14F-4D97-AF65-F5344CB8AC3E}">
@@ -19524,29 +19734,6 @@
 </file>
 
 <file path=customXml/item2.xml><?xml version="1.0" encoding="utf-8"?>
-<p:properties xmlns:p="http://schemas.microsoft.com/office/2006/metadata/properties" xmlns:xsi="http://www.w3.org/2001/XMLSchema-instance" xmlns:pc="http://schemas.microsoft.com/office/infopath/2007/PartnerControls">
-  <documentManagement>
-    <SharedWithUsers xmlns="7a4191d5-9b76-4ae3-8401-87ceee92a846">
-      <UserInfo>
-        <DisplayName>Office Of Advancement Visitors</DisplayName>
-        <AccountId>4</AccountId>
-        <AccountType/>
-      </UserInfo>
-      <UserInfo>
-        <DisplayName>UCalgary Brand</DisplayName>
-        <AccountId>15</AccountId>
-        <AccountType/>
-      </UserInfo>
-    </SharedWithUsers>
-    <TaxCatchAll xmlns="7a4191d5-9b76-4ae3-8401-87ceee92a846" xsi:nil="true"/>
-    <lcf76f155ced4ddcb4097134ff3c332f xmlns="b9b0194d-1e98-4efc-bad5-9450f4bf7a13">
-      <Terms xmlns="http://schemas.microsoft.com/office/infopath/2007/PartnerControls"/>
-    </lcf76f155ced4ddcb4097134ff3c332f>
-  </documentManagement>
-</p:properties>
-</file>
-
-<file path=customXml/item3.xml><?xml version="1.0" encoding="utf-8"?>
 <ct:contentTypeSchema xmlns:ct="http://schemas.microsoft.com/office/2006/metadata/contentType" xmlns:ma="http://schemas.microsoft.com/office/2006/metadata/properties/metaAttributes" ct:_="" ma:_="" ma:contentTypeName="文档" ma:contentTypeID="0x010100A14D9A0FA515564792FEACC70AB1043E" ma:contentTypeVersion="15" ma:contentTypeDescription="Create a new document." ma:contentTypeScope="" ma:versionID="268d53061a527a1a15b3a06f324de7ac">
   <xsd:schema xmlns:xsd="http://www.w3.org/2001/XMLSchema" xmlns:xs="http://www.w3.org/2001/XMLSchema" xmlns:p="http://schemas.microsoft.com/office/2006/metadata/properties" xmlns:ns2="7a4191d5-9b76-4ae3-8401-87ceee92a846" xmlns:ns3="b9b0194d-1e98-4efc-bad5-9450f4bf7a13" targetNamespace="http://schemas.microsoft.com/office/2006/metadata/properties" ma:root="true" ma:fieldsID="602eb0f4584b499882d83f15ecf09c65" ns2:_="" ns3:_="">
     <xsd:import namespace="7a4191d5-9b76-4ae3-8401-87ceee92a846"/>
@@ -19769,6 +19956,29 @@
 </ct:contentTypeSchema>
 </file>
 
+<file path=customXml/item3.xml><?xml version="1.0" encoding="utf-8"?>
+<p:properties xmlns:p="http://schemas.microsoft.com/office/2006/metadata/properties" xmlns:xsi="http://www.w3.org/2001/XMLSchema-instance" xmlns:pc="http://schemas.microsoft.com/office/infopath/2007/PartnerControls">
+  <documentManagement>
+    <SharedWithUsers xmlns="7a4191d5-9b76-4ae3-8401-87ceee92a846">
+      <UserInfo>
+        <DisplayName>Office Of Advancement Visitors</DisplayName>
+        <AccountId>4</AccountId>
+        <AccountType/>
+      </UserInfo>
+      <UserInfo>
+        <DisplayName>UCalgary Brand</DisplayName>
+        <AccountId>15</AccountId>
+        <AccountType/>
+      </UserInfo>
+    </SharedWithUsers>
+    <TaxCatchAll xmlns="7a4191d5-9b76-4ae3-8401-87ceee92a846" xsi:nil="true"/>
+    <lcf76f155ced4ddcb4097134ff3c332f xmlns="b9b0194d-1e98-4efc-bad5-9450f4bf7a13">
+      <Terms xmlns="http://schemas.microsoft.com/office/infopath/2007/PartnerControls"/>
+    </lcf76f155ced4ddcb4097134ff3c332f>
+  </documentManagement>
+</p:properties>
+</file>
+
 <file path=customXml/itemProps1.xml><?xml version="1.0" encoding="utf-8"?>
 <ds:datastoreItem xmlns:ds="http://schemas.openxmlformats.org/officeDocument/2006/customXml" ds:itemID="{67A4AE25-BBA1-49A6-B4F8-E97286BA017A}">
   <ds:schemaRefs>
@@ -19778,17 +19988,6 @@
 </file>
 
 <file path=customXml/itemProps2.xml><?xml version="1.0" encoding="utf-8"?>
-<ds:datastoreItem xmlns:ds="http://schemas.openxmlformats.org/officeDocument/2006/customXml" ds:itemID="{F0B8F560-7E6C-44AE-AFE4-924D1118F0AA}">
-  <ds:schemaRefs>
-    <ds:schemaRef ds:uri="http://schemas.microsoft.com/office/2006/metadata/properties"/>
-    <ds:schemaRef ds:uri="http://schemas.microsoft.com/office/infopath/2007/PartnerControls"/>
-    <ds:schemaRef ds:uri="7a4191d5-9b76-4ae3-8401-87ceee92a846"/>
-    <ds:schemaRef ds:uri="b9b0194d-1e98-4efc-bad5-9450f4bf7a13"/>
-  </ds:schemaRefs>
-</ds:datastoreItem>
-</file>
-
-<file path=customXml/itemProps3.xml><?xml version="1.0" encoding="utf-8"?>
 <ds:datastoreItem xmlns:ds="http://schemas.openxmlformats.org/officeDocument/2006/customXml" ds:itemID="{E8C4D92C-5791-4EB8-90FF-890DA6933338}">
   <ds:schemaRefs>
     <ds:schemaRef ds:uri="http://schemas.microsoft.com/office/2006/metadata/contentType"/>
@@ -19805,4 +20004,15 @@
     <ds:schemaRef ds:uri="http://schemas.microsoft.com/internal/obd"/>
   </ds:schemaRefs>
 </ds:datastoreItem>
+</file>
+
+<file path=customXml/itemProps3.xml><?xml version="1.0" encoding="utf-8"?>
+<ds:datastoreItem xmlns:ds="http://schemas.openxmlformats.org/officeDocument/2006/customXml" ds:itemID="{F0B8F560-7E6C-44AE-AFE4-924D1118F0AA}">
+  <ds:schemaRefs>
+    <ds:schemaRef ds:uri="http://schemas.microsoft.com/office/2006/metadata/properties"/>
+    <ds:schemaRef ds:uri="http://schemas.microsoft.com/office/infopath/2007/PartnerControls"/>
+    <ds:schemaRef ds:uri="7a4191d5-9b76-4ae3-8401-87ceee92a846"/>
+    <ds:schemaRef ds:uri="b9b0194d-1e98-4efc-bad5-9450f4bf7a13"/>
+  </ds:schemaRefs>
+</ds:datastoreItem>
 </file>
--- a/DRAFT - Research Capstone Project v1.pptx
+++ b/DRAFT - Research Capstone Project v1.pptx
@@ -10874,14 +10874,14 @@
           <p:nvPr>
             <p:extLst>
               <p:ext uri="{D42A27DB-BD31-4B8C-83A1-F6EECF244321}">
-                <p14:modId xmlns:p14="http://schemas.microsoft.com/office/powerpoint/2010/main" val="86174332"/>
+                <p14:modId xmlns:p14="http://schemas.microsoft.com/office/powerpoint/2010/main" val="2502411842"/>
               </p:ext>
             </p:extLst>
           </p:nvPr>
         </p:nvGraphicFramePr>
         <p:xfrm>
-          <a:off x="3866995" y="3713195"/>
-          <a:ext cx="4458010" cy="1112520"/>
+          <a:off x="3554200" y="3713195"/>
+          <a:ext cx="5083601" cy="1381760"/>
         </p:xfrm>
         <a:graphic>
           <a:graphicData uri="http://schemas.openxmlformats.org/drawingml/2006/table">
@@ -10890,14 +10890,14 @@
                 <a:tableStyleId>{9D7B26C5-4107-4FEC-AEDC-1716B250A1EF}</a:tableStyleId>
               </a:tblPr>
               <a:tblGrid>
-                <a:gridCol w="1569844">
+                <a:gridCol w="1355663">
                   <a:extLst>
                     <a:ext uri="{9D8B030D-6E8A-4147-A177-3AD203B41FA5}">
                       <a16:colId xmlns:a16="http://schemas.microsoft.com/office/drawing/2014/main" val="238460430"/>
                     </a:ext>
                   </a:extLst>
                 </a:gridCol>
-                <a:gridCol w="2888166">
+                <a:gridCol w="3727938">
                   <a:extLst>
                     <a:ext uri="{9D8B030D-6E8A-4147-A177-3AD203B41FA5}">
                       <a16:colId xmlns:a16="http://schemas.microsoft.com/office/drawing/2014/main" val="3672832534"/>
@@ -10954,7 +10954,7 @@
                       </a:r>
                       <a:r>
                         <a:rPr lang="en-CA" dirty="0"/>
-                        <a:t> or </a:t>
+                        <a:t>  or  </a:t>
                       </a:r>
                       <a:r>
                         <a:rPr lang="en-CA" dirty="0">
@@ -11019,7 +11019,7 @@
                       </a:r>
                       <a:r>
                         <a:rPr lang="en-CA" dirty="0"/>
-                        <a:t> (tilde)</a:t>
+                        <a:t>  (tilde)</a:t>
                       </a:r>
                       <a:endParaRPr lang="en-CA" dirty="0">
                         <a:latin typeface="+mn-lt"/>
@@ -11037,7 +11037,7 @@
                     <a:p>
                       <a:r>
                         <a:rPr lang="en-CA" dirty="0"/>
-                        <a:t>Define formula/relationship</a:t>
+                        <a:t>Define formula/relationship between two or more variables.</a:t>
                       </a:r>
                     </a:p>
                   </a:txBody>
@@ -17463,6 +17463,35 @@
           <a:bodyPr/>
           <a:lstStyle/>
           <a:p>
+            <a:pPr marL="514350" indent="-514350">
+              <a:buFont typeface="+mj-lt"/>
+              <a:buAutoNum type="arabicPeriod"/>
+            </a:pPr>
+            <a:r>
+              <a:rPr lang="en-CA" dirty="0"/>
+              <a:t>Bollen, K. A. (1989). </a:t>
+            </a:r>
+            <a:r>
+              <a:rPr lang="en-CA" i="1" dirty="0"/>
+              <a:t>Structural Equations with Latent Variables</a:t>
+            </a:r>
+            <a:r>
+              <a:rPr lang="en-CA" dirty="0"/>
+              <a:t>.</a:t>
+            </a:r>
+            <a:br>
+              <a:rPr lang="en-CA" dirty="0"/>
+            </a:br>
+            <a:r>
+              <a:rPr lang="en-CA" dirty="0"/>
+              <a:t>John Wiley &amp; Sons, Incorporated.</a:t>
+            </a:r>
+          </a:p>
+          <a:p>
+            <a:pPr marL="514350" indent="-514350">
+              <a:buFont typeface="+mj-lt"/>
+              <a:buAutoNum type="arabicPeriod"/>
+            </a:pPr>
             <a:r>
               <a:rPr lang="en-CA" dirty="0"/>
               <a:t>Lin, J. (2024). </a:t>
@@ -18450,8 +18479,8 @@
           </a:p>
         </p:txBody>
       </p:sp>
-      <mc:AlternateContent xmlns:mc="http://schemas.openxmlformats.org/markup-compatibility/2006" xmlns:a14="http://schemas.microsoft.com/office/drawing/2010/main">
-        <mc:Choice Requires="a14">
+      <mc:AlternateContent xmlns:mc="http://schemas.openxmlformats.org/markup-compatibility/2006">
+        <mc:Choice xmlns:a14="http://schemas.microsoft.com/office/drawing/2010/main" Requires="a14">
           <p:sp>
             <p:nvSpPr>
               <p:cNvPr id="3" name="Content Placeholder 2">
@@ -18518,15 +18547,7 @@
                 </a:pPr>
                 <a:r>
                   <a:rPr lang="en-CA" dirty="0"/>
-                  <a:t>Often referred to as “</a:t>
-                </a:r>
-                <a:r>
-                  <a:rPr lang="en-CA" i="1" dirty="0"/>
-                  <a:t>independent</a:t>
-                </a:r>
-                <a:r>
-                  <a:rPr lang="en-CA" dirty="0"/>
-                  <a:t>” variables (denoted as </a:t>
+                  <a:t>Often referred to as “independent” variables (denoted as </a:t>
                 </a:r>
                 <a14:m>
                   <m:oMath xmlns:m="http://schemas.openxmlformats.org/officeDocument/2006/math">
@@ -18619,23 +18640,7 @@
                       <a:schemeClr val="tx1"/>
                     </a:solidFill>
                   </a:rPr>
-                  <a:t>Variables that are expressed as a function of one or more other variables; they exist “</a:t>
-                </a:r>
-                <a:r>
-                  <a:rPr lang="en-CA" i="1" dirty="0">
-                    <a:solidFill>
-                      <a:schemeClr val="tx1"/>
-                    </a:solidFill>
-                  </a:rPr>
-                  <a:t>inside</a:t>
-                </a:r>
-                <a:r>
-                  <a:rPr lang="en-CA" dirty="0">
-                    <a:solidFill>
-                      <a:schemeClr val="tx1"/>
-                    </a:solidFill>
-                  </a:rPr>
-                  <a:t>” the system of variables under study.</a:t>
+                  <a:t>Variables that are expressed as a function of one or more other variables; they exist “inside” the system of variables under study.</a:t>
                 </a:r>
               </a:p>
               <a:p>
@@ -18646,15 +18651,7 @@
                 </a:pPr>
                 <a:r>
                   <a:rPr lang="en-CA" dirty="0"/>
-                  <a:t>Often referred to as “</a:t>
-                </a:r>
-                <a:r>
-                  <a:rPr lang="en-CA" i="1" dirty="0"/>
-                  <a:t>dependent</a:t>
-                </a:r>
-                <a:r>
-                  <a:rPr lang="en-CA" dirty="0"/>
-                  <a:t>” variables (denoted as </a:t>
+                  <a:t>Often referred to as “dependent” variables (denoted as </a:t>
                 </a:r>
                 <a14:m>
                   <m:oMath xmlns:m="http://schemas.openxmlformats.org/officeDocument/2006/math">
@@ -18737,7 +18734,7 @@
             </p:txBody>
           </p:sp>
         </mc:Choice>
-        <mc:Fallback xmlns="">
+        <mc:Fallback>
           <p:sp>
             <p:nvSpPr>
               <p:cNvPr id="3" name="Content Placeholder 2">
@@ -18871,8 +18868,8 @@
           </a:p>
         </p:txBody>
       </p:sp>
-      <mc:AlternateContent xmlns:mc="http://schemas.openxmlformats.org/markup-compatibility/2006" xmlns:a14="http://schemas.microsoft.com/office/drawing/2010/main">
-        <mc:Choice Requires="a14">
+      <mc:AlternateContent xmlns:mc="http://schemas.openxmlformats.org/markup-compatibility/2006">
+        <mc:Choice xmlns:a14="http://schemas.microsoft.com/office/drawing/2010/main" Requires="a14">
           <p:sp>
             <p:nvSpPr>
               <p:cNvPr id="3" name="Content Placeholder 2">
@@ -18919,7 +18916,7 @@
                 <a:pPr lvl="1"/>
                 <a:r>
                   <a:rPr lang="en-CA" dirty="0"/>
-                  <a:t>Examples: </a:t>
+                  <a:t>Example: </a:t>
                 </a:r>
                 <a:r>
                   <a:rPr lang="en-CA" dirty="0">
@@ -19051,7 +19048,7 @@
             </p:txBody>
           </p:sp>
         </mc:Choice>
-        <mc:Fallback xmlns="">
+        <mc:Fallback>
           <p:sp>
             <p:nvSpPr>
               <p:cNvPr id="3" name="Content Placeholder 2">

--- a/DRAFT - Research Capstone Project v1.pptx
+++ b/DRAFT - Research Capstone Project v1.pptx
@@ -18,8 +18,8 @@
     <p:sldId id="274" r:id="rId12"/>
     <p:sldId id="275" r:id="rId13"/>
     <p:sldId id="257" r:id="rId14"/>
-    <p:sldId id="280" r:id="rId15"/>
-    <p:sldId id="279" r:id="rId16"/>
+    <p:sldId id="279" r:id="rId15"/>
+    <p:sldId id="280" r:id="rId16"/>
     <p:sldId id="262" r:id="rId17"/>
     <p:sldId id="259" r:id="rId18"/>
     <p:sldId id="263" r:id="rId19"/>
@@ -146,8 +146,8 @@
             <p14:sldId id="274"/>
             <p14:sldId id="275"/>
             <p14:sldId id="257"/>
+            <p14:sldId id="279"/>
             <p14:sldId id="280"/>
-            <p14:sldId id="279"/>
             <p14:sldId id="262"/>
             <p14:sldId id="259"/>
             <p14:sldId id="263"/>
@@ -7571,7 +7571,7 @@
           <a:p>
             <a:fld id="{4B2CACE1-0839-DD4E-8A8D-815B08AED9A4}" type="datetimeFigureOut">
               <a:rPr lang="en-US" smtClean="0"/>
-              <a:t>6/19/25</a:t>
+              <a:t>6/23/25</a:t>
             </a:fld>
             <a:endParaRPr lang="en-US"/>
           </a:p>
@@ -10724,356 +10724,6 @@
         <p:cNvPr id="1" name="">
           <a:extLst>
             <a:ext uri="{FF2B5EF4-FFF2-40B4-BE49-F238E27FC236}">
-              <a16:creationId xmlns:a16="http://schemas.microsoft.com/office/drawing/2014/main" id="{2CC1B664-34BC-3E60-0F6B-36373B099936}"/>
-            </a:ext>
-          </a:extLst>
-        </p:cNvPr>
-        <p:cNvGrpSpPr/>
-        <p:nvPr/>
-      </p:nvGrpSpPr>
-      <p:grpSpPr>
-        <a:xfrm>
-          <a:off x="0" y="0"/>
-          <a:ext cx="0" cy="0"/>
-          <a:chOff x="0" y="0"/>
-          <a:chExt cx="0" cy="0"/>
-        </a:xfrm>
-      </p:grpSpPr>
-      <p:sp>
-        <p:nvSpPr>
-          <p:cNvPr id="2" name="Title 1">
-            <a:extLst>
-              <a:ext uri="{FF2B5EF4-FFF2-40B4-BE49-F238E27FC236}">
-                <a16:creationId xmlns:a16="http://schemas.microsoft.com/office/drawing/2014/main" id="{88A1D15B-B3DE-B765-F194-E185C6B2CE22}"/>
-              </a:ext>
-            </a:extLst>
-          </p:cNvPr>
-          <p:cNvSpPr>
-            <a:spLocks noGrp="1"/>
-          </p:cNvSpPr>
-          <p:nvPr>
-            <p:ph type="title"/>
-          </p:nvPr>
-        </p:nvSpPr>
-        <p:spPr/>
-        <p:txBody>
-          <a:bodyPr>
-            <a:normAutofit/>
-          </a:bodyPr>
-          <a:lstStyle/>
-          <a:p>
-            <a:r>
-              <a:rPr lang="en-US" dirty="0"/>
-              <a:t>Brief Review of Linear Regression</a:t>
-            </a:r>
-          </a:p>
-        </p:txBody>
-      </p:sp>
-      <p:sp>
-        <p:nvSpPr>
-          <p:cNvPr id="6" name="Content Placeholder 5">
-            <a:extLst>
-              <a:ext uri="{FF2B5EF4-FFF2-40B4-BE49-F238E27FC236}">
-                <a16:creationId xmlns:a16="http://schemas.microsoft.com/office/drawing/2014/main" id="{B4AC3BAE-362B-4C79-004C-BB794F76127A}"/>
-              </a:ext>
-            </a:extLst>
-          </p:cNvPr>
-          <p:cNvSpPr>
-            <a:spLocks noGrp="1"/>
-          </p:cNvSpPr>
-          <p:nvPr>
-            <p:ph idx="1"/>
-          </p:nvPr>
-        </p:nvSpPr>
-        <p:spPr/>
-        <p:txBody>
-          <a:bodyPr/>
-          <a:lstStyle/>
-          <a:p>
-            <a:r>
-              <a:rPr lang="en-CA" dirty="0"/>
-              <a:t>In R (or RStudio):</a:t>
-            </a:r>
-          </a:p>
-          <a:p>
-            <a:pPr marL="230400" indent="0">
-              <a:buNone/>
-            </a:pPr>
-            <a:r>
-              <a:rPr lang="en-CA" sz="1800" dirty="0">
-                <a:latin typeface="Menlo" panose="020B0609030804020204" pitchFamily="49" charset="0"/>
-                <a:ea typeface="Menlo" panose="020B0609030804020204" pitchFamily="49" charset="0"/>
-                <a:cs typeface="Menlo" panose="020B0609030804020204" pitchFamily="49" charset="0"/>
-              </a:rPr>
-              <a:t>&gt; model &lt;- </a:t>
-            </a:r>
-            <a:r>
-              <a:rPr lang="en-CA" sz="1800" dirty="0">
-                <a:solidFill>
-                  <a:srgbClr val="0432FF"/>
-                </a:solidFill>
-                <a:latin typeface="Menlo" panose="020B0609030804020204" pitchFamily="49" charset="0"/>
-                <a:ea typeface="Menlo" panose="020B0609030804020204" pitchFamily="49" charset="0"/>
-                <a:cs typeface="Menlo" panose="020B0609030804020204" pitchFamily="49" charset="0"/>
-              </a:rPr>
-              <a:t>lm</a:t>
-            </a:r>
-            <a:r>
-              <a:rPr lang="en-CA" sz="1800" dirty="0">
-                <a:latin typeface="Menlo" panose="020B0609030804020204" pitchFamily="49" charset="0"/>
-                <a:ea typeface="Menlo" panose="020B0609030804020204" pitchFamily="49" charset="0"/>
-                <a:cs typeface="Menlo" panose="020B0609030804020204" pitchFamily="49" charset="0"/>
-              </a:rPr>
-              <a:t>(y ~ x1 + ... + xp, data = ...)</a:t>
-            </a:r>
-          </a:p>
-        </p:txBody>
-      </p:sp>
-      <p:sp>
-        <p:nvSpPr>
-          <p:cNvPr id="4" name="Slide Number Placeholder 3">
-            <a:extLst>
-              <a:ext uri="{FF2B5EF4-FFF2-40B4-BE49-F238E27FC236}">
-                <a16:creationId xmlns:a16="http://schemas.microsoft.com/office/drawing/2014/main" id="{D8E97E7F-C6DE-E09F-FF7A-C04B6191FF78}"/>
-              </a:ext>
-            </a:extLst>
-          </p:cNvPr>
-          <p:cNvSpPr>
-            <a:spLocks noGrp="1"/>
-          </p:cNvSpPr>
-          <p:nvPr>
-            <p:ph type="sldNum" sz="quarter" idx="12"/>
-          </p:nvPr>
-        </p:nvSpPr>
-        <p:spPr/>
-        <p:txBody>
-          <a:bodyPr/>
-          <a:lstStyle/>
-          <a:p>
-            <a:fld id="{5C35FCF4-C3EF-BD43-82E0-05BC237DAD2A}" type="slidenum">
-              <a:rPr lang="en-US" smtClean="0"/>
-              <a:pPr/>
-              <a:t>11</a:t>
-            </a:fld>
-            <a:endParaRPr lang="en-US" dirty="0"/>
-          </a:p>
-        </p:txBody>
-      </p:sp>
-      <p:graphicFrame>
-        <p:nvGraphicFramePr>
-          <p:cNvPr id="3" name="Table 2">
-            <a:extLst>
-              <a:ext uri="{FF2B5EF4-FFF2-40B4-BE49-F238E27FC236}">
-                <a16:creationId xmlns:a16="http://schemas.microsoft.com/office/drawing/2014/main" id="{CC832090-E703-D8C8-EB49-11438BA88FCF}"/>
-              </a:ext>
-            </a:extLst>
-          </p:cNvPr>
-          <p:cNvGraphicFramePr>
-            <a:graphicFrameLocks noGrp="1"/>
-          </p:cNvGraphicFramePr>
-          <p:nvPr>
-            <p:extLst>
-              <p:ext uri="{D42A27DB-BD31-4B8C-83A1-F6EECF244321}">
-                <p14:modId xmlns:p14="http://schemas.microsoft.com/office/powerpoint/2010/main" val="2502411842"/>
-              </p:ext>
-            </p:extLst>
-          </p:nvPr>
-        </p:nvGraphicFramePr>
-        <p:xfrm>
-          <a:off x="3554200" y="3713195"/>
-          <a:ext cx="5083601" cy="1381760"/>
-        </p:xfrm>
-        <a:graphic>
-          <a:graphicData uri="http://schemas.openxmlformats.org/drawingml/2006/table">
-            <a:tbl>
-              <a:tblPr firstRow="1" bandRow="1">
-                <a:tableStyleId>{9D7B26C5-4107-4FEC-AEDC-1716B250A1EF}</a:tableStyleId>
-              </a:tblPr>
-              <a:tblGrid>
-                <a:gridCol w="1355663">
-                  <a:extLst>
-                    <a:ext uri="{9D8B030D-6E8A-4147-A177-3AD203B41FA5}">
-                      <a16:colId xmlns:a16="http://schemas.microsoft.com/office/drawing/2014/main" val="238460430"/>
-                    </a:ext>
-                  </a:extLst>
-                </a:gridCol>
-                <a:gridCol w="3727938">
-                  <a:extLst>
-                    <a:ext uri="{9D8B030D-6E8A-4147-A177-3AD203B41FA5}">
-                      <a16:colId xmlns:a16="http://schemas.microsoft.com/office/drawing/2014/main" val="3672832534"/>
-                    </a:ext>
-                  </a:extLst>
-                </a:gridCol>
-              </a:tblGrid>
-              <a:tr h="370840">
-                <a:tc>
-                  <a:txBody>
-                    <a:bodyPr/>
-                    <a:lstStyle/>
-                    <a:p>
-                      <a:r>
-                        <a:rPr lang="en-CA" dirty="0"/>
-                        <a:t>Operator</a:t>
-                      </a:r>
-                    </a:p>
-                  </a:txBody>
-                  <a:tcPr/>
-                </a:tc>
-                <a:tc>
-                  <a:txBody>
-                    <a:bodyPr/>
-                    <a:lstStyle/>
-                    <a:p>
-                      <a:r>
-                        <a:rPr lang="en-CA" dirty="0"/>
-                        <a:t>Description</a:t>
-                      </a:r>
-                    </a:p>
-                  </a:txBody>
-                  <a:tcPr/>
-                </a:tc>
-                <a:extLst>
-                  <a:ext uri="{0D108BD9-81ED-4DB2-BD59-A6C34878D82A}">
-                    <a16:rowId xmlns:a16="http://schemas.microsoft.com/office/drawing/2014/main" val="2326783055"/>
-                  </a:ext>
-                </a:extLst>
-              </a:tr>
-              <a:tr h="370840">
-                <a:tc>
-                  <a:txBody>
-                    <a:bodyPr/>
-                    <a:lstStyle/>
-                    <a:p>
-                      <a:r>
-                        <a:rPr lang="en-CA" dirty="0">
-                          <a:latin typeface="Menlo" panose="020B0609030804020204" pitchFamily="49" charset="0"/>
-                          <a:ea typeface="Menlo" panose="020B0609030804020204" pitchFamily="49" charset="0"/>
-                          <a:cs typeface="Menlo" panose="020B0609030804020204" pitchFamily="49" charset="0"/>
-                        </a:rPr>
-                        <a:t>&lt;-</a:t>
-                      </a:r>
-                      <a:r>
-                        <a:rPr lang="en-CA" dirty="0"/>
-                        <a:t>  or  </a:t>
-                      </a:r>
-                      <a:r>
-                        <a:rPr lang="en-CA" dirty="0">
-                          <a:latin typeface="Menlo" panose="020B0609030804020204" pitchFamily="49" charset="0"/>
-                          <a:ea typeface="Menlo" panose="020B0609030804020204" pitchFamily="49" charset="0"/>
-                          <a:cs typeface="Menlo" panose="020B0609030804020204" pitchFamily="49" charset="0"/>
-                        </a:rPr>
-                        <a:t>=</a:t>
-                      </a:r>
-                    </a:p>
-                  </a:txBody>
-                  <a:tcPr>
-                    <a:solidFill>
-                      <a:schemeClr val="tx2">
-                        <a:lumMod val="60000"/>
-                        <a:lumOff val="40000"/>
-                        <a:alpha val="20000"/>
-                      </a:schemeClr>
-                    </a:solidFill>
-                  </a:tcPr>
-                </a:tc>
-                <a:tc>
-                  <a:txBody>
-                    <a:bodyPr/>
-                    <a:lstStyle/>
-                    <a:p>
-                      <a:r>
-                        <a:rPr lang="en-CA" dirty="0"/>
-                        <a:t>Assign a value to a variable.</a:t>
-                      </a:r>
-                    </a:p>
-                  </a:txBody>
-                  <a:tcPr>
-                    <a:solidFill>
-                      <a:schemeClr val="tx2">
-                        <a:lumMod val="60000"/>
-                        <a:lumOff val="40000"/>
-                        <a:alpha val="20000"/>
-                      </a:schemeClr>
-                    </a:solidFill>
-                  </a:tcPr>
-                </a:tc>
-                <a:extLst>
-                  <a:ext uri="{0D108BD9-81ED-4DB2-BD59-A6C34878D82A}">
-                    <a16:rowId xmlns:a16="http://schemas.microsoft.com/office/drawing/2014/main" val="3052857624"/>
-                  </a:ext>
-                </a:extLst>
-              </a:tr>
-              <a:tr h="370840">
-                <a:tc>
-                  <a:txBody>
-                    <a:bodyPr/>
-                    <a:lstStyle/>
-                    <a:p>
-                      <a:r>
-                        <a:rPr lang="en-CA" dirty="0">
-                          <a:latin typeface="Menlo" panose="020B0609030804020204" pitchFamily="49" charset="0"/>
-                          <a:ea typeface="Menlo" panose="020B0609030804020204" pitchFamily="49" charset="0"/>
-                          <a:cs typeface="Menlo" panose="020B0609030804020204" pitchFamily="49" charset="0"/>
-                        </a:rPr>
-                        <a:t>~</a:t>
-                      </a:r>
-                      <a:r>
-                        <a:rPr lang="en-CA" dirty="0"/>
-                        <a:t>  (tilde)</a:t>
-                      </a:r>
-                      <a:endParaRPr lang="en-CA" dirty="0">
-                        <a:latin typeface="+mn-lt"/>
-                        <a:ea typeface="Menlo" panose="020B0609030804020204" pitchFamily="49" charset="0"/>
-                        <a:cs typeface="Menlo" panose="020B0609030804020204" pitchFamily="49" charset="0"/>
-                      </a:endParaRPr>
-                    </a:p>
-                  </a:txBody>
-                  <a:tcPr/>
-                </a:tc>
-                <a:tc>
-                  <a:txBody>
-                    <a:bodyPr/>
-                    <a:lstStyle/>
-                    <a:p>
-                      <a:r>
-                        <a:rPr lang="en-CA" dirty="0"/>
-                        <a:t>Define formula/relationship between two or more variables.</a:t>
-                      </a:r>
-                    </a:p>
-                  </a:txBody>
-                  <a:tcPr/>
-                </a:tc>
-                <a:extLst>
-                  <a:ext uri="{0D108BD9-81ED-4DB2-BD59-A6C34878D82A}">
-                    <a16:rowId xmlns:a16="http://schemas.microsoft.com/office/drawing/2014/main" val="1533640873"/>
-                  </a:ext>
-                </a:extLst>
-              </a:tr>
-            </a:tbl>
-          </a:graphicData>
-        </a:graphic>
-      </p:graphicFrame>
-    </p:spTree>
-    <p:extLst>
-      <p:ext uri="{BB962C8B-B14F-4D97-AF65-F5344CB8AC3E}">
-        <p14:creationId xmlns:p14="http://schemas.microsoft.com/office/powerpoint/2010/main" val="1357273619"/>
-      </p:ext>
-    </p:extLst>
-  </p:cSld>
-  <p:clrMapOvr>
-    <a:masterClrMapping/>
-  </p:clrMapOvr>
-</p:sld>
-</file>
-
-<file path=ppt/slides/slide12.xml><?xml version="1.0" encoding="utf-8"?>
-<p:sld xmlns:a="http://schemas.openxmlformats.org/drawingml/2006/main" xmlns:r="http://schemas.openxmlformats.org/officeDocument/2006/relationships" xmlns:p="http://schemas.openxmlformats.org/presentationml/2006/main">
-  <p:cSld>
-    <p:spTree>
-      <p:nvGrpSpPr>
-        <p:cNvPr id="1" name="">
-          <a:extLst>
-            <a:ext uri="{FF2B5EF4-FFF2-40B4-BE49-F238E27FC236}">
               <a16:creationId xmlns:a16="http://schemas.microsoft.com/office/drawing/2014/main" id="{8224CB24-A2E6-607A-EB96-57A774256877}"/>
             </a:ext>
           </a:extLst>
@@ -11389,7 +11039,7 @@
             <a:fld id="{5C35FCF4-C3EF-BD43-82E0-05BC237DAD2A}" type="slidenum">
               <a:rPr lang="en-US" smtClean="0"/>
               <a:pPr/>
-              <a:t>12</a:t>
+              <a:t>11</a:t>
             </a:fld>
             <a:endParaRPr lang="en-US" dirty="0"/>
           </a:p>
@@ -11756,6 +11406,356 @@
     <p:extLst>
       <p:ext uri="{BB962C8B-B14F-4D97-AF65-F5344CB8AC3E}">
         <p14:creationId xmlns:p14="http://schemas.microsoft.com/office/powerpoint/2010/main" val="1436351920"/>
+      </p:ext>
+    </p:extLst>
+  </p:cSld>
+  <p:clrMapOvr>
+    <a:masterClrMapping/>
+  </p:clrMapOvr>
+</p:sld>
+</file>
+
+<file path=ppt/slides/slide12.xml><?xml version="1.0" encoding="utf-8"?>
+<p:sld xmlns:a="http://schemas.openxmlformats.org/drawingml/2006/main" xmlns:r="http://schemas.openxmlformats.org/officeDocument/2006/relationships" xmlns:p="http://schemas.openxmlformats.org/presentationml/2006/main">
+  <p:cSld>
+    <p:spTree>
+      <p:nvGrpSpPr>
+        <p:cNvPr id="1" name="">
+          <a:extLst>
+            <a:ext uri="{FF2B5EF4-FFF2-40B4-BE49-F238E27FC236}">
+              <a16:creationId xmlns:a16="http://schemas.microsoft.com/office/drawing/2014/main" id="{2CC1B664-34BC-3E60-0F6B-36373B099936}"/>
+            </a:ext>
+          </a:extLst>
+        </p:cNvPr>
+        <p:cNvGrpSpPr/>
+        <p:nvPr/>
+      </p:nvGrpSpPr>
+      <p:grpSpPr>
+        <a:xfrm>
+          <a:off x="0" y="0"/>
+          <a:ext cx="0" cy="0"/>
+          <a:chOff x="0" y="0"/>
+          <a:chExt cx="0" cy="0"/>
+        </a:xfrm>
+      </p:grpSpPr>
+      <p:sp>
+        <p:nvSpPr>
+          <p:cNvPr id="2" name="Title 1">
+            <a:extLst>
+              <a:ext uri="{FF2B5EF4-FFF2-40B4-BE49-F238E27FC236}">
+                <a16:creationId xmlns:a16="http://schemas.microsoft.com/office/drawing/2014/main" id="{88A1D15B-B3DE-B765-F194-E185C6B2CE22}"/>
+              </a:ext>
+            </a:extLst>
+          </p:cNvPr>
+          <p:cNvSpPr>
+            <a:spLocks noGrp="1"/>
+          </p:cNvSpPr>
+          <p:nvPr>
+            <p:ph type="title"/>
+          </p:nvPr>
+        </p:nvSpPr>
+        <p:spPr/>
+        <p:txBody>
+          <a:bodyPr>
+            <a:normAutofit/>
+          </a:bodyPr>
+          <a:lstStyle/>
+          <a:p>
+            <a:r>
+              <a:rPr lang="en-US" dirty="0"/>
+              <a:t>Brief Review of Linear Regression</a:t>
+            </a:r>
+          </a:p>
+        </p:txBody>
+      </p:sp>
+      <p:sp>
+        <p:nvSpPr>
+          <p:cNvPr id="6" name="Content Placeholder 5">
+            <a:extLst>
+              <a:ext uri="{FF2B5EF4-FFF2-40B4-BE49-F238E27FC236}">
+                <a16:creationId xmlns:a16="http://schemas.microsoft.com/office/drawing/2014/main" id="{B4AC3BAE-362B-4C79-004C-BB794F76127A}"/>
+              </a:ext>
+            </a:extLst>
+          </p:cNvPr>
+          <p:cNvSpPr>
+            <a:spLocks noGrp="1"/>
+          </p:cNvSpPr>
+          <p:nvPr>
+            <p:ph idx="1"/>
+          </p:nvPr>
+        </p:nvSpPr>
+        <p:spPr/>
+        <p:txBody>
+          <a:bodyPr/>
+          <a:lstStyle/>
+          <a:p>
+            <a:r>
+              <a:rPr lang="en-CA" dirty="0"/>
+              <a:t>In R (or RStudio):</a:t>
+            </a:r>
+          </a:p>
+          <a:p>
+            <a:pPr marL="230400" indent="0">
+              <a:buNone/>
+            </a:pPr>
+            <a:r>
+              <a:rPr lang="en-CA" sz="1800" dirty="0">
+                <a:latin typeface="Menlo" panose="020B0609030804020204" pitchFamily="49" charset="0"/>
+                <a:ea typeface="Menlo" panose="020B0609030804020204" pitchFamily="49" charset="0"/>
+                <a:cs typeface="Menlo" panose="020B0609030804020204" pitchFamily="49" charset="0"/>
+              </a:rPr>
+              <a:t>&gt; model &lt;- </a:t>
+            </a:r>
+            <a:r>
+              <a:rPr lang="en-CA" sz="1800" dirty="0">
+                <a:solidFill>
+                  <a:srgbClr val="0432FF"/>
+                </a:solidFill>
+                <a:latin typeface="Menlo" panose="020B0609030804020204" pitchFamily="49" charset="0"/>
+                <a:ea typeface="Menlo" panose="020B0609030804020204" pitchFamily="49" charset="0"/>
+                <a:cs typeface="Menlo" panose="020B0609030804020204" pitchFamily="49" charset="0"/>
+              </a:rPr>
+              <a:t>lm</a:t>
+            </a:r>
+            <a:r>
+              <a:rPr lang="en-CA" sz="1800" dirty="0">
+                <a:latin typeface="Menlo" panose="020B0609030804020204" pitchFamily="49" charset="0"/>
+                <a:ea typeface="Menlo" panose="020B0609030804020204" pitchFamily="49" charset="0"/>
+                <a:cs typeface="Menlo" panose="020B0609030804020204" pitchFamily="49" charset="0"/>
+              </a:rPr>
+              <a:t>(y ~ x1 + ... + xp, data = ...)</a:t>
+            </a:r>
+          </a:p>
+        </p:txBody>
+      </p:sp>
+      <p:sp>
+        <p:nvSpPr>
+          <p:cNvPr id="4" name="Slide Number Placeholder 3">
+            <a:extLst>
+              <a:ext uri="{FF2B5EF4-FFF2-40B4-BE49-F238E27FC236}">
+                <a16:creationId xmlns:a16="http://schemas.microsoft.com/office/drawing/2014/main" id="{D8E97E7F-C6DE-E09F-FF7A-C04B6191FF78}"/>
+              </a:ext>
+            </a:extLst>
+          </p:cNvPr>
+          <p:cNvSpPr>
+            <a:spLocks noGrp="1"/>
+          </p:cNvSpPr>
+          <p:nvPr>
+            <p:ph type="sldNum" sz="quarter" idx="12"/>
+          </p:nvPr>
+        </p:nvSpPr>
+        <p:spPr/>
+        <p:txBody>
+          <a:bodyPr/>
+          <a:lstStyle/>
+          <a:p>
+            <a:fld id="{5C35FCF4-C3EF-BD43-82E0-05BC237DAD2A}" type="slidenum">
+              <a:rPr lang="en-US" smtClean="0"/>
+              <a:pPr/>
+              <a:t>12</a:t>
+            </a:fld>
+            <a:endParaRPr lang="en-US" dirty="0"/>
+          </a:p>
+        </p:txBody>
+      </p:sp>
+      <p:graphicFrame>
+        <p:nvGraphicFramePr>
+          <p:cNvPr id="3" name="Table 2">
+            <a:extLst>
+              <a:ext uri="{FF2B5EF4-FFF2-40B4-BE49-F238E27FC236}">
+                <a16:creationId xmlns:a16="http://schemas.microsoft.com/office/drawing/2014/main" id="{CC832090-E703-D8C8-EB49-11438BA88FCF}"/>
+              </a:ext>
+            </a:extLst>
+          </p:cNvPr>
+          <p:cNvGraphicFramePr>
+            <a:graphicFrameLocks noGrp="1"/>
+          </p:cNvGraphicFramePr>
+          <p:nvPr>
+            <p:extLst>
+              <p:ext uri="{D42A27DB-BD31-4B8C-83A1-F6EECF244321}">
+                <p14:modId xmlns:p14="http://schemas.microsoft.com/office/powerpoint/2010/main" val="2502411842"/>
+              </p:ext>
+            </p:extLst>
+          </p:nvPr>
+        </p:nvGraphicFramePr>
+        <p:xfrm>
+          <a:off x="3554200" y="3713195"/>
+          <a:ext cx="5083601" cy="1381760"/>
+        </p:xfrm>
+        <a:graphic>
+          <a:graphicData uri="http://schemas.openxmlformats.org/drawingml/2006/table">
+            <a:tbl>
+              <a:tblPr firstRow="1" bandRow="1">
+                <a:tableStyleId>{9D7B26C5-4107-4FEC-AEDC-1716B250A1EF}</a:tableStyleId>
+              </a:tblPr>
+              <a:tblGrid>
+                <a:gridCol w="1355663">
+                  <a:extLst>
+                    <a:ext uri="{9D8B030D-6E8A-4147-A177-3AD203B41FA5}">
+                      <a16:colId xmlns:a16="http://schemas.microsoft.com/office/drawing/2014/main" val="238460430"/>
+                    </a:ext>
+                  </a:extLst>
+                </a:gridCol>
+                <a:gridCol w="3727938">
+                  <a:extLst>
+                    <a:ext uri="{9D8B030D-6E8A-4147-A177-3AD203B41FA5}">
+                      <a16:colId xmlns:a16="http://schemas.microsoft.com/office/drawing/2014/main" val="3672832534"/>
+                    </a:ext>
+                  </a:extLst>
+                </a:gridCol>
+              </a:tblGrid>
+              <a:tr h="370840">
+                <a:tc>
+                  <a:txBody>
+                    <a:bodyPr/>
+                    <a:lstStyle/>
+                    <a:p>
+                      <a:r>
+                        <a:rPr lang="en-CA" dirty="0"/>
+                        <a:t>Operator</a:t>
+                      </a:r>
+                    </a:p>
+                  </a:txBody>
+                  <a:tcPr/>
+                </a:tc>
+                <a:tc>
+                  <a:txBody>
+                    <a:bodyPr/>
+                    <a:lstStyle/>
+                    <a:p>
+                      <a:r>
+                        <a:rPr lang="en-CA" dirty="0"/>
+                        <a:t>Description</a:t>
+                      </a:r>
+                    </a:p>
+                  </a:txBody>
+                  <a:tcPr/>
+                </a:tc>
+                <a:extLst>
+                  <a:ext uri="{0D108BD9-81ED-4DB2-BD59-A6C34878D82A}">
+                    <a16:rowId xmlns:a16="http://schemas.microsoft.com/office/drawing/2014/main" val="2326783055"/>
+                  </a:ext>
+                </a:extLst>
+              </a:tr>
+              <a:tr h="370840">
+                <a:tc>
+                  <a:txBody>
+                    <a:bodyPr/>
+                    <a:lstStyle/>
+                    <a:p>
+                      <a:r>
+                        <a:rPr lang="en-CA" dirty="0">
+                          <a:latin typeface="Menlo" panose="020B0609030804020204" pitchFamily="49" charset="0"/>
+                          <a:ea typeface="Menlo" panose="020B0609030804020204" pitchFamily="49" charset="0"/>
+                          <a:cs typeface="Menlo" panose="020B0609030804020204" pitchFamily="49" charset="0"/>
+                        </a:rPr>
+                        <a:t>&lt;-</a:t>
+                      </a:r>
+                      <a:r>
+                        <a:rPr lang="en-CA" dirty="0"/>
+                        <a:t>  or  </a:t>
+                      </a:r>
+                      <a:r>
+                        <a:rPr lang="en-CA" dirty="0">
+                          <a:latin typeface="Menlo" panose="020B0609030804020204" pitchFamily="49" charset="0"/>
+                          <a:ea typeface="Menlo" panose="020B0609030804020204" pitchFamily="49" charset="0"/>
+                          <a:cs typeface="Menlo" panose="020B0609030804020204" pitchFamily="49" charset="0"/>
+                        </a:rPr>
+                        <a:t>=</a:t>
+                      </a:r>
+                    </a:p>
+                  </a:txBody>
+                  <a:tcPr>
+                    <a:solidFill>
+                      <a:schemeClr val="tx2">
+                        <a:lumMod val="60000"/>
+                        <a:lumOff val="40000"/>
+                        <a:alpha val="20000"/>
+                      </a:schemeClr>
+                    </a:solidFill>
+                  </a:tcPr>
+                </a:tc>
+                <a:tc>
+                  <a:txBody>
+                    <a:bodyPr/>
+                    <a:lstStyle/>
+                    <a:p>
+                      <a:r>
+                        <a:rPr lang="en-CA" dirty="0"/>
+                        <a:t>Assign a value to a variable.</a:t>
+                      </a:r>
+                    </a:p>
+                  </a:txBody>
+                  <a:tcPr>
+                    <a:solidFill>
+                      <a:schemeClr val="tx2">
+                        <a:lumMod val="60000"/>
+                        <a:lumOff val="40000"/>
+                        <a:alpha val="20000"/>
+                      </a:schemeClr>
+                    </a:solidFill>
+                  </a:tcPr>
+                </a:tc>
+                <a:extLst>
+                  <a:ext uri="{0D108BD9-81ED-4DB2-BD59-A6C34878D82A}">
+                    <a16:rowId xmlns:a16="http://schemas.microsoft.com/office/drawing/2014/main" val="3052857624"/>
+                  </a:ext>
+                </a:extLst>
+              </a:tr>
+              <a:tr h="370840">
+                <a:tc>
+                  <a:txBody>
+                    <a:bodyPr/>
+                    <a:lstStyle/>
+                    <a:p>
+                      <a:r>
+                        <a:rPr lang="en-CA" dirty="0">
+                          <a:latin typeface="Menlo" panose="020B0609030804020204" pitchFamily="49" charset="0"/>
+                          <a:ea typeface="Menlo" panose="020B0609030804020204" pitchFamily="49" charset="0"/>
+                          <a:cs typeface="Menlo" panose="020B0609030804020204" pitchFamily="49" charset="0"/>
+                        </a:rPr>
+                        <a:t>~</a:t>
+                      </a:r>
+                      <a:r>
+                        <a:rPr lang="en-CA" dirty="0"/>
+                        <a:t>  (tilde)</a:t>
+                      </a:r>
+                      <a:endParaRPr lang="en-CA" dirty="0">
+                        <a:latin typeface="+mn-lt"/>
+                        <a:ea typeface="Menlo" panose="020B0609030804020204" pitchFamily="49" charset="0"/>
+                        <a:cs typeface="Menlo" panose="020B0609030804020204" pitchFamily="49" charset="0"/>
+                      </a:endParaRPr>
+                    </a:p>
+                  </a:txBody>
+                  <a:tcPr/>
+                </a:tc>
+                <a:tc>
+                  <a:txBody>
+                    <a:bodyPr/>
+                    <a:lstStyle/>
+                    <a:p>
+                      <a:r>
+                        <a:rPr lang="en-CA" dirty="0"/>
+                        <a:t>Define formula/relationship between two or more variables.</a:t>
+                      </a:r>
+                    </a:p>
+                  </a:txBody>
+                  <a:tcPr/>
+                </a:tc>
+                <a:extLst>
+                  <a:ext uri="{0D108BD9-81ED-4DB2-BD59-A6C34878D82A}">
+                    <a16:rowId xmlns:a16="http://schemas.microsoft.com/office/drawing/2014/main" val="1533640873"/>
+                  </a:ext>
+                </a:extLst>
+              </a:tr>
+            </a:tbl>
+          </a:graphicData>
+        </a:graphic>
+      </p:graphicFrame>
+    </p:spTree>
+    <p:extLst>
+      <p:ext uri="{BB962C8B-B14F-4D97-AF65-F5344CB8AC3E}">
+        <p14:creationId xmlns:p14="http://schemas.microsoft.com/office/powerpoint/2010/main" val="1357273619"/>
       </p:ext>
     </p:extLst>
   </p:cSld>
@@ -18479,8 +18479,8 @@
           </a:p>
         </p:txBody>
       </p:sp>
-      <mc:AlternateContent xmlns:mc="http://schemas.openxmlformats.org/markup-compatibility/2006">
-        <mc:Choice xmlns:a14="http://schemas.microsoft.com/office/drawing/2010/main" Requires="a14">
+      <mc:AlternateContent xmlns:mc="http://schemas.openxmlformats.org/markup-compatibility/2006" xmlns:a14="http://schemas.microsoft.com/office/drawing/2010/main">
+        <mc:Choice Requires="a14">
           <p:sp>
             <p:nvSpPr>
               <p:cNvPr id="3" name="Content Placeholder 2">
@@ -18734,7 +18734,7 @@
             </p:txBody>
           </p:sp>
         </mc:Choice>
-        <mc:Fallback>
+        <mc:Fallback xmlns="">
           <p:sp>
             <p:nvSpPr>
               <p:cNvPr id="3" name="Content Placeholder 2">
@@ -18868,8 +18868,8 @@
           </a:p>
         </p:txBody>
       </p:sp>
-      <mc:AlternateContent xmlns:mc="http://schemas.openxmlformats.org/markup-compatibility/2006">
-        <mc:Choice xmlns:a14="http://schemas.microsoft.com/office/drawing/2010/main" Requires="a14">
+      <mc:AlternateContent xmlns:mc="http://schemas.openxmlformats.org/markup-compatibility/2006" xmlns:a14="http://schemas.microsoft.com/office/drawing/2010/main">
+        <mc:Choice Requires="a14">
           <p:sp>
             <p:nvSpPr>
               <p:cNvPr id="3" name="Content Placeholder 2">
@@ -19048,7 +19048,7 @@
             </p:txBody>
           </p:sp>
         </mc:Choice>
-        <mc:Fallback>
+        <mc:Fallback xmlns="">
           <p:sp>
             <p:nvSpPr>
               <p:cNvPr id="3" name="Content Placeholder 2">
@@ -19731,6 +19731,29 @@
 </file>
 
 <file path=customXml/item2.xml><?xml version="1.0" encoding="utf-8"?>
+<p:properties xmlns:p="http://schemas.microsoft.com/office/2006/metadata/properties" xmlns:xsi="http://www.w3.org/2001/XMLSchema-instance" xmlns:pc="http://schemas.microsoft.com/office/infopath/2007/PartnerControls">
+  <documentManagement>
+    <SharedWithUsers xmlns="7a4191d5-9b76-4ae3-8401-87ceee92a846">
+      <UserInfo>
+        <DisplayName>Office Of Advancement Visitors</DisplayName>
+        <AccountId>4</AccountId>
+        <AccountType/>
+      </UserInfo>
+      <UserInfo>
+        <DisplayName>UCalgary Brand</DisplayName>
+        <AccountId>15</AccountId>
+        <AccountType/>
+      </UserInfo>
+    </SharedWithUsers>
+    <TaxCatchAll xmlns="7a4191d5-9b76-4ae3-8401-87ceee92a846" xsi:nil="true"/>
+    <lcf76f155ced4ddcb4097134ff3c332f xmlns="b9b0194d-1e98-4efc-bad5-9450f4bf7a13">
+      <Terms xmlns="http://schemas.microsoft.com/office/infopath/2007/PartnerControls"/>
+    </lcf76f155ced4ddcb4097134ff3c332f>
+  </documentManagement>
+</p:properties>
+</file>
+
+<file path=customXml/item3.xml><?xml version="1.0" encoding="utf-8"?>
 <ct:contentTypeSchema xmlns:ct="http://schemas.microsoft.com/office/2006/metadata/contentType" xmlns:ma="http://schemas.microsoft.com/office/2006/metadata/properties/metaAttributes" ct:_="" ma:_="" ma:contentTypeName="文档" ma:contentTypeID="0x010100A14D9A0FA515564792FEACC70AB1043E" ma:contentTypeVersion="15" ma:contentTypeDescription="Create a new document." ma:contentTypeScope="" ma:versionID="268d53061a527a1a15b3a06f324de7ac">
   <xsd:schema xmlns:xsd="http://www.w3.org/2001/XMLSchema" xmlns:xs="http://www.w3.org/2001/XMLSchema" xmlns:p="http://schemas.microsoft.com/office/2006/metadata/properties" xmlns:ns2="7a4191d5-9b76-4ae3-8401-87ceee92a846" xmlns:ns3="b9b0194d-1e98-4efc-bad5-9450f4bf7a13" targetNamespace="http://schemas.microsoft.com/office/2006/metadata/properties" ma:root="true" ma:fieldsID="602eb0f4584b499882d83f15ecf09c65" ns2:_="" ns3:_="">
     <xsd:import namespace="7a4191d5-9b76-4ae3-8401-87ceee92a846"/>
@@ -19953,29 +19976,6 @@
 </ct:contentTypeSchema>
 </file>
 
-<file path=customXml/item3.xml><?xml version="1.0" encoding="utf-8"?>
-<p:properties xmlns:p="http://schemas.microsoft.com/office/2006/metadata/properties" xmlns:xsi="http://www.w3.org/2001/XMLSchema-instance" xmlns:pc="http://schemas.microsoft.com/office/infopath/2007/PartnerControls">
-  <documentManagement>
-    <SharedWithUsers xmlns="7a4191d5-9b76-4ae3-8401-87ceee92a846">
-      <UserInfo>
-        <DisplayName>Office Of Advancement Visitors</DisplayName>
-        <AccountId>4</AccountId>
-        <AccountType/>
-      </UserInfo>
-      <UserInfo>
-        <DisplayName>UCalgary Brand</DisplayName>
-        <AccountId>15</AccountId>
-        <AccountType/>
-      </UserInfo>
-    </SharedWithUsers>
-    <TaxCatchAll xmlns="7a4191d5-9b76-4ae3-8401-87ceee92a846" xsi:nil="true"/>
-    <lcf76f155ced4ddcb4097134ff3c332f xmlns="b9b0194d-1e98-4efc-bad5-9450f4bf7a13">
-      <Terms xmlns="http://schemas.microsoft.com/office/infopath/2007/PartnerControls"/>
-    </lcf76f155ced4ddcb4097134ff3c332f>
-  </documentManagement>
-</p:properties>
-</file>
-
 <file path=customXml/itemProps1.xml><?xml version="1.0" encoding="utf-8"?>
 <ds:datastoreItem xmlns:ds="http://schemas.openxmlformats.org/officeDocument/2006/customXml" ds:itemID="{67A4AE25-BBA1-49A6-B4F8-E97286BA017A}">
   <ds:schemaRefs>
@@ -19985,6 +19985,17 @@
 </file>
 
 <file path=customXml/itemProps2.xml><?xml version="1.0" encoding="utf-8"?>
+<ds:datastoreItem xmlns:ds="http://schemas.openxmlformats.org/officeDocument/2006/customXml" ds:itemID="{F0B8F560-7E6C-44AE-AFE4-924D1118F0AA}">
+  <ds:schemaRefs>
+    <ds:schemaRef ds:uri="http://schemas.microsoft.com/office/2006/metadata/properties"/>
+    <ds:schemaRef ds:uri="http://schemas.microsoft.com/office/infopath/2007/PartnerControls"/>
+    <ds:schemaRef ds:uri="7a4191d5-9b76-4ae3-8401-87ceee92a846"/>
+    <ds:schemaRef ds:uri="b9b0194d-1e98-4efc-bad5-9450f4bf7a13"/>
+  </ds:schemaRefs>
+</ds:datastoreItem>
+</file>
+
+<file path=customXml/itemProps3.xml><?xml version="1.0" encoding="utf-8"?>
 <ds:datastoreItem xmlns:ds="http://schemas.openxmlformats.org/officeDocument/2006/customXml" ds:itemID="{E8C4D92C-5791-4EB8-90FF-890DA6933338}">
   <ds:schemaRefs>
     <ds:schemaRef ds:uri="http://schemas.microsoft.com/office/2006/metadata/contentType"/>
@@ -20001,15 +20012,4 @@
     <ds:schemaRef ds:uri="http://schemas.microsoft.com/internal/obd"/>
   </ds:schemaRefs>
 </ds:datastoreItem>
-</file>
-
-<file path=customXml/itemProps3.xml><?xml version="1.0" encoding="utf-8"?>
-<ds:datastoreItem xmlns:ds="http://schemas.openxmlformats.org/officeDocument/2006/customXml" ds:itemID="{F0B8F560-7E6C-44AE-AFE4-924D1118F0AA}">
-  <ds:schemaRefs>
-    <ds:schemaRef ds:uri="http://schemas.microsoft.com/office/2006/metadata/properties"/>
-    <ds:schemaRef ds:uri="http://schemas.microsoft.com/office/infopath/2007/PartnerControls"/>
-    <ds:schemaRef ds:uri="7a4191d5-9b76-4ae3-8401-87ceee92a846"/>
-    <ds:schemaRef ds:uri="b9b0194d-1e98-4efc-bad5-9450f4bf7a13"/>
-  </ds:schemaRefs>
-</ds:datastoreItem>
 </file>
--- a/DRAFT - Research Capstone Project v1.pptx
+++ b/DRAFT - Research Capstone Project v1.pptx
@@ -5,7 +5,7 @@
     <p:sldMasterId id="2147483648" r:id="rId4"/>
   </p:sldMasterIdLst>
   <p:notesMasterIdLst>
-    <p:notesMasterId r:id="rId26"/>
+    <p:notesMasterId r:id="rId25"/>
   </p:notesMasterIdLst>
   <p:sldIdLst>
     <p:sldId id="256" r:id="rId5"/>
@@ -27,8 +27,7 @@
     <p:sldId id="265" r:id="rId21"/>
     <p:sldId id="266" r:id="rId22"/>
     <p:sldId id="267" r:id="rId23"/>
-    <p:sldId id="281" r:id="rId24"/>
-    <p:sldId id="276" r:id="rId25"/>
+    <p:sldId id="276" r:id="rId24"/>
   </p:sldIdLst>
   <p:sldSz cx="12192000" cy="6858000"/>
   <p:notesSz cx="6858000" cy="9144000"/>
@@ -155,7 +154,6 @@
             <p14:sldId id="265"/>
             <p14:sldId id="266"/>
             <p14:sldId id="267"/>
-            <p14:sldId id="281"/>
           </p14:sldIdLst>
         </p14:section>
         <p14:section name="References" id="{40F15CAC-8DAD-3249-8E13-F4A4FA175033}">
@@ -7571,7 +7569,7 @@
           <a:p>
             <a:fld id="{4B2CACE1-0839-DD4E-8A8D-815B08AED9A4}" type="datetimeFigureOut">
               <a:rPr lang="en-US" smtClean="0"/>
-              <a:t>6/23/25</a:t>
+              <a:t>6/27/25</a:t>
             </a:fld>
             <a:endParaRPr lang="en-US"/>
           </a:p>
@@ -17306,119 +17304,6 @@
           <p:cNvPr id="2" name="Title 1">
             <a:extLst>
               <a:ext uri="{FF2B5EF4-FFF2-40B4-BE49-F238E27FC236}">
-                <a16:creationId xmlns:a16="http://schemas.microsoft.com/office/drawing/2014/main" id="{942AAE65-79BF-D44D-EAFA-E2AB203E1648}"/>
-              </a:ext>
-            </a:extLst>
-          </p:cNvPr>
-          <p:cNvSpPr>
-            <a:spLocks noGrp="1"/>
-          </p:cNvSpPr>
-          <p:nvPr>
-            <p:ph type="title"/>
-          </p:nvPr>
-        </p:nvSpPr>
-        <p:spPr/>
-        <p:txBody>
-          <a:bodyPr/>
-          <a:lstStyle/>
-          <a:p>
-            <a:r>
-              <a:rPr lang="en-CA" dirty="0"/>
-              <a:t>Example:</a:t>
-            </a:r>
-          </a:p>
-        </p:txBody>
-      </p:sp>
-      <p:sp>
-        <p:nvSpPr>
-          <p:cNvPr id="3" name="Content Placeholder 2">
-            <a:extLst>
-              <a:ext uri="{FF2B5EF4-FFF2-40B4-BE49-F238E27FC236}">
-                <a16:creationId xmlns:a16="http://schemas.microsoft.com/office/drawing/2014/main" id="{0317EFDC-4AB4-3B14-B7DB-7AE2BF338B00}"/>
-              </a:ext>
-            </a:extLst>
-          </p:cNvPr>
-          <p:cNvSpPr>
-            <a:spLocks noGrp="1"/>
-          </p:cNvSpPr>
-          <p:nvPr>
-            <p:ph idx="1"/>
-          </p:nvPr>
-        </p:nvSpPr>
-        <p:spPr/>
-        <p:txBody>
-          <a:bodyPr/>
-          <a:lstStyle/>
-          <a:p>
-            <a:endParaRPr lang="en-CA"/>
-          </a:p>
-        </p:txBody>
-      </p:sp>
-      <p:sp>
-        <p:nvSpPr>
-          <p:cNvPr id="4" name="Slide Number Placeholder 3">
-            <a:extLst>
-              <a:ext uri="{FF2B5EF4-FFF2-40B4-BE49-F238E27FC236}">
-                <a16:creationId xmlns:a16="http://schemas.microsoft.com/office/drawing/2014/main" id="{4893EA8B-5CEF-CC70-2E07-B067293A2ABC}"/>
-              </a:ext>
-            </a:extLst>
-          </p:cNvPr>
-          <p:cNvSpPr>
-            <a:spLocks noGrp="1"/>
-          </p:cNvSpPr>
-          <p:nvPr>
-            <p:ph type="sldNum" sz="quarter" idx="12"/>
-          </p:nvPr>
-        </p:nvSpPr>
-        <p:spPr/>
-        <p:txBody>
-          <a:bodyPr/>
-          <a:lstStyle/>
-          <a:p>
-            <a:fld id="{5C35FCF4-C3EF-BD43-82E0-05BC237DAD2A}" type="slidenum">
-              <a:rPr lang="en-US" smtClean="0"/>
-              <a:pPr/>
-              <a:t>20</a:t>
-            </a:fld>
-            <a:endParaRPr lang="en-US" dirty="0"/>
-          </a:p>
-        </p:txBody>
-      </p:sp>
-    </p:spTree>
-    <p:extLst>
-      <p:ext uri="{BB962C8B-B14F-4D97-AF65-F5344CB8AC3E}">
-        <p14:creationId xmlns:p14="http://schemas.microsoft.com/office/powerpoint/2010/main" val="2340486938"/>
-      </p:ext>
-    </p:extLst>
-  </p:cSld>
-  <p:clrMapOvr>
-    <a:masterClrMapping/>
-  </p:clrMapOvr>
-</p:sld>
-</file>
-
-<file path=ppt/slides/slide21.xml><?xml version="1.0" encoding="utf-8"?>
-<p:sld xmlns:a="http://schemas.openxmlformats.org/drawingml/2006/main" xmlns:r="http://schemas.openxmlformats.org/officeDocument/2006/relationships" xmlns:p="http://schemas.openxmlformats.org/presentationml/2006/main">
-  <p:cSld>
-    <p:spTree>
-      <p:nvGrpSpPr>
-        <p:cNvPr id="1" name=""/>
-        <p:cNvGrpSpPr/>
-        <p:nvPr/>
-      </p:nvGrpSpPr>
-      <p:grpSpPr>
-        <a:xfrm>
-          <a:off x="0" y="0"/>
-          <a:ext cx="0" cy="0"/>
-          <a:chOff x="0" y="0"/>
-          <a:chExt cx="0" cy="0"/>
-        </a:xfrm>
-      </p:grpSpPr>
-      <p:sp>
-        <p:nvSpPr>
-          <p:cNvPr id="2" name="Title 1">
-            <a:extLst>
-              <a:ext uri="{FF2B5EF4-FFF2-40B4-BE49-F238E27FC236}">
                 <a16:creationId xmlns:a16="http://schemas.microsoft.com/office/drawing/2014/main" id="{9DD3ED20-6D4D-F8BB-CBC8-EA0245CB872C}"/>
               </a:ext>
             </a:extLst>
@@ -17484,7 +17369,15 @@
             </a:br>
             <a:r>
               <a:rPr lang="en-CA" dirty="0"/>
-              <a:t>John Wiley &amp; Sons, Incorporated.</a:t>
+              <a:t>John Wiley &amp; Sons, Incorporated. </a:t>
+            </a:r>
+            <a:r>
+              <a:rPr lang="en-CA" u="sng" dirty="0">
+                <a:solidFill>
+                  <a:schemeClr val="accent1"/>
+                </a:solidFill>
+              </a:rPr>
+              <a:t>https://doi.org/10.1002/9781118619179</a:t>
             </a:r>
           </a:p>
           <a:p>
@@ -17548,7 +17441,7 @@
             <a:fld id="{5C35FCF4-C3EF-BD43-82E0-05BC237DAD2A}" type="slidenum">
               <a:rPr lang="en-US" smtClean="0"/>
               <a:pPr/>
-              <a:t>21</a:t>
+              <a:t>20</a:t>
             </a:fld>
             <a:endParaRPr lang="en-US" dirty="0"/>
           </a:p>
@@ -19731,29 +19624,6 @@
 </file>
 
 <file path=customXml/item2.xml><?xml version="1.0" encoding="utf-8"?>
-<p:properties xmlns:p="http://schemas.microsoft.com/office/2006/metadata/properties" xmlns:xsi="http://www.w3.org/2001/XMLSchema-instance" xmlns:pc="http://schemas.microsoft.com/office/infopath/2007/PartnerControls">
-  <documentManagement>
-    <SharedWithUsers xmlns="7a4191d5-9b76-4ae3-8401-87ceee92a846">
-      <UserInfo>
-        <DisplayName>Office Of Advancement Visitors</DisplayName>
-        <AccountId>4</AccountId>
-        <AccountType/>
-      </UserInfo>
-      <UserInfo>
-        <DisplayName>UCalgary Brand</DisplayName>
-        <AccountId>15</AccountId>
-        <AccountType/>
-      </UserInfo>
-    </SharedWithUsers>
-    <TaxCatchAll xmlns="7a4191d5-9b76-4ae3-8401-87ceee92a846" xsi:nil="true"/>
-    <lcf76f155ced4ddcb4097134ff3c332f xmlns="b9b0194d-1e98-4efc-bad5-9450f4bf7a13">
-      <Terms xmlns="http://schemas.microsoft.com/office/infopath/2007/PartnerControls"/>
-    </lcf76f155ced4ddcb4097134ff3c332f>
-  </documentManagement>
-</p:properties>
-</file>
-
-<file path=customXml/item3.xml><?xml version="1.0" encoding="utf-8"?>
 <ct:contentTypeSchema xmlns:ct="http://schemas.microsoft.com/office/2006/metadata/contentType" xmlns:ma="http://schemas.microsoft.com/office/2006/metadata/properties/metaAttributes" ct:_="" ma:_="" ma:contentTypeName="文档" ma:contentTypeID="0x010100A14D9A0FA515564792FEACC70AB1043E" ma:contentTypeVersion="15" ma:contentTypeDescription="Create a new document." ma:contentTypeScope="" ma:versionID="268d53061a527a1a15b3a06f324de7ac">
   <xsd:schema xmlns:xsd="http://www.w3.org/2001/XMLSchema" xmlns:xs="http://www.w3.org/2001/XMLSchema" xmlns:p="http://schemas.microsoft.com/office/2006/metadata/properties" xmlns:ns2="7a4191d5-9b76-4ae3-8401-87ceee92a846" xmlns:ns3="b9b0194d-1e98-4efc-bad5-9450f4bf7a13" targetNamespace="http://schemas.microsoft.com/office/2006/metadata/properties" ma:root="true" ma:fieldsID="602eb0f4584b499882d83f15ecf09c65" ns2:_="" ns3:_="">
     <xsd:import namespace="7a4191d5-9b76-4ae3-8401-87ceee92a846"/>
@@ -19976,6 +19846,29 @@
 </ct:contentTypeSchema>
 </file>
 
+<file path=customXml/item3.xml><?xml version="1.0" encoding="utf-8"?>
+<p:properties xmlns:p="http://schemas.microsoft.com/office/2006/metadata/properties" xmlns:xsi="http://www.w3.org/2001/XMLSchema-instance" xmlns:pc="http://schemas.microsoft.com/office/infopath/2007/PartnerControls">
+  <documentManagement>
+    <SharedWithUsers xmlns="7a4191d5-9b76-4ae3-8401-87ceee92a846">
+      <UserInfo>
+        <DisplayName>Office Of Advancement Visitors</DisplayName>
+        <AccountId>4</AccountId>
+        <AccountType/>
+      </UserInfo>
+      <UserInfo>
+        <DisplayName>UCalgary Brand</DisplayName>
+        <AccountId>15</AccountId>
+        <AccountType/>
+      </UserInfo>
+    </SharedWithUsers>
+    <TaxCatchAll xmlns="7a4191d5-9b76-4ae3-8401-87ceee92a846" xsi:nil="true"/>
+    <lcf76f155ced4ddcb4097134ff3c332f xmlns="b9b0194d-1e98-4efc-bad5-9450f4bf7a13">
+      <Terms xmlns="http://schemas.microsoft.com/office/infopath/2007/PartnerControls"/>
+    </lcf76f155ced4ddcb4097134ff3c332f>
+  </documentManagement>
+</p:properties>
+</file>
+
 <file path=customXml/itemProps1.xml><?xml version="1.0" encoding="utf-8"?>
 <ds:datastoreItem xmlns:ds="http://schemas.openxmlformats.org/officeDocument/2006/customXml" ds:itemID="{67A4AE25-BBA1-49A6-B4F8-E97286BA017A}">
   <ds:schemaRefs>
@@ -19985,17 +19878,6 @@
 </file>
 
 <file path=customXml/itemProps2.xml><?xml version="1.0" encoding="utf-8"?>
-<ds:datastoreItem xmlns:ds="http://schemas.openxmlformats.org/officeDocument/2006/customXml" ds:itemID="{F0B8F560-7E6C-44AE-AFE4-924D1118F0AA}">
-  <ds:schemaRefs>
-    <ds:schemaRef ds:uri="http://schemas.microsoft.com/office/2006/metadata/properties"/>
-    <ds:schemaRef ds:uri="http://schemas.microsoft.com/office/infopath/2007/PartnerControls"/>
-    <ds:schemaRef ds:uri="7a4191d5-9b76-4ae3-8401-87ceee92a846"/>
-    <ds:schemaRef ds:uri="b9b0194d-1e98-4efc-bad5-9450f4bf7a13"/>
-  </ds:schemaRefs>
-</ds:datastoreItem>
-</file>
-
-<file path=customXml/itemProps3.xml><?xml version="1.0" encoding="utf-8"?>
 <ds:datastoreItem xmlns:ds="http://schemas.openxmlformats.org/officeDocument/2006/customXml" ds:itemID="{E8C4D92C-5791-4EB8-90FF-890DA6933338}">
   <ds:schemaRefs>
     <ds:schemaRef ds:uri="http://schemas.microsoft.com/office/2006/metadata/contentType"/>
@@ -20012,4 +19894,15 @@
     <ds:schemaRef ds:uri="http://schemas.microsoft.com/internal/obd"/>
   </ds:schemaRefs>
 </ds:datastoreItem>
+</file>
+
+<file path=customXml/itemProps3.xml><?xml version="1.0" encoding="utf-8"?>
+<ds:datastoreItem xmlns:ds="http://schemas.openxmlformats.org/officeDocument/2006/customXml" ds:itemID="{F0B8F560-7E6C-44AE-AFE4-924D1118F0AA}">
+  <ds:schemaRefs>
+    <ds:schemaRef ds:uri="http://schemas.microsoft.com/office/2006/metadata/properties"/>
+    <ds:schemaRef ds:uri="http://schemas.microsoft.com/office/infopath/2007/PartnerControls"/>
+    <ds:schemaRef ds:uri="7a4191d5-9b76-4ae3-8401-87ceee92a846"/>
+    <ds:schemaRef ds:uri="b9b0194d-1e98-4efc-bad5-9450f4bf7a13"/>
+  </ds:schemaRefs>
+</ds:datastoreItem>
 </file>
--- a/DRAFT - Research Capstone Project v1.pptx
+++ b/DRAFT - Research Capstone Project v1.pptx
@@ -10017,7 +10017,7 @@
           <a:p>
             <a:r>
               <a:rPr lang="en-US" dirty="0"/>
-              <a:t>June 17, 2025</a:t>
+              <a:t>June 27, 2025</a:t>
             </a:r>
           </a:p>
         </p:txBody>
@@ -19615,12 +19615,26 @@
 </file>
 
 <file path=customXml/item1.xml><?xml version="1.0" encoding="utf-8"?>
-<?mso-contentType ?>
-<FormTemplates xmlns="http://schemas.microsoft.com/sharepoint/v3/contenttype/forms">
-  <Display>DocumentLibraryForm</Display>
-  <Edit>DocumentLibraryForm</Edit>
-  <New>DocumentLibraryForm</New>
-</FormTemplates>
+<p:properties xmlns:p="http://schemas.microsoft.com/office/2006/metadata/properties" xmlns:xsi="http://www.w3.org/2001/XMLSchema-instance" xmlns:pc="http://schemas.microsoft.com/office/infopath/2007/PartnerControls">
+  <documentManagement>
+    <SharedWithUsers xmlns="7a4191d5-9b76-4ae3-8401-87ceee92a846">
+      <UserInfo>
+        <DisplayName>Office Of Advancement Visitors</DisplayName>
+        <AccountId>4</AccountId>
+        <AccountType/>
+      </UserInfo>
+      <UserInfo>
+        <DisplayName>UCalgary Brand</DisplayName>
+        <AccountId>15</AccountId>
+        <AccountType/>
+      </UserInfo>
+    </SharedWithUsers>
+    <TaxCatchAll xmlns="7a4191d5-9b76-4ae3-8401-87ceee92a846" xsi:nil="true"/>
+    <lcf76f155ced4ddcb4097134ff3c332f xmlns="b9b0194d-1e98-4efc-bad5-9450f4bf7a13">
+      <Terms xmlns="http://schemas.microsoft.com/office/infopath/2007/PartnerControls"/>
+    </lcf76f155ced4ddcb4097134ff3c332f>
+  </documentManagement>
+</p:properties>
 </file>
 
 <file path=customXml/item2.xml><?xml version="1.0" encoding="utf-8"?>
@@ -19847,32 +19861,21 @@
 </file>
 
 <file path=customXml/item3.xml><?xml version="1.0" encoding="utf-8"?>
-<p:properties xmlns:p="http://schemas.microsoft.com/office/2006/metadata/properties" xmlns:xsi="http://www.w3.org/2001/XMLSchema-instance" xmlns:pc="http://schemas.microsoft.com/office/infopath/2007/PartnerControls">
-  <documentManagement>
-    <SharedWithUsers xmlns="7a4191d5-9b76-4ae3-8401-87ceee92a846">
-      <UserInfo>
-        <DisplayName>Office Of Advancement Visitors</DisplayName>
-        <AccountId>4</AccountId>
-        <AccountType/>
-      </UserInfo>
-      <UserInfo>
-        <DisplayName>UCalgary Brand</DisplayName>
-        <AccountId>15</AccountId>
-        <AccountType/>
-      </UserInfo>
-    </SharedWithUsers>
-    <TaxCatchAll xmlns="7a4191d5-9b76-4ae3-8401-87ceee92a846" xsi:nil="true"/>
-    <lcf76f155ced4ddcb4097134ff3c332f xmlns="b9b0194d-1e98-4efc-bad5-9450f4bf7a13">
-      <Terms xmlns="http://schemas.microsoft.com/office/infopath/2007/PartnerControls"/>
-    </lcf76f155ced4ddcb4097134ff3c332f>
-  </documentManagement>
-</p:properties>
+<?mso-contentType ?>
+<FormTemplates xmlns="http://schemas.microsoft.com/sharepoint/v3/contenttype/forms">
+  <Display>DocumentLibraryForm</Display>
+  <Edit>DocumentLibraryForm</Edit>
+  <New>DocumentLibraryForm</New>
+</FormTemplates>
 </file>
 
 <file path=customXml/itemProps1.xml><?xml version="1.0" encoding="utf-8"?>
-<ds:datastoreItem xmlns:ds="http://schemas.openxmlformats.org/officeDocument/2006/customXml" ds:itemID="{67A4AE25-BBA1-49A6-B4F8-E97286BA017A}">
+<ds:datastoreItem xmlns:ds="http://schemas.openxmlformats.org/officeDocument/2006/customXml" ds:itemID="{F0B8F560-7E6C-44AE-AFE4-924D1118F0AA}">
   <ds:schemaRefs>
-    <ds:schemaRef ds:uri="http://schemas.microsoft.com/sharepoint/v3/contenttype/forms"/>
+    <ds:schemaRef ds:uri="http://schemas.microsoft.com/office/2006/metadata/properties"/>
+    <ds:schemaRef ds:uri="http://schemas.microsoft.com/office/infopath/2007/PartnerControls"/>
+    <ds:schemaRef ds:uri="7a4191d5-9b76-4ae3-8401-87ceee92a846"/>
+    <ds:schemaRef ds:uri="b9b0194d-1e98-4efc-bad5-9450f4bf7a13"/>
   </ds:schemaRefs>
 </ds:datastoreItem>
 </file>
@@ -19897,12 +19900,9 @@
 </file>
 
 <file path=customXml/itemProps3.xml><?xml version="1.0" encoding="utf-8"?>
-<ds:datastoreItem xmlns:ds="http://schemas.openxmlformats.org/officeDocument/2006/customXml" ds:itemID="{F0B8F560-7E6C-44AE-AFE4-924D1118F0AA}">
+<ds:datastoreItem xmlns:ds="http://schemas.openxmlformats.org/officeDocument/2006/customXml" ds:itemID="{67A4AE25-BBA1-49A6-B4F8-E97286BA017A}">
   <ds:schemaRefs>
-    <ds:schemaRef ds:uri="http://schemas.microsoft.com/office/2006/metadata/properties"/>
-    <ds:schemaRef ds:uri="http://schemas.microsoft.com/office/infopath/2007/PartnerControls"/>
-    <ds:schemaRef ds:uri="7a4191d5-9b76-4ae3-8401-87ceee92a846"/>
-    <ds:schemaRef ds:uri="b9b0194d-1e98-4efc-bad5-9450f4bf7a13"/>
+    <ds:schemaRef ds:uri="http://schemas.microsoft.com/sharepoint/v3/contenttype/forms"/>
   </ds:schemaRefs>
 </ds:datastoreItem>
 </file>
--- a/DRAFT - Research Capstone Project v1.pptx
+++ b/DRAFT - Research Capstone Project v1.pptx
@@ -7569,7 +7569,7 @@
           <a:p>
             <a:fld id="{4B2CACE1-0839-DD4E-8A8D-815B08AED9A4}" type="datetimeFigureOut">
               <a:rPr lang="en-US" smtClean="0"/>
-              <a:t>6/27/25</a:t>
+              <a:t>6/30/25</a:t>
             </a:fld>
             <a:endParaRPr lang="en-US"/>
           </a:p>
@@ -10017,7 +10017,7 @@
           <a:p>
             <a:r>
               <a:rPr lang="en-US" dirty="0"/>
-              <a:t>June 27, 2025</a:t>
+              <a:t>June 30, 2025</a:t>
             </a:r>
           </a:p>
         </p:txBody>
@@ -10358,8 +10358,8 @@
           </a:p>
         </p:txBody>
       </p:sp>
-      <mc:AlternateContent xmlns:mc="http://schemas.openxmlformats.org/markup-compatibility/2006" xmlns:a14="http://schemas.microsoft.com/office/drawing/2010/main">
-        <mc:Choice Requires="a14">
+      <mc:AlternateContent xmlns:mc="http://schemas.openxmlformats.org/markup-compatibility/2006">
+        <mc:Choice xmlns:a14="http://schemas.microsoft.com/office/drawing/2010/main" Requires="a14">
           <p:sp>
             <p:nvSpPr>
               <p:cNvPr id="5" name="TextBox 4">
@@ -10374,8 +10374,8 @@
             </p:nvSpPr>
             <p:spPr>
               <a:xfrm>
-                <a:off x="2434229" y="2789658"/>
-                <a:ext cx="7323543" cy="1573200"/>
+                <a:off x="1488169" y="2789658"/>
+                <a:ext cx="9215663" cy="1524905"/>
               </a:xfrm>
               <a:prstGeom prst="rect">
                 <a:avLst/>
@@ -10517,7 +10517,75 @@
                         <a:rPr lang="en-CA" sz="4000" b="0" i="1" smtClean="0">
                           <a:latin typeface="Cambria Math" panose="02040503050406030204" pitchFamily="18" charset="0"/>
                         </a:rPr>
-                        <m:t>+…+</m:t>
+                        <m:t>+</m:t>
+                      </m:r>
+                      <m:sSub>
+                        <m:sSubPr>
+                          <m:ctrlPr>
+                            <a:rPr lang="en-CA" sz="4000" i="1">
+                              <a:latin typeface="Cambria Math" panose="02040503050406030204" pitchFamily="18" charset="0"/>
+                            </a:rPr>
+                          </m:ctrlPr>
+                        </m:sSubPr>
+                        <m:e>
+                          <m:r>
+                            <a:rPr lang="en-CA" sz="4000" i="1">
+                              <a:latin typeface="Cambria Math" panose="02040503050406030204" pitchFamily="18" charset="0"/>
+                            </a:rPr>
+                            <m:t>𝛽</m:t>
+                          </m:r>
+                        </m:e>
+                        <m:sub>
+                          <m:r>
+                            <a:rPr lang="en-CA" sz="4000" b="0" i="1" smtClean="0">
+                              <a:latin typeface="Cambria Math" panose="02040503050406030204" pitchFamily="18" charset="0"/>
+                            </a:rPr>
+                            <m:t>2</m:t>
+                          </m:r>
+                        </m:sub>
+                      </m:sSub>
+                      <m:sSub>
+                        <m:sSubPr>
+                          <m:ctrlPr>
+                            <a:rPr lang="en-CA" sz="4000" i="1">
+                              <a:latin typeface="Cambria Math" panose="02040503050406030204" pitchFamily="18" charset="0"/>
+                            </a:rPr>
+                          </m:ctrlPr>
+                        </m:sSubPr>
+                        <m:e>
+                          <m:r>
+                            <a:rPr lang="en-CA" sz="4000" i="1">
+                              <a:latin typeface="Cambria Math" panose="02040503050406030204" pitchFamily="18" charset="0"/>
+                            </a:rPr>
+                            <m:t>𝑥</m:t>
+                          </m:r>
+                        </m:e>
+                        <m:sub>
+                          <m:r>
+                            <a:rPr lang="en-CA" sz="4000" i="1">
+                              <a:latin typeface="Cambria Math" panose="02040503050406030204" pitchFamily="18" charset="0"/>
+                            </a:rPr>
+                            <m:t>𝑖</m:t>
+                          </m:r>
+                          <m:r>
+                            <a:rPr lang="en-CA" sz="4000" b="0" i="1" smtClean="0">
+                              <a:latin typeface="Cambria Math" panose="02040503050406030204" pitchFamily="18" charset="0"/>
+                            </a:rPr>
+                            <m:t>2</m:t>
+                          </m:r>
+                        </m:sub>
+                      </m:sSub>
+                      <m:r>
+                        <a:rPr lang="en-CA" sz="4000" b="0" i="1" smtClean="0">
+                          <a:latin typeface="Cambria Math" panose="02040503050406030204" pitchFamily="18" charset="0"/>
+                        </a:rPr>
+                        <m:t>+</m:t>
+                      </m:r>
+                      <m:r>
+                        <a:rPr lang="en-CA" sz="4000" b="0" i="1" smtClean="0">
+                          <a:latin typeface="Cambria Math" panose="02040503050406030204" pitchFamily="18" charset="0"/>
+                        </a:rPr>
+                        <m:t>…+</m:t>
                       </m:r>
                       <m:sSub>
                         <m:sSubPr>
@@ -10638,7 +10706,14 @@
                         <a:latin typeface="Cambria Math" panose="02040503050406030204" pitchFamily="18" charset="0"/>
                         <a:ea typeface="Cambria Math" panose="02040503050406030204" pitchFamily="18" charset="0"/>
                       </a:rPr>
-                      <m:t>=1,…, </m:t>
+                      <m:t>=1, 2</m:t>
+                    </m:r>
+                    <m:r>
+                      <a:rPr lang="en-CA" sz="2800" b="0" i="1" smtClean="0">
+                        <a:latin typeface="Cambria Math" panose="02040503050406030204" pitchFamily="18" charset="0"/>
+                        <a:ea typeface="Cambria Math" panose="02040503050406030204" pitchFamily="18" charset="0"/>
+                      </a:rPr>
+                      <m:t>, …, </m:t>
                     </m:r>
                     <m:r>
                       <a:rPr lang="en-CA" sz="2800" b="0" i="1" smtClean="0">
@@ -10656,7 +10731,7 @@
             </p:txBody>
           </p:sp>
         </mc:Choice>
-        <mc:Fallback xmlns="">
+        <mc:Fallback>
           <p:sp>
             <p:nvSpPr>
               <p:cNvPr id="5" name="TextBox 4">
@@ -10673,8 +10748,8 @@
             </p:nvSpPr>
             <p:spPr>
               <a:xfrm>
-                <a:off x="2434229" y="2789658"/>
-                <a:ext cx="7323543" cy="1573200"/>
+                <a:off x="1488169" y="2789658"/>
+                <a:ext cx="9215663" cy="1524905"/>
               </a:xfrm>
               <a:prstGeom prst="rect">
                 <a:avLst/>
@@ -10682,7 +10757,7 @@
               <a:blipFill>
                 <a:blip r:embed="rId3"/>
                 <a:stretch>
-                  <a:fillRect l="-1211" b="-9600"/>
+                  <a:fillRect l="-138" b="-13223"/>
                 </a:stretch>
               </a:blipFill>
             </p:spPr>
@@ -10767,8 +10842,8 @@
           </a:p>
         </p:txBody>
       </p:sp>
-      <mc:AlternateContent xmlns:mc="http://schemas.openxmlformats.org/markup-compatibility/2006" xmlns:a14="http://schemas.microsoft.com/office/drawing/2010/main">
-        <mc:Choice Requires="a14">
+      <mc:AlternateContent xmlns:mc="http://schemas.openxmlformats.org/markup-compatibility/2006">
+        <mc:Choice xmlns:a14="http://schemas.microsoft.com/office/drawing/2010/main" Requires="a14">
           <p:sp>
             <p:nvSpPr>
               <p:cNvPr id="6" name="Content Placeholder 5">
@@ -10970,10 +11045,146 @@
                   <a:t> number of “independent” variables/predictors.</a:t>
                 </a:r>
               </a:p>
+              <a:p>
+                <a:pPr marL="230400" indent="0">
+                  <a:buNone/>
+                </a:pPr>
+                <a:r>
+                  <a:rPr lang="en-CA" b="1" dirty="0"/>
+                  <a:t>Note</a:t>
+                </a:r>
+                <a:r>
+                  <a:rPr lang="en-CA" dirty="0"/>
+                  <a:t>: the residual term is difference between the </a:t>
+                </a:r>
+                <a:r>
+                  <a:rPr lang="en-CA" i="1" dirty="0"/>
+                  <a:t>observed</a:t>
+                </a:r>
+                <a:r>
+                  <a:rPr lang="en-CA" dirty="0"/>
+                  <a:t> and </a:t>
+                </a:r>
+                <a:r>
+                  <a:rPr lang="en-CA" i="1" dirty="0"/>
+                  <a:t>predicted</a:t>
+                </a:r>
+                <a:r>
+                  <a:rPr lang="en-CA" dirty="0"/>
+                  <a:t> values of the outcome (i.e., </a:t>
+                </a:r>
+                <a14:m>
+                  <m:oMath xmlns:m="http://schemas.openxmlformats.org/officeDocument/2006/math">
+                    <m:sSub>
+                      <m:sSubPr>
+                        <m:ctrlPr>
+                          <a:rPr lang="en-CA" b="0" i="1" smtClean="0">
+                            <a:latin typeface="Cambria Math" panose="02040503050406030204" pitchFamily="18" charset="0"/>
+                          </a:rPr>
+                        </m:ctrlPr>
+                      </m:sSubPr>
+                      <m:e>
+                        <m:r>
+                          <a:rPr lang="en-CA" b="0" i="1" smtClean="0">
+                            <a:latin typeface="Cambria Math" panose="02040503050406030204" pitchFamily="18" charset="0"/>
+                          </a:rPr>
+                          <m:t>𝜀</m:t>
+                        </m:r>
+                      </m:e>
+                      <m:sub>
+                        <m:r>
+                          <a:rPr lang="en-CA" b="0" i="1" smtClean="0">
+                            <a:latin typeface="Cambria Math" panose="02040503050406030204" pitchFamily="18" charset="0"/>
+                          </a:rPr>
+                          <m:t>𝑖</m:t>
+                        </m:r>
+                      </m:sub>
+                    </m:sSub>
+                    <m:r>
+                      <a:rPr lang="en-CA" b="0" i="1" smtClean="0">
+                        <a:latin typeface="Cambria Math" panose="02040503050406030204" pitchFamily="18" charset="0"/>
+                      </a:rPr>
+                      <m:t>=</m:t>
+                    </m:r>
+                    <m:sSub>
+                      <m:sSubPr>
+                        <m:ctrlPr>
+                          <a:rPr lang="en-CA" b="0" i="1" smtClean="0">
+                            <a:latin typeface="Cambria Math" panose="02040503050406030204" pitchFamily="18" charset="0"/>
+                          </a:rPr>
+                        </m:ctrlPr>
+                      </m:sSubPr>
+                      <m:e>
+                        <m:r>
+                          <a:rPr lang="en-CA" b="0" i="1" smtClean="0">
+                            <a:latin typeface="Cambria Math" panose="02040503050406030204" pitchFamily="18" charset="0"/>
+                          </a:rPr>
+                          <m:t>𝑦</m:t>
+                        </m:r>
+                      </m:e>
+                      <m:sub>
+                        <m:r>
+                          <a:rPr lang="en-CA" b="0" i="1" smtClean="0">
+                            <a:latin typeface="Cambria Math" panose="02040503050406030204" pitchFamily="18" charset="0"/>
+                          </a:rPr>
+                          <m:t>𝑖</m:t>
+                        </m:r>
+                      </m:sub>
+                    </m:sSub>
+                    <m:r>
+                      <a:rPr lang="en-CA" b="0" i="1" smtClean="0">
+                        <a:latin typeface="Cambria Math" panose="02040503050406030204" pitchFamily="18" charset="0"/>
+                      </a:rPr>
+                      <m:t>−</m:t>
+                    </m:r>
+                    <m:sSub>
+                      <m:sSubPr>
+                        <m:ctrlPr>
+                          <a:rPr lang="en-CA" b="0" i="1" smtClean="0">
+                            <a:latin typeface="Cambria Math" panose="02040503050406030204" pitchFamily="18" charset="0"/>
+                          </a:rPr>
+                        </m:ctrlPr>
+                      </m:sSubPr>
+                      <m:e>
+                        <m:acc>
+                          <m:accPr>
+                            <m:chr m:val="̂"/>
+                            <m:ctrlPr>
+                              <a:rPr lang="en-CA" b="0" i="1" smtClean="0">
+                                <a:latin typeface="Cambria Math" panose="02040503050406030204" pitchFamily="18" charset="0"/>
+                              </a:rPr>
+                            </m:ctrlPr>
+                          </m:accPr>
+                          <m:e>
+                            <m:r>
+                              <a:rPr lang="en-CA" b="0" i="1" smtClean="0">
+                                <a:latin typeface="Cambria Math" panose="02040503050406030204" pitchFamily="18" charset="0"/>
+                              </a:rPr>
+                              <m:t>𝑦</m:t>
+                            </m:r>
+                          </m:e>
+                        </m:acc>
+                      </m:e>
+                      <m:sub>
+                        <m:r>
+                          <a:rPr lang="en-CA" b="0" i="1" smtClean="0">
+                            <a:latin typeface="Cambria Math" panose="02040503050406030204" pitchFamily="18" charset="0"/>
+                          </a:rPr>
+                          <m:t>𝑖</m:t>
+                        </m:r>
+                      </m:sub>
+                    </m:sSub>
+                  </m:oMath>
+                </a14:m>
+                <a:r>
+                  <a:rPr lang="en-CA" dirty="0"/>
+                  <a:t>).</a:t>
+                </a:r>
+              </a:p>
             </p:txBody>
           </p:sp>
         </mc:Choice>
-        <mc:Fallback xmlns="">
+        <mc:Fallback>
           <p:sp>
             <p:nvSpPr>
               <p:cNvPr id="6" name="Content Placeholder 5">
@@ -10994,7 +11205,7 @@
               <a:blipFill>
                 <a:blip r:embed="rId2"/>
                 <a:stretch>
-                  <a:fillRect l="-965" t="-1163"/>
+                  <a:fillRect l="-965" t="-1163" b="-6977"/>
                 </a:stretch>
               </a:blipFill>
             </p:spPr>
@@ -11043,8 +11254,8 @@
           </a:p>
         </p:txBody>
       </p:sp>
-      <mc:AlternateContent xmlns:mc="http://schemas.openxmlformats.org/markup-compatibility/2006" xmlns:a14="http://schemas.microsoft.com/office/drawing/2010/main">
-        <mc:Choice Requires="a14">
+      <mc:AlternateContent xmlns:mc="http://schemas.openxmlformats.org/markup-compatibility/2006">
+        <mc:Choice xmlns:a14="http://schemas.microsoft.com/office/drawing/2010/main" Requires="a14">
           <p:sp>
             <p:nvSpPr>
               <p:cNvPr id="5" name="TextBox 4">
@@ -11059,8 +11270,8 @@
             </p:nvSpPr>
             <p:spPr>
               <a:xfrm>
-                <a:off x="2434227" y="2789659"/>
-                <a:ext cx="7326000" cy="1572482"/>
+                <a:off x="2053130" y="2789659"/>
+                <a:ext cx="8085740" cy="1572482"/>
               </a:xfrm>
               <a:prstGeom prst="rect">
                 <a:avLst/>
@@ -11238,6 +11449,80 @@
                         <a:rPr lang="en-CA" sz="4000" b="0" i="1" smtClean="0">
                           <a:latin typeface="Cambria Math" panose="02040503050406030204" pitchFamily="18" charset="0"/>
                         </a:rPr>
+                        <m:t>+</m:t>
+                      </m:r>
+                      <m:sSub>
+                        <m:sSubPr>
+                          <m:ctrlPr>
+                            <a:rPr lang="en-CA" sz="4000" i="1">
+                              <a:latin typeface="Cambria Math" panose="02040503050406030204" pitchFamily="18" charset="0"/>
+                            </a:rPr>
+                          </m:ctrlPr>
+                        </m:sSubPr>
+                        <m:e>
+                          <m:acc>
+                            <m:accPr>
+                              <m:chr m:val="̂"/>
+                              <m:ctrlPr>
+                                <a:rPr lang="en-CA" sz="4000" i="1">
+                                  <a:latin typeface="Cambria Math" panose="02040503050406030204" pitchFamily="18" charset="0"/>
+                                </a:rPr>
+                              </m:ctrlPr>
+                            </m:accPr>
+                            <m:e>
+                              <m:r>
+                                <a:rPr lang="en-CA" sz="4000" i="1">
+                                  <a:latin typeface="Cambria Math" panose="02040503050406030204" pitchFamily="18" charset="0"/>
+                                </a:rPr>
+                                <m:t>𝛽</m:t>
+                              </m:r>
+                            </m:e>
+                          </m:acc>
+                        </m:e>
+                        <m:sub>
+                          <m:r>
+                            <a:rPr lang="en-CA" sz="4000" b="0" i="1" smtClean="0">
+                              <a:latin typeface="Cambria Math" panose="02040503050406030204" pitchFamily="18" charset="0"/>
+                            </a:rPr>
+                            <m:t>2</m:t>
+                          </m:r>
+                        </m:sub>
+                      </m:sSub>
+                      <m:sSub>
+                        <m:sSubPr>
+                          <m:ctrlPr>
+                            <a:rPr lang="en-CA" sz="4000" i="1">
+                              <a:latin typeface="Cambria Math" panose="02040503050406030204" pitchFamily="18" charset="0"/>
+                            </a:rPr>
+                          </m:ctrlPr>
+                        </m:sSubPr>
+                        <m:e>
+                          <m:r>
+                            <a:rPr lang="en-CA" sz="4000" i="1">
+                              <a:latin typeface="Cambria Math" panose="02040503050406030204" pitchFamily="18" charset="0"/>
+                            </a:rPr>
+                            <m:t>𝑥</m:t>
+                          </m:r>
+                        </m:e>
+                        <m:sub>
+                          <m:r>
+                            <a:rPr lang="en-CA" sz="4000" i="1">
+                              <a:latin typeface="Cambria Math" panose="02040503050406030204" pitchFamily="18" charset="0"/>
+                            </a:rPr>
+                            <m:t>𝑖</m:t>
+                          </m:r>
+                          <m:r>
+                            <a:rPr lang="en-CA" sz="4000" b="0" i="1" smtClean="0">
+                              <a:latin typeface="Cambria Math" panose="02040503050406030204" pitchFamily="18" charset="0"/>
+                            </a:rPr>
+                            <m:t>2</m:t>
+                          </m:r>
+                        </m:sub>
+                      </m:sSub>
+                      <m:r>
+                        <a:rPr lang="en-CA" sz="4000" b="0" i="1" smtClean="0">
+                          <a:latin typeface="Cambria Math" panose="02040503050406030204" pitchFamily="18" charset="0"/>
+                        </a:rPr>
                         <m:t>+…+</m:t>
                       </m:r>
                       <m:sSub>
@@ -11337,7 +11622,14 @@
                         <a:latin typeface="Cambria Math" panose="02040503050406030204" pitchFamily="18" charset="0"/>
                         <a:ea typeface="Cambria Math" panose="02040503050406030204" pitchFamily="18" charset="0"/>
                       </a:rPr>
-                      <m:t>=1,…, </m:t>
+                      <m:t>=1, 2,</m:t>
+                    </m:r>
+                    <m:r>
+                      <a:rPr lang="en-CA" sz="2800" b="0" i="1" smtClean="0">
+                        <a:latin typeface="Cambria Math" panose="02040503050406030204" pitchFamily="18" charset="0"/>
+                        <a:ea typeface="Cambria Math" panose="02040503050406030204" pitchFamily="18" charset="0"/>
+                      </a:rPr>
+                      <m:t>…, </m:t>
                     </m:r>
                     <m:r>
                       <a:rPr lang="en-CA" sz="2800" b="0" i="1" smtClean="0">
@@ -11355,7 +11647,7 @@
             </p:txBody>
           </p:sp>
         </mc:Choice>
-        <mc:Fallback xmlns="">
+        <mc:Fallback>
           <p:sp>
             <p:nvSpPr>
               <p:cNvPr id="5" name="TextBox 4">
@@ -11372,8 +11664,8 @@
             </p:nvSpPr>
             <p:spPr>
               <a:xfrm>
-                <a:off x="2434227" y="2789659"/>
-                <a:ext cx="7326000" cy="1572482"/>
+                <a:off x="2053130" y="2789659"/>
+                <a:ext cx="8085740" cy="1572482"/>
               </a:xfrm>
               <a:prstGeom prst="rect">
                 <a:avLst/>
@@ -11381,7 +11673,7 @@
               <a:blipFill>
                 <a:blip r:embed="rId3"/>
                 <a:stretch>
-                  <a:fillRect t="-7200" b="-12800"/>
+                  <a:fillRect l="-940" t="-7200" r="-470" b="-12800"/>
                 </a:stretch>
               </a:blipFill>
             </p:spPr>
@@ -17354,6 +17646,31 @@
             </a:pPr>
             <a:r>
               <a:rPr lang="en-CA" dirty="0"/>
+              <a:t>Bauer, D. J., &amp; Curran, P. J. (2024). </a:t>
+            </a:r>
+            <a:r>
+              <a:rPr lang="en-CA" i="1" dirty="0"/>
+              <a:t>Introduction to Statistical Equation Modeling</a:t>
+            </a:r>
+            <a:r>
+              <a:rPr lang="en-CA" dirty="0"/>
+              <a:t>. CenterStat. </a:t>
+            </a:r>
+            <a:r>
+              <a:rPr lang="en-CA" dirty="0">
+                <a:hlinkClick r:id="rId2"/>
+              </a:rPr>
+              <a:t>https://centerstat.org/workshop/introduction-to-structural-equation-modeling/</a:t>
+            </a:r>
+            <a:endParaRPr lang="en-CA" dirty="0"/>
+          </a:p>
+          <a:p>
+            <a:pPr marL="514350" indent="-514350">
+              <a:buFont typeface="+mj-lt"/>
+              <a:buAutoNum type="arabicPeriod"/>
+            </a:pPr>
+            <a:r>
+              <a:rPr lang="en-CA" dirty="0"/>
               <a:t>Bollen, K. A. (1989). </a:t>
             </a:r>
             <a:r>
@@ -17402,7 +17719,7 @@
                 <a:solidFill>
                   <a:schemeClr val="accent1"/>
                 </a:solidFill>
-                <a:hlinkClick r:id="rId2"/>
+                <a:hlinkClick r:id="rId3"/>
               </a:rPr>
               <a:t>https://stats.oarc.ucla.edu/r/seminars/rsem/</a:t>
             </a:r>
@@ -19638,6 +19955,15 @@
 </file>
 
 <file path=customXml/item2.xml><?xml version="1.0" encoding="utf-8"?>
+<?mso-contentType ?>
+<FormTemplates xmlns="http://schemas.microsoft.com/sharepoint/v3/contenttype/forms">
+  <Display>DocumentLibraryForm</Display>
+  <Edit>DocumentLibraryForm</Edit>
+  <New>DocumentLibraryForm</New>
+</FormTemplates>
+</file>
+
+<file path=customXml/item3.xml><?xml version="1.0" encoding="utf-8"?>
 <ct:contentTypeSchema xmlns:ct="http://schemas.microsoft.com/office/2006/metadata/contentType" xmlns:ma="http://schemas.microsoft.com/office/2006/metadata/properties/metaAttributes" ct:_="" ma:_="" ma:contentTypeName="文档" ma:contentTypeID="0x010100A14D9A0FA515564792FEACC70AB1043E" ma:contentTypeVersion="15" ma:contentTypeDescription="Create a new document." ma:contentTypeScope="" ma:versionID="268d53061a527a1a15b3a06f324de7ac">
   <xsd:schema xmlns:xsd="http://www.w3.org/2001/XMLSchema" xmlns:xs="http://www.w3.org/2001/XMLSchema" xmlns:p="http://schemas.microsoft.com/office/2006/metadata/properties" xmlns:ns2="7a4191d5-9b76-4ae3-8401-87ceee92a846" xmlns:ns3="b9b0194d-1e98-4efc-bad5-9450f4bf7a13" targetNamespace="http://schemas.microsoft.com/office/2006/metadata/properties" ma:root="true" ma:fieldsID="602eb0f4584b499882d83f15ecf09c65" ns2:_="" ns3:_="">
     <xsd:import namespace="7a4191d5-9b76-4ae3-8401-87ceee92a846"/>
@@ -19860,15 +20186,6 @@
 </ct:contentTypeSchema>
 </file>
 
-<file path=customXml/item3.xml><?xml version="1.0" encoding="utf-8"?>
-<?mso-contentType ?>
-<FormTemplates xmlns="http://schemas.microsoft.com/sharepoint/v3/contenttype/forms">
-  <Display>DocumentLibraryForm</Display>
-  <Edit>DocumentLibraryForm</Edit>
-  <New>DocumentLibraryForm</New>
-</FormTemplates>
-</file>
-
 <file path=customXml/itemProps1.xml><?xml version="1.0" encoding="utf-8"?>
 <ds:datastoreItem xmlns:ds="http://schemas.openxmlformats.org/officeDocument/2006/customXml" ds:itemID="{F0B8F560-7E6C-44AE-AFE4-924D1118F0AA}">
   <ds:schemaRefs>
@@ -19881,6 +20198,14 @@
 </file>
 
 <file path=customXml/itemProps2.xml><?xml version="1.0" encoding="utf-8"?>
+<ds:datastoreItem xmlns:ds="http://schemas.openxmlformats.org/officeDocument/2006/customXml" ds:itemID="{67A4AE25-BBA1-49A6-B4F8-E97286BA017A}">
+  <ds:schemaRefs>
+    <ds:schemaRef ds:uri="http://schemas.microsoft.com/sharepoint/v3/contenttype/forms"/>
+  </ds:schemaRefs>
+</ds:datastoreItem>
+</file>
+
+<file path=customXml/itemProps3.xml><?xml version="1.0" encoding="utf-8"?>
 <ds:datastoreItem xmlns:ds="http://schemas.openxmlformats.org/officeDocument/2006/customXml" ds:itemID="{E8C4D92C-5791-4EB8-90FF-890DA6933338}">
   <ds:schemaRefs>
     <ds:schemaRef ds:uri="http://schemas.microsoft.com/office/2006/metadata/contentType"/>
@@ -19897,12 +20222,4 @@
     <ds:schemaRef ds:uri="http://schemas.microsoft.com/internal/obd"/>
   </ds:schemaRefs>
 </ds:datastoreItem>
-</file>
-
-<file path=customXml/itemProps3.xml><?xml version="1.0" encoding="utf-8"?>
-<ds:datastoreItem xmlns:ds="http://schemas.openxmlformats.org/officeDocument/2006/customXml" ds:itemID="{67A4AE25-BBA1-49A6-B4F8-E97286BA017A}">
-  <ds:schemaRefs>
-    <ds:schemaRef ds:uri="http://schemas.microsoft.com/sharepoint/v3/contenttype/forms"/>
-  </ds:schemaRefs>
-</ds:datastoreItem>
 </file>
--- a/DRAFT - Research Capstone Project v1.pptx
+++ b/DRAFT - Research Capstone Project v1.pptx
@@ -5,7 +5,7 @@
     <p:sldMasterId id="2147483648" r:id="rId4"/>
   </p:sldMasterIdLst>
   <p:notesMasterIdLst>
-    <p:notesMasterId r:id="rId25"/>
+    <p:notesMasterId r:id="rId27"/>
   </p:notesMasterIdLst>
   <p:sldIdLst>
     <p:sldId id="256" r:id="rId5"/>
@@ -27,7 +27,9 @@
     <p:sldId id="265" r:id="rId21"/>
     <p:sldId id="266" r:id="rId22"/>
     <p:sldId id="267" r:id="rId23"/>
-    <p:sldId id="276" r:id="rId24"/>
+    <p:sldId id="282" r:id="rId24"/>
+    <p:sldId id="281" r:id="rId25"/>
+    <p:sldId id="276" r:id="rId26"/>
   </p:sldIdLst>
   <p:sldSz cx="12192000" cy="6858000"/>
   <p:notesSz cx="6858000" cy="9144000"/>
@@ -154,6 +156,12 @@
             <p14:sldId id="265"/>
             <p14:sldId id="266"/>
             <p14:sldId id="267"/>
+          </p14:sldIdLst>
+        </p14:section>
+        <p14:section name="Chapter 2" id="{F93EAB6F-73BF-2E49-B7E3-9CD400E72EF3}">
+          <p14:sldIdLst>
+            <p14:sldId id="282"/>
+            <p14:sldId id="281"/>
           </p14:sldIdLst>
         </p14:section>
         <p14:section name="References" id="{40F15CAC-8DAD-3249-8E13-F4A4FA175033}">
@@ -10358,8 +10366,8 @@
           </a:p>
         </p:txBody>
       </p:sp>
-      <mc:AlternateContent xmlns:mc="http://schemas.openxmlformats.org/markup-compatibility/2006">
-        <mc:Choice xmlns:a14="http://schemas.microsoft.com/office/drawing/2010/main" Requires="a14">
+      <mc:AlternateContent xmlns:mc="http://schemas.openxmlformats.org/markup-compatibility/2006" xmlns:a14="http://schemas.microsoft.com/office/drawing/2010/main">
+        <mc:Choice Requires="a14">
           <p:sp>
             <p:nvSpPr>
               <p:cNvPr id="5" name="TextBox 4">
@@ -10579,13 +10587,7 @@
                         <a:rPr lang="en-CA" sz="4000" b="0" i="1" smtClean="0">
                           <a:latin typeface="Cambria Math" panose="02040503050406030204" pitchFamily="18" charset="0"/>
                         </a:rPr>
-                        <m:t>+</m:t>
-                      </m:r>
-                      <m:r>
-                        <a:rPr lang="en-CA" sz="4000" b="0" i="1" smtClean="0">
-                          <a:latin typeface="Cambria Math" panose="02040503050406030204" pitchFamily="18" charset="0"/>
-                        </a:rPr>
-                        <m:t>…+</m:t>
+                        <m:t>+…+</m:t>
                       </m:r>
                       <m:sSub>
                         <m:sSubPr>
@@ -10706,14 +10708,7 @@
                         <a:latin typeface="Cambria Math" panose="02040503050406030204" pitchFamily="18" charset="0"/>
                         <a:ea typeface="Cambria Math" panose="02040503050406030204" pitchFamily="18" charset="0"/>
                       </a:rPr>
-                      <m:t>=1, 2</m:t>
-                    </m:r>
-                    <m:r>
-                      <a:rPr lang="en-CA" sz="2800" b="0" i="1" smtClean="0">
-                        <a:latin typeface="Cambria Math" panose="02040503050406030204" pitchFamily="18" charset="0"/>
-                        <a:ea typeface="Cambria Math" panose="02040503050406030204" pitchFamily="18" charset="0"/>
-                      </a:rPr>
-                      <m:t>, …, </m:t>
+                      <m:t>=1, 2, …, </m:t>
                     </m:r>
                     <m:r>
                       <a:rPr lang="en-CA" sz="2800" b="0" i="1" smtClean="0">
@@ -10731,7 +10726,7 @@
             </p:txBody>
           </p:sp>
         </mc:Choice>
-        <mc:Fallback>
+        <mc:Fallback xmlns="">
           <p:sp>
             <p:nvSpPr>
               <p:cNvPr id="5" name="TextBox 4">
@@ -10842,8 +10837,8 @@
           </a:p>
         </p:txBody>
       </p:sp>
-      <mc:AlternateContent xmlns:mc="http://schemas.openxmlformats.org/markup-compatibility/2006">
-        <mc:Choice xmlns:a14="http://schemas.microsoft.com/office/drawing/2010/main" Requires="a14">
+      <mc:AlternateContent xmlns:mc="http://schemas.openxmlformats.org/markup-compatibility/2006" xmlns:a14="http://schemas.microsoft.com/office/drawing/2010/main">
+        <mc:Choice Requires="a14">
           <p:sp>
             <p:nvSpPr>
               <p:cNvPr id="6" name="Content Placeholder 5">
@@ -11184,7 +11179,7 @@
             </p:txBody>
           </p:sp>
         </mc:Choice>
-        <mc:Fallback>
+        <mc:Fallback xmlns="">
           <p:sp>
             <p:nvSpPr>
               <p:cNvPr id="6" name="Content Placeholder 5">
@@ -11254,8 +11249,8 @@
           </a:p>
         </p:txBody>
       </p:sp>
-      <mc:AlternateContent xmlns:mc="http://schemas.openxmlformats.org/markup-compatibility/2006">
-        <mc:Choice xmlns:a14="http://schemas.microsoft.com/office/drawing/2010/main" Requires="a14">
+      <mc:AlternateContent xmlns:mc="http://schemas.openxmlformats.org/markup-compatibility/2006" xmlns:a14="http://schemas.microsoft.com/office/drawing/2010/main">
+        <mc:Choice Requires="a14">
           <p:sp>
             <p:nvSpPr>
               <p:cNvPr id="5" name="TextBox 4">
@@ -11622,14 +11617,7 @@
                         <a:latin typeface="Cambria Math" panose="02040503050406030204" pitchFamily="18" charset="0"/>
                         <a:ea typeface="Cambria Math" panose="02040503050406030204" pitchFamily="18" charset="0"/>
                       </a:rPr>
-                      <m:t>=1, 2,</m:t>
-                    </m:r>
-                    <m:r>
-                      <a:rPr lang="en-CA" sz="2800" b="0" i="1" smtClean="0">
-                        <a:latin typeface="Cambria Math" panose="02040503050406030204" pitchFamily="18" charset="0"/>
-                        <a:ea typeface="Cambria Math" panose="02040503050406030204" pitchFamily="18" charset="0"/>
-                      </a:rPr>
-                      <m:t>…, </m:t>
+                      <m:t>=1, 2,…, </m:t>
                     </m:r>
                     <m:r>
                       <a:rPr lang="en-CA" sz="2800" b="0" i="1" smtClean="0">
@@ -11647,7 +11635,7 @@
             </p:txBody>
           </p:sp>
         </mc:Choice>
-        <mc:Fallback>
+        <mc:Fallback xmlns="">
           <p:sp>
             <p:nvSpPr>
               <p:cNvPr id="5" name="TextBox 4">
@@ -17579,6 +17567,1575 @@
   <p:cSld>
     <p:spTree>
       <p:nvGrpSpPr>
+        <p:cNvPr id="1" name="">
+          <a:extLst>
+            <a:ext uri="{FF2B5EF4-FFF2-40B4-BE49-F238E27FC236}">
+              <a16:creationId xmlns:a16="http://schemas.microsoft.com/office/drawing/2014/main" id="{0E390700-844C-18F8-0AE2-0A3B4EAB2DF5}"/>
+            </a:ext>
+          </a:extLst>
+        </p:cNvPr>
+        <p:cNvGrpSpPr/>
+        <p:nvPr/>
+      </p:nvGrpSpPr>
+      <p:grpSpPr>
+        <a:xfrm>
+          <a:off x="0" y="0"/>
+          <a:ext cx="0" cy="0"/>
+          <a:chOff x="0" y="0"/>
+          <a:chExt cx="0" cy="0"/>
+        </a:xfrm>
+      </p:grpSpPr>
+      <p:sp>
+        <p:nvSpPr>
+          <p:cNvPr id="2" name="Title 1">
+            <a:extLst>
+              <a:ext uri="{FF2B5EF4-FFF2-40B4-BE49-F238E27FC236}">
+                <a16:creationId xmlns:a16="http://schemas.microsoft.com/office/drawing/2014/main" id="{93E1EDA4-08A2-624F-AF46-672A33F5DE33}"/>
+              </a:ext>
+            </a:extLst>
+          </p:cNvPr>
+          <p:cNvSpPr>
+            <a:spLocks noGrp="1"/>
+          </p:cNvSpPr>
+          <p:nvPr>
+            <p:ph type="ctrTitle"/>
+          </p:nvPr>
+        </p:nvSpPr>
+        <p:spPr>
+          <a:xfrm>
+            <a:off x="647178" y="2256479"/>
+            <a:ext cx="9144000" cy="2345043"/>
+          </a:xfrm>
+        </p:spPr>
+        <p:txBody>
+          <a:bodyPr anchor="ctr" anchorCtr="0">
+            <a:normAutofit/>
+          </a:bodyPr>
+          <a:lstStyle/>
+          <a:p>
+            <a:r>
+              <a:rPr lang="en-CA" dirty="0"/>
+              <a:t>Chapter 2</a:t>
+            </a:r>
+            <a:r>
+              <a:rPr lang="en-CA" b="0" dirty="0"/>
+              <a:t>: </a:t>
+            </a:r>
+            <a:r>
+              <a:rPr lang="en-CA" dirty="0"/>
+              <a:t>Path Analysis</a:t>
+            </a:r>
+          </a:p>
+        </p:txBody>
+      </p:sp>
+    </p:spTree>
+    <p:extLst>
+      <p:ext uri="{BB962C8B-B14F-4D97-AF65-F5344CB8AC3E}">
+        <p14:creationId xmlns:p14="http://schemas.microsoft.com/office/powerpoint/2010/main" val="1924336528"/>
+      </p:ext>
+    </p:extLst>
+  </p:cSld>
+  <p:clrMapOvr>
+    <a:masterClrMapping/>
+  </p:clrMapOvr>
+</p:sld>
+</file>
+
+<file path=ppt/slides/slide21.xml><?xml version="1.0" encoding="utf-8"?>
+<p:sld xmlns:a="http://schemas.openxmlformats.org/drawingml/2006/main" xmlns:r="http://schemas.openxmlformats.org/officeDocument/2006/relationships" xmlns:p="http://schemas.openxmlformats.org/presentationml/2006/main">
+  <p:cSld>
+    <p:spTree>
+      <p:nvGrpSpPr>
+        <p:cNvPr id="1" name=""/>
+        <p:cNvGrpSpPr/>
+        <p:nvPr/>
+      </p:nvGrpSpPr>
+      <p:grpSpPr>
+        <a:xfrm>
+          <a:off x="0" y="0"/>
+          <a:ext cx="0" cy="0"/>
+          <a:chOff x="0" y="0"/>
+          <a:chExt cx="0" cy="0"/>
+        </a:xfrm>
+      </p:grpSpPr>
+      <p:sp>
+        <p:nvSpPr>
+          <p:cNvPr id="2" name="Title 1">
+            <a:extLst>
+              <a:ext uri="{FF2B5EF4-FFF2-40B4-BE49-F238E27FC236}">
+                <a16:creationId xmlns:a16="http://schemas.microsoft.com/office/drawing/2014/main" id="{13582A1A-C52D-846D-973F-88BB352BC915}"/>
+              </a:ext>
+            </a:extLst>
+          </p:cNvPr>
+          <p:cNvSpPr>
+            <a:spLocks noGrp="1"/>
+          </p:cNvSpPr>
+          <p:nvPr>
+            <p:ph type="title"/>
+          </p:nvPr>
+        </p:nvSpPr>
+        <p:spPr/>
+        <p:txBody>
+          <a:bodyPr/>
+          <a:lstStyle/>
+          <a:p>
+            <a:r>
+              <a:rPr lang="en-CA" dirty="0"/>
+              <a:t>Path Diagram</a:t>
+            </a:r>
+          </a:p>
+        </p:txBody>
+      </p:sp>
+      <p:sp>
+        <p:nvSpPr>
+          <p:cNvPr id="4" name="Slide Number Placeholder 3">
+            <a:extLst>
+              <a:ext uri="{FF2B5EF4-FFF2-40B4-BE49-F238E27FC236}">
+                <a16:creationId xmlns:a16="http://schemas.microsoft.com/office/drawing/2014/main" id="{2A797495-7462-7DC5-9261-AA04835FE5F1}"/>
+              </a:ext>
+            </a:extLst>
+          </p:cNvPr>
+          <p:cNvSpPr>
+            <a:spLocks noGrp="1"/>
+          </p:cNvSpPr>
+          <p:nvPr>
+            <p:ph type="sldNum" sz="quarter" idx="12"/>
+          </p:nvPr>
+        </p:nvSpPr>
+        <p:spPr/>
+        <p:txBody>
+          <a:bodyPr/>
+          <a:lstStyle/>
+          <a:p>
+            <a:fld id="{5C35FCF4-C3EF-BD43-82E0-05BC237DAD2A}" type="slidenum">
+              <a:rPr lang="en-US" smtClean="0"/>
+              <a:pPr/>
+              <a:t>21</a:t>
+            </a:fld>
+            <a:endParaRPr lang="en-US" dirty="0"/>
+          </a:p>
+        </p:txBody>
+      </p:sp>
+      <mc:AlternateContent xmlns:mc="http://schemas.openxmlformats.org/markup-compatibility/2006">
+        <mc:Choice xmlns:a14="http://schemas.microsoft.com/office/drawing/2010/main" Requires="a14">
+          <p:sp>
+            <p:nvSpPr>
+              <p:cNvPr id="5" name="Rectangle 4">
+                <a:extLst>
+                  <a:ext uri="{FF2B5EF4-FFF2-40B4-BE49-F238E27FC236}">
+                    <a16:creationId xmlns:a16="http://schemas.microsoft.com/office/drawing/2014/main" id="{28ED9225-6446-D15A-F8CC-B81D6F91DEF6}"/>
+                  </a:ext>
+                </a:extLst>
+              </p:cNvPr>
+              <p:cNvSpPr/>
+              <p:nvPr/>
+            </p:nvSpPr>
+            <p:spPr>
+              <a:xfrm>
+                <a:off x="3615744" y="2955073"/>
+                <a:ext cx="791735" cy="791737"/>
+              </a:xfrm>
+              <a:prstGeom prst="rect">
+                <a:avLst/>
+              </a:prstGeom>
+            </p:spPr>
+            <p:style>
+              <a:lnRef idx="2">
+                <a:schemeClr val="dk1"/>
+              </a:lnRef>
+              <a:fillRef idx="1">
+                <a:schemeClr val="lt1"/>
+              </a:fillRef>
+              <a:effectRef idx="0">
+                <a:schemeClr val="dk1"/>
+              </a:effectRef>
+              <a:fontRef idx="minor">
+                <a:schemeClr val="dk1"/>
+              </a:fontRef>
+            </p:style>
+            <p:txBody>
+              <a:bodyPr wrap="none" lIns="108000" tIns="0" rIns="0" bIns="108000" rtlCol="0" anchor="ctr" anchorCtr="1"/>
+              <a:lstStyle/>
+              <a:p>
+                <a:pPr algn="just"/>
+                <a14:m>
+                  <m:oMathPara xmlns:m="http://schemas.openxmlformats.org/officeDocument/2006/math">
+                    <m:oMathParaPr>
+                      <m:jc m:val="right"/>
+                    </m:oMathParaPr>
+                    <m:oMath xmlns:m="http://schemas.openxmlformats.org/officeDocument/2006/math">
+                      <m:sSub>
+                        <m:sSubPr>
+                          <m:ctrlPr>
+                            <a:rPr lang="en-CA" sz="2800" b="0" i="1" smtClean="0">
+                              <a:latin typeface="Cambria Math" panose="02040503050406030204" pitchFamily="18" charset="0"/>
+                            </a:rPr>
+                          </m:ctrlPr>
+                        </m:sSubPr>
+                        <m:e>
+                          <m:r>
+                            <a:rPr lang="en-CA" sz="2800" b="0" i="1" smtClean="0">
+                              <a:latin typeface="Cambria Math" panose="02040503050406030204" pitchFamily="18" charset="0"/>
+                            </a:rPr>
+                            <m:t>𝑥</m:t>
+                          </m:r>
+                        </m:e>
+                        <m:sub>
+                          <m:r>
+                            <a:rPr lang="en-CA" sz="2800" b="0" i="1" smtClean="0">
+                              <a:latin typeface="Cambria Math" panose="02040503050406030204" pitchFamily="18" charset="0"/>
+                            </a:rPr>
+                            <m:t>𝑖</m:t>
+                          </m:r>
+                          <m:r>
+                            <a:rPr lang="en-CA" sz="2800" b="0" i="1" smtClean="0">
+                              <a:latin typeface="Cambria Math" panose="02040503050406030204" pitchFamily="18" charset="0"/>
+                            </a:rPr>
+                            <m:t>1</m:t>
+                          </m:r>
+                        </m:sub>
+                      </m:sSub>
+                    </m:oMath>
+                  </m:oMathPara>
+                </a14:m>
+                <a:endParaRPr lang="en-CA" sz="2800" dirty="0"/>
+              </a:p>
+            </p:txBody>
+          </p:sp>
+        </mc:Choice>
+        <mc:Fallback>
+          <p:sp>
+            <p:nvSpPr>
+              <p:cNvPr id="5" name="Rectangle 4">
+                <a:extLst>
+                  <a:ext uri="{FF2B5EF4-FFF2-40B4-BE49-F238E27FC236}">
+                    <a16:creationId xmlns:a16="http://schemas.microsoft.com/office/drawing/2014/main" id="{28ED9225-6446-D15A-F8CC-B81D6F91DEF6}"/>
+                  </a:ext>
+                </a:extLst>
+              </p:cNvPr>
+              <p:cNvSpPr>
+                <a:spLocks noRot="1" noChangeAspect="1" noMove="1" noResize="1" noEditPoints="1" noAdjustHandles="1" noChangeArrowheads="1" noChangeShapeType="1" noTextEdit="1"/>
+              </p:cNvSpPr>
+              <p:nvPr/>
+            </p:nvSpPr>
+            <p:spPr>
+              <a:xfrm>
+                <a:off x="3615744" y="2955073"/>
+                <a:ext cx="791735" cy="791737"/>
+              </a:xfrm>
+              <a:prstGeom prst="rect">
+                <a:avLst/>
+              </a:prstGeom>
+              <a:blipFill>
+                <a:blip r:embed="rId2"/>
+                <a:stretch>
+                  <a:fillRect/>
+                </a:stretch>
+              </a:blipFill>
+            </p:spPr>
+            <p:txBody>
+              <a:bodyPr/>
+              <a:lstStyle/>
+              <a:p>
+                <a:r>
+                  <a:rPr lang="en-CA">
+                    <a:noFill/>
+                  </a:rPr>
+                  <a:t> </a:t>
+                </a:r>
+              </a:p>
+            </p:txBody>
+          </p:sp>
+        </mc:Fallback>
+      </mc:AlternateContent>
+      <mc:AlternateContent xmlns:mc="http://schemas.openxmlformats.org/markup-compatibility/2006">
+        <mc:Choice xmlns:a14="http://schemas.microsoft.com/office/drawing/2010/main" Requires="a14">
+          <p:sp>
+            <p:nvSpPr>
+              <p:cNvPr id="6" name="Rectangle 5">
+                <a:extLst>
+                  <a:ext uri="{FF2B5EF4-FFF2-40B4-BE49-F238E27FC236}">
+                    <a16:creationId xmlns:a16="http://schemas.microsoft.com/office/drawing/2014/main" id="{89EC8179-8F7A-669F-2187-B0523AA3BD6A}"/>
+                  </a:ext>
+                </a:extLst>
+              </p:cNvPr>
+              <p:cNvSpPr/>
+              <p:nvPr/>
+            </p:nvSpPr>
+            <p:spPr>
+              <a:xfrm>
+                <a:off x="7393862" y="2955073"/>
+                <a:ext cx="791736" cy="791737"/>
+              </a:xfrm>
+              <a:prstGeom prst="rect">
+                <a:avLst/>
+              </a:prstGeom>
+            </p:spPr>
+            <p:style>
+              <a:lnRef idx="2">
+                <a:schemeClr val="dk1"/>
+              </a:lnRef>
+              <a:fillRef idx="1">
+                <a:schemeClr val="lt1"/>
+              </a:fillRef>
+              <a:effectRef idx="0">
+                <a:schemeClr val="dk1"/>
+              </a:effectRef>
+              <a:fontRef idx="minor">
+                <a:schemeClr val="dk1"/>
+              </a:fontRef>
+            </p:style>
+            <p:txBody>
+              <a:bodyPr wrap="none" lIns="108000" tIns="0" rIns="0" bIns="108000" rtlCol="0" anchor="ctr" anchorCtr="1"/>
+              <a:lstStyle/>
+              <a:p>
+                <a:pPr algn="just"/>
+                <a14:m>
+                  <m:oMathPara xmlns:m="http://schemas.openxmlformats.org/officeDocument/2006/math">
+                    <m:oMathParaPr>
+                      <m:jc m:val="right"/>
+                    </m:oMathParaPr>
+                    <m:oMath xmlns:m="http://schemas.openxmlformats.org/officeDocument/2006/math">
+                      <m:sSub>
+                        <m:sSubPr>
+                          <m:ctrlPr>
+                            <a:rPr lang="en-CA" sz="2800" b="0" i="1" smtClean="0">
+                              <a:latin typeface="Cambria Math" panose="02040503050406030204" pitchFamily="18" charset="0"/>
+                            </a:rPr>
+                          </m:ctrlPr>
+                        </m:sSubPr>
+                        <m:e>
+                          <m:r>
+                            <a:rPr lang="en-CA" sz="2800" b="0" i="1" smtClean="0">
+                              <a:latin typeface="Cambria Math" panose="02040503050406030204" pitchFamily="18" charset="0"/>
+                            </a:rPr>
+                            <m:t>𝑦</m:t>
+                          </m:r>
+                        </m:e>
+                        <m:sub>
+                          <m:r>
+                            <a:rPr lang="en-CA" sz="2800" b="0" i="1" smtClean="0">
+                              <a:latin typeface="Cambria Math" panose="02040503050406030204" pitchFamily="18" charset="0"/>
+                            </a:rPr>
+                            <m:t>𝑖</m:t>
+                          </m:r>
+                        </m:sub>
+                      </m:sSub>
+                    </m:oMath>
+                  </m:oMathPara>
+                </a14:m>
+                <a:endParaRPr lang="en-CA" sz="2800" dirty="0"/>
+              </a:p>
+            </p:txBody>
+          </p:sp>
+        </mc:Choice>
+        <mc:Fallback>
+          <p:sp>
+            <p:nvSpPr>
+              <p:cNvPr id="6" name="Rectangle 5">
+                <a:extLst>
+                  <a:ext uri="{FF2B5EF4-FFF2-40B4-BE49-F238E27FC236}">
+                    <a16:creationId xmlns:a16="http://schemas.microsoft.com/office/drawing/2014/main" id="{89EC8179-8F7A-669F-2187-B0523AA3BD6A}"/>
+                  </a:ext>
+                </a:extLst>
+              </p:cNvPr>
+              <p:cNvSpPr>
+                <a:spLocks noRot="1" noChangeAspect="1" noMove="1" noResize="1" noEditPoints="1" noAdjustHandles="1" noChangeArrowheads="1" noChangeShapeType="1" noTextEdit="1"/>
+              </p:cNvSpPr>
+              <p:nvPr/>
+            </p:nvSpPr>
+            <p:spPr>
+              <a:xfrm>
+                <a:off x="7393862" y="2955073"/>
+                <a:ext cx="791736" cy="791737"/>
+              </a:xfrm>
+              <a:prstGeom prst="rect">
+                <a:avLst/>
+              </a:prstGeom>
+              <a:blipFill>
+                <a:blip r:embed="rId3"/>
+                <a:stretch>
+                  <a:fillRect/>
+                </a:stretch>
+              </a:blipFill>
+            </p:spPr>
+            <p:txBody>
+              <a:bodyPr/>
+              <a:lstStyle/>
+              <a:p>
+                <a:r>
+                  <a:rPr lang="en-CA">
+                    <a:noFill/>
+                  </a:rPr>
+                  <a:t> </a:t>
+                </a:r>
+              </a:p>
+            </p:txBody>
+          </p:sp>
+        </mc:Fallback>
+      </mc:AlternateContent>
+      <mc:AlternateContent xmlns:mc="http://schemas.openxmlformats.org/markup-compatibility/2006">
+        <mc:Choice xmlns:a14="http://schemas.microsoft.com/office/drawing/2010/main" Requires="a14">
+          <p:sp>
+            <p:nvSpPr>
+              <p:cNvPr id="7" name="Triangle 6">
+                <a:extLst>
+                  <a:ext uri="{FF2B5EF4-FFF2-40B4-BE49-F238E27FC236}">
+                    <a16:creationId xmlns:a16="http://schemas.microsoft.com/office/drawing/2014/main" id="{E3BB4C08-A2FD-1260-E861-EF6276678816}"/>
+                  </a:ext>
+                </a:extLst>
+              </p:cNvPr>
+              <p:cNvSpPr/>
+              <p:nvPr/>
+            </p:nvSpPr>
+            <p:spPr>
+              <a:xfrm>
+                <a:off x="5391106" y="4103649"/>
+                <a:ext cx="858643" cy="691376"/>
+              </a:xfrm>
+              <a:prstGeom prst="triangle">
+                <a:avLst/>
+              </a:prstGeom>
+            </p:spPr>
+            <p:style>
+              <a:lnRef idx="2">
+                <a:schemeClr val="dk1"/>
+              </a:lnRef>
+              <a:fillRef idx="1">
+                <a:schemeClr val="lt1"/>
+              </a:fillRef>
+              <a:effectRef idx="0">
+                <a:schemeClr val="dk1"/>
+              </a:effectRef>
+              <a:fontRef idx="minor">
+                <a:schemeClr val="dk1"/>
+              </a:fontRef>
+            </p:style>
+            <p:txBody>
+              <a:bodyPr lIns="72000" tIns="0" rIns="0" bIns="144000" rtlCol="0" anchor="ctr"/>
+              <a:lstStyle/>
+              <a:p>
+                <a:pPr algn="ctr"/>
+                <a14:m>
+                  <m:oMathPara xmlns:m="http://schemas.openxmlformats.org/officeDocument/2006/math">
+                    <m:oMathParaPr>
+                      <m:jc m:val="centerGroup"/>
+                    </m:oMathParaPr>
+                    <m:oMath xmlns:m="http://schemas.openxmlformats.org/officeDocument/2006/math">
+                      <m:r>
+                        <a:rPr lang="en-CA" sz="2400" b="0" i="1" smtClean="0">
+                          <a:latin typeface="Cambria Math" panose="02040503050406030204" pitchFamily="18" charset="0"/>
+                        </a:rPr>
+                        <m:t>1</m:t>
+                      </m:r>
+                    </m:oMath>
+                  </m:oMathPara>
+                </a14:m>
+                <a:endParaRPr lang="en-CA" sz="2400" dirty="0"/>
+              </a:p>
+            </p:txBody>
+          </p:sp>
+        </mc:Choice>
+        <mc:Fallback>
+          <p:sp>
+            <p:nvSpPr>
+              <p:cNvPr id="7" name="Triangle 6">
+                <a:extLst>
+                  <a:ext uri="{FF2B5EF4-FFF2-40B4-BE49-F238E27FC236}">
+                    <a16:creationId xmlns:a16="http://schemas.microsoft.com/office/drawing/2014/main" id="{E3BB4C08-A2FD-1260-E861-EF6276678816}"/>
+                  </a:ext>
+                </a:extLst>
+              </p:cNvPr>
+              <p:cNvSpPr>
+                <a:spLocks noRot="1" noChangeAspect="1" noMove="1" noResize="1" noEditPoints="1" noAdjustHandles="1" noChangeArrowheads="1" noChangeShapeType="1" noTextEdit="1"/>
+              </p:cNvSpPr>
+              <p:nvPr/>
+            </p:nvSpPr>
+            <p:spPr>
+              <a:xfrm>
+                <a:off x="5391106" y="4103649"/>
+                <a:ext cx="858643" cy="691376"/>
+              </a:xfrm>
+              <a:prstGeom prst="triangle">
+                <a:avLst/>
+              </a:prstGeom>
+              <a:blipFill>
+                <a:blip r:embed="rId4"/>
+                <a:stretch>
+                  <a:fillRect/>
+                </a:stretch>
+              </a:blipFill>
+            </p:spPr>
+            <p:txBody>
+              <a:bodyPr/>
+              <a:lstStyle/>
+              <a:p>
+                <a:r>
+                  <a:rPr lang="en-CA">
+                    <a:noFill/>
+                  </a:rPr>
+                  <a:t> </a:t>
+                </a:r>
+              </a:p>
+            </p:txBody>
+          </p:sp>
+        </mc:Fallback>
+      </mc:AlternateContent>
+      <p:cxnSp>
+        <p:nvCxnSpPr>
+          <p:cNvPr id="9" name="Straight Arrow Connector 8">
+            <a:extLst>
+              <a:ext uri="{FF2B5EF4-FFF2-40B4-BE49-F238E27FC236}">
+                <a16:creationId xmlns:a16="http://schemas.microsoft.com/office/drawing/2014/main" id="{57D15909-843D-36D3-FBC6-C73E69004E5E}"/>
+              </a:ext>
+            </a:extLst>
+          </p:cNvPr>
+          <p:cNvCxnSpPr>
+            <a:cxnSpLocks/>
+            <a:stCxn id="5" idx="3"/>
+            <a:endCxn id="6" idx="1"/>
+          </p:cNvCxnSpPr>
+          <p:nvPr/>
+        </p:nvCxnSpPr>
+        <p:spPr>
+          <a:xfrm>
+            <a:off x="4407479" y="3350942"/>
+            <a:ext cx="2986383" cy="0"/>
+          </a:xfrm>
+          <a:prstGeom prst="straightConnector1">
+            <a:avLst/>
+          </a:prstGeom>
+          <a:ln w="28575">
+            <a:headEnd type="none" w="med" len="med"/>
+            <a:tailEnd type="arrow"/>
+          </a:ln>
+        </p:spPr>
+        <p:style>
+          <a:lnRef idx="1">
+            <a:schemeClr val="dk1"/>
+          </a:lnRef>
+          <a:fillRef idx="0">
+            <a:schemeClr val="dk1"/>
+          </a:fillRef>
+          <a:effectRef idx="0">
+            <a:schemeClr val="dk1"/>
+          </a:effectRef>
+          <a:fontRef idx="minor">
+            <a:schemeClr val="tx1"/>
+          </a:fontRef>
+        </p:style>
+      </p:cxnSp>
+      <p:cxnSp>
+        <p:nvCxnSpPr>
+          <p:cNvPr id="12" name="Straight Arrow Connector 11">
+            <a:extLst>
+              <a:ext uri="{FF2B5EF4-FFF2-40B4-BE49-F238E27FC236}">
+                <a16:creationId xmlns:a16="http://schemas.microsoft.com/office/drawing/2014/main" id="{83CAF9E5-9789-4BCE-69E9-BDFB015663D6}"/>
+              </a:ext>
+            </a:extLst>
+          </p:cNvPr>
+          <p:cNvCxnSpPr>
+            <a:cxnSpLocks/>
+            <a:stCxn id="7" idx="1"/>
+            <a:endCxn id="5" idx="2"/>
+          </p:cNvCxnSpPr>
+          <p:nvPr/>
+        </p:nvCxnSpPr>
+        <p:spPr>
+          <a:xfrm flipH="1" flipV="1">
+            <a:off x="4011612" y="3746810"/>
+            <a:ext cx="1594155" cy="702527"/>
+          </a:xfrm>
+          <a:prstGeom prst="straightConnector1">
+            <a:avLst/>
+          </a:prstGeom>
+          <a:ln w="28575">
+            <a:tailEnd type="arrow"/>
+          </a:ln>
+        </p:spPr>
+        <p:style>
+          <a:lnRef idx="1">
+            <a:schemeClr val="dk1"/>
+          </a:lnRef>
+          <a:fillRef idx="0">
+            <a:schemeClr val="dk1"/>
+          </a:fillRef>
+          <a:effectRef idx="0">
+            <a:schemeClr val="dk1"/>
+          </a:effectRef>
+          <a:fontRef idx="minor">
+            <a:schemeClr val="tx1"/>
+          </a:fontRef>
+        </p:style>
+      </p:cxnSp>
+      <p:cxnSp>
+        <p:nvCxnSpPr>
+          <p:cNvPr id="15" name="Straight Arrow Connector 14">
+            <a:extLst>
+              <a:ext uri="{FF2B5EF4-FFF2-40B4-BE49-F238E27FC236}">
+                <a16:creationId xmlns:a16="http://schemas.microsoft.com/office/drawing/2014/main" id="{0C25C692-5C90-088F-F8D5-E256B1C8AAEA}"/>
+              </a:ext>
+            </a:extLst>
+          </p:cNvPr>
+          <p:cNvCxnSpPr>
+            <a:cxnSpLocks/>
+            <a:stCxn id="7" idx="5"/>
+            <a:endCxn id="6" idx="2"/>
+          </p:cNvCxnSpPr>
+          <p:nvPr/>
+        </p:nvCxnSpPr>
+        <p:spPr>
+          <a:xfrm flipV="1">
+            <a:off x="6035088" y="3746810"/>
+            <a:ext cx="1754642" cy="702527"/>
+          </a:xfrm>
+          <a:prstGeom prst="straightConnector1">
+            <a:avLst/>
+          </a:prstGeom>
+          <a:ln w="28575">
+            <a:tailEnd type="arrow"/>
+          </a:ln>
+        </p:spPr>
+        <p:style>
+          <a:lnRef idx="1">
+            <a:schemeClr val="dk1"/>
+          </a:lnRef>
+          <a:fillRef idx="0">
+            <a:schemeClr val="dk1"/>
+          </a:fillRef>
+          <a:effectRef idx="0">
+            <a:schemeClr val="dk1"/>
+          </a:effectRef>
+          <a:fontRef idx="minor">
+            <a:schemeClr val="tx1"/>
+          </a:fontRef>
+        </p:style>
+      </p:cxnSp>
+      <mc:AlternateContent xmlns:mc="http://schemas.openxmlformats.org/markup-compatibility/2006">
+        <mc:Choice xmlns:a14="http://schemas.microsoft.com/office/drawing/2010/main" Requires="a14">
+          <p:sp>
+            <p:nvSpPr>
+              <p:cNvPr id="30" name="TextBox 29">
+                <a:extLst>
+                  <a:ext uri="{FF2B5EF4-FFF2-40B4-BE49-F238E27FC236}">
+                    <a16:creationId xmlns:a16="http://schemas.microsoft.com/office/drawing/2014/main" id="{82BDB073-67F0-9FBA-C3D5-8F6D707A948B}"/>
+                  </a:ext>
+                </a:extLst>
+              </p:cNvPr>
+              <p:cNvSpPr txBox="1"/>
+              <p:nvPr/>
+            </p:nvSpPr>
+            <p:spPr>
+              <a:xfrm>
+                <a:off x="5605767" y="2824097"/>
+                <a:ext cx="417870" cy="430887"/>
+              </a:xfrm>
+              <a:prstGeom prst="rect">
+                <a:avLst/>
+              </a:prstGeom>
+              <a:noFill/>
+            </p:spPr>
+            <p:txBody>
+              <a:bodyPr wrap="none" lIns="0" tIns="0" rIns="0" bIns="0" rtlCol="0">
+                <a:spAutoFit/>
+              </a:bodyPr>
+              <a:lstStyle/>
+              <a:p>
+                <a14:m>
+                  <m:oMathPara xmlns:m="http://schemas.openxmlformats.org/officeDocument/2006/math">
+                    <m:oMathParaPr>
+                      <m:jc m:val="centerGroup"/>
+                    </m:oMathParaPr>
+                    <m:oMath xmlns:m="http://schemas.openxmlformats.org/officeDocument/2006/math">
+                      <m:sSub>
+                        <m:sSubPr>
+                          <m:ctrlPr>
+                            <a:rPr lang="en-CA" sz="2800" b="0" i="1" smtClean="0">
+                              <a:latin typeface="Cambria Math" panose="02040503050406030204" pitchFamily="18" charset="0"/>
+                            </a:rPr>
+                          </m:ctrlPr>
+                        </m:sSubPr>
+                        <m:e>
+                          <m:r>
+                            <a:rPr lang="en-CA" sz="2800" b="0" i="1" smtClean="0">
+                              <a:latin typeface="Cambria Math" panose="02040503050406030204" pitchFamily="18" charset="0"/>
+                            </a:rPr>
+                            <m:t>𝛾</m:t>
+                          </m:r>
+                        </m:e>
+                        <m:sub>
+                          <m:r>
+                            <a:rPr lang="en-CA" sz="2800" b="0" i="1" smtClean="0">
+                              <a:latin typeface="Cambria Math" panose="02040503050406030204" pitchFamily="18" charset="0"/>
+                            </a:rPr>
+                            <m:t>1</m:t>
+                          </m:r>
+                        </m:sub>
+                      </m:sSub>
+                    </m:oMath>
+                  </m:oMathPara>
+                </a14:m>
+                <a:endParaRPr lang="en-CA" sz="2800" b="0" dirty="0"/>
+              </a:p>
+            </p:txBody>
+          </p:sp>
+        </mc:Choice>
+        <mc:Fallback>
+          <p:sp>
+            <p:nvSpPr>
+              <p:cNvPr id="30" name="TextBox 29">
+                <a:extLst>
+                  <a:ext uri="{FF2B5EF4-FFF2-40B4-BE49-F238E27FC236}">
+                    <a16:creationId xmlns:a16="http://schemas.microsoft.com/office/drawing/2014/main" id="{82BDB073-67F0-9FBA-C3D5-8F6D707A948B}"/>
+                  </a:ext>
+                </a:extLst>
+              </p:cNvPr>
+              <p:cNvSpPr txBox="1">
+                <a:spLocks noRot="1" noChangeAspect="1" noMove="1" noResize="1" noEditPoints="1" noAdjustHandles="1" noChangeArrowheads="1" noChangeShapeType="1" noTextEdit="1"/>
+              </p:cNvSpPr>
+              <p:nvPr/>
+            </p:nvSpPr>
+            <p:spPr>
+              <a:xfrm>
+                <a:off x="5605767" y="2824097"/>
+                <a:ext cx="417870" cy="430887"/>
+              </a:xfrm>
+              <a:prstGeom prst="rect">
+                <a:avLst/>
+              </a:prstGeom>
+              <a:blipFill>
+                <a:blip r:embed="rId5"/>
+                <a:stretch>
+                  <a:fillRect l="-17647" r="-5882" b="-17143"/>
+                </a:stretch>
+              </a:blipFill>
+            </p:spPr>
+            <p:txBody>
+              <a:bodyPr/>
+              <a:lstStyle/>
+              <a:p>
+                <a:r>
+                  <a:rPr lang="en-CA">
+                    <a:noFill/>
+                  </a:rPr>
+                  <a:t> </a:t>
+                </a:r>
+              </a:p>
+            </p:txBody>
+          </p:sp>
+        </mc:Fallback>
+      </mc:AlternateContent>
+      <mc:AlternateContent xmlns:mc="http://schemas.openxmlformats.org/markup-compatibility/2006">
+        <mc:Choice xmlns:a14="http://schemas.microsoft.com/office/drawing/2010/main" Requires="a14">
+          <p:sp>
+            <p:nvSpPr>
+              <p:cNvPr id="31" name="TextBox 30">
+                <a:extLst>
+                  <a:ext uri="{FF2B5EF4-FFF2-40B4-BE49-F238E27FC236}">
+                    <a16:creationId xmlns:a16="http://schemas.microsoft.com/office/drawing/2014/main" id="{08B68DD3-88B9-868F-7DAD-3AC5ABAB017E}"/>
+                  </a:ext>
+                </a:extLst>
+              </p:cNvPr>
+              <p:cNvSpPr txBox="1"/>
+              <p:nvPr/>
+            </p:nvSpPr>
+            <p:spPr>
+              <a:xfrm>
+                <a:off x="4836800" y="3667186"/>
+                <a:ext cx="456342" cy="430887"/>
+              </a:xfrm>
+              <a:prstGeom prst="rect">
+                <a:avLst/>
+              </a:prstGeom>
+              <a:noFill/>
+            </p:spPr>
+            <p:txBody>
+              <a:bodyPr wrap="none" lIns="0" tIns="0" rIns="0" bIns="0" rtlCol="0">
+                <a:spAutoFit/>
+              </a:bodyPr>
+              <a:lstStyle/>
+              <a:p>
+                <a14:m>
+                  <m:oMathPara xmlns:m="http://schemas.openxmlformats.org/officeDocument/2006/math">
+                    <m:oMathParaPr>
+                      <m:jc m:val="centerGroup"/>
+                    </m:oMathParaPr>
+                    <m:oMath xmlns:m="http://schemas.openxmlformats.org/officeDocument/2006/math">
+                      <m:sSub>
+                        <m:sSubPr>
+                          <m:ctrlPr>
+                            <a:rPr lang="en-CA" sz="2800" b="0" i="1" smtClean="0">
+                              <a:latin typeface="Cambria Math" panose="02040503050406030204" pitchFamily="18" charset="0"/>
+                            </a:rPr>
+                          </m:ctrlPr>
+                        </m:sSubPr>
+                        <m:e>
+                          <m:r>
+                            <a:rPr lang="en-CA" sz="2800" b="0" i="1" smtClean="0">
+                              <a:latin typeface="Cambria Math" panose="02040503050406030204" pitchFamily="18" charset="0"/>
+                            </a:rPr>
+                            <m:t>𝜇</m:t>
+                          </m:r>
+                        </m:e>
+                        <m:sub>
+                          <m:r>
+                            <a:rPr lang="en-CA" sz="2800" b="0" i="1" smtClean="0">
+                              <a:latin typeface="Cambria Math" panose="02040503050406030204" pitchFamily="18" charset="0"/>
+                            </a:rPr>
+                            <m:t>𝑥</m:t>
+                          </m:r>
+                        </m:sub>
+                      </m:sSub>
+                    </m:oMath>
+                  </m:oMathPara>
+                </a14:m>
+                <a:endParaRPr lang="en-CA" sz="2800" b="0" dirty="0"/>
+              </a:p>
+            </p:txBody>
+          </p:sp>
+        </mc:Choice>
+        <mc:Fallback>
+          <p:sp>
+            <p:nvSpPr>
+              <p:cNvPr id="31" name="TextBox 30">
+                <a:extLst>
+                  <a:ext uri="{FF2B5EF4-FFF2-40B4-BE49-F238E27FC236}">
+                    <a16:creationId xmlns:a16="http://schemas.microsoft.com/office/drawing/2014/main" id="{08B68DD3-88B9-868F-7DAD-3AC5ABAB017E}"/>
+                  </a:ext>
+                </a:extLst>
+              </p:cNvPr>
+              <p:cNvSpPr txBox="1">
+                <a:spLocks noRot="1" noChangeAspect="1" noMove="1" noResize="1" noEditPoints="1" noAdjustHandles="1" noChangeArrowheads="1" noChangeShapeType="1" noTextEdit="1"/>
+              </p:cNvSpPr>
+              <p:nvPr/>
+            </p:nvSpPr>
+            <p:spPr>
+              <a:xfrm>
+                <a:off x="4836800" y="3667186"/>
+                <a:ext cx="456342" cy="430887"/>
+              </a:xfrm>
+              <a:prstGeom prst="rect">
+                <a:avLst/>
+              </a:prstGeom>
+              <a:blipFill>
+                <a:blip r:embed="rId6"/>
+                <a:stretch>
+                  <a:fillRect l="-16216" r="-2703" b="-17143"/>
+                </a:stretch>
+              </a:blipFill>
+            </p:spPr>
+            <p:txBody>
+              <a:bodyPr/>
+              <a:lstStyle/>
+              <a:p>
+                <a:r>
+                  <a:rPr lang="en-CA">
+                    <a:noFill/>
+                  </a:rPr>
+                  <a:t> </a:t>
+                </a:r>
+              </a:p>
+            </p:txBody>
+          </p:sp>
+        </mc:Fallback>
+      </mc:AlternateContent>
+      <mc:AlternateContent xmlns:mc="http://schemas.openxmlformats.org/markup-compatibility/2006">
+        <mc:Choice xmlns:a14="http://schemas.microsoft.com/office/drawing/2010/main" Requires="a14">
+          <p:sp>
+            <p:nvSpPr>
+              <p:cNvPr id="32" name="TextBox 31">
+                <a:extLst>
+                  <a:ext uri="{FF2B5EF4-FFF2-40B4-BE49-F238E27FC236}">
+                    <a16:creationId xmlns:a16="http://schemas.microsoft.com/office/drawing/2014/main" id="{9CFD25D7-C00F-E77F-CC57-AD581B4BD03A}"/>
+                  </a:ext>
+                </a:extLst>
+              </p:cNvPr>
+              <p:cNvSpPr txBox="1"/>
+              <p:nvPr/>
+            </p:nvSpPr>
+            <p:spPr>
+              <a:xfrm>
+                <a:off x="6651916" y="3667185"/>
+                <a:ext cx="307455" cy="430887"/>
+              </a:xfrm>
+              <a:prstGeom prst="rect">
+                <a:avLst/>
+              </a:prstGeom>
+              <a:noFill/>
+            </p:spPr>
+            <p:txBody>
+              <a:bodyPr wrap="square" lIns="0" tIns="0" rIns="0" bIns="0" rtlCol="0">
+                <a:spAutoFit/>
+              </a:bodyPr>
+              <a:lstStyle/>
+              <a:p>
+                <a14:m>
+                  <m:oMathPara xmlns:m="http://schemas.openxmlformats.org/officeDocument/2006/math">
+                    <m:oMathParaPr>
+                      <m:jc m:val="centerGroup"/>
+                    </m:oMathParaPr>
+                    <m:oMath xmlns:m="http://schemas.openxmlformats.org/officeDocument/2006/math">
+                      <m:r>
+                        <a:rPr lang="en-CA" sz="2800" b="0" i="1" smtClean="0">
+                          <a:latin typeface="Cambria Math" panose="02040503050406030204" pitchFamily="18" charset="0"/>
+                        </a:rPr>
+                        <m:t>𝛼</m:t>
+                      </m:r>
+                    </m:oMath>
+                  </m:oMathPara>
+                </a14:m>
+                <a:endParaRPr lang="en-CA" sz="2800" b="0" dirty="0"/>
+              </a:p>
+            </p:txBody>
+          </p:sp>
+        </mc:Choice>
+        <mc:Fallback>
+          <p:sp>
+            <p:nvSpPr>
+              <p:cNvPr id="32" name="TextBox 31">
+                <a:extLst>
+                  <a:ext uri="{FF2B5EF4-FFF2-40B4-BE49-F238E27FC236}">
+                    <a16:creationId xmlns:a16="http://schemas.microsoft.com/office/drawing/2014/main" id="{9CFD25D7-C00F-E77F-CC57-AD581B4BD03A}"/>
+                  </a:ext>
+                </a:extLst>
+              </p:cNvPr>
+              <p:cNvSpPr txBox="1">
+                <a:spLocks noRot="1" noChangeAspect="1" noMove="1" noResize="1" noEditPoints="1" noAdjustHandles="1" noChangeArrowheads="1" noChangeShapeType="1" noTextEdit="1"/>
+              </p:cNvSpPr>
+              <p:nvPr/>
+            </p:nvSpPr>
+            <p:spPr>
+              <a:xfrm>
+                <a:off x="6651916" y="3667185"/>
+                <a:ext cx="307455" cy="430887"/>
+              </a:xfrm>
+              <a:prstGeom prst="rect">
+                <a:avLst/>
+              </a:prstGeom>
+              <a:blipFill>
+                <a:blip r:embed="rId7"/>
+                <a:stretch>
+                  <a:fillRect l="-11538" r="-7692"/>
+                </a:stretch>
+              </a:blipFill>
+            </p:spPr>
+            <p:txBody>
+              <a:bodyPr/>
+              <a:lstStyle/>
+              <a:p>
+                <a:r>
+                  <a:rPr lang="en-CA">
+                    <a:noFill/>
+                  </a:rPr>
+                  <a:t> </a:t>
+                </a:r>
+              </a:p>
+            </p:txBody>
+          </p:sp>
+        </mc:Fallback>
+      </mc:AlternateContent>
+      <p:sp>
+        <p:nvSpPr>
+          <p:cNvPr id="35" name="Arc 34">
+            <a:extLst>
+              <a:ext uri="{FF2B5EF4-FFF2-40B4-BE49-F238E27FC236}">
+                <a16:creationId xmlns:a16="http://schemas.microsoft.com/office/drawing/2014/main" id="{D9AF2F47-CDF7-1ACC-0BA2-19465AD86793}"/>
+              </a:ext>
+            </a:extLst>
+          </p:cNvPr>
+          <p:cNvSpPr/>
+          <p:nvPr/>
+        </p:nvSpPr>
+        <p:spPr>
+          <a:xfrm rot="10800000">
+            <a:off x="3352464" y="3080777"/>
+            <a:ext cx="485440" cy="486000"/>
+          </a:xfrm>
+          <a:prstGeom prst="arc">
+            <a:avLst>
+              <a:gd name="adj1" fmla="val 16200000"/>
+              <a:gd name="adj2" fmla="val 5437479"/>
+            </a:avLst>
+          </a:prstGeom>
+          <a:ln w="15875">
+            <a:headEnd type="triangle" w="lg" len="med"/>
+            <a:tailEnd type="triangle" w="lg" len="med"/>
+          </a:ln>
+        </p:spPr>
+        <p:style>
+          <a:lnRef idx="1">
+            <a:schemeClr val="dk1"/>
+          </a:lnRef>
+          <a:fillRef idx="0">
+            <a:schemeClr val="dk1"/>
+          </a:fillRef>
+          <a:effectRef idx="0">
+            <a:schemeClr val="dk1"/>
+          </a:effectRef>
+          <a:fontRef idx="minor">
+            <a:schemeClr val="tx1"/>
+          </a:fontRef>
+        </p:style>
+        <p:txBody>
+          <a:bodyPr rtlCol="0" anchor="ctr"/>
+          <a:lstStyle/>
+          <a:p>
+            <a:pPr algn="ctr"/>
+            <a:endParaRPr lang="en-CA"/>
+          </a:p>
+        </p:txBody>
+      </p:sp>
+      <mc:AlternateContent xmlns:mc="http://schemas.openxmlformats.org/markup-compatibility/2006">
+        <mc:Choice xmlns:a14="http://schemas.microsoft.com/office/drawing/2010/main" Requires="a14">
+          <p:sp>
+            <p:nvSpPr>
+              <p:cNvPr id="38" name="TextBox 37">
+                <a:extLst>
+                  <a:ext uri="{FF2B5EF4-FFF2-40B4-BE49-F238E27FC236}">
+                    <a16:creationId xmlns:a16="http://schemas.microsoft.com/office/drawing/2014/main" id="{CAE210CE-23DA-1A46-6F81-1CBE10F5749A}"/>
+                  </a:ext>
+                </a:extLst>
+              </p:cNvPr>
+              <p:cNvSpPr txBox="1"/>
+              <p:nvPr/>
+            </p:nvSpPr>
+            <p:spPr>
+              <a:xfrm>
+                <a:off x="2877179" y="3109261"/>
+                <a:ext cx="479940" cy="430887"/>
+              </a:xfrm>
+              <a:prstGeom prst="rect">
+                <a:avLst/>
+              </a:prstGeom>
+              <a:noFill/>
+            </p:spPr>
+            <p:txBody>
+              <a:bodyPr wrap="none" lIns="0" tIns="0" rIns="0" bIns="0" rtlCol="0">
+                <a:spAutoFit/>
+              </a:bodyPr>
+              <a:lstStyle/>
+              <a:p>
+                <a14:m>
+                  <m:oMathPara xmlns:m="http://schemas.openxmlformats.org/officeDocument/2006/math">
+                    <m:oMathParaPr>
+                      <m:jc m:val="centerGroup"/>
+                    </m:oMathParaPr>
+                    <m:oMath xmlns:m="http://schemas.openxmlformats.org/officeDocument/2006/math">
+                      <m:sSubSup>
+                        <m:sSubSupPr>
+                          <m:ctrlPr>
+                            <a:rPr lang="en-CA" sz="2800" b="0" i="1" smtClean="0">
+                              <a:latin typeface="Cambria Math" panose="02040503050406030204" pitchFamily="18" charset="0"/>
+                            </a:rPr>
+                          </m:ctrlPr>
+                        </m:sSubSupPr>
+                        <m:e>
+                          <m:r>
+                            <a:rPr lang="en-CA" sz="2800" b="0" i="1" smtClean="0">
+                              <a:latin typeface="Cambria Math" panose="02040503050406030204" pitchFamily="18" charset="0"/>
+                            </a:rPr>
+                            <m:t>𝜎</m:t>
+                          </m:r>
+                        </m:e>
+                        <m:sub>
+                          <m:r>
+                            <a:rPr lang="en-CA" sz="2800" b="0" i="1" smtClean="0">
+                              <a:latin typeface="Cambria Math" panose="02040503050406030204" pitchFamily="18" charset="0"/>
+                            </a:rPr>
+                            <m:t>𝑥</m:t>
+                          </m:r>
+                        </m:sub>
+                        <m:sup>
+                          <m:r>
+                            <a:rPr lang="en-CA" sz="2800" b="0" i="1" smtClean="0">
+                              <a:latin typeface="Cambria Math" panose="02040503050406030204" pitchFamily="18" charset="0"/>
+                            </a:rPr>
+                            <m:t>2</m:t>
+                          </m:r>
+                        </m:sup>
+                      </m:sSubSup>
+                    </m:oMath>
+                  </m:oMathPara>
+                </a14:m>
+                <a:endParaRPr lang="en-CA" sz="2800" b="0" dirty="0"/>
+              </a:p>
+            </p:txBody>
+          </p:sp>
+        </mc:Choice>
+        <mc:Fallback>
+          <p:sp>
+            <p:nvSpPr>
+              <p:cNvPr id="38" name="TextBox 37">
+                <a:extLst>
+                  <a:ext uri="{FF2B5EF4-FFF2-40B4-BE49-F238E27FC236}">
+                    <a16:creationId xmlns:a16="http://schemas.microsoft.com/office/drawing/2014/main" id="{CAE210CE-23DA-1A46-6F81-1CBE10F5749A}"/>
+                  </a:ext>
+                </a:extLst>
+              </p:cNvPr>
+              <p:cNvSpPr txBox="1">
+                <a:spLocks noRot="1" noChangeAspect="1" noMove="1" noResize="1" noEditPoints="1" noAdjustHandles="1" noChangeArrowheads="1" noChangeShapeType="1" noTextEdit="1"/>
+              </p:cNvSpPr>
+              <p:nvPr/>
+            </p:nvSpPr>
+            <p:spPr>
+              <a:xfrm>
+                <a:off x="2877179" y="3109261"/>
+                <a:ext cx="479940" cy="430887"/>
+              </a:xfrm>
+              <a:prstGeom prst="rect">
+                <a:avLst/>
+              </a:prstGeom>
+              <a:blipFill>
+                <a:blip r:embed="rId8"/>
+                <a:stretch>
+                  <a:fillRect l="-7692" t="-2857" r="-5128" b="-8571"/>
+                </a:stretch>
+              </a:blipFill>
+            </p:spPr>
+            <p:txBody>
+              <a:bodyPr/>
+              <a:lstStyle/>
+              <a:p>
+                <a:r>
+                  <a:rPr lang="en-CA">
+                    <a:noFill/>
+                  </a:rPr>
+                  <a:t> </a:t>
+                </a:r>
+              </a:p>
+            </p:txBody>
+          </p:sp>
+        </mc:Fallback>
+      </mc:AlternateContent>
+      <p:cxnSp>
+        <p:nvCxnSpPr>
+          <p:cNvPr id="39" name="Straight Arrow Connector 38">
+            <a:extLst>
+              <a:ext uri="{FF2B5EF4-FFF2-40B4-BE49-F238E27FC236}">
+                <a16:creationId xmlns:a16="http://schemas.microsoft.com/office/drawing/2014/main" id="{94280F7F-EE73-91A8-17B1-88F3C03B7A09}"/>
+              </a:ext>
+            </a:extLst>
+          </p:cNvPr>
+          <p:cNvCxnSpPr>
+            <a:cxnSpLocks/>
+            <a:stCxn id="44" idx="2"/>
+            <a:endCxn id="6" idx="3"/>
+          </p:cNvCxnSpPr>
+          <p:nvPr/>
+        </p:nvCxnSpPr>
+        <p:spPr>
+          <a:xfrm flipH="1">
+            <a:off x="8185598" y="3349780"/>
+            <a:ext cx="473128" cy="1162"/>
+          </a:xfrm>
+          <a:prstGeom prst="straightConnector1">
+            <a:avLst/>
+          </a:prstGeom>
+          <a:ln w="28575">
+            <a:headEnd type="none" w="med" len="med"/>
+            <a:tailEnd type="arrow"/>
+          </a:ln>
+        </p:spPr>
+        <p:style>
+          <a:lnRef idx="1">
+            <a:schemeClr val="dk1"/>
+          </a:lnRef>
+          <a:fillRef idx="0">
+            <a:schemeClr val="dk1"/>
+          </a:fillRef>
+          <a:effectRef idx="0">
+            <a:schemeClr val="dk1"/>
+          </a:effectRef>
+          <a:fontRef idx="minor">
+            <a:schemeClr val="tx1"/>
+          </a:fontRef>
+        </p:style>
+      </p:cxnSp>
+      <mc:AlternateContent xmlns:mc="http://schemas.openxmlformats.org/markup-compatibility/2006">
+        <mc:Choice xmlns:a14="http://schemas.microsoft.com/office/drawing/2010/main" Requires="a14">
+          <p:sp>
+            <p:nvSpPr>
+              <p:cNvPr id="44" name="Oval 43">
+                <a:extLst>
+                  <a:ext uri="{FF2B5EF4-FFF2-40B4-BE49-F238E27FC236}">
+                    <a16:creationId xmlns:a16="http://schemas.microsoft.com/office/drawing/2014/main" id="{771775AE-362F-8A36-C893-411FE23CEFC5}"/>
+                  </a:ext>
+                </a:extLst>
+              </p:cNvPr>
+              <p:cNvSpPr/>
+              <p:nvPr/>
+            </p:nvSpPr>
+            <p:spPr>
+              <a:xfrm>
+                <a:off x="8658726" y="3086723"/>
+                <a:ext cx="515155" cy="526113"/>
+              </a:xfrm>
+              <a:prstGeom prst="ellipse">
+                <a:avLst/>
+              </a:prstGeom>
+            </p:spPr>
+            <p:style>
+              <a:lnRef idx="2">
+                <a:schemeClr val="dk1"/>
+              </a:lnRef>
+              <a:fillRef idx="1">
+                <a:schemeClr val="lt1"/>
+              </a:fillRef>
+              <a:effectRef idx="0">
+                <a:schemeClr val="dk1"/>
+              </a:effectRef>
+              <a:fontRef idx="minor">
+                <a:schemeClr val="dk1"/>
+              </a:fontRef>
+            </p:style>
+            <p:txBody>
+              <a:bodyPr lIns="72000" tIns="0" rIns="0" bIns="36000" rtlCol="0" anchor="ctr"/>
+              <a:lstStyle/>
+              <a:p>
+                <a:pPr algn="ctr"/>
+                <a14:m>
+                  <m:oMathPara xmlns:m="http://schemas.openxmlformats.org/officeDocument/2006/math">
+                    <m:oMathParaPr>
+                      <m:jc m:val="centerGroup"/>
+                    </m:oMathParaPr>
+                    <m:oMath xmlns:m="http://schemas.openxmlformats.org/officeDocument/2006/math">
+                      <m:sSub>
+                        <m:sSubPr>
+                          <m:ctrlPr>
+                            <a:rPr lang="en-CA" sz="2400" b="0" i="1" smtClean="0">
+                              <a:latin typeface="Cambria Math" panose="02040503050406030204" pitchFamily="18" charset="0"/>
+                            </a:rPr>
+                          </m:ctrlPr>
+                        </m:sSubPr>
+                        <m:e>
+                          <m:r>
+                            <a:rPr lang="en-CA" sz="2400" b="0" i="1" smtClean="0">
+                              <a:latin typeface="Cambria Math" panose="02040503050406030204" pitchFamily="18" charset="0"/>
+                            </a:rPr>
+                            <m:t>𝜁</m:t>
+                          </m:r>
+                        </m:e>
+                        <m:sub>
+                          <m:r>
+                            <a:rPr lang="en-CA" sz="2400" b="0" i="1" smtClean="0">
+                              <a:latin typeface="Cambria Math" panose="02040503050406030204" pitchFamily="18" charset="0"/>
+                            </a:rPr>
+                            <m:t>𝑖</m:t>
+                          </m:r>
+                        </m:sub>
+                      </m:sSub>
+                    </m:oMath>
+                  </m:oMathPara>
+                </a14:m>
+                <a:endParaRPr lang="en-CA" sz="2400" dirty="0"/>
+              </a:p>
+            </p:txBody>
+          </p:sp>
+        </mc:Choice>
+        <mc:Fallback>
+          <p:sp>
+            <p:nvSpPr>
+              <p:cNvPr id="44" name="Oval 43">
+                <a:extLst>
+                  <a:ext uri="{FF2B5EF4-FFF2-40B4-BE49-F238E27FC236}">
+                    <a16:creationId xmlns:a16="http://schemas.microsoft.com/office/drawing/2014/main" id="{771775AE-362F-8A36-C893-411FE23CEFC5}"/>
+                  </a:ext>
+                </a:extLst>
+              </p:cNvPr>
+              <p:cNvSpPr>
+                <a:spLocks noRot="1" noChangeAspect="1" noMove="1" noResize="1" noEditPoints="1" noAdjustHandles="1" noChangeArrowheads="1" noChangeShapeType="1" noTextEdit="1"/>
+              </p:cNvSpPr>
+              <p:nvPr/>
+            </p:nvSpPr>
+            <p:spPr>
+              <a:xfrm>
+                <a:off x="8658726" y="3086723"/>
+                <a:ext cx="515155" cy="526113"/>
+              </a:xfrm>
+              <a:prstGeom prst="ellipse">
+                <a:avLst/>
+              </a:prstGeom>
+              <a:blipFill>
+                <a:blip r:embed="rId9"/>
+                <a:stretch>
+                  <a:fillRect b="-2273"/>
+                </a:stretch>
+              </a:blipFill>
+            </p:spPr>
+            <p:txBody>
+              <a:bodyPr/>
+              <a:lstStyle/>
+              <a:p>
+                <a:r>
+                  <a:rPr lang="en-CA">
+                    <a:noFill/>
+                  </a:rPr>
+                  <a:t> </a:t>
+                </a:r>
+              </a:p>
+            </p:txBody>
+          </p:sp>
+        </mc:Fallback>
+      </mc:AlternateContent>
+      <p:sp>
+        <p:nvSpPr>
+          <p:cNvPr id="49" name="Arc 48">
+            <a:extLst>
+              <a:ext uri="{FF2B5EF4-FFF2-40B4-BE49-F238E27FC236}">
+                <a16:creationId xmlns:a16="http://schemas.microsoft.com/office/drawing/2014/main" id="{472A524A-608E-FA04-9845-7CFE909D313B}"/>
+              </a:ext>
+            </a:extLst>
+          </p:cNvPr>
+          <p:cNvSpPr/>
+          <p:nvPr/>
+        </p:nvSpPr>
+        <p:spPr>
+          <a:xfrm>
+            <a:off x="8958499" y="3195892"/>
+            <a:ext cx="430763" cy="307776"/>
+          </a:xfrm>
+          <a:prstGeom prst="arc">
+            <a:avLst>
+              <a:gd name="adj1" fmla="val 16200000"/>
+              <a:gd name="adj2" fmla="val 5437479"/>
+            </a:avLst>
+          </a:prstGeom>
+          <a:ln w="15875">
+            <a:headEnd type="triangle" w="lg" len="med"/>
+            <a:tailEnd type="triangle" w="lg" len="med"/>
+          </a:ln>
+        </p:spPr>
+        <p:style>
+          <a:lnRef idx="1">
+            <a:schemeClr val="dk1"/>
+          </a:lnRef>
+          <a:fillRef idx="0">
+            <a:schemeClr val="dk1"/>
+          </a:fillRef>
+          <a:effectRef idx="0">
+            <a:schemeClr val="dk1"/>
+          </a:effectRef>
+          <a:fontRef idx="minor">
+            <a:schemeClr val="tx1"/>
+          </a:fontRef>
+        </p:style>
+        <p:txBody>
+          <a:bodyPr rtlCol="0" anchor="ctr"/>
+          <a:lstStyle/>
+          <a:p>
+            <a:pPr algn="ctr"/>
+            <a:endParaRPr lang="en-CA"/>
+          </a:p>
+        </p:txBody>
+      </p:sp>
+      <mc:AlternateContent xmlns:mc="http://schemas.openxmlformats.org/markup-compatibility/2006">
+        <mc:Choice xmlns:a14="http://schemas.microsoft.com/office/drawing/2010/main" Requires="a14">
+          <p:sp>
+            <p:nvSpPr>
+              <p:cNvPr id="50" name="TextBox 49">
+                <a:extLst>
+                  <a:ext uri="{FF2B5EF4-FFF2-40B4-BE49-F238E27FC236}">
+                    <a16:creationId xmlns:a16="http://schemas.microsoft.com/office/drawing/2014/main" id="{CF505B98-6339-F21C-C8C4-A5CE4B7ABA33}"/>
+                  </a:ext>
+                </a:extLst>
+              </p:cNvPr>
+              <p:cNvSpPr txBox="1"/>
+              <p:nvPr/>
+            </p:nvSpPr>
+            <p:spPr>
+              <a:xfrm>
+                <a:off x="9428782" y="3169888"/>
+                <a:ext cx="242631" cy="307777"/>
+              </a:xfrm>
+              <a:prstGeom prst="rect">
+                <a:avLst/>
+              </a:prstGeom>
+              <a:noFill/>
+            </p:spPr>
+            <p:txBody>
+              <a:bodyPr wrap="none" lIns="0" tIns="0" rIns="0" bIns="0" rtlCol="0">
+                <a:spAutoFit/>
+              </a:bodyPr>
+              <a:lstStyle/>
+              <a:p>
+                <a14:m>
+                  <m:oMathPara xmlns:m="http://schemas.openxmlformats.org/officeDocument/2006/math">
+                    <m:oMathParaPr>
+                      <m:jc m:val="centerGroup"/>
+                    </m:oMathParaPr>
+                    <m:oMath xmlns:m="http://schemas.openxmlformats.org/officeDocument/2006/math">
+                      <m:r>
+                        <a:rPr lang="en-CA" sz="2000" b="0" i="1" smtClean="0">
+                          <a:latin typeface="Cambria Math" panose="02040503050406030204" pitchFamily="18" charset="0"/>
+                        </a:rPr>
+                        <m:t>𝜓</m:t>
+                      </m:r>
+                    </m:oMath>
+                  </m:oMathPara>
+                </a14:m>
+                <a:endParaRPr lang="en-CA" sz="2000" b="0" dirty="0"/>
+              </a:p>
+            </p:txBody>
+          </p:sp>
+        </mc:Choice>
+        <mc:Fallback>
+          <p:sp>
+            <p:nvSpPr>
+              <p:cNvPr id="50" name="TextBox 49">
+                <a:extLst>
+                  <a:ext uri="{FF2B5EF4-FFF2-40B4-BE49-F238E27FC236}">
+                    <a16:creationId xmlns:a16="http://schemas.microsoft.com/office/drawing/2014/main" id="{CF505B98-6339-F21C-C8C4-A5CE4B7ABA33}"/>
+                  </a:ext>
+                </a:extLst>
+              </p:cNvPr>
+              <p:cNvSpPr txBox="1">
+                <a:spLocks noRot="1" noChangeAspect="1" noMove="1" noResize="1" noEditPoints="1" noAdjustHandles="1" noChangeArrowheads="1" noChangeShapeType="1" noTextEdit="1"/>
+              </p:cNvSpPr>
+              <p:nvPr/>
+            </p:nvSpPr>
+            <p:spPr>
+              <a:xfrm>
+                <a:off x="9428782" y="3169888"/>
+                <a:ext cx="242631" cy="307777"/>
+              </a:xfrm>
+              <a:prstGeom prst="rect">
+                <a:avLst/>
+              </a:prstGeom>
+              <a:blipFill>
+                <a:blip r:embed="rId10"/>
+                <a:stretch>
+                  <a:fillRect l="-35000" r="-30000" b="-32000"/>
+                </a:stretch>
+              </a:blipFill>
+            </p:spPr>
+            <p:txBody>
+              <a:bodyPr/>
+              <a:lstStyle/>
+              <a:p>
+                <a:r>
+                  <a:rPr lang="en-CA">
+                    <a:noFill/>
+                  </a:rPr>
+                  <a:t> </a:t>
+                </a:r>
+              </a:p>
+            </p:txBody>
+          </p:sp>
+        </mc:Fallback>
+      </mc:AlternateContent>
+      <mc:AlternateContent xmlns:mc="http://schemas.openxmlformats.org/markup-compatibility/2006">
+        <mc:Choice xmlns:a14="http://schemas.microsoft.com/office/drawing/2010/main" Requires="a14">
+          <p:sp>
+            <p:nvSpPr>
+              <p:cNvPr id="51" name="TextBox 50">
+                <a:extLst>
+                  <a:ext uri="{FF2B5EF4-FFF2-40B4-BE49-F238E27FC236}">
+                    <a16:creationId xmlns:a16="http://schemas.microsoft.com/office/drawing/2014/main" id="{75044263-6782-7AF0-9C5A-3A3F1593CF9E}"/>
+                  </a:ext>
+                </a:extLst>
+              </p:cNvPr>
+              <p:cNvSpPr txBox="1"/>
+              <p:nvPr/>
+            </p:nvSpPr>
+            <p:spPr>
+              <a:xfrm>
+                <a:off x="8349831" y="3005327"/>
+                <a:ext cx="280526" cy="307777"/>
+              </a:xfrm>
+              <a:prstGeom prst="rect">
+                <a:avLst/>
+              </a:prstGeom>
+              <a:noFill/>
+            </p:spPr>
+            <p:txBody>
+              <a:bodyPr wrap="square" lIns="0" tIns="0" rIns="0" bIns="0" rtlCol="0">
+                <a:spAutoFit/>
+              </a:bodyPr>
+              <a:lstStyle/>
+              <a:p>
+                <a14:m>
+                  <m:oMathPara xmlns:m="http://schemas.openxmlformats.org/officeDocument/2006/math">
+                    <m:oMathParaPr>
+                      <m:jc m:val="centerGroup"/>
+                    </m:oMathParaPr>
+                    <m:oMath xmlns:m="http://schemas.openxmlformats.org/officeDocument/2006/math">
+                      <m:r>
+                        <a:rPr lang="en-CA" sz="2000" b="0" i="1" smtClean="0">
+                          <a:latin typeface="Cambria Math" panose="02040503050406030204" pitchFamily="18" charset="0"/>
+                        </a:rPr>
+                        <m:t>1</m:t>
+                      </m:r>
+                    </m:oMath>
+                  </m:oMathPara>
+                </a14:m>
+                <a:endParaRPr lang="en-CA" sz="2000" b="0" dirty="0"/>
+              </a:p>
+            </p:txBody>
+          </p:sp>
+        </mc:Choice>
+        <mc:Fallback>
+          <p:sp>
+            <p:nvSpPr>
+              <p:cNvPr id="51" name="TextBox 50">
+                <a:extLst>
+                  <a:ext uri="{FF2B5EF4-FFF2-40B4-BE49-F238E27FC236}">
+                    <a16:creationId xmlns:a16="http://schemas.microsoft.com/office/drawing/2014/main" id="{75044263-6782-7AF0-9C5A-3A3F1593CF9E}"/>
+                  </a:ext>
+                </a:extLst>
+              </p:cNvPr>
+              <p:cNvSpPr txBox="1">
+                <a:spLocks noRot="1" noChangeAspect="1" noMove="1" noResize="1" noEditPoints="1" noAdjustHandles="1" noChangeArrowheads="1" noChangeShapeType="1" noTextEdit="1"/>
+              </p:cNvSpPr>
+              <p:nvPr/>
+            </p:nvSpPr>
+            <p:spPr>
+              <a:xfrm>
+                <a:off x="8349831" y="3005327"/>
+                <a:ext cx="280526" cy="307777"/>
+              </a:xfrm>
+              <a:prstGeom prst="rect">
+                <a:avLst/>
+              </a:prstGeom>
+              <a:blipFill>
+                <a:blip r:embed="rId11"/>
+                <a:stretch>
+                  <a:fillRect l="-4348" r="-4348" b="-8000"/>
+                </a:stretch>
+              </a:blipFill>
+            </p:spPr>
+            <p:txBody>
+              <a:bodyPr/>
+              <a:lstStyle/>
+              <a:p>
+                <a:r>
+                  <a:rPr lang="en-CA">
+                    <a:noFill/>
+                  </a:rPr>
+                  <a:t> </a:t>
+                </a:r>
+              </a:p>
+            </p:txBody>
+          </p:sp>
+        </mc:Fallback>
+      </mc:AlternateContent>
+    </p:spTree>
+    <p:extLst>
+      <p:ext uri="{BB962C8B-B14F-4D97-AF65-F5344CB8AC3E}">
+        <p14:creationId xmlns:p14="http://schemas.microsoft.com/office/powerpoint/2010/main" val="3080881096"/>
+      </p:ext>
+    </p:extLst>
+  </p:cSld>
+  <p:clrMapOvr>
+    <a:masterClrMapping/>
+  </p:clrMapOvr>
+</p:sld>
+</file>
+
+<file path=ppt/slides/slide22.xml><?xml version="1.0" encoding="utf-8"?>
+<p:sld xmlns:a="http://schemas.openxmlformats.org/drawingml/2006/main" xmlns:r="http://schemas.openxmlformats.org/officeDocument/2006/relationships" xmlns:p="http://schemas.openxmlformats.org/presentationml/2006/main">
+  <p:cSld>
+    <p:spTree>
+      <p:nvGrpSpPr>
         <p:cNvPr id="1" name=""/>
         <p:cNvGrpSpPr/>
         <p:nvPr/>
@@ -17758,7 +19315,7 @@
             <a:fld id="{5C35FCF4-C3EF-BD43-82E0-05BC237DAD2A}" type="slidenum">
               <a:rPr lang="en-US" smtClean="0"/>
               <a:pPr/>
-              <a:t>20</a:t>
+              <a:t>22</a:t>
             </a:fld>
             <a:endParaRPr lang="en-US" dirty="0"/>
           </a:p>
@@ -19955,15 +21512,6 @@
 </file>
 
 <file path=customXml/item2.xml><?xml version="1.0" encoding="utf-8"?>
-<?mso-contentType ?>
-<FormTemplates xmlns="http://schemas.microsoft.com/sharepoint/v3/contenttype/forms">
-  <Display>DocumentLibraryForm</Display>
-  <Edit>DocumentLibraryForm</Edit>
-  <New>DocumentLibraryForm</New>
-</FormTemplates>
-</file>
-
-<file path=customXml/item3.xml><?xml version="1.0" encoding="utf-8"?>
 <ct:contentTypeSchema xmlns:ct="http://schemas.microsoft.com/office/2006/metadata/contentType" xmlns:ma="http://schemas.microsoft.com/office/2006/metadata/properties/metaAttributes" ct:_="" ma:_="" ma:contentTypeName="文档" ma:contentTypeID="0x010100A14D9A0FA515564792FEACC70AB1043E" ma:contentTypeVersion="15" ma:contentTypeDescription="Create a new document." ma:contentTypeScope="" ma:versionID="268d53061a527a1a15b3a06f324de7ac">
   <xsd:schema xmlns:xsd="http://www.w3.org/2001/XMLSchema" xmlns:xs="http://www.w3.org/2001/XMLSchema" xmlns:p="http://schemas.microsoft.com/office/2006/metadata/properties" xmlns:ns2="7a4191d5-9b76-4ae3-8401-87ceee92a846" xmlns:ns3="b9b0194d-1e98-4efc-bad5-9450f4bf7a13" targetNamespace="http://schemas.microsoft.com/office/2006/metadata/properties" ma:root="true" ma:fieldsID="602eb0f4584b499882d83f15ecf09c65" ns2:_="" ns3:_="">
     <xsd:import namespace="7a4191d5-9b76-4ae3-8401-87ceee92a846"/>
@@ -20186,6 +21734,15 @@
 </ct:contentTypeSchema>
 </file>
 
+<file path=customXml/item3.xml><?xml version="1.0" encoding="utf-8"?>
+<?mso-contentType ?>
+<FormTemplates xmlns="http://schemas.microsoft.com/sharepoint/v3/contenttype/forms">
+  <Display>DocumentLibraryForm</Display>
+  <Edit>DocumentLibraryForm</Edit>
+  <New>DocumentLibraryForm</New>
+</FormTemplates>
+</file>
+
 <file path=customXml/itemProps1.xml><?xml version="1.0" encoding="utf-8"?>
 <ds:datastoreItem xmlns:ds="http://schemas.openxmlformats.org/officeDocument/2006/customXml" ds:itemID="{F0B8F560-7E6C-44AE-AFE4-924D1118F0AA}">
   <ds:schemaRefs>
@@ -20198,14 +21755,6 @@
 </file>
 
 <file path=customXml/itemProps2.xml><?xml version="1.0" encoding="utf-8"?>
-<ds:datastoreItem xmlns:ds="http://schemas.openxmlformats.org/officeDocument/2006/customXml" ds:itemID="{67A4AE25-BBA1-49A6-B4F8-E97286BA017A}">
-  <ds:schemaRefs>
-    <ds:schemaRef ds:uri="http://schemas.microsoft.com/sharepoint/v3/contenttype/forms"/>
-  </ds:schemaRefs>
-</ds:datastoreItem>
-</file>
-
-<file path=customXml/itemProps3.xml><?xml version="1.0" encoding="utf-8"?>
 <ds:datastoreItem xmlns:ds="http://schemas.openxmlformats.org/officeDocument/2006/customXml" ds:itemID="{E8C4D92C-5791-4EB8-90FF-890DA6933338}">
   <ds:schemaRefs>
     <ds:schemaRef ds:uri="http://schemas.microsoft.com/office/2006/metadata/contentType"/>
@@ -20222,4 +21771,12 @@
     <ds:schemaRef ds:uri="http://schemas.microsoft.com/internal/obd"/>
   </ds:schemaRefs>
 </ds:datastoreItem>
+</file>
+
+<file path=customXml/itemProps3.xml><?xml version="1.0" encoding="utf-8"?>
+<ds:datastoreItem xmlns:ds="http://schemas.openxmlformats.org/officeDocument/2006/customXml" ds:itemID="{67A4AE25-BBA1-49A6-B4F8-E97286BA017A}">
+  <ds:schemaRefs>
+    <ds:schemaRef ds:uri="http://schemas.microsoft.com/sharepoint/v3/contenttype/forms"/>
+  </ds:schemaRefs>
+</ds:datastoreItem>
 </file>
--- a/DRAFT - Research Capstone Project v1.pptx
+++ b/DRAFT - Research Capstone Project v1.pptx
@@ -5,7 +5,7 @@
     <p:sldMasterId id="2147483648" r:id="rId4"/>
   </p:sldMasterIdLst>
   <p:notesMasterIdLst>
-    <p:notesMasterId r:id="rId27"/>
+    <p:notesMasterId r:id="rId28"/>
   </p:notesMasterIdLst>
   <p:sldIdLst>
     <p:sldId id="256" r:id="rId5"/>
@@ -29,7 +29,8 @@
     <p:sldId id="267" r:id="rId23"/>
     <p:sldId id="282" r:id="rId24"/>
     <p:sldId id="281" r:id="rId25"/>
-    <p:sldId id="276" r:id="rId26"/>
+    <p:sldId id="283" r:id="rId26"/>
+    <p:sldId id="276" r:id="rId27"/>
   </p:sldIdLst>
   <p:sldSz cx="12192000" cy="6858000"/>
   <p:notesSz cx="6858000" cy="9144000"/>
@@ -162,6 +163,7 @@
           <p14:sldIdLst>
             <p14:sldId id="282"/>
             <p14:sldId id="281"/>
+            <p14:sldId id="283"/>
           </p14:sldIdLst>
         </p14:section>
         <p14:section name="References" id="{40F15CAC-8DAD-3249-8E13-F4A4FA175033}">
@@ -7577,7 +7579,7 @@
           <a:p>
             <a:fld id="{4B2CACE1-0839-DD4E-8A8D-815B08AED9A4}" type="datetimeFigureOut">
               <a:rPr lang="en-US" smtClean="0"/>
-              <a:t>6/30/25</a:t>
+              <a:t>7/5/25</a:t>
             </a:fld>
             <a:endParaRPr lang="en-US"/>
           </a:p>
@@ -17716,1408 +17718,1435 @@
           </a:p>
         </p:txBody>
       </p:sp>
-      <mc:AlternateContent xmlns:mc="http://schemas.openxmlformats.org/markup-compatibility/2006">
-        <mc:Choice xmlns:a14="http://schemas.microsoft.com/office/drawing/2010/main" Requires="a14">
-          <p:sp>
-            <p:nvSpPr>
-              <p:cNvPr id="5" name="Rectangle 4">
-                <a:extLst>
-                  <a:ext uri="{FF2B5EF4-FFF2-40B4-BE49-F238E27FC236}">
-                    <a16:creationId xmlns:a16="http://schemas.microsoft.com/office/drawing/2014/main" id="{28ED9225-6446-D15A-F8CC-B81D6F91DEF6}"/>
-                  </a:ext>
-                </a:extLst>
-              </p:cNvPr>
-              <p:cNvSpPr/>
-              <p:nvPr/>
-            </p:nvSpPr>
-            <p:spPr>
-              <a:xfrm>
-                <a:off x="3615744" y="2955073"/>
-                <a:ext cx="791735" cy="791737"/>
-              </a:xfrm>
-              <a:prstGeom prst="rect">
-                <a:avLst/>
-              </a:prstGeom>
-            </p:spPr>
-            <p:style>
-              <a:lnRef idx="2">
-                <a:schemeClr val="dk1"/>
-              </a:lnRef>
-              <a:fillRef idx="1">
-                <a:schemeClr val="lt1"/>
-              </a:fillRef>
-              <a:effectRef idx="0">
-                <a:schemeClr val="dk1"/>
-              </a:effectRef>
-              <a:fontRef idx="minor">
-                <a:schemeClr val="dk1"/>
-              </a:fontRef>
-            </p:style>
-            <p:txBody>
-              <a:bodyPr wrap="none" lIns="108000" tIns="0" rIns="0" bIns="108000" rtlCol="0" anchor="ctr" anchorCtr="1"/>
-              <a:lstStyle/>
-              <a:p>
-                <a:pPr algn="just"/>
-                <a14:m>
-                  <m:oMathPara xmlns:m="http://schemas.openxmlformats.org/officeDocument/2006/math">
-                    <m:oMathParaPr>
-                      <m:jc m:val="right"/>
-                    </m:oMathParaPr>
-                    <m:oMath xmlns:m="http://schemas.openxmlformats.org/officeDocument/2006/math">
-                      <m:sSub>
-                        <m:sSubPr>
-                          <m:ctrlPr>
-                            <a:rPr lang="en-CA" sz="2800" b="0" i="1" smtClean="0">
-                              <a:latin typeface="Cambria Math" panose="02040503050406030204" pitchFamily="18" charset="0"/>
-                            </a:rPr>
-                          </m:ctrlPr>
-                        </m:sSubPr>
-                        <m:e>
-                          <m:r>
-                            <a:rPr lang="en-CA" sz="2800" b="0" i="1" smtClean="0">
-                              <a:latin typeface="Cambria Math" panose="02040503050406030204" pitchFamily="18" charset="0"/>
-                            </a:rPr>
-                            <m:t>𝑥</m:t>
-                          </m:r>
-                        </m:e>
-                        <m:sub>
-                          <m:r>
-                            <a:rPr lang="en-CA" sz="2800" b="0" i="1" smtClean="0">
-                              <a:latin typeface="Cambria Math" panose="02040503050406030204" pitchFamily="18" charset="0"/>
-                            </a:rPr>
-                            <m:t>𝑖</m:t>
-                          </m:r>
-                          <m:r>
-                            <a:rPr lang="en-CA" sz="2800" b="0" i="1" smtClean="0">
-                              <a:latin typeface="Cambria Math" panose="02040503050406030204" pitchFamily="18" charset="0"/>
-                            </a:rPr>
-                            <m:t>1</m:t>
-                          </m:r>
-                        </m:sub>
-                      </m:sSub>
-                    </m:oMath>
-                  </m:oMathPara>
-                </a14:m>
-                <a:endParaRPr lang="en-CA" sz="2800" dirty="0"/>
-              </a:p>
-            </p:txBody>
-          </p:sp>
-        </mc:Choice>
-        <mc:Fallback>
-          <p:sp>
-            <p:nvSpPr>
-              <p:cNvPr id="5" name="Rectangle 4">
-                <a:extLst>
-                  <a:ext uri="{FF2B5EF4-FFF2-40B4-BE49-F238E27FC236}">
-                    <a16:creationId xmlns:a16="http://schemas.microsoft.com/office/drawing/2014/main" id="{28ED9225-6446-D15A-F8CC-B81D6F91DEF6}"/>
-                  </a:ext>
-                </a:extLst>
-              </p:cNvPr>
-              <p:cNvSpPr>
-                <a:spLocks noRot="1" noChangeAspect="1" noMove="1" noResize="1" noEditPoints="1" noAdjustHandles="1" noChangeArrowheads="1" noChangeShapeType="1" noTextEdit="1"/>
-              </p:cNvSpPr>
-              <p:nvPr/>
-            </p:nvSpPr>
-            <p:spPr>
-              <a:xfrm>
-                <a:off x="3615744" y="2955073"/>
-                <a:ext cx="791735" cy="791737"/>
-              </a:xfrm>
-              <a:prstGeom prst="rect">
-                <a:avLst/>
-              </a:prstGeom>
-              <a:blipFill>
-                <a:blip r:embed="rId2"/>
-                <a:stretch>
-                  <a:fillRect/>
-                </a:stretch>
-              </a:blipFill>
-            </p:spPr>
-            <p:txBody>
-              <a:bodyPr/>
-              <a:lstStyle/>
-              <a:p>
-                <a:r>
-                  <a:rPr lang="en-CA">
-                    <a:noFill/>
-                  </a:rPr>
-                  <a:t> </a:t>
-                </a:r>
-              </a:p>
-            </p:txBody>
-          </p:sp>
-        </mc:Fallback>
-      </mc:AlternateContent>
-      <mc:AlternateContent xmlns:mc="http://schemas.openxmlformats.org/markup-compatibility/2006">
-        <mc:Choice xmlns:a14="http://schemas.microsoft.com/office/drawing/2010/main" Requires="a14">
-          <p:sp>
-            <p:nvSpPr>
-              <p:cNvPr id="6" name="Rectangle 5">
-                <a:extLst>
-                  <a:ext uri="{FF2B5EF4-FFF2-40B4-BE49-F238E27FC236}">
-                    <a16:creationId xmlns:a16="http://schemas.microsoft.com/office/drawing/2014/main" id="{89EC8179-8F7A-669F-2187-B0523AA3BD6A}"/>
-                  </a:ext>
-                </a:extLst>
-              </p:cNvPr>
-              <p:cNvSpPr/>
-              <p:nvPr/>
-            </p:nvSpPr>
-            <p:spPr>
-              <a:xfrm>
-                <a:off x="7393862" y="2955073"/>
-                <a:ext cx="791736" cy="791737"/>
-              </a:xfrm>
-              <a:prstGeom prst="rect">
-                <a:avLst/>
-              </a:prstGeom>
-            </p:spPr>
-            <p:style>
-              <a:lnRef idx="2">
-                <a:schemeClr val="dk1"/>
-              </a:lnRef>
-              <a:fillRef idx="1">
-                <a:schemeClr val="lt1"/>
-              </a:fillRef>
-              <a:effectRef idx="0">
-                <a:schemeClr val="dk1"/>
-              </a:effectRef>
-              <a:fontRef idx="minor">
-                <a:schemeClr val="dk1"/>
-              </a:fontRef>
-            </p:style>
-            <p:txBody>
-              <a:bodyPr wrap="none" lIns="108000" tIns="0" rIns="0" bIns="108000" rtlCol="0" anchor="ctr" anchorCtr="1"/>
-              <a:lstStyle/>
-              <a:p>
-                <a:pPr algn="just"/>
-                <a14:m>
-                  <m:oMathPara xmlns:m="http://schemas.openxmlformats.org/officeDocument/2006/math">
-                    <m:oMathParaPr>
-                      <m:jc m:val="right"/>
-                    </m:oMathParaPr>
-                    <m:oMath xmlns:m="http://schemas.openxmlformats.org/officeDocument/2006/math">
-                      <m:sSub>
-                        <m:sSubPr>
-                          <m:ctrlPr>
-                            <a:rPr lang="en-CA" sz="2800" b="0" i="1" smtClean="0">
-                              <a:latin typeface="Cambria Math" panose="02040503050406030204" pitchFamily="18" charset="0"/>
-                            </a:rPr>
-                          </m:ctrlPr>
-                        </m:sSubPr>
-                        <m:e>
-                          <m:r>
-                            <a:rPr lang="en-CA" sz="2800" b="0" i="1" smtClean="0">
-                              <a:latin typeface="Cambria Math" panose="02040503050406030204" pitchFamily="18" charset="0"/>
-                            </a:rPr>
-                            <m:t>𝑦</m:t>
-                          </m:r>
-                        </m:e>
-                        <m:sub>
-                          <m:r>
-                            <a:rPr lang="en-CA" sz="2800" b="0" i="1" smtClean="0">
-                              <a:latin typeface="Cambria Math" panose="02040503050406030204" pitchFamily="18" charset="0"/>
-                            </a:rPr>
-                            <m:t>𝑖</m:t>
-                          </m:r>
-                        </m:sub>
-                      </m:sSub>
-                    </m:oMath>
-                  </m:oMathPara>
-                </a14:m>
-                <a:endParaRPr lang="en-CA" sz="2800" dirty="0"/>
-              </a:p>
-            </p:txBody>
-          </p:sp>
-        </mc:Choice>
-        <mc:Fallback>
-          <p:sp>
-            <p:nvSpPr>
-              <p:cNvPr id="6" name="Rectangle 5">
-                <a:extLst>
-                  <a:ext uri="{FF2B5EF4-FFF2-40B4-BE49-F238E27FC236}">
-                    <a16:creationId xmlns:a16="http://schemas.microsoft.com/office/drawing/2014/main" id="{89EC8179-8F7A-669F-2187-B0523AA3BD6A}"/>
-                  </a:ext>
-                </a:extLst>
-              </p:cNvPr>
-              <p:cNvSpPr>
-                <a:spLocks noRot="1" noChangeAspect="1" noMove="1" noResize="1" noEditPoints="1" noAdjustHandles="1" noChangeArrowheads="1" noChangeShapeType="1" noTextEdit="1"/>
-              </p:cNvSpPr>
-              <p:nvPr/>
-            </p:nvSpPr>
-            <p:spPr>
-              <a:xfrm>
-                <a:off x="7393862" y="2955073"/>
-                <a:ext cx="791736" cy="791737"/>
-              </a:xfrm>
-              <a:prstGeom prst="rect">
-                <a:avLst/>
-              </a:prstGeom>
-              <a:blipFill>
-                <a:blip r:embed="rId3"/>
-                <a:stretch>
-                  <a:fillRect/>
-                </a:stretch>
-              </a:blipFill>
-            </p:spPr>
-            <p:txBody>
-              <a:bodyPr/>
-              <a:lstStyle/>
-              <a:p>
-                <a:r>
-                  <a:rPr lang="en-CA">
-                    <a:noFill/>
-                  </a:rPr>
-                  <a:t> </a:t>
-                </a:r>
-              </a:p>
-            </p:txBody>
-          </p:sp>
-        </mc:Fallback>
-      </mc:AlternateContent>
-      <mc:AlternateContent xmlns:mc="http://schemas.openxmlformats.org/markup-compatibility/2006">
-        <mc:Choice xmlns:a14="http://schemas.microsoft.com/office/drawing/2010/main" Requires="a14">
-          <p:sp>
-            <p:nvSpPr>
-              <p:cNvPr id="7" name="Triangle 6">
-                <a:extLst>
-                  <a:ext uri="{FF2B5EF4-FFF2-40B4-BE49-F238E27FC236}">
-                    <a16:creationId xmlns:a16="http://schemas.microsoft.com/office/drawing/2014/main" id="{E3BB4C08-A2FD-1260-E861-EF6276678816}"/>
-                  </a:ext>
-                </a:extLst>
-              </p:cNvPr>
-              <p:cNvSpPr/>
-              <p:nvPr/>
-            </p:nvSpPr>
-            <p:spPr>
-              <a:xfrm>
-                <a:off x="5391106" y="4103649"/>
-                <a:ext cx="858643" cy="691376"/>
-              </a:xfrm>
-              <a:prstGeom prst="triangle">
-                <a:avLst/>
-              </a:prstGeom>
-            </p:spPr>
-            <p:style>
-              <a:lnRef idx="2">
-                <a:schemeClr val="dk1"/>
-              </a:lnRef>
-              <a:fillRef idx="1">
-                <a:schemeClr val="lt1"/>
-              </a:fillRef>
-              <a:effectRef idx="0">
-                <a:schemeClr val="dk1"/>
-              </a:effectRef>
-              <a:fontRef idx="minor">
-                <a:schemeClr val="dk1"/>
-              </a:fontRef>
-            </p:style>
-            <p:txBody>
-              <a:bodyPr lIns="72000" tIns="0" rIns="0" bIns="144000" rtlCol="0" anchor="ctr"/>
-              <a:lstStyle/>
-              <a:p>
-                <a:pPr algn="ctr"/>
-                <a14:m>
-                  <m:oMathPara xmlns:m="http://schemas.openxmlformats.org/officeDocument/2006/math">
-                    <m:oMathParaPr>
-                      <m:jc m:val="centerGroup"/>
-                    </m:oMathParaPr>
-                    <m:oMath xmlns:m="http://schemas.openxmlformats.org/officeDocument/2006/math">
-                      <m:r>
-                        <a:rPr lang="en-CA" sz="2400" b="0" i="1" smtClean="0">
-                          <a:latin typeface="Cambria Math" panose="02040503050406030204" pitchFamily="18" charset="0"/>
-                        </a:rPr>
-                        <m:t>1</m:t>
-                      </m:r>
-                    </m:oMath>
-                  </m:oMathPara>
-                </a14:m>
-                <a:endParaRPr lang="en-CA" sz="2400" dirty="0"/>
-              </a:p>
-            </p:txBody>
-          </p:sp>
-        </mc:Choice>
-        <mc:Fallback>
-          <p:sp>
-            <p:nvSpPr>
-              <p:cNvPr id="7" name="Triangle 6">
-                <a:extLst>
-                  <a:ext uri="{FF2B5EF4-FFF2-40B4-BE49-F238E27FC236}">
-                    <a16:creationId xmlns:a16="http://schemas.microsoft.com/office/drawing/2014/main" id="{E3BB4C08-A2FD-1260-E861-EF6276678816}"/>
-                  </a:ext>
-                </a:extLst>
-              </p:cNvPr>
-              <p:cNvSpPr>
-                <a:spLocks noRot="1" noChangeAspect="1" noMove="1" noResize="1" noEditPoints="1" noAdjustHandles="1" noChangeArrowheads="1" noChangeShapeType="1" noTextEdit="1"/>
-              </p:cNvSpPr>
-              <p:nvPr/>
-            </p:nvSpPr>
-            <p:spPr>
-              <a:xfrm>
-                <a:off x="5391106" y="4103649"/>
-                <a:ext cx="858643" cy="691376"/>
-              </a:xfrm>
-              <a:prstGeom prst="triangle">
-                <a:avLst/>
-              </a:prstGeom>
-              <a:blipFill>
-                <a:blip r:embed="rId4"/>
-                <a:stretch>
-                  <a:fillRect/>
-                </a:stretch>
-              </a:blipFill>
-            </p:spPr>
-            <p:txBody>
-              <a:bodyPr/>
-              <a:lstStyle/>
-              <a:p>
-                <a:r>
-                  <a:rPr lang="en-CA">
-                    <a:noFill/>
-                  </a:rPr>
-                  <a:t> </a:t>
-                </a:r>
-              </a:p>
-            </p:txBody>
-          </p:sp>
-        </mc:Fallback>
-      </mc:AlternateContent>
-      <p:cxnSp>
-        <p:nvCxnSpPr>
-          <p:cNvPr id="9" name="Straight Arrow Connector 8">
+      <p:grpSp>
+        <p:nvGrpSpPr>
+          <p:cNvPr id="3" name="Group 2">
             <a:extLst>
               <a:ext uri="{FF2B5EF4-FFF2-40B4-BE49-F238E27FC236}">
-                <a16:creationId xmlns:a16="http://schemas.microsoft.com/office/drawing/2014/main" id="{57D15909-843D-36D3-FBC6-C73E69004E5E}"/>
+                <a16:creationId xmlns:a16="http://schemas.microsoft.com/office/drawing/2014/main" id="{41B53685-3E88-2E25-FE50-C66B7B852701}"/>
               </a:ext>
             </a:extLst>
           </p:cNvPr>
-          <p:cNvCxnSpPr>
-            <a:cxnSpLocks/>
-            <a:stCxn id="5" idx="3"/>
-            <a:endCxn id="6" idx="1"/>
-          </p:cNvCxnSpPr>
+          <p:cNvGrpSpPr/>
           <p:nvPr/>
-        </p:nvCxnSpPr>
-        <p:spPr>
+        </p:nvGrpSpPr>
+        <p:grpSpPr>
           <a:xfrm>
-            <a:off x="4407479" y="3350942"/>
-            <a:ext cx="2986383" cy="0"/>
+            <a:off x="2877179" y="2824097"/>
+            <a:ext cx="6794234" cy="1970928"/>
+            <a:chOff x="2877179" y="2824097"/>
+            <a:chExt cx="6794234" cy="1970928"/>
           </a:xfrm>
-          <a:prstGeom prst="straightConnector1">
-            <a:avLst/>
-          </a:prstGeom>
-          <a:ln w="28575">
-            <a:headEnd type="none" w="med" len="med"/>
-            <a:tailEnd type="arrow"/>
-          </a:ln>
-        </p:spPr>
-        <p:style>
-          <a:lnRef idx="1">
-            <a:schemeClr val="dk1"/>
-          </a:lnRef>
-          <a:fillRef idx="0">
-            <a:schemeClr val="dk1"/>
-          </a:fillRef>
-          <a:effectRef idx="0">
-            <a:schemeClr val="dk1"/>
-          </a:effectRef>
-          <a:fontRef idx="minor">
-            <a:schemeClr val="tx1"/>
-          </a:fontRef>
-        </p:style>
-      </p:cxnSp>
-      <p:cxnSp>
-        <p:nvCxnSpPr>
-          <p:cNvPr id="12" name="Straight Arrow Connector 11">
-            <a:extLst>
-              <a:ext uri="{FF2B5EF4-FFF2-40B4-BE49-F238E27FC236}">
-                <a16:creationId xmlns:a16="http://schemas.microsoft.com/office/drawing/2014/main" id="{83CAF9E5-9789-4BCE-69E9-BDFB015663D6}"/>
-              </a:ext>
-            </a:extLst>
-          </p:cNvPr>
-          <p:cNvCxnSpPr>
-            <a:cxnSpLocks/>
-            <a:stCxn id="7" idx="1"/>
-            <a:endCxn id="5" idx="2"/>
-          </p:cNvCxnSpPr>
-          <p:nvPr/>
-        </p:nvCxnSpPr>
-        <p:spPr>
-          <a:xfrm flipH="1" flipV="1">
-            <a:off x="4011612" y="3746810"/>
-            <a:ext cx="1594155" cy="702527"/>
-          </a:xfrm>
-          <a:prstGeom prst="straightConnector1">
-            <a:avLst/>
-          </a:prstGeom>
-          <a:ln w="28575">
-            <a:tailEnd type="arrow"/>
-          </a:ln>
-        </p:spPr>
-        <p:style>
-          <a:lnRef idx="1">
-            <a:schemeClr val="dk1"/>
-          </a:lnRef>
-          <a:fillRef idx="0">
-            <a:schemeClr val="dk1"/>
-          </a:fillRef>
-          <a:effectRef idx="0">
-            <a:schemeClr val="dk1"/>
-          </a:effectRef>
-          <a:fontRef idx="minor">
-            <a:schemeClr val="tx1"/>
-          </a:fontRef>
-        </p:style>
-      </p:cxnSp>
-      <p:cxnSp>
-        <p:nvCxnSpPr>
-          <p:cNvPr id="15" name="Straight Arrow Connector 14">
-            <a:extLst>
-              <a:ext uri="{FF2B5EF4-FFF2-40B4-BE49-F238E27FC236}">
-                <a16:creationId xmlns:a16="http://schemas.microsoft.com/office/drawing/2014/main" id="{0C25C692-5C90-088F-F8D5-E256B1C8AAEA}"/>
-              </a:ext>
-            </a:extLst>
-          </p:cNvPr>
-          <p:cNvCxnSpPr>
-            <a:cxnSpLocks/>
-            <a:stCxn id="7" idx="5"/>
-            <a:endCxn id="6" idx="2"/>
-          </p:cNvCxnSpPr>
-          <p:nvPr/>
-        </p:nvCxnSpPr>
-        <p:spPr>
-          <a:xfrm flipV="1">
-            <a:off x="6035088" y="3746810"/>
-            <a:ext cx="1754642" cy="702527"/>
-          </a:xfrm>
-          <a:prstGeom prst="straightConnector1">
-            <a:avLst/>
-          </a:prstGeom>
-          <a:ln w="28575">
-            <a:tailEnd type="arrow"/>
-          </a:ln>
-        </p:spPr>
-        <p:style>
-          <a:lnRef idx="1">
-            <a:schemeClr val="dk1"/>
-          </a:lnRef>
-          <a:fillRef idx="0">
-            <a:schemeClr val="dk1"/>
-          </a:fillRef>
-          <a:effectRef idx="0">
-            <a:schemeClr val="dk1"/>
-          </a:effectRef>
-          <a:fontRef idx="minor">
-            <a:schemeClr val="tx1"/>
-          </a:fontRef>
-        </p:style>
-      </p:cxnSp>
-      <mc:AlternateContent xmlns:mc="http://schemas.openxmlformats.org/markup-compatibility/2006">
-        <mc:Choice xmlns:a14="http://schemas.microsoft.com/office/drawing/2010/main" Requires="a14">
-          <p:sp>
-            <p:nvSpPr>
-              <p:cNvPr id="30" name="TextBox 29">
-                <a:extLst>
-                  <a:ext uri="{FF2B5EF4-FFF2-40B4-BE49-F238E27FC236}">
-                    <a16:creationId xmlns:a16="http://schemas.microsoft.com/office/drawing/2014/main" id="{82BDB073-67F0-9FBA-C3D5-8F6D707A948B}"/>
-                  </a:ext>
-                </a:extLst>
-              </p:cNvPr>
-              <p:cNvSpPr txBox="1"/>
-              <p:nvPr/>
-            </p:nvSpPr>
-            <p:spPr>
-              <a:xfrm>
-                <a:off x="5605767" y="2824097"/>
-                <a:ext cx="417870" cy="430887"/>
-              </a:xfrm>
-              <a:prstGeom prst="rect">
-                <a:avLst/>
-              </a:prstGeom>
-              <a:noFill/>
-            </p:spPr>
-            <p:txBody>
-              <a:bodyPr wrap="none" lIns="0" tIns="0" rIns="0" bIns="0" rtlCol="0">
-                <a:spAutoFit/>
-              </a:bodyPr>
-              <a:lstStyle/>
-              <a:p>
-                <a14:m>
-                  <m:oMathPara xmlns:m="http://schemas.openxmlformats.org/officeDocument/2006/math">
-                    <m:oMathParaPr>
-                      <m:jc m:val="centerGroup"/>
-                    </m:oMathParaPr>
-                    <m:oMath xmlns:m="http://schemas.openxmlformats.org/officeDocument/2006/math">
-                      <m:sSub>
-                        <m:sSubPr>
-                          <m:ctrlPr>
-                            <a:rPr lang="en-CA" sz="2800" b="0" i="1" smtClean="0">
-                              <a:latin typeface="Cambria Math" panose="02040503050406030204" pitchFamily="18" charset="0"/>
-                            </a:rPr>
-                          </m:ctrlPr>
-                        </m:sSubPr>
-                        <m:e>
-                          <m:r>
-                            <a:rPr lang="en-CA" sz="2800" b="0" i="1" smtClean="0">
-                              <a:latin typeface="Cambria Math" panose="02040503050406030204" pitchFamily="18" charset="0"/>
-                            </a:rPr>
-                            <m:t>𝛾</m:t>
-                          </m:r>
-                        </m:e>
-                        <m:sub>
-                          <m:r>
-                            <a:rPr lang="en-CA" sz="2800" b="0" i="1" smtClean="0">
-                              <a:latin typeface="Cambria Math" panose="02040503050406030204" pitchFamily="18" charset="0"/>
-                            </a:rPr>
-                            <m:t>1</m:t>
-                          </m:r>
-                        </m:sub>
-                      </m:sSub>
-                    </m:oMath>
-                  </m:oMathPara>
-                </a14:m>
-                <a:endParaRPr lang="en-CA" sz="2800" b="0" dirty="0"/>
-              </a:p>
-            </p:txBody>
-          </p:sp>
-        </mc:Choice>
-        <mc:Fallback>
-          <p:sp>
-            <p:nvSpPr>
-              <p:cNvPr id="30" name="TextBox 29">
-                <a:extLst>
-                  <a:ext uri="{FF2B5EF4-FFF2-40B4-BE49-F238E27FC236}">
-                    <a16:creationId xmlns:a16="http://schemas.microsoft.com/office/drawing/2014/main" id="{82BDB073-67F0-9FBA-C3D5-8F6D707A948B}"/>
-                  </a:ext>
-                </a:extLst>
-              </p:cNvPr>
-              <p:cNvSpPr txBox="1">
-                <a:spLocks noRot="1" noChangeAspect="1" noMove="1" noResize="1" noEditPoints="1" noAdjustHandles="1" noChangeArrowheads="1" noChangeShapeType="1" noTextEdit="1"/>
-              </p:cNvSpPr>
-              <p:nvPr/>
-            </p:nvSpPr>
-            <p:spPr>
-              <a:xfrm>
-                <a:off x="5605767" y="2824097"/>
-                <a:ext cx="417870" cy="430887"/>
-              </a:xfrm>
-              <a:prstGeom prst="rect">
-                <a:avLst/>
-              </a:prstGeom>
-              <a:blipFill>
-                <a:blip r:embed="rId5"/>
-                <a:stretch>
-                  <a:fillRect l="-17647" r="-5882" b="-17143"/>
-                </a:stretch>
-              </a:blipFill>
-            </p:spPr>
-            <p:txBody>
-              <a:bodyPr/>
-              <a:lstStyle/>
-              <a:p>
-                <a:r>
-                  <a:rPr lang="en-CA">
-                    <a:noFill/>
-                  </a:rPr>
-                  <a:t> </a:t>
-                </a:r>
-              </a:p>
-            </p:txBody>
-          </p:sp>
-        </mc:Fallback>
-      </mc:AlternateContent>
-      <mc:AlternateContent xmlns:mc="http://schemas.openxmlformats.org/markup-compatibility/2006">
-        <mc:Choice xmlns:a14="http://schemas.microsoft.com/office/drawing/2010/main" Requires="a14">
-          <p:sp>
-            <p:nvSpPr>
-              <p:cNvPr id="31" name="TextBox 30">
-                <a:extLst>
-                  <a:ext uri="{FF2B5EF4-FFF2-40B4-BE49-F238E27FC236}">
-                    <a16:creationId xmlns:a16="http://schemas.microsoft.com/office/drawing/2014/main" id="{08B68DD3-88B9-868F-7DAD-3AC5ABAB017E}"/>
-                  </a:ext>
-                </a:extLst>
-              </p:cNvPr>
-              <p:cNvSpPr txBox="1"/>
-              <p:nvPr/>
-            </p:nvSpPr>
-            <p:spPr>
-              <a:xfrm>
-                <a:off x="4836800" y="3667186"/>
-                <a:ext cx="456342" cy="430887"/>
-              </a:xfrm>
-              <a:prstGeom prst="rect">
-                <a:avLst/>
-              </a:prstGeom>
-              <a:noFill/>
-            </p:spPr>
-            <p:txBody>
-              <a:bodyPr wrap="none" lIns="0" tIns="0" rIns="0" bIns="0" rtlCol="0">
-                <a:spAutoFit/>
-              </a:bodyPr>
-              <a:lstStyle/>
-              <a:p>
-                <a14:m>
-                  <m:oMathPara xmlns:m="http://schemas.openxmlformats.org/officeDocument/2006/math">
-                    <m:oMathParaPr>
-                      <m:jc m:val="centerGroup"/>
-                    </m:oMathParaPr>
-                    <m:oMath xmlns:m="http://schemas.openxmlformats.org/officeDocument/2006/math">
-                      <m:sSub>
-                        <m:sSubPr>
-                          <m:ctrlPr>
-                            <a:rPr lang="en-CA" sz="2800" b="0" i="1" smtClean="0">
-                              <a:latin typeface="Cambria Math" panose="02040503050406030204" pitchFamily="18" charset="0"/>
-                            </a:rPr>
-                          </m:ctrlPr>
-                        </m:sSubPr>
-                        <m:e>
-                          <m:r>
-                            <a:rPr lang="en-CA" sz="2800" b="0" i="1" smtClean="0">
-                              <a:latin typeface="Cambria Math" panose="02040503050406030204" pitchFamily="18" charset="0"/>
-                            </a:rPr>
-                            <m:t>𝜇</m:t>
-                          </m:r>
-                        </m:e>
-                        <m:sub>
-                          <m:r>
-                            <a:rPr lang="en-CA" sz="2800" b="0" i="1" smtClean="0">
-                              <a:latin typeface="Cambria Math" panose="02040503050406030204" pitchFamily="18" charset="0"/>
-                            </a:rPr>
-                            <m:t>𝑥</m:t>
-                          </m:r>
-                        </m:sub>
-                      </m:sSub>
-                    </m:oMath>
-                  </m:oMathPara>
-                </a14:m>
-                <a:endParaRPr lang="en-CA" sz="2800" b="0" dirty="0"/>
-              </a:p>
-            </p:txBody>
-          </p:sp>
-        </mc:Choice>
-        <mc:Fallback>
-          <p:sp>
-            <p:nvSpPr>
-              <p:cNvPr id="31" name="TextBox 30">
-                <a:extLst>
-                  <a:ext uri="{FF2B5EF4-FFF2-40B4-BE49-F238E27FC236}">
-                    <a16:creationId xmlns:a16="http://schemas.microsoft.com/office/drawing/2014/main" id="{08B68DD3-88B9-868F-7DAD-3AC5ABAB017E}"/>
-                  </a:ext>
-                </a:extLst>
-              </p:cNvPr>
-              <p:cNvSpPr txBox="1">
-                <a:spLocks noRot="1" noChangeAspect="1" noMove="1" noResize="1" noEditPoints="1" noAdjustHandles="1" noChangeArrowheads="1" noChangeShapeType="1" noTextEdit="1"/>
-              </p:cNvSpPr>
-              <p:nvPr/>
-            </p:nvSpPr>
-            <p:spPr>
-              <a:xfrm>
-                <a:off x="4836800" y="3667186"/>
-                <a:ext cx="456342" cy="430887"/>
-              </a:xfrm>
-              <a:prstGeom prst="rect">
-                <a:avLst/>
-              </a:prstGeom>
-              <a:blipFill>
-                <a:blip r:embed="rId6"/>
-                <a:stretch>
-                  <a:fillRect l="-16216" r="-2703" b="-17143"/>
-                </a:stretch>
-              </a:blipFill>
-            </p:spPr>
-            <p:txBody>
-              <a:bodyPr/>
-              <a:lstStyle/>
-              <a:p>
-                <a:r>
-                  <a:rPr lang="en-CA">
-                    <a:noFill/>
-                  </a:rPr>
-                  <a:t> </a:t>
-                </a:r>
-              </a:p>
-            </p:txBody>
-          </p:sp>
-        </mc:Fallback>
-      </mc:AlternateContent>
-      <mc:AlternateContent xmlns:mc="http://schemas.openxmlformats.org/markup-compatibility/2006">
-        <mc:Choice xmlns:a14="http://schemas.microsoft.com/office/drawing/2010/main" Requires="a14">
-          <p:sp>
-            <p:nvSpPr>
-              <p:cNvPr id="32" name="TextBox 31">
-                <a:extLst>
-                  <a:ext uri="{FF2B5EF4-FFF2-40B4-BE49-F238E27FC236}">
-                    <a16:creationId xmlns:a16="http://schemas.microsoft.com/office/drawing/2014/main" id="{9CFD25D7-C00F-E77F-CC57-AD581B4BD03A}"/>
-                  </a:ext>
-                </a:extLst>
-              </p:cNvPr>
-              <p:cNvSpPr txBox="1"/>
-              <p:nvPr/>
-            </p:nvSpPr>
-            <p:spPr>
-              <a:xfrm>
-                <a:off x="6651916" y="3667185"/>
-                <a:ext cx="307455" cy="430887"/>
-              </a:xfrm>
-              <a:prstGeom prst="rect">
-                <a:avLst/>
-              </a:prstGeom>
-              <a:noFill/>
-            </p:spPr>
-            <p:txBody>
-              <a:bodyPr wrap="square" lIns="0" tIns="0" rIns="0" bIns="0" rtlCol="0">
-                <a:spAutoFit/>
-              </a:bodyPr>
-              <a:lstStyle/>
-              <a:p>
-                <a14:m>
-                  <m:oMathPara xmlns:m="http://schemas.openxmlformats.org/officeDocument/2006/math">
-                    <m:oMathParaPr>
-                      <m:jc m:val="centerGroup"/>
-                    </m:oMathParaPr>
-                    <m:oMath xmlns:m="http://schemas.openxmlformats.org/officeDocument/2006/math">
-                      <m:r>
-                        <a:rPr lang="en-CA" sz="2800" b="0" i="1" smtClean="0">
-                          <a:latin typeface="Cambria Math" panose="02040503050406030204" pitchFamily="18" charset="0"/>
-                        </a:rPr>
-                        <m:t>𝛼</m:t>
-                      </m:r>
-                    </m:oMath>
-                  </m:oMathPara>
-                </a14:m>
-                <a:endParaRPr lang="en-CA" sz="2800" b="0" dirty="0"/>
-              </a:p>
-            </p:txBody>
-          </p:sp>
-        </mc:Choice>
-        <mc:Fallback>
-          <p:sp>
-            <p:nvSpPr>
-              <p:cNvPr id="32" name="TextBox 31">
-                <a:extLst>
-                  <a:ext uri="{FF2B5EF4-FFF2-40B4-BE49-F238E27FC236}">
-                    <a16:creationId xmlns:a16="http://schemas.microsoft.com/office/drawing/2014/main" id="{9CFD25D7-C00F-E77F-CC57-AD581B4BD03A}"/>
-                  </a:ext>
-                </a:extLst>
-              </p:cNvPr>
-              <p:cNvSpPr txBox="1">
-                <a:spLocks noRot="1" noChangeAspect="1" noMove="1" noResize="1" noEditPoints="1" noAdjustHandles="1" noChangeArrowheads="1" noChangeShapeType="1" noTextEdit="1"/>
-              </p:cNvSpPr>
-              <p:nvPr/>
-            </p:nvSpPr>
-            <p:spPr>
-              <a:xfrm>
-                <a:off x="6651916" y="3667185"/>
-                <a:ext cx="307455" cy="430887"/>
-              </a:xfrm>
-              <a:prstGeom prst="rect">
-                <a:avLst/>
-              </a:prstGeom>
-              <a:blipFill>
-                <a:blip r:embed="rId7"/>
-                <a:stretch>
-                  <a:fillRect l="-11538" r="-7692"/>
-                </a:stretch>
-              </a:blipFill>
-            </p:spPr>
-            <p:txBody>
-              <a:bodyPr/>
-              <a:lstStyle/>
-              <a:p>
-                <a:r>
-                  <a:rPr lang="en-CA">
-                    <a:noFill/>
-                  </a:rPr>
-                  <a:t> </a:t>
-                </a:r>
-              </a:p>
-            </p:txBody>
-          </p:sp>
-        </mc:Fallback>
-      </mc:AlternateContent>
-      <p:sp>
-        <p:nvSpPr>
-          <p:cNvPr id="35" name="Arc 34">
-            <a:extLst>
-              <a:ext uri="{FF2B5EF4-FFF2-40B4-BE49-F238E27FC236}">
-                <a16:creationId xmlns:a16="http://schemas.microsoft.com/office/drawing/2014/main" id="{D9AF2F47-CDF7-1ACC-0BA2-19465AD86793}"/>
-              </a:ext>
-            </a:extLst>
-          </p:cNvPr>
-          <p:cNvSpPr/>
-          <p:nvPr/>
-        </p:nvSpPr>
-        <p:spPr>
-          <a:xfrm rot="10800000">
-            <a:off x="3352464" y="3080777"/>
-            <a:ext cx="485440" cy="486000"/>
-          </a:xfrm>
-          <a:prstGeom prst="arc">
-            <a:avLst>
-              <a:gd name="adj1" fmla="val 16200000"/>
-              <a:gd name="adj2" fmla="val 5437479"/>
-            </a:avLst>
-          </a:prstGeom>
-          <a:ln w="15875">
-            <a:headEnd type="triangle" w="lg" len="med"/>
-            <a:tailEnd type="triangle" w="lg" len="med"/>
-          </a:ln>
-        </p:spPr>
-        <p:style>
-          <a:lnRef idx="1">
-            <a:schemeClr val="dk1"/>
-          </a:lnRef>
-          <a:fillRef idx="0">
-            <a:schemeClr val="dk1"/>
-          </a:fillRef>
-          <a:effectRef idx="0">
-            <a:schemeClr val="dk1"/>
-          </a:effectRef>
-          <a:fontRef idx="minor">
-            <a:schemeClr val="tx1"/>
-          </a:fontRef>
-        </p:style>
-        <p:txBody>
-          <a:bodyPr rtlCol="0" anchor="ctr"/>
-          <a:lstStyle/>
-          <a:p>
-            <a:pPr algn="ctr"/>
-            <a:endParaRPr lang="en-CA"/>
-          </a:p>
-        </p:txBody>
-      </p:sp>
-      <mc:AlternateContent xmlns:mc="http://schemas.openxmlformats.org/markup-compatibility/2006">
-        <mc:Choice xmlns:a14="http://schemas.microsoft.com/office/drawing/2010/main" Requires="a14">
-          <p:sp>
-            <p:nvSpPr>
-              <p:cNvPr id="38" name="TextBox 37">
-                <a:extLst>
-                  <a:ext uri="{FF2B5EF4-FFF2-40B4-BE49-F238E27FC236}">
-                    <a16:creationId xmlns:a16="http://schemas.microsoft.com/office/drawing/2014/main" id="{CAE210CE-23DA-1A46-6F81-1CBE10F5749A}"/>
-                  </a:ext>
-                </a:extLst>
-              </p:cNvPr>
-              <p:cNvSpPr txBox="1"/>
-              <p:nvPr/>
-            </p:nvSpPr>
-            <p:spPr>
-              <a:xfrm>
-                <a:off x="2877179" y="3109261"/>
-                <a:ext cx="479940" cy="430887"/>
-              </a:xfrm>
-              <a:prstGeom prst="rect">
-                <a:avLst/>
-              </a:prstGeom>
-              <a:noFill/>
-            </p:spPr>
-            <p:txBody>
-              <a:bodyPr wrap="none" lIns="0" tIns="0" rIns="0" bIns="0" rtlCol="0">
-                <a:spAutoFit/>
-              </a:bodyPr>
-              <a:lstStyle/>
-              <a:p>
-                <a14:m>
-                  <m:oMathPara xmlns:m="http://schemas.openxmlformats.org/officeDocument/2006/math">
-                    <m:oMathParaPr>
-                      <m:jc m:val="centerGroup"/>
-                    </m:oMathParaPr>
-                    <m:oMath xmlns:m="http://schemas.openxmlformats.org/officeDocument/2006/math">
-                      <m:sSubSup>
-                        <m:sSubSupPr>
-                          <m:ctrlPr>
-                            <a:rPr lang="en-CA" sz="2800" b="0" i="1" smtClean="0">
-                              <a:latin typeface="Cambria Math" panose="02040503050406030204" pitchFamily="18" charset="0"/>
-                            </a:rPr>
-                          </m:ctrlPr>
-                        </m:sSubSupPr>
-                        <m:e>
-                          <m:r>
-                            <a:rPr lang="en-CA" sz="2800" b="0" i="1" smtClean="0">
-                              <a:latin typeface="Cambria Math" panose="02040503050406030204" pitchFamily="18" charset="0"/>
-                            </a:rPr>
-                            <m:t>𝜎</m:t>
-                          </m:r>
-                        </m:e>
-                        <m:sub>
-                          <m:r>
-                            <a:rPr lang="en-CA" sz="2800" b="0" i="1" smtClean="0">
-                              <a:latin typeface="Cambria Math" panose="02040503050406030204" pitchFamily="18" charset="0"/>
-                            </a:rPr>
-                            <m:t>𝑥</m:t>
-                          </m:r>
-                        </m:sub>
-                        <m:sup>
-                          <m:r>
-                            <a:rPr lang="en-CA" sz="2800" b="0" i="1" smtClean="0">
-                              <a:latin typeface="Cambria Math" panose="02040503050406030204" pitchFamily="18" charset="0"/>
-                            </a:rPr>
-                            <m:t>2</m:t>
-                          </m:r>
-                        </m:sup>
-                      </m:sSubSup>
-                    </m:oMath>
-                  </m:oMathPara>
-                </a14:m>
-                <a:endParaRPr lang="en-CA" sz="2800" b="0" dirty="0"/>
-              </a:p>
-            </p:txBody>
-          </p:sp>
-        </mc:Choice>
-        <mc:Fallback>
-          <p:sp>
-            <p:nvSpPr>
-              <p:cNvPr id="38" name="TextBox 37">
-                <a:extLst>
-                  <a:ext uri="{FF2B5EF4-FFF2-40B4-BE49-F238E27FC236}">
-                    <a16:creationId xmlns:a16="http://schemas.microsoft.com/office/drawing/2014/main" id="{CAE210CE-23DA-1A46-6F81-1CBE10F5749A}"/>
-                  </a:ext>
-                </a:extLst>
-              </p:cNvPr>
-              <p:cNvSpPr txBox="1">
-                <a:spLocks noRot="1" noChangeAspect="1" noMove="1" noResize="1" noEditPoints="1" noAdjustHandles="1" noChangeArrowheads="1" noChangeShapeType="1" noTextEdit="1"/>
-              </p:cNvSpPr>
-              <p:nvPr/>
-            </p:nvSpPr>
-            <p:spPr>
-              <a:xfrm>
-                <a:off x="2877179" y="3109261"/>
-                <a:ext cx="479940" cy="430887"/>
-              </a:xfrm>
-              <a:prstGeom prst="rect">
-                <a:avLst/>
-              </a:prstGeom>
-              <a:blipFill>
-                <a:blip r:embed="rId8"/>
-                <a:stretch>
-                  <a:fillRect l="-7692" t="-2857" r="-5128" b="-8571"/>
-                </a:stretch>
-              </a:blipFill>
-            </p:spPr>
-            <p:txBody>
-              <a:bodyPr/>
-              <a:lstStyle/>
-              <a:p>
-                <a:r>
-                  <a:rPr lang="en-CA">
-                    <a:noFill/>
-                  </a:rPr>
-                  <a:t> </a:t>
-                </a:r>
-              </a:p>
-            </p:txBody>
-          </p:sp>
-        </mc:Fallback>
-      </mc:AlternateContent>
-      <p:cxnSp>
-        <p:nvCxnSpPr>
-          <p:cNvPr id="39" name="Straight Arrow Connector 38">
-            <a:extLst>
-              <a:ext uri="{FF2B5EF4-FFF2-40B4-BE49-F238E27FC236}">
-                <a16:creationId xmlns:a16="http://schemas.microsoft.com/office/drawing/2014/main" id="{94280F7F-EE73-91A8-17B1-88F3C03B7A09}"/>
-              </a:ext>
-            </a:extLst>
-          </p:cNvPr>
-          <p:cNvCxnSpPr>
-            <a:cxnSpLocks/>
-            <a:stCxn id="44" idx="2"/>
-            <a:endCxn id="6" idx="3"/>
-          </p:cNvCxnSpPr>
-          <p:nvPr/>
-        </p:nvCxnSpPr>
-        <p:spPr>
-          <a:xfrm flipH="1">
-            <a:off x="8185598" y="3349780"/>
-            <a:ext cx="473128" cy="1162"/>
-          </a:xfrm>
-          <a:prstGeom prst="straightConnector1">
-            <a:avLst/>
-          </a:prstGeom>
-          <a:ln w="28575">
-            <a:headEnd type="none" w="med" len="med"/>
-            <a:tailEnd type="arrow"/>
-          </a:ln>
-        </p:spPr>
-        <p:style>
-          <a:lnRef idx="1">
-            <a:schemeClr val="dk1"/>
-          </a:lnRef>
-          <a:fillRef idx="0">
-            <a:schemeClr val="dk1"/>
-          </a:fillRef>
-          <a:effectRef idx="0">
-            <a:schemeClr val="dk1"/>
-          </a:effectRef>
-          <a:fontRef idx="minor">
-            <a:schemeClr val="tx1"/>
-          </a:fontRef>
-        </p:style>
-      </p:cxnSp>
-      <mc:AlternateContent xmlns:mc="http://schemas.openxmlformats.org/markup-compatibility/2006">
-        <mc:Choice xmlns:a14="http://schemas.microsoft.com/office/drawing/2010/main" Requires="a14">
-          <p:sp>
-            <p:nvSpPr>
-              <p:cNvPr id="44" name="Oval 43">
-                <a:extLst>
-                  <a:ext uri="{FF2B5EF4-FFF2-40B4-BE49-F238E27FC236}">
-                    <a16:creationId xmlns:a16="http://schemas.microsoft.com/office/drawing/2014/main" id="{771775AE-362F-8A36-C893-411FE23CEFC5}"/>
-                  </a:ext>
-                </a:extLst>
-              </p:cNvPr>
-              <p:cNvSpPr/>
-              <p:nvPr/>
-            </p:nvSpPr>
-            <p:spPr>
-              <a:xfrm>
-                <a:off x="8658726" y="3086723"/>
-                <a:ext cx="515155" cy="526113"/>
-              </a:xfrm>
-              <a:prstGeom prst="ellipse">
-                <a:avLst/>
-              </a:prstGeom>
-            </p:spPr>
-            <p:style>
-              <a:lnRef idx="2">
-                <a:schemeClr val="dk1"/>
-              </a:lnRef>
-              <a:fillRef idx="1">
-                <a:schemeClr val="lt1"/>
-              </a:fillRef>
-              <a:effectRef idx="0">
-                <a:schemeClr val="dk1"/>
-              </a:effectRef>
-              <a:fontRef idx="minor">
-                <a:schemeClr val="dk1"/>
-              </a:fontRef>
-            </p:style>
-            <p:txBody>
-              <a:bodyPr lIns="72000" tIns="0" rIns="0" bIns="36000" rtlCol="0" anchor="ctr"/>
-              <a:lstStyle/>
-              <a:p>
-                <a:pPr algn="ctr"/>
-                <a14:m>
-                  <m:oMathPara xmlns:m="http://schemas.openxmlformats.org/officeDocument/2006/math">
-                    <m:oMathParaPr>
-                      <m:jc m:val="centerGroup"/>
-                    </m:oMathParaPr>
-                    <m:oMath xmlns:m="http://schemas.openxmlformats.org/officeDocument/2006/math">
-                      <m:sSub>
-                        <m:sSubPr>
-                          <m:ctrlPr>
-                            <a:rPr lang="en-CA" sz="2400" b="0" i="1" smtClean="0">
-                              <a:latin typeface="Cambria Math" panose="02040503050406030204" pitchFamily="18" charset="0"/>
-                            </a:rPr>
-                          </m:ctrlPr>
-                        </m:sSubPr>
-                        <m:e>
-                          <m:r>
-                            <a:rPr lang="en-CA" sz="2400" b="0" i="1" smtClean="0">
-                              <a:latin typeface="Cambria Math" panose="02040503050406030204" pitchFamily="18" charset="0"/>
-                            </a:rPr>
-                            <m:t>𝜁</m:t>
-                          </m:r>
-                        </m:e>
-                        <m:sub>
-                          <m:r>
-                            <a:rPr lang="en-CA" sz="2400" b="0" i="1" smtClean="0">
-                              <a:latin typeface="Cambria Math" panose="02040503050406030204" pitchFamily="18" charset="0"/>
-                            </a:rPr>
-                            <m:t>𝑖</m:t>
-                          </m:r>
-                        </m:sub>
-                      </m:sSub>
-                    </m:oMath>
-                  </m:oMathPara>
-                </a14:m>
-                <a:endParaRPr lang="en-CA" sz="2400" dirty="0"/>
-              </a:p>
-            </p:txBody>
-          </p:sp>
-        </mc:Choice>
-        <mc:Fallback>
-          <p:sp>
-            <p:nvSpPr>
-              <p:cNvPr id="44" name="Oval 43">
-                <a:extLst>
-                  <a:ext uri="{FF2B5EF4-FFF2-40B4-BE49-F238E27FC236}">
-                    <a16:creationId xmlns:a16="http://schemas.microsoft.com/office/drawing/2014/main" id="{771775AE-362F-8A36-C893-411FE23CEFC5}"/>
-                  </a:ext>
-                </a:extLst>
-              </p:cNvPr>
-              <p:cNvSpPr>
-                <a:spLocks noRot="1" noChangeAspect="1" noMove="1" noResize="1" noEditPoints="1" noAdjustHandles="1" noChangeArrowheads="1" noChangeShapeType="1" noTextEdit="1"/>
-              </p:cNvSpPr>
-              <p:nvPr/>
-            </p:nvSpPr>
-            <p:spPr>
-              <a:xfrm>
-                <a:off x="8658726" y="3086723"/>
-                <a:ext cx="515155" cy="526113"/>
-              </a:xfrm>
-              <a:prstGeom prst="ellipse">
-                <a:avLst/>
-              </a:prstGeom>
-              <a:blipFill>
-                <a:blip r:embed="rId9"/>
-                <a:stretch>
-                  <a:fillRect b="-2273"/>
-                </a:stretch>
-              </a:blipFill>
-            </p:spPr>
-            <p:txBody>
-              <a:bodyPr/>
-              <a:lstStyle/>
-              <a:p>
-                <a:r>
-                  <a:rPr lang="en-CA">
-                    <a:noFill/>
-                  </a:rPr>
-                  <a:t> </a:t>
-                </a:r>
-              </a:p>
-            </p:txBody>
-          </p:sp>
-        </mc:Fallback>
-      </mc:AlternateContent>
-      <p:sp>
-        <p:nvSpPr>
-          <p:cNvPr id="49" name="Arc 48">
-            <a:extLst>
-              <a:ext uri="{FF2B5EF4-FFF2-40B4-BE49-F238E27FC236}">
-                <a16:creationId xmlns:a16="http://schemas.microsoft.com/office/drawing/2014/main" id="{472A524A-608E-FA04-9845-7CFE909D313B}"/>
-              </a:ext>
-            </a:extLst>
-          </p:cNvPr>
-          <p:cNvSpPr/>
-          <p:nvPr/>
-        </p:nvSpPr>
-        <p:spPr>
-          <a:xfrm>
-            <a:off x="8958499" y="3195892"/>
-            <a:ext cx="430763" cy="307776"/>
-          </a:xfrm>
-          <a:prstGeom prst="arc">
-            <a:avLst>
-              <a:gd name="adj1" fmla="val 16200000"/>
-              <a:gd name="adj2" fmla="val 5437479"/>
-            </a:avLst>
-          </a:prstGeom>
-          <a:ln w="15875">
-            <a:headEnd type="triangle" w="lg" len="med"/>
-            <a:tailEnd type="triangle" w="lg" len="med"/>
-          </a:ln>
-        </p:spPr>
-        <p:style>
-          <a:lnRef idx="1">
-            <a:schemeClr val="dk1"/>
-          </a:lnRef>
-          <a:fillRef idx="0">
-            <a:schemeClr val="dk1"/>
-          </a:fillRef>
-          <a:effectRef idx="0">
-            <a:schemeClr val="dk1"/>
-          </a:effectRef>
-          <a:fontRef idx="minor">
-            <a:schemeClr val="tx1"/>
-          </a:fontRef>
-        </p:style>
-        <p:txBody>
-          <a:bodyPr rtlCol="0" anchor="ctr"/>
-          <a:lstStyle/>
-          <a:p>
-            <a:pPr algn="ctr"/>
-            <a:endParaRPr lang="en-CA"/>
-          </a:p>
-        </p:txBody>
-      </p:sp>
-      <mc:AlternateContent xmlns:mc="http://schemas.openxmlformats.org/markup-compatibility/2006">
-        <mc:Choice xmlns:a14="http://schemas.microsoft.com/office/drawing/2010/main" Requires="a14">
-          <p:sp>
-            <p:nvSpPr>
-              <p:cNvPr id="50" name="TextBox 49">
-                <a:extLst>
-                  <a:ext uri="{FF2B5EF4-FFF2-40B4-BE49-F238E27FC236}">
-                    <a16:creationId xmlns:a16="http://schemas.microsoft.com/office/drawing/2014/main" id="{CF505B98-6339-F21C-C8C4-A5CE4B7ABA33}"/>
-                  </a:ext>
-                </a:extLst>
-              </p:cNvPr>
-              <p:cNvSpPr txBox="1"/>
-              <p:nvPr/>
-            </p:nvSpPr>
-            <p:spPr>
-              <a:xfrm>
-                <a:off x="9428782" y="3169888"/>
-                <a:ext cx="242631" cy="307777"/>
-              </a:xfrm>
-              <a:prstGeom prst="rect">
-                <a:avLst/>
-              </a:prstGeom>
-              <a:noFill/>
-            </p:spPr>
-            <p:txBody>
-              <a:bodyPr wrap="none" lIns="0" tIns="0" rIns="0" bIns="0" rtlCol="0">
-                <a:spAutoFit/>
-              </a:bodyPr>
-              <a:lstStyle/>
-              <a:p>
-                <a14:m>
-                  <m:oMathPara xmlns:m="http://schemas.openxmlformats.org/officeDocument/2006/math">
-                    <m:oMathParaPr>
-                      <m:jc m:val="centerGroup"/>
-                    </m:oMathParaPr>
-                    <m:oMath xmlns:m="http://schemas.openxmlformats.org/officeDocument/2006/math">
-                      <m:r>
-                        <a:rPr lang="en-CA" sz="2000" b="0" i="1" smtClean="0">
-                          <a:latin typeface="Cambria Math" panose="02040503050406030204" pitchFamily="18" charset="0"/>
-                        </a:rPr>
-                        <m:t>𝜓</m:t>
-                      </m:r>
-                    </m:oMath>
-                  </m:oMathPara>
-                </a14:m>
-                <a:endParaRPr lang="en-CA" sz="2000" b="0" dirty="0"/>
-              </a:p>
-            </p:txBody>
-          </p:sp>
-        </mc:Choice>
-        <mc:Fallback>
-          <p:sp>
-            <p:nvSpPr>
-              <p:cNvPr id="50" name="TextBox 49">
-                <a:extLst>
-                  <a:ext uri="{FF2B5EF4-FFF2-40B4-BE49-F238E27FC236}">
-                    <a16:creationId xmlns:a16="http://schemas.microsoft.com/office/drawing/2014/main" id="{CF505B98-6339-F21C-C8C4-A5CE4B7ABA33}"/>
-                  </a:ext>
-                </a:extLst>
-              </p:cNvPr>
-              <p:cNvSpPr txBox="1">
-                <a:spLocks noRot="1" noChangeAspect="1" noMove="1" noResize="1" noEditPoints="1" noAdjustHandles="1" noChangeArrowheads="1" noChangeShapeType="1" noTextEdit="1"/>
-              </p:cNvSpPr>
-              <p:nvPr/>
-            </p:nvSpPr>
-            <p:spPr>
-              <a:xfrm>
-                <a:off x="9428782" y="3169888"/>
-                <a:ext cx="242631" cy="307777"/>
-              </a:xfrm>
-              <a:prstGeom prst="rect">
-                <a:avLst/>
-              </a:prstGeom>
-              <a:blipFill>
-                <a:blip r:embed="rId10"/>
-                <a:stretch>
-                  <a:fillRect l="-35000" r="-30000" b="-32000"/>
-                </a:stretch>
-              </a:blipFill>
-            </p:spPr>
-            <p:txBody>
-              <a:bodyPr/>
-              <a:lstStyle/>
-              <a:p>
-                <a:r>
-                  <a:rPr lang="en-CA">
-                    <a:noFill/>
-                  </a:rPr>
-                  <a:t> </a:t>
-                </a:r>
-              </a:p>
-            </p:txBody>
-          </p:sp>
-        </mc:Fallback>
-      </mc:AlternateContent>
-      <mc:AlternateContent xmlns:mc="http://schemas.openxmlformats.org/markup-compatibility/2006">
-        <mc:Choice xmlns:a14="http://schemas.microsoft.com/office/drawing/2010/main" Requires="a14">
-          <p:sp>
-            <p:nvSpPr>
-              <p:cNvPr id="51" name="TextBox 50">
-                <a:extLst>
-                  <a:ext uri="{FF2B5EF4-FFF2-40B4-BE49-F238E27FC236}">
-                    <a16:creationId xmlns:a16="http://schemas.microsoft.com/office/drawing/2014/main" id="{75044263-6782-7AF0-9C5A-3A3F1593CF9E}"/>
-                  </a:ext>
-                </a:extLst>
-              </p:cNvPr>
-              <p:cNvSpPr txBox="1"/>
-              <p:nvPr/>
-            </p:nvSpPr>
-            <p:spPr>
-              <a:xfrm>
-                <a:off x="8349831" y="3005327"/>
-                <a:ext cx="280526" cy="307777"/>
-              </a:xfrm>
-              <a:prstGeom prst="rect">
-                <a:avLst/>
-              </a:prstGeom>
-              <a:noFill/>
-            </p:spPr>
-            <p:txBody>
-              <a:bodyPr wrap="square" lIns="0" tIns="0" rIns="0" bIns="0" rtlCol="0">
-                <a:spAutoFit/>
-              </a:bodyPr>
-              <a:lstStyle/>
-              <a:p>
-                <a14:m>
-                  <m:oMathPara xmlns:m="http://schemas.openxmlformats.org/officeDocument/2006/math">
-                    <m:oMathParaPr>
-                      <m:jc m:val="centerGroup"/>
-                    </m:oMathParaPr>
-                    <m:oMath xmlns:m="http://schemas.openxmlformats.org/officeDocument/2006/math">
-                      <m:r>
-                        <a:rPr lang="en-CA" sz="2000" b="0" i="1" smtClean="0">
-                          <a:latin typeface="Cambria Math" panose="02040503050406030204" pitchFamily="18" charset="0"/>
-                        </a:rPr>
-                        <m:t>1</m:t>
-                      </m:r>
-                    </m:oMath>
-                  </m:oMathPara>
-                </a14:m>
-                <a:endParaRPr lang="en-CA" sz="2000" b="0" dirty="0"/>
-              </a:p>
-            </p:txBody>
-          </p:sp>
-        </mc:Choice>
-        <mc:Fallback>
-          <p:sp>
-            <p:nvSpPr>
-              <p:cNvPr id="51" name="TextBox 50">
-                <a:extLst>
-                  <a:ext uri="{FF2B5EF4-FFF2-40B4-BE49-F238E27FC236}">
-                    <a16:creationId xmlns:a16="http://schemas.microsoft.com/office/drawing/2014/main" id="{75044263-6782-7AF0-9C5A-3A3F1593CF9E}"/>
-                  </a:ext>
-                </a:extLst>
-              </p:cNvPr>
-              <p:cNvSpPr txBox="1">
-                <a:spLocks noRot="1" noChangeAspect="1" noMove="1" noResize="1" noEditPoints="1" noAdjustHandles="1" noChangeArrowheads="1" noChangeShapeType="1" noTextEdit="1"/>
-              </p:cNvSpPr>
-              <p:nvPr/>
-            </p:nvSpPr>
-            <p:spPr>
-              <a:xfrm>
-                <a:off x="8349831" y="3005327"/>
-                <a:ext cx="280526" cy="307777"/>
-              </a:xfrm>
-              <a:prstGeom prst="rect">
-                <a:avLst/>
-              </a:prstGeom>
-              <a:blipFill>
-                <a:blip r:embed="rId11"/>
-                <a:stretch>
-                  <a:fillRect l="-4348" r="-4348" b="-8000"/>
-                </a:stretch>
-              </a:blipFill>
-            </p:spPr>
-            <p:txBody>
-              <a:bodyPr/>
-              <a:lstStyle/>
-              <a:p>
-                <a:r>
-                  <a:rPr lang="en-CA">
-                    <a:noFill/>
-                  </a:rPr>
-                  <a:t> </a:t>
-                </a:r>
-              </a:p>
-            </p:txBody>
-          </p:sp>
-        </mc:Fallback>
-      </mc:AlternateContent>
+        </p:grpSpPr>
+        <mc:AlternateContent xmlns:mc="http://schemas.openxmlformats.org/markup-compatibility/2006">
+          <mc:Choice xmlns:a14="http://schemas.microsoft.com/office/drawing/2010/main" Requires="a14">
+            <p:sp>
+              <p:nvSpPr>
+                <p:cNvPr id="5" name="Rectangle 4">
+                  <a:extLst>
+                    <a:ext uri="{FF2B5EF4-FFF2-40B4-BE49-F238E27FC236}">
+                      <a16:creationId xmlns:a16="http://schemas.microsoft.com/office/drawing/2014/main" id="{28ED9225-6446-D15A-F8CC-B81D6F91DEF6}"/>
+                    </a:ext>
+                  </a:extLst>
+                </p:cNvPr>
+                <p:cNvSpPr/>
+                <p:nvPr/>
+              </p:nvSpPr>
+              <p:spPr>
+                <a:xfrm>
+                  <a:off x="3615744" y="2955073"/>
+                  <a:ext cx="791735" cy="791737"/>
+                </a:xfrm>
+                <a:prstGeom prst="rect">
+                  <a:avLst/>
+                </a:prstGeom>
+              </p:spPr>
+              <p:style>
+                <a:lnRef idx="2">
+                  <a:schemeClr val="dk1"/>
+                </a:lnRef>
+                <a:fillRef idx="1">
+                  <a:schemeClr val="lt1"/>
+                </a:fillRef>
+                <a:effectRef idx="0">
+                  <a:schemeClr val="dk1"/>
+                </a:effectRef>
+                <a:fontRef idx="minor">
+                  <a:schemeClr val="dk1"/>
+                </a:fontRef>
+              </p:style>
+              <p:txBody>
+                <a:bodyPr wrap="none" lIns="108000" tIns="0" rIns="0" bIns="108000" rtlCol="0" anchor="ctr" anchorCtr="1"/>
+                <a:lstStyle/>
+                <a:p>
+                  <a:pPr algn="just"/>
+                  <a14:m>
+                    <m:oMathPara xmlns:m="http://schemas.openxmlformats.org/officeDocument/2006/math">
+                      <m:oMathParaPr>
+                        <m:jc m:val="right"/>
+                      </m:oMathParaPr>
+                      <m:oMath xmlns:m="http://schemas.openxmlformats.org/officeDocument/2006/math">
+                        <m:sSub>
+                          <m:sSubPr>
+                            <m:ctrlPr>
+                              <a:rPr lang="en-CA" sz="2800" b="0" i="1" smtClean="0">
+                                <a:latin typeface="Cambria Math" panose="02040503050406030204" pitchFamily="18" charset="0"/>
+                              </a:rPr>
+                            </m:ctrlPr>
+                          </m:sSubPr>
+                          <m:e>
+                            <m:r>
+                              <a:rPr lang="en-CA" sz="2800" b="0" i="1" smtClean="0">
+                                <a:latin typeface="Cambria Math" panose="02040503050406030204" pitchFamily="18" charset="0"/>
+                              </a:rPr>
+                              <m:t>𝑥</m:t>
+                            </m:r>
+                          </m:e>
+                          <m:sub>
+                            <m:r>
+                              <a:rPr lang="en-CA" sz="2800" b="0" i="1" smtClean="0">
+                                <a:latin typeface="Cambria Math" panose="02040503050406030204" pitchFamily="18" charset="0"/>
+                              </a:rPr>
+                              <m:t>𝑖</m:t>
+                            </m:r>
+                            <m:r>
+                              <a:rPr lang="en-CA" sz="2800" b="0" i="1" smtClean="0">
+                                <a:latin typeface="Cambria Math" panose="02040503050406030204" pitchFamily="18" charset="0"/>
+                              </a:rPr>
+                              <m:t>1</m:t>
+                            </m:r>
+                          </m:sub>
+                        </m:sSub>
+                      </m:oMath>
+                    </m:oMathPara>
+                  </a14:m>
+                  <a:endParaRPr lang="en-CA" sz="2800" dirty="0"/>
+                </a:p>
+              </p:txBody>
+            </p:sp>
+          </mc:Choice>
+          <mc:Fallback>
+            <p:sp>
+              <p:nvSpPr>
+                <p:cNvPr id="5" name="Rectangle 4">
+                  <a:extLst>
+                    <a:ext uri="{FF2B5EF4-FFF2-40B4-BE49-F238E27FC236}">
+                      <a16:creationId xmlns:a16="http://schemas.microsoft.com/office/drawing/2014/main" id="{28ED9225-6446-D15A-F8CC-B81D6F91DEF6}"/>
+                    </a:ext>
+                  </a:extLst>
+                </p:cNvPr>
+                <p:cNvSpPr>
+                  <a:spLocks noRot="1" noChangeAspect="1" noMove="1" noResize="1" noEditPoints="1" noAdjustHandles="1" noChangeArrowheads="1" noChangeShapeType="1" noTextEdit="1"/>
+                </p:cNvSpPr>
+                <p:nvPr/>
+              </p:nvSpPr>
+              <p:spPr>
+                <a:xfrm>
+                  <a:off x="3615744" y="2955073"/>
+                  <a:ext cx="791735" cy="791737"/>
+                </a:xfrm>
+                <a:prstGeom prst="rect">
+                  <a:avLst/>
+                </a:prstGeom>
+                <a:blipFill>
+                  <a:blip r:embed="rId2"/>
+                  <a:stretch>
+                    <a:fillRect/>
+                  </a:stretch>
+                </a:blipFill>
+              </p:spPr>
+              <p:txBody>
+                <a:bodyPr/>
+                <a:lstStyle/>
+                <a:p>
+                  <a:r>
+                    <a:rPr lang="en-CA">
+                      <a:noFill/>
+                    </a:rPr>
+                    <a:t> </a:t>
+                  </a:r>
+                </a:p>
+              </p:txBody>
+            </p:sp>
+          </mc:Fallback>
+        </mc:AlternateContent>
+        <mc:AlternateContent xmlns:mc="http://schemas.openxmlformats.org/markup-compatibility/2006">
+          <mc:Choice xmlns:a14="http://schemas.microsoft.com/office/drawing/2010/main" Requires="a14">
+            <p:sp>
+              <p:nvSpPr>
+                <p:cNvPr id="6" name="Rectangle 5">
+                  <a:extLst>
+                    <a:ext uri="{FF2B5EF4-FFF2-40B4-BE49-F238E27FC236}">
+                      <a16:creationId xmlns:a16="http://schemas.microsoft.com/office/drawing/2014/main" id="{89EC8179-8F7A-669F-2187-B0523AA3BD6A}"/>
+                    </a:ext>
+                  </a:extLst>
+                </p:cNvPr>
+                <p:cNvSpPr/>
+                <p:nvPr/>
+              </p:nvSpPr>
+              <p:spPr>
+                <a:xfrm>
+                  <a:off x="7393862" y="2955073"/>
+                  <a:ext cx="791736" cy="791737"/>
+                </a:xfrm>
+                <a:prstGeom prst="rect">
+                  <a:avLst/>
+                </a:prstGeom>
+              </p:spPr>
+              <p:style>
+                <a:lnRef idx="2">
+                  <a:schemeClr val="dk1"/>
+                </a:lnRef>
+                <a:fillRef idx="1">
+                  <a:schemeClr val="lt1"/>
+                </a:fillRef>
+                <a:effectRef idx="0">
+                  <a:schemeClr val="dk1"/>
+                </a:effectRef>
+                <a:fontRef idx="minor">
+                  <a:schemeClr val="dk1"/>
+                </a:fontRef>
+              </p:style>
+              <p:txBody>
+                <a:bodyPr wrap="none" lIns="108000" tIns="0" rIns="0" bIns="108000" rtlCol="0" anchor="ctr" anchorCtr="1"/>
+                <a:lstStyle/>
+                <a:p>
+                  <a:pPr algn="just"/>
+                  <a14:m>
+                    <m:oMathPara xmlns:m="http://schemas.openxmlformats.org/officeDocument/2006/math">
+                      <m:oMathParaPr>
+                        <m:jc m:val="right"/>
+                      </m:oMathParaPr>
+                      <m:oMath xmlns:m="http://schemas.openxmlformats.org/officeDocument/2006/math">
+                        <m:sSub>
+                          <m:sSubPr>
+                            <m:ctrlPr>
+                              <a:rPr lang="en-CA" sz="2800" b="0" i="1" smtClean="0">
+                                <a:latin typeface="Cambria Math" panose="02040503050406030204" pitchFamily="18" charset="0"/>
+                              </a:rPr>
+                            </m:ctrlPr>
+                          </m:sSubPr>
+                          <m:e>
+                            <m:r>
+                              <a:rPr lang="en-CA" sz="2800" b="0" i="1" smtClean="0">
+                                <a:latin typeface="Cambria Math" panose="02040503050406030204" pitchFamily="18" charset="0"/>
+                              </a:rPr>
+                              <m:t>𝑦</m:t>
+                            </m:r>
+                          </m:e>
+                          <m:sub>
+                            <m:r>
+                              <a:rPr lang="en-CA" sz="2800" b="0" i="1" smtClean="0">
+                                <a:latin typeface="Cambria Math" panose="02040503050406030204" pitchFamily="18" charset="0"/>
+                              </a:rPr>
+                              <m:t>𝑖</m:t>
+                            </m:r>
+                          </m:sub>
+                        </m:sSub>
+                      </m:oMath>
+                    </m:oMathPara>
+                  </a14:m>
+                  <a:endParaRPr lang="en-CA" sz="2800" dirty="0"/>
+                </a:p>
+              </p:txBody>
+            </p:sp>
+          </mc:Choice>
+          <mc:Fallback>
+            <p:sp>
+              <p:nvSpPr>
+                <p:cNvPr id="6" name="Rectangle 5">
+                  <a:extLst>
+                    <a:ext uri="{FF2B5EF4-FFF2-40B4-BE49-F238E27FC236}">
+                      <a16:creationId xmlns:a16="http://schemas.microsoft.com/office/drawing/2014/main" id="{89EC8179-8F7A-669F-2187-B0523AA3BD6A}"/>
+                    </a:ext>
+                  </a:extLst>
+                </p:cNvPr>
+                <p:cNvSpPr>
+                  <a:spLocks noRot="1" noChangeAspect="1" noMove="1" noResize="1" noEditPoints="1" noAdjustHandles="1" noChangeArrowheads="1" noChangeShapeType="1" noTextEdit="1"/>
+                </p:cNvSpPr>
+                <p:nvPr/>
+              </p:nvSpPr>
+              <p:spPr>
+                <a:xfrm>
+                  <a:off x="7393862" y="2955073"/>
+                  <a:ext cx="791736" cy="791737"/>
+                </a:xfrm>
+                <a:prstGeom prst="rect">
+                  <a:avLst/>
+                </a:prstGeom>
+                <a:blipFill>
+                  <a:blip r:embed="rId3"/>
+                  <a:stretch>
+                    <a:fillRect/>
+                  </a:stretch>
+                </a:blipFill>
+              </p:spPr>
+              <p:txBody>
+                <a:bodyPr/>
+                <a:lstStyle/>
+                <a:p>
+                  <a:r>
+                    <a:rPr lang="en-CA">
+                      <a:noFill/>
+                    </a:rPr>
+                    <a:t> </a:t>
+                  </a:r>
+                </a:p>
+              </p:txBody>
+            </p:sp>
+          </mc:Fallback>
+        </mc:AlternateContent>
+        <mc:AlternateContent xmlns:mc="http://schemas.openxmlformats.org/markup-compatibility/2006">
+          <mc:Choice xmlns:a14="http://schemas.microsoft.com/office/drawing/2010/main" Requires="a14">
+            <p:sp>
+              <p:nvSpPr>
+                <p:cNvPr id="7" name="Triangle 6">
+                  <a:extLst>
+                    <a:ext uri="{FF2B5EF4-FFF2-40B4-BE49-F238E27FC236}">
+                      <a16:creationId xmlns:a16="http://schemas.microsoft.com/office/drawing/2014/main" id="{E3BB4C08-A2FD-1260-E861-EF6276678816}"/>
+                    </a:ext>
+                  </a:extLst>
+                </p:cNvPr>
+                <p:cNvSpPr/>
+                <p:nvPr/>
+              </p:nvSpPr>
+              <p:spPr>
+                <a:xfrm>
+                  <a:off x="5391106" y="4103649"/>
+                  <a:ext cx="858643" cy="691376"/>
+                </a:xfrm>
+                <a:prstGeom prst="triangle">
+                  <a:avLst/>
+                </a:prstGeom>
+              </p:spPr>
+              <p:style>
+                <a:lnRef idx="2">
+                  <a:schemeClr val="dk1"/>
+                </a:lnRef>
+                <a:fillRef idx="1">
+                  <a:schemeClr val="lt1"/>
+                </a:fillRef>
+                <a:effectRef idx="0">
+                  <a:schemeClr val="dk1"/>
+                </a:effectRef>
+                <a:fontRef idx="minor">
+                  <a:schemeClr val="dk1"/>
+                </a:fontRef>
+              </p:style>
+              <p:txBody>
+                <a:bodyPr lIns="72000" tIns="0" rIns="0" bIns="144000" rtlCol="0" anchor="ctr"/>
+                <a:lstStyle/>
+                <a:p>
+                  <a:pPr algn="ctr"/>
+                  <a14:m>
+                    <m:oMathPara xmlns:m="http://schemas.openxmlformats.org/officeDocument/2006/math">
+                      <m:oMathParaPr>
+                        <m:jc m:val="centerGroup"/>
+                      </m:oMathParaPr>
+                      <m:oMath xmlns:m="http://schemas.openxmlformats.org/officeDocument/2006/math">
+                        <m:r>
+                          <a:rPr lang="en-CA" sz="2400" b="0" i="1" smtClean="0">
+                            <a:latin typeface="Cambria Math" panose="02040503050406030204" pitchFamily="18" charset="0"/>
+                          </a:rPr>
+                          <m:t>1</m:t>
+                        </m:r>
+                      </m:oMath>
+                    </m:oMathPara>
+                  </a14:m>
+                  <a:endParaRPr lang="en-CA" sz="2400" dirty="0"/>
+                </a:p>
+              </p:txBody>
+            </p:sp>
+          </mc:Choice>
+          <mc:Fallback>
+            <p:sp>
+              <p:nvSpPr>
+                <p:cNvPr id="7" name="Triangle 6">
+                  <a:extLst>
+                    <a:ext uri="{FF2B5EF4-FFF2-40B4-BE49-F238E27FC236}">
+                      <a16:creationId xmlns:a16="http://schemas.microsoft.com/office/drawing/2014/main" id="{E3BB4C08-A2FD-1260-E861-EF6276678816}"/>
+                    </a:ext>
+                  </a:extLst>
+                </p:cNvPr>
+                <p:cNvSpPr>
+                  <a:spLocks noRot="1" noChangeAspect="1" noMove="1" noResize="1" noEditPoints="1" noAdjustHandles="1" noChangeArrowheads="1" noChangeShapeType="1" noTextEdit="1"/>
+                </p:cNvSpPr>
+                <p:nvPr/>
+              </p:nvSpPr>
+              <p:spPr>
+                <a:xfrm>
+                  <a:off x="5391106" y="4103649"/>
+                  <a:ext cx="858643" cy="691376"/>
+                </a:xfrm>
+                <a:prstGeom prst="triangle">
+                  <a:avLst/>
+                </a:prstGeom>
+                <a:blipFill>
+                  <a:blip r:embed="rId4"/>
+                  <a:stretch>
+                    <a:fillRect/>
+                  </a:stretch>
+                </a:blipFill>
+              </p:spPr>
+              <p:txBody>
+                <a:bodyPr/>
+                <a:lstStyle/>
+                <a:p>
+                  <a:r>
+                    <a:rPr lang="en-CA">
+                      <a:noFill/>
+                    </a:rPr>
+                    <a:t> </a:t>
+                  </a:r>
+                </a:p>
+              </p:txBody>
+            </p:sp>
+          </mc:Fallback>
+        </mc:AlternateContent>
+        <p:cxnSp>
+          <p:nvCxnSpPr>
+            <p:cNvPr id="9" name="Straight Arrow Connector 8">
+              <a:extLst>
+                <a:ext uri="{FF2B5EF4-FFF2-40B4-BE49-F238E27FC236}">
+                  <a16:creationId xmlns:a16="http://schemas.microsoft.com/office/drawing/2014/main" id="{57D15909-843D-36D3-FBC6-C73E69004E5E}"/>
+                </a:ext>
+              </a:extLst>
+            </p:cNvPr>
+            <p:cNvCxnSpPr>
+              <a:cxnSpLocks/>
+              <a:stCxn id="5" idx="3"/>
+              <a:endCxn id="6" idx="1"/>
+            </p:cNvCxnSpPr>
+            <p:nvPr/>
+          </p:nvCxnSpPr>
+          <p:spPr>
+            <a:xfrm>
+              <a:off x="4407479" y="3350942"/>
+              <a:ext cx="2986383" cy="0"/>
+            </a:xfrm>
+            <a:prstGeom prst="straightConnector1">
+              <a:avLst/>
+            </a:prstGeom>
+            <a:ln w="28575">
+              <a:headEnd type="none" w="med" len="med"/>
+              <a:tailEnd type="arrow"/>
+            </a:ln>
+          </p:spPr>
+          <p:style>
+            <a:lnRef idx="1">
+              <a:schemeClr val="dk1"/>
+            </a:lnRef>
+            <a:fillRef idx="0">
+              <a:schemeClr val="dk1"/>
+            </a:fillRef>
+            <a:effectRef idx="0">
+              <a:schemeClr val="dk1"/>
+            </a:effectRef>
+            <a:fontRef idx="minor">
+              <a:schemeClr val="tx1"/>
+            </a:fontRef>
+          </p:style>
+        </p:cxnSp>
+        <p:cxnSp>
+          <p:nvCxnSpPr>
+            <p:cNvPr id="12" name="Straight Arrow Connector 11">
+              <a:extLst>
+                <a:ext uri="{FF2B5EF4-FFF2-40B4-BE49-F238E27FC236}">
+                  <a16:creationId xmlns:a16="http://schemas.microsoft.com/office/drawing/2014/main" id="{83CAF9E5-9789-4BCE-69E9-BDFB015663D6}"/>
+                </a:ext>
+              </a:extLst>
+            </p:cNvPr>
+            <p:cNvCxnSpPr>
+              <a:cxnSpLocks/>
+              <a:stCxn id="7" idx="1"/>
+              <a:endCxn id="5" idx="2"/>
+            </p:cNvCxnSpPr>
+            <p:nvPr/>
+          </p:nvCxnSpPr>
+          <p:spPr>
+            <a:xfrm flipH="1" flipV="1">
+              <a:off x="4011612" y="3746810"/>
+              <a:ext cx="1594155" cy="702527"/>
+            </a:xfrm>
+            <a:prstGeom prst="straightConnector1">
+              <a:avLst/>
+            </a:prstGeom>
+            <a:ln w="28575">
+              <a:tailEnd type="arrow"/>
+            </a:ln>
+          </p:spPr>
+          <p:style>
+            <a:lnRef idx="1">
+              <a:schemeClr val="dk1"/>
+            </a:lnRef>
+            <a:fillRef idx="0">
+              <a:schemeClr val="dk1"/>
+            </a:fillRef>
+            <a:effectRef idx="0">
+              <a:schemeClr val="dk1"/>
+            </a:effectRef>
+            <a:fontRef idx="minor">
+              <a:schemeClr val="tx1"/>
+            </a:fontRef>
+          </p:style>
+        </p:cxnSp>
+        <p:cxnSp>
+          <p:nvCxnSpPr>
+            <p:cNvPr id="15" name="Straight Arrow Connector 14">
+              <a:extLst>
+                <a:ext uri="{FF2B5EF4-FFF2-40B4-BE49-F238E27FC236}">
+                  <a16:creationId xmlns:a16="http://schemas.microsoft.com/office/drawing/2014/main" id="{0C25C692-5C90-088F-F8D5-E256B1C8AAEA}"/>
+                </a:ext>
+              </a:extLst>
+            </p:cNvPr>
+            <p:cNvCxnSpPr>
+              <a:cxnSpLocks/>
+              <a:stCxn id="7" idx="5"/>
+              <a:endCxn id="6" idx="2"/>
+            </p:cNvCxnSpPr>
+            <p:nvPr/>
+          </p:nvCxnSpPr>
+          <p:spPr>
+            <a:xfrm flipV="1">
+              <a:off x="6035088" y="3746810"/>
+              <a:ext cx="1754642" cy="702527"/>
+            </a:xfrm>
+            <a:prstGeom prst="straightConnector1">
+              <a:avLst/>
+            </a:prstGeom>
+            <a:ln w="28575">
+              <a:tailEnd type="arrow"/>
+            </a:ln>
+          </p:spPr>
+          <p:style>
+            <a:lnRef idx="1">
+              <a:schemeClr val="dk1"/>
+            </a:lnRef>
+            <a:fillRef idx="0">
+              <a:schemeClr val="dk1"/>
+            </a:fillRef>
+            <a:effectRef idx="0">
+              <a:schemeClr val="dk1"/>
+            </a:effectRef>
+            <a:fontRef idx="minor">
+              <a:schemeClr val="tx1"/>
+            </a:fontRef>
+          </p:style>
+        </p:cxnSp>
+        <mc:AlternateContent xmlns:mc="http://schemas.openxmlformats.org/markup-compatibility/2006">
+          <mc:Choice xmlns:a14="http://schemas.microsoft.com/office/drawing/2010/main" Requires="a14">
+            <p:sp>
+              <p:nvSpPr>
+                <p:cNvPr id="30" name="TextBox 29">
+                  <a:extLst>
+                    <a:ext uri="{FF2B5EF4-FFF2-40B4-BE49-F238E27FC236}">
+                      <a16:creationId xmlns:a16="http://schemas.microsoft.com/office/drawing/2014/main" id="{82BDB073-67F0-9FBA-C3D5-8F6D707A948B}"/>
+                    </a:ext>
+                  </a:extLst>
+                </p:cNvPr>
+                <p:cNvSpPr txBox="1"/>
+                <p:nvPr/>
+              </p:nvSpPr>
+              <p:spPr>
+                <a:xfrm>
+                  <a:off x="5605767" y="2824097"/>
+                  <a:ext cx="417870" cy="430887"/>
+                </a:xfrm>
+                <a:prstGeom prst="rect">
+                  <a:avLst/>
+                </a:prstGeom>
+                <a:noFill/>
+              </p:spPr>
+              <p:txBody>
+                <a:bodyPr wrap="none" lIns="0" tIns="0" rIns="0" bIns="0" rtlCol="0">
+                  <a:spAutoFit/>
+                </a:bodyPr>
+                <a:lstStyle/>
+                <a:p>
+                  <a:pPr/>
+                  <a14:m>
+                    <m:oMathPara xmlns:m="http://schemas.openxmlformats.org/officeDocument/2006/math">
+                      <m:oMathParaPr>
+                        <m:jc m:val="centerGroup"/>
+                      </m:oMathParaPr>
+                      <m:oMath xmlns:m="http://schemas.openxmlformats.org/officeDocument/2006/math">
+                        <m:sSub>
+                          <m:sSubPr>
+                            <m:ctrlPr>
+                              <a:rPr lang="en-CA" sz="2800" b="0" i="1" smtClean="0">
+                                <a:latin typeface="Cambria Math" panose="02040503050406030204" pitchFamily="18" charset="0"/>
+                              </a:rPr>
+                            </m:ctrlPr>
+                          </m:sSubPr>
+                          <m:e>
+                            <m:r>
+                              <a:rPr lang="en-CA" sz="2800" b="0" i="1" smtClean="0">
+                                <a:latin typeface="Cambria Math" panose="02040503050406030204" pitchFamily="18" charset="0"/>
+                              </a:rPr>
+                              <m:t>𝛾</m:t>
+                            </m:r>
+                          </m:e>
+                          <m:sub>
+                            <m:r>
+                              <a:rPr lang="en-CA" sz="2800" b="0" i="1" smtClean="0">
+                                <a:latin typeface="Cambria Math" panose="02040503050406030204" pitchFamily="18" charset="0"/>
+                              </a:rPr>
+                              <m:t>1</m:t>
+                            </m:r>
+                          </m:sub>
+                        </m:sSub>
+                      </m:oMath>
+                    </m:oMathPara>
+                  </a14:m>
+                  <a:endParaRPr lang="en-CA" sz="2800" b="0" dirty="0"/>
+                </a:p>
+              </p:txBody>
+            </p:sp>
+          </mc:Choice>
+          <mc:Fallback>
+            <p:sp>
+              <p:nvSpPr>
+                <p:cNvPr id="30" name="TextBox 29">
+                  <a:extLst>
+                    <a:ext uri="{FF2B5EF4-FFF2-40B4-BE49-F238E27FC236}">
+                      <a16:creationId xmlns:a16="http://schemas.microsoft.com/office/drawing/2014/main" id="{82BDB073-67F0-9FBA-C3D5-8F6D707A948B}"/>
+                    </a:ext>
+                  </a:extLst>
+                </p:cNvPr>
+                <p:cNvSpPr txBox="1">
+                  <a:spLocks noRot="1" noChangeAspect="1" noMove="1" noResize="1" noEditPoints="1" noAdjustHandles="1" noChangeArrowheads="1" noChangeShapeType="1" noTextEdit="1"/>
+                </p:cNvSpPr>
+                <p:nvPr/>
+              </p:nvSpPr>
+              <p:spPr>
+                <a:xfrm>
+                  <a:off x="5605767" y="2824097"/>
+                  <a:ext cx="417870" cy="430887"/>
+                </a:xfrm>
+                <a:prstGeom prst="rect">
+                  <a:avLst/>
+                </a:prstGeom>
+                <a:blipFill>
+                  <a:blip r:embed="rId5"/>
+                  <a:stretch>
+                    <a:fillRect l="-17647" r="-5882" b="-17143"/>
+                  </a:stretch>
+                </a:blipFill>
+              </p:spPr>
+              <p:txBody>
+                <a:bodyPr/>
+                <a:lstStyle/>
+                <a:p>
+                  <a:r>
+                    <a:rPr lang="en-CA">
+                      <a:noFill/>
+                    </a:rPr>
+                    <a:t> </a:t>
+                  </a:r>
+                </a:p>
+              </p:txBody>
+            </p:sp>
+          </mc:Fallback>
+        </mc:AlternateContent>
+        <mc:AlternateContent xmlns:mc="http://schemas.openxmlformats.org/markup-compatibility/2006">
+          <mc:Choice xmlns:a14="http://schemas.microsoft.com/office/drawing/2010/main" Requires="a14">
+            <p:sp>
+              <p:nvSpPr>
+                <p:cNvPr id="31" name="TextBox 30">
+                  <a:extLst>
+                    <a:ext uri="{FF2B5EF4-FFF2-40B4-BE49-F238E27FC236}">
+                      <a16:creationId xmlns:a16="http://schemas.microsoft.com/office/drawing/2014/main" id="{08B68DD3-88B9-868F-7DAD-3AC5ABAB017E}"/>
+                    </a:ext>
+                  </a:extLst>
+                </p:cNvPr>
+                <p:cNvSpPr txBox="1"/>
+                <p:nvPr/>
+              </p:nvSpPr>
+              <p:spPr>
+                <a:xfrm>
+                  <a:off x="4836800" y="3667186"/>
+                  <a:ext cx="456342" cy="430887"/>
+                </a:xfrm>
+                <a:prstGeom prst="rect">
+                  <a:avLst/>
+                </a:prstGeom>
+                <a:noFill/>
+              </p:spPr>
+              <p:txBody>
+                <a:bodyPr wrap="none" lIns="0" tIns="0" rIns="0" bIns="0" rtlCol="0">
+                  <a:spAutoFit/>
+                </a:bodyPr>
+                <a:lstStyle/>
+                <a:p>
+                  <a:pPr/>
+                  <a14:m>
+                    <m:oMathPara xmlns:m="http://schemas.openxmlformats.org/officeDocument/2006/math">
+                      <m:oMathParaPr>
+                        <m:jc m:val="centerGroup"/>
+                      </m:oMathParaPr>
+                      <m:oMath xmlns:m="http://schemas.openxmlformats.org/officeDocument/2006/math">
+                        <m:sSub>
+                          <m:sSubPr>
+                            <m:ctrlPr>
+                              <a:rPr lang="en-CA" sz="2800" b="0" i="1" smtClean="0">
+                                <a:latin typeface="Cambria Math" panose="02040503050406030204" pitchFamily="18" charset="0"/>
+                              </a:rPr>
+                            </m:ctrlPr>
+                          </m:sSubPr>
+                          <m:e>
+                            <m:r>
+                              <a:rPr lang="en-CA" sz="2800" b="0" i="1" smtClean="0">
+                                <a:latin typeface="Cambria Math" panose="02040503050406030204" pitchFamily="18" charset="0"/>
+                              </a:rPr>
+                              <m:t>𝜇</m:t>
+                            </m:r>
+                          </m:e>
+                          <m:sub>
+                            <m:r>
+                              <a:rPr lang="en-CA" sz="2800" b="0" i="1" smtClean="0">
+                                <a:latin typeface="Cambria Math" panose="02040503050406030204" pitchFamily="18" charset="0"/>
+                              </a:rPr>
+                              <m:t>𝑥</m:t>
+                            </m:r>
+                          </m:sub>
+                        </m:sSub>
+                      </m:oMath>
+                    </m:oMathPara>
+                  </a14:m>
+                  <a:endParaRPr lang="en-CA" sz="2800" b="0" dirty="0"/>
+                </a:p>
+              </p:txBody>
+            </p:sp>
+          </mc:Choice>
+          <mc:Fallback>
+            <p:sp>
+              <p:nvSpPr>
+                <p:cNvPr id="31" name="TextBox 30">
+                  <a:extLst>
+                    <a:ext uri="{FF2B5EF4-FFF2-40B4-BE49-F238E27FC236}">
+                      <a16:creationId xmlns:a16="http://schemas.microsoft.com/office/drawing/2014/main" id="{08B68DD3-88B9-868F-7DAD-3AC5ABAB017E}"/>
+                    </a:ext>
+                  </a:extLst>
+                </p:cNvPr>
+                <p:cNvSpPr txBox="1">
+                  <a:spLocks noRot="1" noChangeAspect="1" noMove="1" noResize="1" noEditPoints="1" noAdjustHandles="1" noChangeArrowheads="1" noChangeShapeType="1" noTextEdit="1"/>
+                </p:cNvSpPr>
+                <p:nvPr/>
+              </p:nvSpPr>
+              <p:spPr>
+                <a:xfrm>
+                  <a:off x="4836800" y="3667186"/>
+                  <a:ext cx="456342" cy="430887"/>
+                </a:xfrm>
+                <a:prstGeom prst="rect">
+                  <a:avLst/>
+                </a:prstGeom>
+                <a:blipFill>
+                  <a:blip r:embed="rId6"/>
+                  <a:stretch>
+                    <a:fillRect l="-16216" r="-2703" b="-17143"/>
+                  </a:stretch>
+                </a:blipFill>
+              </p:spPr>
+              <p:txBody>
+                <a:bodyPr/>
+                <a:lstStyle/>
+                <a:p>
+                  <a:r>
+                    <a:rPr lang="en-CA">
+                      <a:noFill/>
+                    </a:rPr>
+                    <a:t> </a:t>
+                  </a:r>
+                </a:p>
+              </p:txBody>
+            </p:sp>
+          </mc:Fallback>
+        </mc:AlternateContent>
+        <mc:AlternateContent xmlns:mc="http://schemas.openxmlformats.org/markup-compatibility/2006">
+          <mc:Choice xmlns:a14="http://schemas.microsoft.com/office/drawing/2010/main" Requires="a14">
+            <p:sp>
+              <p:nvSpPr>
+                <p:cNvPr id="32" name="TextBox 31">
+                  <a:extLst>
+                    <a:ext uri="{FF2B5EF4-FFF2-40B4-BE49-F238E27FC236}">
+                      <a16:creationId xmlns:a16="http://schemas.microsoft.com/office/drawing/2014/main" id="{9CFD25D7-C00F-E77F-CC57-AD581B4BD03A}"/>
+                    </a:ext>
+                  </a:extLst>
+                </p:cNvPr>
+                <p:cNvSpPr txBox="1"/>
+                <p:nvPr/>
+              </p:nvSpPr>
+              <p:spPr>
+                <a:xfrm>
+                  <a:off x="6651916" y="3667185"/>
+                  <a:ext cx="307455" cy="430887"/>
+                </a:xfrm>
+                <a:prstGeom prst="rect">
+                  <a:avLst/>
+                </a:prstGeom>
+                <a:noFill/>
+              </p:spPr>
+              <p:txBody>
+                <a:bodyPr wrap="square" lIns="0" tIns="0" rIns="0" bIns="0" rtlCol="0">
+                  <a:spAutoFit/>
+                </a:bodyPr>
+                <a:lstStyle/>
+                <a:p>
+                  <a:pPr/>
+                  <a14:m>
+                    <m:oMathPara xmlns:m="http://schemas.openxmlformats.org/officeDocument/2006/math">
+                      <m:oMathParaPr>
+                        <m:jc m:val="centerGroup"/>
+                      </m:oMathParaPr>
+                      <m:oMath xmlns:m="http://schemas.openxmlformats.org/officeDocument/2006/math">
+                        <m:r>
+                          <a:rPr lang="en-CA" sz="2800" b="0" i="1" smtClean="0">
+                            <a:latin typeface="Cambria Math" panose="02040503050406030204" pitchFamily="18" charset="0"/>
+                          </a:rPr>
+                          <m:t>𝛼</m:t>
+                        </m:r>
+                      </m:oMath>
+                    </m:oMathPara>
+                  </a14:m>
+                  <a:endParaRPr lang="en-CA" sz="2800" b="0" dirty="0"/>
+                </a:p>
+              </p:txBody>
+            </p:sp>
+          </mc:Choice>
+          <mc:Fallback>
+            <p:sp>
+              <p:nvSpPr>
+                <p:cNvPr id="32" name="TextBox 31">
+                  <a:extLst>
+                    <a:ext uri="{FF2B5EF4-FFF2-40B4-BE49-F238E27FC236}">
+                      <a16:creationId xmlns:a16="http://schemas.microsoft.com/office/drawing/2014/main" id="{9CFD25D7-C00F-E77F-CC57-AD581B4BD03A}"/>
+                    </a:ext>
+                  </a:extLst>
+                </p:cNvPr>
+                <p:cNvSpPr txBox="1">
+                  <a:spLocks noRot="1" noChangeAspect="1" noMove="1" noResize="1" noEditPoints="1" noAdjustHandles="1" noChangeArrowheads="1" noChangeShapeType="1" noTextEdit="1"/>
+                </p:cNvSpPr>
+                <p:nvPr/>
+              </p:nvSpPr>
+              <p:spPr>
+                <a:xfrm>
+                  <a:off x="6651916" y="3667185"/>
+                  <a:ext cx="307455" cy="430887"/>
+                </a:xfrm>
+                <a:prstGeom prst="rect">
+                  <a:avLst/>
+                </a:prstGeom>
+                <a:blipFill>
+                  <a:blip r:embed="rId7"/>
+                  <a:stretch>
+                    <a:fillRect l="-11538" r="-7692"/>
+                  </a:stretch>
+                </a:blipFill>
+              </p:spPr>
+              <p:txBody>
+                <a:bodyPr/>
+                <a:lstStyle/>
+                <a:p>
+                  <a:r>
+                    <a:rPr lang="en-CA">
+                      <a:noFill/>
+                    </a:rPr>
+                    <a:t> </a:t>
+                  </a:r>
+                </a:p>
+              </p:txBody>
+            </p:sp>
+          </mc:Fallback>
+        </mc:AlternateContent>
+        <p:sp>
+          <p:nvSpPr>
+            <p:cNvPr id="35" name="Arc 34">
+              <a:extLst>
+                <a:ext uri="{FF2B5EF4-FFF2-40B4-BE49-F238E27FC236}">
+                  <a16:creationId xmlns:a16="http://schemas.microsoft.com/office/drawing/2014/main" id="{D9AF2F47-CDF7-1ACC-0BA2-19465AD86793}"/>
+                </a:ext>
+              </a:extLst>
+            </p:cNvPr>
+            <p:cNvSpPr/>
+            <p:nvPr/>
+          </p:nvSpPr>
+          <p:spPr>
+            <a:xfrm rot="10800000">
+              <a:off x="3352464" y="3080777"/>
+              <a:ext cx="485440" cy="486000"/>
+            </a:xfrm>
+            <a:prstGeom prst="arc">
+              <a:avLst>
+                <a:gd name="adj1" fmla="val 16200000"/>
+                <a:gd name="adj2" fmla="val 5437479"/>
+              </a:avLst>
+            </a:prstGeom>
+            <a:ln w="15875">
+              <a:headEnd type="triangle" w="lg" len="med"/>
+              <a:tailEnd type="triangle" w="lg" len="med"/>
+            </a:ln>
+          </p:spPr>
+          <p:style>
+            <a:lnRef idx="1">
+              <a:schemeClr val="dk1"/>
+            </a:lnRef>
+            <a:fillRef idx="0">
+              <a:schemeClr val="dk1"/>
+            </a:fillRef>
+            <a:effectRef idx="0">
+              <a:schemeClr val="dk1"/>
+            </a:effectRef>
+            <a:fontRef idx="minor">
+              <a:schemeClr val="tx1"/>
+            </a:fontRef>
+          </p:style>
+          <p:txBody>
+            <a:bodyPr rtlCol="0" anchor="ctr"/>
+            <a:lstStyle/>
+            <a:p>
+              <a:pPr algn="ctr"/>
+              <a:endParaRPr lang="en-CA"/>
+            </a:p>
+          </p:txBody>
+        </p:sp>
+        <mc:AlternateContent xmlns:mc="http://schemas.openxmlformats.org/markup-compatibility/2006">
+          <mc:Choice xmlns:a14="http://schemas.microsoft.com/office/drawing/2010/main" Requires="a14">
+            <p:sp>
+              <p:nvSpPr>
+                <p:cNvPr id="38" name="TextBox 37">
+                  <a:extLst>
+                    <a:ext uri="{FF2B5EF4-FFF2-40B4-BE49-F238E27FC236}">
+                      <a16:creationId xmlns:a16="http://schemas.microsoft.com/office/drawing/2014/main" id="{CAE210CE-23DA-1A46-6F81-1CBE10F5749A}"/>
+                    </a:ext>
+                  </a:extLst>
+                </p:cNvPr>
+                <p:cNvSpPr txBox="1"/>
+                <p:nvPr/>
+              </p:nvSpPr>
+              <p:spPr>
+                <a:xfrm>
+                  <a:off x="2877179" y="3109261"/>
+                  <a:ext cx="479940" cy="430887"/>
+                </a:xfrm>
+                <a:prstGeom prst="rect">
+                  <a:avLst/>
+                </a:prstGeom>
+                <a:noFill/>
+              </p:spPr>
+              <p:txBody>
+                <a:bodyPr wrap="none" lIns="0" tIns="0" rIns="0" bIns="0" rtlCol="0">
+                  <a:spAutoFit/>
+                </a:bodyPr>
+                <a:lstStyle/>
+                <a:p>
+                  <a:pPr/>
+                  <a14:m>
+                    <m:oMathPara xmlns:m="http://schemas.openxmlformats.org/officeDocument/2006/math">
+                      <m:oMathParaPr>
+                        <m:jc m:val="centerGroup"/>
+                      </m:oMathParaPr>
+                      <m:oMath xmlns:m="http://schemas.openxmlformats.org/officeDocument/2006/math">
+                        <m:sSubSup>
+                          <m:sSubSupPr>
+                            <m:ctrlPr>
+                              <a:rPr lang="en-CA" sz="2800" b="0" i="1" smtClean="0">
+                                <a:latin typeface="Cambria Math" panose="02040503050406030204" pitchFamily="18" charset="0"/>
+                              </a:rPr>
+                            </m:ctrlPr>
+                          </m:sSubSupPr>
+                          <m:e>
+                            <m:r>
+                              <a:rPr lang="en-CA" sz="2800" b="0" i="1" smtClean="0">
+                                <a:latin typeface="Cambria Math" panose="02040503050406030204" pitchFamily="18" charset="0"/>
+                              </a:rPr>
+                              <m:t>𝜎</m:t>
+                            </m:r>
+                          </m:e>
+                          <m:sub>
+                            <m:r>
+                              <a:rPr lang="en-CA" sz="2800" b="0" i="1" smtClean="0">
+                                <a:latin typeface="Cambria Math" panose="02040503050406030204" pitchFamily="18" charset="0"/>
+                              </a:rPr>
+                              <m:t>𝑥</m:t>
+                            </m:r>
+                          </m:sub>
+                          <m:sup>
+                            <m:r>
+                              <a:rPr lang="en-CA" sz="2800" b="0" i="1" smtClean="0">
+                                <a:latin typeface="Cambria Math" panose="02040503050406030204" pitchFamily="18" charset="0"/>
+                              </a:rPr>
+                              <m:t>2</m:t>
+                            </m:r>
+                          </m:sup>
+                        </m:sSubSup>
+                      </m:oMath>
+                    </m:oMathPara>
+                  </a14:m>
+                  <a:endParaRPr lang="en-CA" sz="2800" b="0" dirty="0"/>
+                </a:p>
+              </p:txBody>
+            </p:sp>
+          </mc:Choice>
+          <mc:Fallback>
+            <p:sp>
+              <p:nvSpPr>
+                <p:cNvPr id="38" name="TextBox 37">
+                  <a:extLst>
+                    <a:ext uri="{FF2B5EF4-FFF2-40B4-BE49-F238E27FC236}">
+                      <a16:creationId xmlns:a16="http://schemas.microsoft.com/office/drawing/2014/main" id="{CAE210CE-23DA-1A46-6F81-1CBE10F5749A}"/>
+                    </a:ext>
+                  </a:extLst>
+                </p:cNvPr>
+                <p:cNvSpPr txBox="1">
+                  <a:spLocks noRot="1" noChangeAspect="1" noMove="1" noResize="1" noEditPoints="1" noAdjustHandles="1" noChangeArrowheads="1" noChangeShapeType="1" noTextEdit="1"/>
+                </p:cNvSpPr>
+                <p:nvPr/>
+              </p:nvSpPr>
+              <p:spPr>
+                <a:xfrm>
+                  <a:off x="2877179" y="3109261"/>
+                  <a:ext cx="479940" cy="430887"/>
+                </a:xfrm>
+                <a:prstGeom prst="rect">
+                  <a:avLst/>
+                </a:prstGeom>
+                <a:blipFill>
+                  <a:blip r:embed="rId8"/>
+                  <a:stretch>
+                    <a:fillRect l="-7692" t="-2857" r="-5128" b="-8571"/>
+                  </a:stretch>
+                </a:blipFill>
+              </p:spPr>
+              <p:txBody>
+                <a:bodyPr/>
+                <a:lstStyle/>
+                <a:p>
+                  <a:r>
+                    <a:rPr lang="en-CA">
+                      <a:noFill/>
+                    </a:rPr>
+                    <a:t> </a:t>
+                  </a:r>
+                </a:p>
+              </p:txBody>
+            </p:sp>
+          </mc:Fallback>
+        </mc:AlternateContent>
+        <p:cxnSp>
+          <p:nvCxnSpPr>
+            <p:cNvPr id="39" name="Straight Arrow Connector 38">
+              <a:extLst>
+                <a:ext uri="{FF2B5EF4-FFF2-40B4-BE49-F238E27FC236}">
+                  <a16:creationId xmlns:a16="http://schemas.microsoft.com/office/drawing/2014/main" id="{94280F7F-EE73-91A8-17B1-88F3C03B7A09}"/>
+                </a:ext>
+              </a:extLst>
+            </p:cNvPr>
+            <p:cNvCxnSpPr>
+              <a:cxnSpLocks/>
+              <a:stCxn id="44" idx="2"/>
+              <a:endCxn id="6" idx="3"/>
+            </p:cNvCxnSpPr>
+            <p:nvPr/>
+          </p:nvCxnSpPr>
+          <p:spPr>
+            <a:xfrm flipH="1">
+              <a:off x="8185598" y="3349780"/>
+              <a:ext cx="473128" cy="1162"/>
+            </a:xfrm>
+            <a:prstGeom prst="straightConnector1">
+              <a:avLst/>
+            </a:prstGeom>
+            <a:ln w="28575">
+              <a:headEnd type="none" w="med" len="med"/>
+              <a:tailEnd type="arrow"/>
+            </a:ln>
+          </p:spPr>
+          <p:style>
+            <a:lnRef idx="1">
+              <a:schemeClr val="dk1"/>
+            </a:lnRef>
+            <a:fillRef idx="0">
+              <a:schemeClr val="dk1"/>
+            </a:fillRef>
+            <a:effectRef idx="0">
+              <a:schemeClr val="dk1"/>
+            </a:effectRef>
+            <a:fontRef idx="minor">
+              <a:schemeClr val="tx1"/>
+            </a:fontRef>
+          </p:style>
+        </p:cxnSp>
+        <mc:AlternateContent xmlns:mc="http://schemas.openxmlformats.org/markup-compatibility/2006">
+          <mc:Choice xmlns:a14="http://schemas.microsoft.com/office/drawing/2010/main" Requires="a14">
+            <p:sp>
+              <p:nvSpPr>
+                <p:cNvPr id="44" name="Oval 43">
+                  <a:extLst>
+                    <a:ext uri="{FF2B5EF4-FFF2-40B4-BE49-F238E27FC236}">
+                      <a16:creationId xmlns:a16="http://schemas.microsoft.com/office/drawing/2014/main" id="{771775AE-362F-8A36-C893-411FE23CEFC5}"/>
+                    </a:ext>
+                  </a:extLst>
+                </p:cNvPr>
+                <p:cNvSpPr/>
+                <p:nvPr/>
+              </p:nvSpPr>
+              <p:spPr>
+                <a:xfrm>
+                  <a:off x="8658726" y="3086723"/>
+                  <a:ext cx="515155" cy="526113"/>
+                </a:xfrm>
+                <a:prstGeom prst="ellipse">
+                  <a:avLst/>
+                </a:prstGeom>
+              </p:spPr>
+              <p:style>
+                <a:lnRef idx="2">
+                  <a:schemeClr val="dk1"/>
+                </a:lnRef>
+                <a:fillRef idx="1">
+                  <a:schemeClr val="lt1"/>
+                </a:fillRef>
+                <a:effectRef idx="0">
+                  <a:schemeClr val="dk1"/>
+                </a:effectRef>
+                <a:fontRef idx="minor">
+                  <a:schemeClr val="dk1"/>
+                </a:fontRef>
+              </p:style>
+              <p:txBody>
+                <a:bodyPr lIns="72000" tIns="0" rIns="0" bIns="36000" rtlCol="0" anchor="ctr"/>
+                <a:lstStyle/>
+                <a:p>
+                  <a:pPr algn="ctr"/>
+                  <a14:m>
+                    <m:oMathPara xmlns:m="http://schemas.openxmlformats.org/officeDocument/2006/math">
+                      <m:oMathParaPr>
+                        <m:jc m:val="centerGroup"/>
+                      </m:oMathParaPr>
+                      <m:oMath xmlns:m="http://schemas.openxmlformats.org/officeDocument/2006/math">
+                        <m:sSub>
+                          <m:sSubPr>
+                            <m:ctrlPr>
+                              <a:rPr lang="en-CA" sz="2400" b="0" i="1" smtClean="0">
+                                <a:latin typeface="Cambria Math" panose="02040503050406030204" pitchFamily="18" charset="0"/>
+                              </a:rPr>
+                            </m:ctrlPr>
+                          </m:sSubPr>
+                          <m:e>
+                            <m:r>
+                              <a:rPr lang="en-CA" sz="2400" b="0" i="1" smtClean="0">
+                                <a:latin typeface="Cambria Math" panose="02040503050406030204" pitchFamily="18" charset="0"/>
+                              </a:rPr>
+                              <m:t>𝜁</m:t>
+                            </m:r>
+                          </m:e>
+                          <m:sub>
+                            <m:r>
+                              <a:rPr lang="en-CA" sz="2400" b="0" i="1" smtClean="0">
+                                <a:latin typeface="Cambria Math" panose="02040503050406030204" pitchFamily="18" charset="0"/>
+                              </a:rPr>
+                              <m:t>𝑖</m:t>
+                            </m:r>
+                          </m:sub>
+                        </m:sSub>
+                      </m:oMath>
+                    </m:oMathPara>
+                  </a14:m>
+                  <a:endParaRPr lang="en-CA" sz="2400" dirty="0"/>
+                </a:p>
+              </p:txBody>
+            </p:sp>
+          </mc:Choice>
+          <mc:Fallback>
+            <p:sp>
+              <p:nvSpPr>
+                <p:cNvPr id="44" name="Oval 43">
+                  <a:extLst>
+                    <a:ext uri="{FF2B5EF4-FFF2-40B4-BE49-F238E27FC236}">
+                      <a16:creationId xmlns:a16="http://schemas.microsoft.com/office/drawing/2014/main" id="{771775AE-362F-8A36-C893-411FE23CEFC5}"/>
+                    </a:ext>
+                  </a:extLst>
+                </p:cNvPr>
+                <p:cNvSpPr>
+                  <a:spLocks noRot="1" noChangeAspect="1" noMove="1" noResize="1" noEditPoints="1" noAdjustHandles="1" noChangeArrowheads="1" noChangeShapeType="1" noTextEdit="1"/>
+                </p:cNvSpPr>
+                <p:nvPr/>
+              </p:nvSpPr>
+              <p:spPr>
+                <a:xfrm>
+                  <a:off x="8658726" y="3086723"/>
+                  <a:ext cx="515155" cy="526113"/>
+                </a:xfrm>
+                <a:prstGeom prst="ellipse">
+                  <a:avLst/>
+                </a:prstGeom>
+                <a:blipFill>
+                  <a:blip r:embed="rId9"/>
+                  <a:stretch>
+                    <a:fillRect b="-2273"/>
+                  </a:stretch>
+                </a:blipFill>
+              </p:spPr>
+              <p:txBody>
+                <a:bodyPr/>
+                <a:lstStyle/>
+                <a:p>
+                  <a:r>
+                    <a:rPr lang="en-CA">
+                      <a:noFill/>
+                    </a:rPr>
+                    <a:t> </a:t>
+                  </a:r>
+                </a:p>
+              </p:txBody>
+            </p:sp>
+          </mc:Fallback>
+        </mc:AlternateContent>
+        <p:sp>
+          <p:nvSpPr>
+            <p:cNvPr id="49" name="Arc 48">
+              <a:extLst>
+                <a:ext uri="{FF2B5EF4-FFF2-40B4-BE49-F238E27FC236}">
+                  <a16:creationId xmlns:a16="http://schemas.microsoft.com/office/drawing/2014/main" id="{472A524A-608E-FA04-9845-7CFE909D313B}"/>
+                </a:ext>
+              </a:extLst>
+            </p:cNvPr>
+            <p:cNvSpPr/>
+            <p:nvPr/>
+          </p:nvSpPr>
+          <p:spPr>
+            <a:xfrm>
+              <a:off x="8958499" y="3195892"/>
+              <a:ext cx="430763" cy="307776"/>
+            </a:xfrm>
+            <a:prstGeom prst="arc">
+              <a:avLst>
+                <a:gd name="adj1" fmla="val 16200000"/>
+                <a:gd name="adj2" fmla="val 5437479"/>
+              </a:avLst>
+            </a:prstGeom>
+            <a:ln w="15875">
+              <a:headEnd type="triangle" w="lg" len="med"/>
+              <a:tailEnd type="triangle" w="lg" len="med"/>
+            </a:ln>
+          </p:spPr>
+          <p:style>
+            <a:lnRef idx="1">
+              <a:schemeClr val="dk1"/>
+            </a:lnRef>
+            <a:fillRef idx="0">
+              <a:schemeClr val="dk1"/>
+            </a:fillRef>
+            <a:effectRef idx="0">
+              <a:schemeClr val="dk1"/>
+            </a:effectRef>
+            <a:fontRef idx="minor">
+              <a:schemeClr val="tx1"/>
+            </a:fontRef>
+          </p:style>
+          <p:txBody>
+            <a:bodyPr rtlCol="0" anchor="ctr"/>
+            <a:lstStyle/>
+            <a:p>
+              <a:pPr algn="ctr"/>
+              <a:endParaRPr lang="en-CA"/>
+            </a:p>
+          </p:txBody>
+        </p:sp>
+        <mc:AlternateContent xmlns:mc="http://schemas.openxmlformats.org/markup-compatibility/2006">
+          <mc:Choice xmlns:a14="http://schemas.microsoft.com/office/drawing/2010/main" Requires="a14">
+            <p:sp>
+              <p:nvSpPr>
+                <p:cNvPr id="50" name="TextBox 49">
+                  <a:extLst>
+                    <a:ext uri="{FF2B5EF4-FFF2-40B4-BE49-F238E27FC236}">
+                      <a16:creationId xmlns:a16="http://schemas.microsoft.com/office/drawing/2014/main" id="{CF505B98-6339-F21C-C8C4-A5CE4B7ABA33}"/>
+                    </a:ext>
+                  </a:extLst>
+                </p:cNvPr>
+                <p:cNvSpPr txBox="1"/>
+                <p:nvPr/>
+              </p:nvSpPr>
+              <p:spPr>
+                <a:xfrm>
+                  <a:off x="9428782" y="3169888"/>
+                  <a:ext cx="242631" cy="307777"/>
+                </a:xfrm>
+                <a:prstGeom prst="rect">
+                  <a:avLst/>
+                </a:prstGeom>
+                <a:noFill/>
+              </p:spPr>
+              <p:txBody>
+                <a:bodyPr wrap="none" lIns="0" tIns="0" rIns="0" bIns="0" rtlCol="0">
+                  <a:spAutoFit/>
+                </a:bodyPr>
+                <a:lstStyle/>
+                <a:p>
+                  <a:pPr/>
+                  <a14:m>
+                    <m:oMathPara xmlns:m="http://schemas.openxmlformats.org/officeDocument/2006/math">
+                      <m:oMathParaPr>
+                        <m:jc m:val="centerGroup"/>
+                      </m:oMathParaPr>
+                      <m:oMath xmlns:m="http://schemas.openxmlformats.org/officeDocument/2006/math">
+                        <m:r>
+                          <a:rPr lang="en-CA" sz="2000" b="0" i="1" smtClean="0">
+                            <a:latin typeface="Cambria Math" panose="02040503050406030204" pitchFamily="18" charset="0"/>
+                          </a:rPr>
+                          <m:t>𝜓</m:t>
+                        </m:r>
+                      </m:oMath>
+                    </m:oMathPara>
+                  </a14:m>
+                  <a:endParaRPr lang="en-CA" sz="2000" b="0" dirty="0"/>
+                </a:p>
+              </p:txBody>
+            </p:sp>
+          </mc:Choice>
+          <mc:Fallback>
+            <p:sp>
+              <p:nvSpPr>
+                <p:cNvPr id="50" name="TextBox 49">
+                  <a:extLst>
+                    <a:ext uri="{FF2B5EF4-FFF2-40B4-BE49-F238E27FC236}">
+                      <a16:creationId xmlns:a16="http://schemas.microsoft.com/office/drawing/2014/main" id="{CF505B98-6339-F21C-C8C4-A5CE4B7ABA33}"/>
+                    </a:ext>
+                  </a:extLst>
+                </p:cNvPr>
+                <p:cNvSpPr txBox="1">
+                  <a:spLocks noRot="1" noChangeAspect="1" noMove="1" noResize="1" noEditPoints="1" noAdjustHandles="1" noChangeArrowheads="1" noChangeShapeType="1" noTextEdit="1"/>
+                </p:cNvSpPr>
+                <p:nvPr/>
+              </p:nvSpPr>
+              <p:spPr>
+                <a:xfrm>
+                  <a:off x="9428782" y="3169888"/>
+                  <a:ext cx="242631" cy="307777"/>
+                </a:xfrm>
+                <a:prstGeom prst="rect">
+                  <a:avLst/>
+                </a:prstGeom>
+                <a:blipFill>
+                  <a:blip r:embed="rId10"/>
+                  <a:stretch>
+                    <a:fillRect l="-35000" r="-30000" b="-32000"/>
+                  </a:stretch>
+                </a:blipFill>
+              </p:spPr>
+              <p:txBody>
+                <a:bodyPr/>
+                <a:lstStyle/>
+                <a:p>
+                  <a:r>
+                    <a:rPr lang="en-CA">
+                      <a:noFill/>
+                    </a:rPr>
+                    <a:t> </a:t>
+                  </a:r>
+                </a:p>
+              </p:txBody>
+            </p:sp>
+          </mc:Fallback>
+        </mc:AlternateContent>
+        <mc:AlternateContent xmlns:mc="http://schemas.openxmlformats.org/markup-compatibility/2006">
+          <mc:Choice xmlns:a14="http://schemas.microsoft.com/office/drawing/2010/main" Requires="a14">
+            <p:sp>
+              <p:nvSpPr>
+                <p:cNvPr id="51" name="TextBox 50">
+                  <a:extLst>
+                    <a:ext uri="{FF2B5EF4-FFF2-40B4-BE49-F238E27FC236}">
+                      <a16:creationId xmlns:a16="http://schemas.microsoft.com/office/drawing/2014/main" id="{75044263-6782-7AF0-9C5A-3A3F1593CF9E}"/>
+                    </a:ext>
+                  </a:extLst>
+                </p:cNvPr>
+                <p:cNvSpPr txBox="1"/>
+                <p:nvPr/>
+              </p:nvSpPr>
+              <p:spPr>
+                <a:xfrm>
+                  <a:off x="8349831" y="3005327"/>
+                  <a:ext cx="280526" cy="307777"/>
+                </a:xfrm>
+                <a:prstGeom prst="rect">
+                  <a:avLst/>
+                </a:prstGeom>
+                <a:noFill/>
+              </p:spPr>
+              <p:txBody>
+                <a:bodyPr wrap="square" lIns="0" tIns="0" rIns="0" bIns="0" rtlCol="0">
+                  <a:spAutoFit/>
+                </a:bodyPr>
+                <a:lstStyle/>
+                <a:p>
+                  <a:pPr/>
+                  <a14:m>
+                    <m:oMathPara xmlns:m="http://schemas.openxmlformats.org/officeDocument/2006/math">
+                      <m:oMathParaPr>
+                        <m:jc m:val="centerGroup"/>
+                      </m:oMathParaPr>
+                      <m:oMath xmlns:m="http://schemas.openxmlformats.org/officeDocument/2006/math">
+                        <m:r>
+                          <a:rPr lang="en-CA" sz="2000" b="0" i="1" smtClean="0">
+                            <a:latin typeface="Cambria Math" panose="02040503050406030204" pitchFamily="18" charset="0"/>
+                          </a:rPr>
+                          <m:t>1</m:t>
+                        </m:r>
+                      </m:oMath>
+                    </m:oMathPara>
+                  </a14:m>
+                  <a:endParaRPr lang="en-CA" sz="2000" b="0" dirty="0"/>
+                </a:p>
+              </p:txBody>
+            </p:sp>
+          </mc:Choice>
+          <mc:Fallback>
+            <p:sp>
+              <p:nvSpPr>
+                <p:cNvPr id="51" name="TextBox 50">
+                  <a:extLst>
+                    <a:ext uri="{FF2B5EF4-FFF2-40B4-BE49-F238E27FC236}">
+                      <a16:creationId xmlns:a16="http://schemas.microsoft.com/office/drawing/2014/main" id="{75044263-6782-7AF0-9C5A-3A3F1593CF9E}"/>
+                    </a:ext>
+                  </a:extLst>
+                </p:cNvPr>
+                <p:cNvSpPr txBox="1">
+                  <a:spLocks noRot="1" noChangeAspect="1" noMove="1" noResize="1" noEditPoints="1" noAdjustHandles="1" noChangeArrowheads="1" noChangeShapeType="1" noTextEdit="1"/>
+                </p:cNvSpPr>
+                <p:nvPr/>
+              </p:nvSpPr>
+              <p:spPr>
+                <a:xfrm>
+                  <a:off x="8349831" y="3005327"/>
+                  <a:ext cx="280526" cy="307777"/>
+                </a:xfrm>
+                <a:prstGeom prst="rect">
+                  <a:avLst/>
+                </a:prstGeom>
+                <a:blipFill>
+                  <a:blip r:embed="rId11"/>
+                  <a:stretch>
+                    <a:fillRect l="-4348" r="-4348" b="-8000"/>
+                  </a:stretch>
+                </a:blipFill>
+              </p:spPr>
+              <p:txBody>
+                <a:bodyPr/>
+                <a:lstStyle/>
+                <a:p>
+                  <a:r>
+                    <a:rPr lang="en-CA">
+                      <a:noFill/>
+                    </a:rPr>
+                    <a:t> </a:t>
+                  </a:r>
+                </a:p>
+              </p:txBody>
+            </p:sp>
+          </mc:Fallback>
+        </mc:AlternateContent>
+      </p:grpSp>
     </p:spTree>
     <p:extLst>
       <p:ext uri="{BB962C8B-B14F-4D97-AF65-F5344CB8AC3E}">
@@ -19132,6 +19161,521 @@
 </file>
 
 <file path=ppt/slides/slide22.xml><?xml version="1.0" encoding="utf-8"?>
+<p:sld xmlns:a="http://schemas.openxmlformats.org/drawingml/2006/main" xmlns:r="http://schemas.openxmlformats.org/officeDocument/2006/relationships" xmlns:p="http://schemas.openxmlformats.org/presentationml/2006/main">
+  <p:cSld>
+    <p:spTree>
+      <p:nvGrpSpPr>
+        <p:cNvPr id="1" name="">
+          <a:extLst>
+            <a:ext uri="{FF2B5EF4-FFF2-40B4-BE49-F238E27FC236}">
+              <a16:creationId xmlns:a16="http://schemas.microsoft.com/office/drawing/2014/main" id="{89C272C2-FFA6-2832-22FE-BFB570466A83}"/>
+            </a:ext>
+          </a:extLst>
+        </p:cNvPr>
+        <p:cNvGrpSpPr/>
+        <p:nvPr/>
+      </p:nvGrpSpPr>
+      <p:grpSpPr>
+        <a:xfrm>
+          <a:off x="0" y="0"/>
+          <a:ext cx="0" cy="0"/>
+          <a:chOff x="0" y="0"/>
+          <a:chExt cx="0" cy="0"/>
+        </a:xfrm>
+      </p:grpSpPr>
+      <p:sp>
+        <p:nvSpPr>
+          <p:cNvPr id="2" name="Title 1">
+            <a:extLst>
+              <a:ext uri="{FF2B5EF4-FFF2-40B4-BE49-F238E27FC236}">
+                <a16:creationId xmlns:a16="http://schemas.microsoft.com/office/drawing/2014/main" id="{32EA0DFC-9FEC-C58C-7240-2BE81BC2B2D4}"/>
+              </a:ext>
+            </a:extLst>
+          </p:cNvPr>
+          <p:cNvSpPr>
+            <a:spLocks noGrp="1"/>
+          </p:cNvSpPr>
+          <p:nvPr>
+            <p:ph type="title"/>
+          </p:nvPr>
+        </p:nvSpPr>
+        <p:spPr/>
+        <p:txBody>
+          <a:bodyPr/>
+          <a:lstStyle/>
+          <a:p>
+            <a:r>
+              <a:rPr lang="en-CA" dirty="0"/>
+              <a:t>Path Diagram Legend</a:t>
+            </a:r>
+          </a:p>
+        </p:txBody>
+      </p:sp>
+      <p:sp>
+        <p:nvSpPr>
+          <p:cNvPr id="4" name="Slide Number Placeholder 3">
+            <a:extLst>
+              <a:ext uri="{FF2B5EF4-FFF2-40B4-BE49-F238E27FC236}">
+                <a16:creationId xmlns:a16="http://schemas.microsoft.com/office/drawing/2014/main" id="{382EE816-CA94-AABF-733C-29BB1C72F0F9}"/>
+              </a:ext>
+            </a:extLst>
+          </p:cNvPr>
+          <p:cNvSpPr>
+            <a:spLocks noGrp="1"/>
+          </p:cNvSpPr>
+          <p:nvPr>
+            <p:ph type="sldNum" sz="quarter" idx="12"/>
+          </p:nvPr>
+        </p:nvSpPr>
+        <p:spPr/>
+        <p:txBody>
+          <a:bodyPr/>
+          <a:lstStyle/>
+          <a:p>
+            <a:fld id="{5C35FCF4-C3EF-BD43-82E0-05BC237DAD2A}" type="slidenum">
+              <a:rPr lang="en-US" smtClean="0"/>
+              <a:pPr/>
+              <a:t>22</a:t>
+            </a:fld>
+            <a:endParaRPr lang="en-US" dirty="0"/>
+          </a:p>
+        </p:txBody>
+      </p:sp>
+      <p:grpSp>
+        <p:nvGrpSpPr>
+          <p:cNvPr id="22" name="Group 21">
+            <a:extLst>
+              <a:ext uri="{FF2B5EF4-FFF2-40B4-BE49-F238E27FC236}">
+                <a16:creationId xmlns:a16="http://schemas.microsoft.com/office/drawing/2014/main" id="{9E809F2D-9DA1-1E2D-3A87-F78E30B47773}"/>
+              </a:ext>
+            </a:extLst>
+          </p:cNvPr>
+          <p:cNvGrpSpPr/>
+          <p:nvPr/>
+        </p:nvGrpSpPr>
+        <p:grpSpPr>
+          <a:xfrm>
+            <a:off x="1021164" y="1459926"/>
+            <a:ext cx="3338732" cy="4902078"/>
+            <a:chOff x="1021164" y="1459926"/>
+            <a:chExt cx="3338732" cy="4902078"/>
+          </a:xfrm>
+        </p:grpSpPr>
+        <p:sp>
+          <p:nvSpPr>
+            <p:cNvPr id="7" name="Triangle 6">
+              <a:extLst>
+                <a:ext uri="{FF2B5EF4-FFF2-40B4-BE49-F238E27FC236}">
+                  <a16:creationId xmlns:a16="http://schemas.microsoft.com/office/drawing/2014/main" id="{0D21D9F3-DAD6-A697-58BE-9B8D2D8D3707}"/>
+                </a:ext>
+              </a:extLst>
+            </p:cNvPr>
+            <p:cNvSpPr/>
+            <p:nvPr/>
+          </p:nvSpPr>
+          <p:spPr>
+            <a:xfrm>
+              <a:off x="1021164" y="3704467"/>
+              <a:ext cx="858643" cy="691376"/>
+            </a:xfrm>
+            <a:prstGeom prst="triangle">
+              <a:avLst/>
+            </a:prstGeom>
+          </p:spPr>
+          <p:style>
+            <a:lnRef idx="2">
+              <a:schemeClr val="dk1"/>
+            </a:lnRef>
+            <a:fillRef idx="1">
+              <a:schemeClr val="lt1"/>
+            </a:fillRef>
+            <a:effectRef idx="0">
+              <a:schemeClr val="dk1"/>
+            </a:effectRef>
+            <a:fontRef idx="minor">
+              <a:schemeClr val="dk1"/>
+            </a:fontRef>
+          </p:style>
+          <p:txBody>
+            <a:bodyPr lIns="72000" tIns="0" rIns="0" bIns="144000" rtlCol="0" anchor="ctr"/>
+            <a:lstStyle/>
+            <a:p>
+              <a:pPr algn="ctr"/>
+              <a:endParaRPr lang="en-CA" sz="2400" dirty="0"/>
+            </a:p>
+          </p:txBody>
+        </p:sp>
+        <p:sp>
+          <p:nvSpPr>
+            <p:cNvPr id="35" name="Arc 34">
+              <a:extLst>
+                <a:ext uri="{FF2B5EF4-FFF2-40B4-BE49-F238E27FC236}">
+                  <a16:creationId xmlns:a16="http://schemas.microsoft.com/office/drawing/2014/main" id="{BAAB3ECB-8C59-C01B-25A0-ECC17BD974A7}"/>
+                </a:ext>
+              </a:extLst>
+            </p:cNvPr>
+            <p:cNvSpPr/>
+            <p:nvPr/>
+          </p:nvSpPr>
+          <p:spPr>
+            <a:xfrm>
+              <a:off x="1072812" y="5566404"/>
+              <a:ext cx="795600" cy="795600"/>
+            </a:xfrm>
+            <a:prstGeom prst="arc">
+              <a:avLst>
+                <a:gd name="adj1" fmla="val 16200000"/>
+                <a:gd name="adj2" fmla="val 5437479"/>
+              </a:avLst>
+            </a:prstGeom>
+            <a:ln w="15875">
+              <a:headEnd type="triangle" w="lg" len="med"/>
+              <a:tailEnd type="triangle" w="lg" len="med"/>
+            </a:ln>
+          </p:spPr>
+          <p:style>
+            <a:lnRef idx="1">
+              <a:schemeClr val="dk1"/>
+            </a:lnRef>
+            <a:fillRef idx="0">
+              <a:schemeClr val="dk1"/>
+            </a:fillRef>
+            <a:effectRef idx="0">
+              <a:schemeClr val="dk1"/>
+            </a:effectRef>
+            <a:fontRef idx="minor">
+              <a:schemeClr val="tx1"/>
+            </a:fontRef>
+          </p:style>
+          <p:txBody>
+            <a:bodyPr rtlCol="0" anchor="ctr"/>
+            <a:lstStyle/>
+            <a:p>
+              <a:pPr algn="ctr"/>
+              <a:endParaRPr lang="en-CA"/>
+            </a:p>
+          </p:txBody>
+        </p:sp>
+        <p:sp>
+          <p:nvSpPr>
+            <p:cNvPr id="44" name="Oval 43">
+              <a:extLst>
+                <a:ext uri="{FF2B5EF4-FFF2-40B4-BE49-F238E27FC236}">
+                  <a16:creationId xmlns:a16="http://schemas.microsoft.com/office/drawing/2014/main" id="{53B5BA67-E870-0088-8366-83C4E836E24C}"/>
+                </a:ext>
+              </a:extLst>
+            </p:cNvPr>
+            <p:cNvSpPr/>
+            <p:nvPr/>
+          </p:nvSpPr>
+          <p:spPr>
+            <a:xfrm>
+              <a:off x="1054619" y="2580265"/>
+              <a:ext cx="795600" cy="795600"/>
+            </a:xfrm>
+            <a:prstGeom prst="ellipse">
+              <a:avLst/>
+            </a:prstGeom>
+          </p:spPr>
+          <p:style>
+            <a:lnRef idx="2">
+              <a:schemeClr val="dk1"/>
+            </a:lnRef>
+            <a:fillRef idx="1">
+              <a:schemeClr val="lt1"/>
+            </a:fillRef>
+            <a:effectRef idx="0">
+              <a:schemeClr val="dk1"/>
+            </a:effectRef>
+            <a:fontRef idx="minor">
+              <a:schemeClr val="dk1"/>
+            </a:fontRef>
+          </p:style>
+          <p:txBody>
+            <a:bodyPr lIns="72000" tIns="0" rIns="0" bIns="36000" rtlCol="0" anchor="ctr"/>
+            <a:lstStyle/>
+            <a:p>
+              <a:pPr algn="ctr"/>
+              <a:endParaRPr lang="en-CA" sz="2400" dirty="0"/>
+            </a:p>
+          </p:txBody>
+        </p:sp>
+        <p:cxnSp>
+          <p:nvCxnSpPr>
+            <p:cNvPr id="10" name="Straight Arrow Connector 9">
+              <a:extLst>
+                <a:ext uri="{FF2B5EF4-FFF2-40B4-BE49-F238E27FC236}">
+                  <a16:creationId xmlns:a16="http://schemas.microsoft.com/office/drawing/2014/main" id="{CB6879F2-99D4-8147-6BAC-6B56E8654D59}"/>
+                </a:ext>
+              </a:extLst>
+            </p:cNvPr>
+            <p:cNvCxnSpPr>
+              <a:cxnSpLocks/>
+            </p:cNvCxnSpPr>
+            <p:nvPr/>
+          </p:nvCxnSpPr>
+          <p:spPr>
+            <a:xfrm>
+              <a:off x="1061418" y="4953404"/>
+              <a:ext cx="818389" cy="0"/>
+            </a:xfrm>
+            <a:prstGeom prst="straightConnector1">
+              <a:avLst/>
+            </a:prstGeom>
+            <a:ln w="28575">
+              <a:headEnd type="none" w="med" len="med"/>
+              <a:tailEnd type="arrow"/>
+            </a:ln>
+          </p:spPr>
+          <p:style>
+            <a:lnRef idx="1">
+              <a:schemeClr val="dk1"/>
+            </a:lnRef>
+            <a:fillRef idx="0">
+              <a:schemeClr val="dk1"/>
+            </a:fillRef>
+            <a:effectRef idx="0">
+              <a:schemeClr val="dk1"/>
+            </a:effectRef>
+            <a:fontRef idx="minor">
+              <a:schemeClr val="tx1"/>
+            </a:fontRef>
+          </p:style>
+        </p:cxnSp>
+        <p:sp>
+          <p:nvSpPr>
+            <p:cNvPr id="16" name="Rectangle 15">
+              <a:extLst>
+                <a:ext uri="{FF2B5EF4-FFF2-40B4-BE49-F238E27FC236}">
+                  <a16:creationId xmlns:a16="http://schemas.microsoft.com/office/drawing/2014/main" id="{E636C055-1EBA-7956-899C-D4D7C3BE48B1}"/>
+                </a:ext>
+              </a:extLst>
+            </p:cNvPr>
+            <p:cNvSpPr/>
+            <p:nvPr/>
+          </p:nvSpPr>
+          <p:spPr>
+            <a:xfrm>
+              <a:off x="1054619" y="1459926"/>
+              <a:ext cx="791735" cy="791737"/>
+            </a:xfrm>
+            <a:prstGeom prst="rect">
+              <a:avLst/>
+            </a:prstGeom>
+          </p:spPr>
+          <p:style>
+            <a:lnRef idx="2">
+              <a:schemeClr val="dk1"/>
+            </a:lnRef>
+            <a:fillRef idx="1">
+              <a:schemeClr val="lt1"/>
+            </a:fillRef>
+            <a:effectRef idx="0">
+              <a:schemeClr val="dk1"/>
+            </a:effectRef>
+            <a:fontRef idx="minor">
+              <a:schemeClr val="dk1"/>
+            </a:fontRef>
+          </p:style>
+          <p:txBody>
+            <a:bodyPr wrap="none" lIns="108000" tIns="0" rIns="0" bIns="108000" rtlCol="0" anchor="ctr" anchorCtr="1"/>
+            <a:lstStyle/>
+            <a:p>
+              <a:pPr algn="just"/>
+              <a:endParaRPr lang="en-CA" sz="2800" dirty="0"/>
+            </a:p>
+          </p:txBody>
+        </p:sp>
+        <p:sp>
+          <p:nvSpPr>
+            <p:cNvPr id="17" name="TextBox 16">
+              <a:extLst>
+                <a:ext uri="{FF2B5EF4-FFF2-40B4-BE49-F238E27FC236}">
+                  <a16:creationId xmlns:a16="http://schemas.microsoft.com/office/drawing/2014/main" id="{194329DA-95EB-3C3B-2A53-03F0A43EB397}"/>
+                </a:ext>
+              </a:extLst>
+            </p:cNvPr>
+            <p:cNvSpPr txBox="1"/>
+            <p:nvPr/>
+          </p:nvSpPr>
+          <p:spPr>
+            <a:xfrm>
+              <a:off x="2056662" y="1671128"/>
+              <a:ext cx="1884556" cy="369332"/>
+            </a:xfrm>
+            <a:prstGeom prst="rect">
+              <a:avLst/>
+            </a:prstGeom>
+            <a:noFill/>
+          </p:spPr>
+          <p:txBody>
+            <a:bodyPr wrap="square" rtlCol="0">
+              <a:spAutoFit/>
+            </a:bodyPr>
+            <a:lstStyle/>
+            <a:p>
+              <a:r>
+                <a:rPr lang="en-CA" dirty="0"/>
+                <a:t>Observed variable</a:t>
+              </a:r>
+            </a:p>
+          </p:txBody>
+        </p:sp>
+        <p:sp>
+          <p:nvSpPr>
+            <p:cNvPr id="18" name="TextBox 17">
+              <a:extLst>
+                <a:ext uri="{FF2B5EF4-FFF2-40B4-BE49-F238E27FC236}">
+                  <a16:creationId xmlns:a16="http://schemas.microsoft.com/office/drawing/2014/main" id="{1CB3D299-4413-F1F0-DDB3-31238F2BA92B}"/>
+                </a:ext>
+              </a:extLst>
+            </p:cNvPr>
+            <p:cNvSpPr txBox="1"/>
+            <p:nvPr/>
+          </p:nvSpPr>
+          <p:spPr>
+            <a:xfrm>
+              <a:off x="2056662" y="2793399"/>
+              <a:ext cx="1884556" cy="369332"/>
+            </a:xfrm>
+            <a:prstGeom prst="rect">
+              <a:avLst/>
+            </a:prstGeom>
+            <a:noFill/>
+          </p:spPr>
+          <p:txBody>
+            <a:bodyPr wrap="square" rtlCol="0">
+              <a:spAutoFit/>
+            </a:bodyPr>
+            <a:lstStyle/>
+            <a:p>
+              <a:r>
+                <a:rPr lang="en-CA" dirty="0"/>
+                <a:t>Latent variable</a:t>
+              </a:r>
+            </a:p>
+          </p:txBody>
+        </p:sp>
+        <p:sp>
+          <p:nvSpPr>
+            <p:cNvPr id="19" name="TextBox 18">
+              <a:extLst>
+                <a:ext uri="{FF2B5EF4-FFF2-40B4-BE49-F238E27FC236}">
+                  <a16:creationId xmlns:a16="http://schemas.microsoft.com/office/drawing/2014/main" id="{6334DF93-0979-F675-E0C7-CE8F623B1E3E}"/>
+                </a:ext>
+              </a:extLst>
+            </p:cNvPr>
+            <p:cNvSpPr txBox="1"/>
+            <p:nvPr/>
+          </p:nvSpPr>
+          <p:spPr>
+            <a:xfrm>
+              <a:off x="2056662" y="3865489"/>
+              <a:ext cx="1884556" cy="369332"/>
+            </a:xfrm>
+            <a:prstGeom prst="rect">
+              <a:avLst/>
+            </a:prstGeom>
+            <a:noFill/>
+          </p:spPr>
+          <p:txBody>
+            <a:bodyPr wrap="square" rtlCol="0">
+              <a:spAutoFit/>
+            </a:bodyPr>
+            <a:lstStyle/>
+            <a:p>
+              <a:r>
+                <a:rPr lang="en-CA" dirty="0"/>
+                <a:t>Constant</a:t>
+              </a:r>
+            </a:p>
+          </p:txBody>
+        </p:sp>
+        <p:sp>
+          <p:nvSpPr>
+            <p:cNvPr id="20" name="TextBox 19">
+              <a:extLst>
+                <a:ext uri="{FF2B5EF4-FFF2-40B4-BE49-F238E27FC236}">
+                  <a16:creationId xmlns:a16="http://schemas.microsoft.com/office/drawing/2014/main" id="{1751EC6C-09AD-D21A-8938-5780D9E7EFB0}"/>
+                </a:ext>
+              </a:extLst>
+            </p:cNvPr>
+            <p:cNvSpPr txBox="1"/>
+            <p:nvPr/>
+          </p:nvSpPr>
+          <p:spPr>
+            <a:xfrm>
+              <a:off x="2056662" y="4768738"/>
+              <a:ext cx="1884556" cy="369332"/>
+            </a:xfrm>
+            <a:prstGeom prst="rect">
+              <a:avLst/>
+            </a:prstGeom>
+            <a:noFill/>
+          </p:spPr>
+          <p:txBody>
+            <a:bodyPr wrap="square" rtlCol="0">
+              <a:spAutoFit/>
+            </a:bodyPr>
+            <a:lstStyle/>
+            <a:p>
+              <a:r>
+                <a:rPr lang="en-CA" dirty="0"/>
+                <a:t>Path</a:t>
+              </a:r>
+            </a:p>
+          </p:txBody>
+        </p:sp>
+        <p:sp>
+          <p:nvSpPr>
+            <p:cNvPr id="21" name="TextBox 20">
+              <a:extLst>
+                <a:ext uri="{FF2B5EF4-FFF2-40B4-BE49-F238E27FC236}">
+                  <a16:creationId xmlns:a16="http://schemas.microsoft.com/office/drawing/2014/main" id="{C3B960A8-5633-F1D7-929A-05DFB2B89B90}"/>
+                </a:ext>
+              </a:extLst>
+            </p:cNvPr>
+            <p:cNvSpPr txBox="1"/>
+            <p:nvPr/>
+          </p:nvSpPr>
+          <p:spPr>
+            <a:xfrm>
+              <a:off x="2056661" y="5779538"/>
+              <a:ext cx="2303235" cy="369332"/>
+            </a:xfrm>
+            <a:prstGeom prst="rect">
+              <a:avLst/>
+            </a:prstGeom>
+            <a:noFill/>
+          </p:spPr>
+          <p:txBody>
+            <a:bodyPr wrap="square" rtlCol="0">
+              <a:spAutoFit/>
+            </a:bodyPr>
+            <a:lstStyle/>
+            <a:p>
+              <a:r>
+                <a:rPr lang="en-CA" dirty="0"/>
+                <a:t>Variance or covariance</a:t>
+              </a:r>
+            </a:p>
+          </p:txBody>
+        </p:sp>
+      </p:grpSp>
+    </p:spTree>
+    <p:extLst>
+      <p:ext uri="{BB962C8B-B14F-4D97-AF65-F5344CB8AC3E}">
+        <p14:creationId xmlns:p14="http://schemas.microsoft.com/office/powerpoint/2010/main" val="2230284478"/>
+      </p:ext>
+    </p:extLst>
+  </p:cSld>
+  <p:clrMapOvr>
+    <a:masterClrMapping/>
+  </p:clrMapOvr>
+</p:sld>
+</file>
+
+<file path=ppt/slides/slide23.xml><?xml version="1.0" encoding="utf-8"?>
 <p:sld xmlns:a="http://schemas.openxmlformats.org/drawingml/2006/main" xmlns:r="http://schemas.openxmlformats.org/officeDocument/2006/relationships" xmlns:p="http://schemas.openxmlformats.org/presentationml/2006/main">
   <p:cSld>
     <p:spTree>
@@ -19315,7 +19859,7 @@
             <a:fld id="{5C35FCF4-C3EF-BD43-82E0-05BC237DAD2A}" type="slidenum">
               <a:rPr lang="en-US" smtClean="0"/>
               <a:pPr/>
-              <a:t>22</a:t>
+              <a:t>23</a:t>
             </a:fld>
             <a:endParaRPr lang="en-US" dirty="0"/>
           </a:p>
@@ -21512,6 +22056,15 @@
 </file>
 
 <file path=customXml/item2.xml><?xml version="1.0" encoding="utf-8"?>
+<?mso-contentType ?>
+<FormTemplates xmlns="http://schemas.microsoft.com/sharepoint/v3/contenttype/forms">
+  <Display>DocumentLibraryForm</Display>
+  <Edit>DocumentLibraryForm</Edit>
+  <New>DocumentLibraryForm</New>
+</FormTemplates>
+</file>
+
+<file path=customXml/item3.xml><?xml version="1.0" encoding="utf-8"?>
 <ct:contentTypeSchema xmlns:ct="http://schemas.microsoft.com/office/2006/metadata/contentType" xmlns:ma="http://schemas.microsoft.com/office/2006/metadata/properties/metaAttributes" ct:_="" ma:_="" ma:contentTypeName="文档" ma:contentTypeID="0x010100A14D9A0FA515564792FEACC70AB1043E" ma:contentTypeVersion="15" ma:contentTypeDescription="Create a new document." ma:contentTypeScope="" ma:versionID="268d53061a527a1a15b3a06f324de7ac">
   <xsd:schema xmlns:xsd="http://www.w3.org/2001/XMLSchema" xmlns:xs="http://www.w3.org/2001/XMLSchema" xmlns:p="http://schemas.microsoft.com/office/2006/metadata/properties" xmlns:ns2="7a4191d5-9b76-4ae3-8401-87ceee92a846" xmlns:ns3="b9b0194d-1e98-4efc-bad5-9450f4bf7a13" targetNamespace="http://schemas.microsoft.com/office/2006/metadata/properties" ma:root="true" ma:fieldsID="602eb0f4584b499882d83f15ecf09c65" ns2:_="" ns3:_="">
     <xsd:import namespace="7a4191d5-9b76-4ae3-8401-87ceee92a846"/>
@@ -21734,15 +22287,6 @@
 </ct:contentTypeSchema>
 </file>
 
-<file path=customXml/item3.xml><?xml version="1.0" encoding="utf-8"?>
-<?mso-contentType ?>
-<FormTemplates xmlns="http://schemas.microsoft.com/sharepoint/v3/contenttype/forms">
-  <Display>DocumentLibraryForm</Display>
-  <Edit>DocumentLibraryForm</Edit>
-  <New>DocumentLibraryForm</New>
-</FormTemplates>
-</file>
-
 <file path=customXml/itemProps1.xml><?xml version="1.0" encoding="utf-8"?>
 <ds:datastoreItem xmlns:ds="http://schemas.openxmlformats.org/officeDocument/2006/customXml" ds:itemID="{F0B8F560-7E6C-44AE-AFE4-924D1118F0AA}">
   <ds:schemaRefs>
@@ -21755,6 +22299,14 @@
 </file>
 
 <file path=customXml/itemProps2.xml><?xml version="1.0" encoding="utf-8"?>
+<ds:datastoreItem xmlns:ds="http://schemas.openxmlformats.org/officeDocument/2006/customXml" ds:itemID="{67A4AE25-BBA1-49A6-B4F8-E97286BA017A}">
+  <ds:schemaRefs>
+    <ds:schemaRef ds:uri="http://schemas.microsoft.com/sharepoint/v3/contenttype/forms"/>
+  </ds:schemaRefs>
+</ds:datastoreItem>
+</file>
+
+<file path=customXml/itemProps3.xml><?xml version="1.0" encoding="utf-8"?>
 <ds:datastoreItem xmlns:ds="http://schemas.openxmlformats.org/officeDocument/2006/customXml" ds:itemID="{E8C4D92C-5791-4EB8-90FF-890DA6933338}">
   <ds:schemaRefs>
     <ds:schemaRef ds:uri="http://schemas.microsoft.com/office/2006/metadata/contentType"/>
@@ -21771,12 +22323,4 @@
     <ds:schemaRef ds:uri="http://schemas.microsoft.com/internal/obd"/>
   </ds:schemaRefs>
 </ds:datastoreItem>
-</file>
-
-<file path=customXml/itemProps3.xml><?xml version="1.0" encoding="utf-8"?>
-<ds:datastoreItem xmlns:ds="http://schemas.openxmlformats.org/officeDocument/2006/customXml" ds:itemID="{67A4AE25-BBA1-49A6-B4F8-E97286BA017A}">
-  <ds:schemaRefs>
-    <ds:schemaRef ds:uri="http://schemas.microsoft.com/sharepoint/v3/contenttype/forms"/>
-  </ds:schemaRefs>
-</ds:datastoreItem>
 </file>
--- a/DRAFT - Research Capstone Project v1.pptx
+++ b/DRAFT - Research Capstone Project v1.pptx
@@ -5,7 +5,7 @@
     <p:sldMasterId id="2147483648" r:id="rId4"/>
   </p:sldMasterIdLst>
   <p:notesMasterIdLst>
-    <p:notesMasterId r:id="rId28"/>
+    <p:notesMasterId r:id="rId29"/>
   </p:notesMasterIdLst>
   <p:sldIdLst>
     <p:sldId id="256" r:id="rId5"/>
@@ -30,7 +30,8 @@
     <p:sldId id="282" r:id="rId24"/>
     <p:sldId id="281" r:id="rId25"/>
     <p:sldId id="283" r:id="rId26"/>
-    <p:sldId id="276" r:id="rId27"/>
+    <p:sldId id="284" r:id="rId27"/>
+    <p:sldId id="276" r:id="rId28"/>
   </p:sldIdLst>
   <p:sldSz cx="12192000" cy="6858000"/>
   <p:notesSz cx="6858000" cy="9144000"/>
@@ -164,6 +165,7 @@
             <p14:sldId id="282"/>
             <p14:sldId id="281"/>
             <p14:sldId id="283"/>
+            <p14:sldId id="284"/>
           </p14:sldIdLst>
         </p14:section>
         <p14:section name="References" id="{40F15CAC-8DAD-3249-8E13-F4A4FA175033}">
@@ -7579,7 +7581,7 @@
           <a:p>
             <a:fld id="{4B2CACE1-0839-DD4E-8A8D-815B08AED9A4}" type="datetimeFigureOut">
               <a:rPr lang="en-US" smtClean="0"/>
-              <a:t>7/5/25</a:t>
+              <a:t>7/6/25</a:t>
             </a:fld>
             <a:endParaRPr lang="en-US"/>
           </a:p>
@@ -10027,7 +10029,7 @@
           <a:p>
             <a:r>
               <a:rPr lang="en-US" dirty="0"/>
-              <a:t>June 30, 2025</a:t>
+              <a:t>July 6, 2025</a:t>
             </a:r>
           </a:p>
         </p:txBody>
@@ -17683,7 +17685,7 @@
           <a:p>
             <a:r>
               <a:rPr lang="en-CA" dirty="0"/>
-              <a:t>Path Diagram</a:t>
+              <a:t>Example: Path Diagram</a:t>
             </a:r>
           </a:p>
         </p:txBody>
@@ -17738,8 +17740,8 @@
             <a:chExt cx="6794234" cy="1970928"/>
           </a:xfrm>
         </p:grpSpPr>
-        <mc:AlternateContent xmlns:mc="http://schemas.openxmlformats.org/markup-compatibility/2006">
-          <mc:Choice xmlns:a14="http://schemas.microsoft.com/office/drawing/2010/main" Requires="a14">
+        <mc:AlternateContent xmlns:mc="http://schemas.openxmlformats.org/markup-compatibility/2006" xmlns:a14="http://schemas.microsoft.com/office/drawing/2010/main">
+          <mc:Choice Requires="a14">
             <p:sp>
               <p:nvSpPr>
                 <p:cNvPr id="5" name="Rectangle 4">
@@ -17825,7 +17827,7 @@
               </p:txBody>
             </p:sp>
           </mc:Choice>
-          <mc:Fallback>
+          <mc:Fallback xmlns="">
             <p:sp>
               <p:nvSpPr>
                 <p:cNvPr id="5" name="Rectangle 4">
@@ -17870,8 +17872,8 @@
             </p:sp>
           </mc:Fallback>
         </mc:AlternateContent>
-        <mc:AlternateContent xmlns:mc="http://schemas.openxmlformats.org/markup-compatibility/2006">
-          <mc:Choice xmlns:a14="http://schemas.microsoft.com/office/drawing/2010/main" Requires="a14">
+        <mc:AlternateContent xmlns:mc="http://schemas.openxmlformats.org/markup-compatibility/2006" xmlns:a14="http://schemas.microsoft.com/office/drawing/2010/main">
+          <mc:Choice Requires="a14">
             <p:sp>
               <p:nvSpPr>
                 <p:cNvPr id="6" name="Rectangle 5">
@@ -17951,7 +17953,7 @@
               </p:txBody>
             </p:sp>
           </mc:Choice>
-          <mc:Fallback>
+          <mc:Fallback xmlns="">
             <p:sp>
               <p:nvSpPr>
                 <p:cNvPr id="6" name="Rectangle 5">
@@ -17996,8 +17998,8 @@
             </p:sp>
           </mc:Fallback>
         </mc:AlternateContent>
-        <mc:AlternateContent xmlns:mc="http://schemas.openxmlformats.org/markup-compatibility/2006">
-          <mc:Choice xmlns:a14="http://schemas.microsoft.com/office/drawing/2010/main" Requires="a14">
+        <mc:AlternateContent xmlns:mc="http://schemas.openxmlformats.org/markup-compatibility/2006" xmlns:a14="http://schemas.microsoft.com/office/drawing/2010/main">
+          <mc:Choice Requires="a14">
             <p:sp>
               <p:nvSpPr>
                 <p:cNvPr id="7" name="Triangle 6">
@@ -18058,7 +18060,7 @@
               </p:txBody>
             </p:sp>
           </mc:Choice>
-          <mc:Fallback>
+          <mc:Fallback xmlns="">
             <p:sp>
               <p:nvSpPr>
                 <p:cNvPr id="7" name="Triangle 6">
@@ -18233,8 +18235,8 @@
             </a:fontRef>
           </p:style>
         </p:cxnSp>
-        <mc:AlternateContent xmlns:mc="http://schemas.openxmlformats.org/markup-compatibility/2006">
-          <mc:Choice xmlns:a14="http://schemas.microsoft.com/office/drawing/2010/main" Requires="a14">
+        <mc:AlternateContent xmlns:mc="http://schemas.openxmlformats.org/markup-compatibility/2006" xmlns:a14="http://schemas.microsoft.com/office/drawing/2010/main">
+          <mc:Choice Requires="a14">
             <p:sp>
               <p:nvSpPr>
                 <p:cNvPr id="30" name="TextBox 29">
@@ -18303,7 +18305,7 @@
               </p:txBody>
             </p:sp>
           </mc:Choice>
-          <mc:Fallback>
+          <mc:Fallback xmlns="">
             <p:sp>
               <p:nvSpPr>
                 <p:cNvPr id="30" name="TextBox 29">
@@ -18348,8 +18350,8 @@
             </p:sp>
           </mc:Fallback>
         </mc:AlternateContent>
-        <mc:AlternateContent xmlns:mc="http://schemas.openxmlformats.org/markup-compatibility/2006">
-          <mc:Choice xmlns:a14="http://schemas.microsoft.com/office/drawing/2010/main" Requires="a14">
+        <mc:AlternateContent xmlns:mc="http://schemas.openxmlformats.org/markup-compatibility/2006" xmlns:a14="http://schemas.microsoft.com/office/drawing/2010/main">
+          <mc:Choice Requires="a14">
             <p:sp>
               <p:nvSpPr>
                 <p:cNvPr id="31" name="TextBox 30">
@@ -18418,7 +18420,7 @@
               </p:txBody>
             </p:sp>
           </mc:Choice>
-          <mc:Fallback>
+          <mc:Fallback xmlns="">
             <p:sp>
               <p:nvSpPr>
                 <p:cNvPr id="31" name="TextBox 30">
@@ -18463,8 +18465,8 @@
             </p:sp>
           </mc:Fallback>
         </mc:AlternateContent>
-        <mc:AlternateContent xmlns:mc="http://schemas.openxmlformats.org/markup-compatibility/2006">
-          <mc:Choice xmlns:a14="http://schemas.microsoft.com/office/drawing/2010/main" Requires="a14">
+        <mc:AlternateContent xmlns:mc="http://schemas.openxmlformats.org/markup-compatibility/2006" xmlns:a14="http://schemas.microsoft.com/office/drawing/2010/main">
+          <mc:Choice Requires="a14">
             <p:sp>
               <p:nvSpPr>
                 <p:cNvPr id="32" name="TextBox 31">
@@ -18514,7 +18516,7 @@
               </p:txBody>
             </p:sp>
           </mc:Choice>
-          <mc:Fallback>
+          <mc:Fallback xmlns="">
             <p:sp>
               <p:nvSpPr>
                 <p:cNvPr id="32" name="TextBox 31">
@@ -18610,8 +18612,8 @@
             </a:p>
           </p:txBody>
         </p:sp>
-        <mc:AlternateContent xmlns:mc="http://schemas.openxmlformats.org/markup-compatibility/2006">
-          <mc:Choice xmlns:a14="http://schemas.microsoft.com/office/drawing/2010/main" Requires="a14">
+        <mc:AlternateContent xmlns:mc="http://schemas.openxmlformats.org/markup-compatibility/2006" xmlns:a14="http://schemas.microsoft.com/office/drawing/2010/main">
+          <mc:Choice Requires="a14">
             <p:sp>
               <p:nvSpPr>
                 <p:cNvPr id="38" name="TextBox 37">
@@ -18688,7 +18690,7 @@
               </p:txBody>
             </p:sp>
           </mc:Choice>
-          <mc:Fallback>
+          <mc:Fallback xmlns="">
             <p:sp>
               <p:nvSpPr>
                 <p:cNvPr id="38" name="TextBox 37">
@@ -18777,8 +18779,8 @@
             </a:fontRef>
           </p:style>
         </p:cxnSp>
-        <mc:AlternateContent xmlns:mc="http://schemas.openxmlformats.org/markup-compatibility/2006">
-          <mc:Choice xmlns:a14="http://schemas.microsoft.com/office/drawing/2010/main" Requires="a14">
+        <mc:AlternateContent xmlns:mc="http://schemas.openxmlformats.org/markup-compatibility/2006" xmlns:a14="http://schemas.microsoft.com/office/drawing/2010/main">
+          <mc:Choice Requires="a14">
             <p:sp>
               <p:nvSpPr>
                 <p:cNvPr id="44" name="Oval 43">
@@ -18858,7 +18860,7 @@
               </p:txBody>
             </p:sp>
           </mc:Choice>
-          <mc:Fallback>
+          <mc:Fallback xmlns="">
             <p:sp>
               <p:nvSpPr>
                 <p:cNvPr id="44" name="Oval 43">
@@ -18954,8 +18956,8 @@
             </a:p>
           </p:txBody>
         </p:sp>
-        <mc:AlternateContent xmlns:mc="http://schemas.openxmlformats.org/markup-compatibility/2006">
-          <mc:Choice xmlns:a14="http://schemas.microsoft.com/office/drawing/2010/main" Requires="a14">
+        <mc:AlternateContent xmlns:mc="http://schemas.openxmlformats.org/markup-compatibility/2006" xmlns:a14="http://schemas.microsoft.com/office/drawing/2010/main">
+          <mc:Choice Requires="a14">
             <p:sp>
               <p:nvSpPr>
                 <p:cNvPr id="50" name="TextBox 49">
@@ -19005,7 +19007,7 @@
               </p:txBody>
             </p:sp>
           </mc:Choice>
-          <mc:Fallback>
+          <mc:Fallback xmlns="">
             <p:sp>
               <p:nvSpPr>
                 <p:cNvPr id="50" name="TextBox 49">
@@ -19050,8 +19052,8 @@
             </p:sp>
           </mc:Fallback>
         </mc:AlternateContent>
-        <mc:AlternateContent xmlns:mc="http://schemas.openxmlformats.org/markup-compatibility/2006">
-          <mc:Choice xmlns:a14="http://schemas.microsoft.com/office/drawing/2010/main" Requires="a14">
+        <mc:AlternateContent xmlns:mc="http://schemas.openxmlformats.org/markup-compatibility/2006" xmlns:a14="http://schemas.microsoft.com/office/drawing/2010/main">
+          <mc:Choice Requires="a14">
             <p:sp>
               <p:nvSpPr>
                 <p:cNvPr id="51" name="TextBox 50">
@@ -19101,7 +19103,7 @@
               </p:txBody>
             </p:sp>
           </mc:Choice>
-          <mc:Fallback>
+          <mc:Fallback xmlns="">
             <p:sp>
               <p:nvSpPr>
                 <p:cNvPr id="51" name="TextBox 50">
@@ -19185,6 +19187,53 @@
       </p:grpSpPr>
       <p:sp>
         <p:nvSpPr>
+          <p:cNvPr id="5" name="Rectangle 4">
+            <a:extLst>
+              <a:ext uri="{FF2B5EF4-FFF2-40B4-BE49-F238E27FC236}">
+                <a16:creationId xmlns:a16="http://schemas.microsoft.com/office/drawing/2014/main" id="{A83AB3E2-CCF0-C471-033A-CBF99C392953}"/>
+              </a:ext>
+            </a:extLst>
+          </p:cNvPr>
+          <p:cNvSpPr/>
+          <p:nvPr/>
+        </p:nvSpPr>
+        <p:spPr>
+          <a:xfrm>
+            <a:off x="4222595" y="1256919"/>
+            <a:ext cx="3744000" cy="5310000"/>
+          </a:xfrm>
+          <a:prstGeom prst="rect">
+            <a:avLst/>
+          </a:prstGeom>
+          <a:solidFill>
+            <a:schemeClr val="bg1"/>
+          </a:solidFill>
+        </p:spPr>
+        <p:style>
+          <a:lnRef idx="2">
+            <a:schemeClr val="dk1"/>
+          </a:lnRef>
+          <a:fillRef idx="1">
+            <a:schemeClr val="lt1"/>
+          </a:fillRef>
+          <a:effectRef idx="0">
+            <a:schemeClr val="dk1"/>
+          </a:effectRef>
+          <a:fontRef idx="minor">
+            <a:schemeClr val="dk1"/>
+          </a:fontRef>
+        </p:style>
+        <p:txBody>
+          <a:bodyPr rtlCol="0" anchor="ctr"/>
+          <a:lstStyle/>
+          <a:p>
+            <a:pPr algn="ctr"/>
+            <a:endParaRPr lang="en-CA"/>
+          </a:p>
+        </p:txBody>
+      </p:sp>
+      <p:sp>
+        <p:nvSpPr>
           <p:cNvPr id="2" name="Title 1">
             <a:extLst>
               <a:ext uri="{FF2B5EF4-FFF2-40B4-BE49-F238E27FC236}">
@@ -19243,10 +19292,10 @@
       </p:sp>
       <p:grpSp>
         <p:nvGrpSpPr>
-          <p:cNvPr id="22" name="Group 21">
+          <p:cNvPr id="6" name="Group 5">
             <a:extLst>
               <a:ext uri="{FF2B5EF4-FFF2-40B4-BE49-F238E27FC236}">
-                <a16:creationId xmlns:a16="http://schemas.microsoft.com/office/drawing/2014/main" id="{9E809F2D-9DA1-1E2D-3A87-F78E30B47773}"/>
+                <a16:creationId xmlns:a16="http://schemas.microsoft.com/office/drawing/2014/main" id="{2BF86288-8AA5-57A9-0626-FD3E5A40B98D}"/>
               </a:ext>
             </a:extLst>
           </p:cNvPr>
@@ -19255,7 +19304,7 @@
         </p:nvGrpSpPr>
         <p:grpSpPr>
           <a:xfrm>
-            <a:off x="1021164" y="1459926"/>
+            <a:off x="4426634" y="1459926"/>
             <a:ext cx="3338732" cy="4902078"/>
             <a:chOff x="1021164" y="1459926"/>
             <a:chExt cx="3338732" cy="4902078"/>
@@ -19680,6 +19729,781 @@
   <p:cSld>
     <p:spTree>
       <p:nvGrpSpPr>
+        <p:cNvPr id="1" name="">
+          <a:extLst>
+            <a:ext uri="{FF2B5EF4-FFF2-40B4-BE49-F238E27FC236}">
+              <a16:creationId xmlns:a16="http://schemas.microsoft.com/office/drawing/2014/main" id="{0874CCCE-0966-30BD-1B2E-34D826EE3046}"/>
+            </a:ext>
+          </a:extLst>
+        </p:cNvPr>
+        <p:cNvGrpSpPr/>
+        <p:nvPr/>
+      </p:nvGrpSpPr>
+      <p:grpSpPr>
+        <a:xfrm>
+          <a:off x="0" y="0"/>
+          <a:ext cx="0" cy="0"/>
+          <a:chOff x="0" y="0"/>
+          <a:chExt cx="0" cy="0"/>
+        </a:xfrm>
+      </p:grpSpPr>
+      <p:sp>
+        <p:nvSpPr>
+          <p:cNvPr id="2" name="Title 1">
+            <a:extLst>
+              <a:ext uri="{FF2B5EF4-FFF2-40B4-BE49-F238E27FC236}">
+                <a16:creationId xmlns:a16="http://schemas.microsoft.com/office/drawing/2014/main" id="{BE55DD5C-CF6D-C886-F837-D72E7D90B153}"/>
+              </a:ext>
+            </a:extLst>
+          </p:cNvPr>
+          <p:cNvSpPr>
+            <a:spLocks noGrp="1"/>
+          </p:cNvSpPr>
+          <p:nvPr>
+            <p:ph type="title"/>
+          </p:nvPr>
+        </p:nvSpPr>
+        <p:spPr/>
+        <p:txBody>
+          <a:bodyPr/>
+          <a:lstStyle/>
+          <a:p>
+            <a:r>
+              <a:rPr lang="en-CA" dirty="0"/>
+              <a:t>Example: (Simplified) Path Diagram</a:t>
+            </a:r>
+          </a:p>
+        </p:txBody>
+      </p:sp>
+      <p:sp>
+        <p:nvSpPr>
+          <p:cNvPr id="4" name="Slide Number Placeholder 3">
+            <a:extLst>
+              <a:ext uri="{FF2B5EF4-FFF2-40B4-BE49-F238E27FC236}">
+                <a16:creationId xmlns:a16="http://schemas.microsoft.com/office/drawing/2014/main" id="{634C23B0-4B70-B0A2-D809-72A107B50B37}"/>
+              </a:ext>
+            </a:extLst>
+          </p:cNvPr>
+          <p:cNvSpPr>
+            <a:spLocks noGrp="1"/>
+          </p:cNvSpPr>
+          <p:nvPr>
+            <p:ph type="sldNum" sz="quarter" idx="12"/>
+          </p:nvPr>
+        </p:nvSpPr>
+        <p:spPr/>
+        <p:txBody>
+          <a:bodyPr/>
+          <a:lstStyle/>
+          <a:p>
+            <a:fld id="{5C35FCF4-C3EF-BD43-82E0-05BC237DAD2A}" type="slidenum">
+              <a:rPr lang="en-US" smtClean="0"/>
+              <a:pPr/>
+              <a:t>23</a:t>
+            </a:fld>
+            <a:endParaRPr lang="en-US" dirty="0"/>
+          </a:p>
+        </p:txBody>
+      </p:sp>
+      <p:grpSp>
+        <p:nvGrpSpPr>
+          <p:cNvPr id="10" name="Group 9">
+            <a:extLst>
+              <a:ext uri="{FF2B5EF4-FFF2-40B4-BE49-F238E27FC236}">
+                <a16:creationId xmlns:a16="http://schemas.microsoft.com/office/drawing/2014/main" id="{E03D63D3-38E7-8857-CC09-6E884E423D8A}"/>
+              </a:ext>
+            </a:extLst>
+          </p:cNvPr>
+          <p:cNvGrpSpPr/>
+          <p:nvPr/>
+        </p:nvGrpSpPr>
+        <p:grpSpPr>
+          <a:xfrm>
+            <a:off x="3615744" y="2524186"/>
+            <a:ext cx="5097721" cy="1222624"/>
+            <a:chOff x="3615744" y="2524186"/>
+            <a:chExt cx="5097721" cy="1222624"/>
+          </a:xfrm>
+        </p:grpSpPr>
+        <mc:AlternateContent xmlns:mc="http://schemas.openxmlformats.org/markup-compatibility/2006">
+          <mc:Choice xmlns:a14="http://schemas.microsoft.com/office/drawing/2010/main" Requires="a14">
+            <p:sp>
+              <p:nvSpPr>
+                <p:cNvPr id="5" name="Rectangle 4">
+                  <a:extLst>
+                    <a:ext uri="{FF2B5EF4-FFF2-40B4-BE49-F238E27FC236}">
+                      <a16:creationId xmlns:a16="http://schemas.microsoft.com/office/drawing/2014/main" id="{6BFC47E8-BC45-3114-6989-E7287CB0BA2D}"/>
+                    </a:ext>
+                  </a:extLst>
+                </p:cNvPr>
+                <p:cNvSpPr/>
+                <p:nvPr/>
+              </p:nvSpPr>
+              <p:spPr>
+                <a:xfrm>
+                  <a:off x="3615744" y="2955073"/>
+                  <a:ext cx="791735" cy="791737"/>
+                </a:xfrm>
+                <a:prstGeom prst="rect">
+                  <a:avLst/>
+                </a:prstGeom>
+              </p:spPr>
+              <p:style>
+                <a:lnRef idx="2">
+                  <a:schemeClr val="dk1"/>
+                </a:lnRef>
+                <a:fillRef idx="1">
+                  <a:schemeClr val="lt1"/>
+                </a:fillRef>
+                <a:effectRef idx="0">
+                  <a:schemeClr val="dk1"/>
+                </a:effectRef>
+                <a:fontRef idx="minor">
+                  <a:schemeClr val="dk1"/>
+                </a:fontRef>
+              </p:style>
+              <p:txBody>
+                <a:bodyPr wrap="none" lIns="108000" tIns="0" rIns="0" bIns="108000" rtlCol="0" anchor="ctr" anchorCtr="1"/>
+                <a:lstStyle/>
+                <a:p>
+                  <a:pPr algn="just"/>
+                  <a14:m>
+                    <m:oMathPara xmlns:m="http://schemas.openxmlformats.org/officeDocument/2006/math">
+                      <m:oMathParaPr>
+                        <m:jc m:val="right"/>
+                      </m:oMathParaPr>
+                      <m:oMath xmlns:m="http://schemas.openxmlformats.org/officeDocument/2006/math">
+                        <m:sSub>
+                          <m:sSubPr>
+                            <m:ctrlPr>
+                              <a:rPr lang="en-CA" sz="2800" b="0" i="1" smtClean="0">
+                                <a:latin typeface="Cambria Math" panose="02040503050406030204" pitchFamily="18" charset="0"/>
+                              </a:rPr>
+                            </m:ctrlPr>
+                          </m:sSubPr>
+                          <m:e>
+                            <m:r>
+                              <a:rPr lang="en-CA" sz="2800" b="0" i="1" smtClean="0">
+                                <a:latin typeface="Cambria Math" panose="02040503050406030204" pitchFamily="18" charset="0"/>
+                              </a:rPr>
+                              <m:t>𝑥</m:t>
+                            </m:r>
+                          </m:e>
+                          <m:sub>
+                            <m:r>
+                              <a:rPr lang="en-CA" sz="2800" b="0" i="1" smtClean="0">
+                                <a:latin typeface="Cambria Math" panose="02040503050406030204" pitchFamily="18" charset="0"/>
+                              </a:rPr>
+                              <m:t>𝑖</m:t>
+                            </m:r>
+                            <m:r>
+                              <a:rPr lang="en-CA" sz="2800" b="0" i="1" smtClean="0">
+                                <a:latin typeface="Cambria Math" panose="02040503050406030204" pitchFamily="18" charset="0"/>
+                              </a:rPr>
+                              <m:t>1</m:t>
+                            </m:r>
+                          </m:sub>
+                        </m:sSub>
+                      </m:oMath>
+                    </m:oMathPara>
+                  </a14:m>
+                  <a:endParaRPr lang="en-CA" sz="2800" dirty="0"/>
+                </a:p>
+              </p:txBody>
+            </p:sp>
+          </mc:Choice>
+          <mc:Fallback>
+            <p:sp>
+              <p:nvSpPr>
+                <p:cNvPr id="5" name="Rectangle 4">
+                  <a:extLst>
+                    <a:ext uri="{FF2B5EF4-FFF2-40B4-BE49-F238E27FC236}">
+                      <a16:creationId xmlns:a16="http://schemas.microsoft.com/office/drawing/2014/main" id="{6BFC47E8-BC45-3114-6989-E7287CB0BA2D}"/>
+                    </a:ext>
+                  </a:extLst>
+                </p:cNvPr>
+                <p:cNvSpPr>
+                  <a:spLocks noRot="1" noChangeAspect="1" noMove="1" noResize="1" noEditPoints="1" noAdjustHandles="1" noChangeArrowheads="1" noChangeShapeType="1" noTextEdit="1"/>
+                </p:cNvSpPr>
+                <p:nvPr/>
+              </p:nvSpPr>
+              <p:spPr>
+                <a:xfrm>
+                  <a:off x="3615744" y="2955073"/>
+                  <a:ext cx="791735" cy="791737"/>
+                </a:xfrm>
+                <a:prstGeom prst="rect">
+                  <a:avLst/>
+                </a:prstGeom>
+                <a:blipFill>
+                  <a:blip r:embed="rId2"/>
+                  <a:stretch>
+                    <a:fillRect/>
+                  </a:stretch>
+                </a:blipFill>
+              </p:spPr>
+              <p:txBody>
+                <a:bodyPr/>
+                <a:lstStyle/>
+                <a:p>
+                  <a:r>
+                    <a:rPr lang="en-CA">
+                      <a:noFill/>
+                    </a:rPr>
+                    <a:t> </a:t>
+                  </a:r>
+                </a:p>
+              </p:txBody>
+            </p:sp>
+          </mc:Fallback>
+        </mc:AlternateContent>
+        <mc:AlternateContent xmlns:mc="http://schemas.openxmlformats.org/markup-compatibility/2006">
+          <mc:Choice xmlns:a14="http://schemas.microsoft.com/office/drawing/2010/main" Requires="a14">
+            <p:sp>
+              <p:nvSpPr>
+                <p:cNvPr id="6" name="Rectangle 5">
+                  <a:extLst>
+                    <a:ext uri="{FF2B5EF4-FFF2-40B4-BE49-F238E27FC236}">
+                      <a16:creationId xmlns:a16="http://schemas.microsoft.com/office/drawing/2014/main" id="{E22275BF-9256-48C5-FF3F-91AEB0261325}"/>
+                    </a:ext>
+                  </a:extLst>
+                </p:cNvPr>
+                <p:cNvSpPr/>
+                <p:nvPr/>
+              </p:nvSpPr>
+              <p:spPr>
+                <a:xfrm>
+                  <a:off x="7393862" y="2955073"/>
+                  <a:ext cx="791736" cy="791737"/>
+                </a:xfrm>
+                <a:prstGeom prst="rect">
+                  <a:avLst/>
+                </a:prstGeom>
+              </p:spPr>
+              <p:style>
+                <a:lnRef idx="2">
+                  <a:schemeClr val="dk1"/>
+                </a:lnRef>
+                <a:fillRef idx="1">
+                  <a:schemeClr val="lt1"/>
+                </a:fillRef>
+                <a:effectRef idx="0">
+                  <a:schemeClr val="dk1"/>
+                </a:effectRef>
+                <a:fontRef idx="minor">
+                  <a:schemeClr val="dk1"/>
+                </a:fontRef>
+              </p:style>
+              <p:txBody>
+                <a:bodyPr wrap="none" lIns="108000" tIns="0" rIns="0" bIns="108000" rtlCol="0" anchor="ctr" anchorCtr="1"/>
+                <a:lstStyle/>
+                <a:p>
+                  <a:pPr algn="just"/>
+                  <a14:m>
+                    <m:oMathPara xmlns:m="http://schemas.openxmlformats.org/officeDocument/2006/math">
+                      <m:oMathParaPr>
+                        <m:jc m:val="right"/>
+                      </m:oMathParaPr>
+                      <m:oMath xmlns:m="http://schemas.openxmlformats.org/officeDocument/2006/math">
+                        <m:sSub>
+                          <m:sSubPr>
+                            <m:ctrlPr>
+                              <a:rPr lang="en-CA" sz="2800" b="0" i="1" smtClean="0">
+                                <a:latin typeface="Cambria Math" panose="02040503050406030204" pitchFamily="18" charset="0"/>
+                              </a:rPr>
+                            </m:ctrlPr>
+                          </m:sSubPr>
+                          <m:e>
+                            <m:r>
+                              <a:rPr lang="en-CA" sz="2800" b="0" i="1" smtClean="0">
+                                <a:latin typeface="Cambria Math" panose="02040503050406030204" pitchFamily="18" charset="0"/>
+                              </a:rPr>
+                              <m:t>𝑦</m:t>
+                            </m:r>
+                          </m:e>
+                          <m:sub>
+                            <m:r>
+                              <a:rPr lang="en-CA" sz="2800" b="0" i="1" smtClean="0">
+                                <a:latin typeface="Cambria Math" panose="02040503050406030204" pitchFamily="18" charset="0"/>
+                              </a:rPr>
+                              <m:t>𝑖</m:t>
+                            </m:r>
+                          </m:sub>
+                        </m:sSub>
+                      </m:oMath>
+                    </m:oMathPara>
+                  </a14:m>
+                  <a:endParaRPr lang="en-CA" sz="2800" dirty="0"/>
+                </a:p>
+              </p:txBody>
+            </p:sp>
+          </mc:Choice>
+          <mc:Fallback>
+            <p:sp>
+              <p:nvSpPr>
+                <p:cNvPr id="6" name="Rectangle 5">
+                  <a:extLst>
+                    <a:ext uri="{FF2B5EF4-FFF2-40B4-BE49-F238E27FC236}">
+                      <a16:creationId xmlns:a16="http://schemas.microsoft.com/office/drawing/2014/main" id="{E22275BF-9256-48C5-FF3F-91AEB0261325}"/>
+                    </a:ext>
+                  </a:extLst>
+                </p:cNvPr>
+                <p:cNvSpPr>
+                  <a:spLocks noRot="1" noChangeAspect="1" noMove="1" noResize="1" noEditPoints="1" noAdjustHandles="1" noChangeArrowheads="1" noChangeShapeType="1" noTextEdit="1"/>
+                </p:cNvSpPr>
+                <p:nvPr/>
+              </p:nvSpPr>
+              <p:spPr>
+                <a:xfrm>
+                  <a:off x="7393862" y="2955073"/>
+                  <a:ext cx="791736" cy="791737"/>
+                </a:xfrm>
+                <a:prstGeom prst="rect">
+                  <a:avLst/>
+                </a:prstGeom>
+                <a:blipFill>
+                  <a:blip r:embed="rId3"/>
+                  <a:stretch>
+                    <a:fillRect/>
+                  </a:stretch>
+                </a:blipFill>
+              </p:spPr>
+              <p:txBody>
+                <a:bodyPr/>
+                <a:lstStyle/>
+                <a:p>
+                  <a:r>
+                    <a:rPr lang="en-CA">
+                      <a:noFill/>
+                    </a:rPr>
+                    <a:t> </a:t>
+                  </a:r>
+                </a:p>
+              </p:txBody>
+            </p:sp>
+          </mc:Fallback>
+        </mc:AlternateContent>
+        <p:cxnSp>
+          <p:nvCxnSpPr>
+            <p:cNvPr id="9" name="Straight Arrow Connector 8">
+              <a:extLst>
+                <a:ext uri="{FF2B5EF4-FFF2-40B4-BE49-F238E27FC236}">
+                  <a16:creationId xmlns:a16="http://schemas.microsoft.com/office/drawing/2014/main" id="{028B9CAB-7F2A-92F7-6178-29C7539A304D}"/>
+                </a:ext>
+              </a:extLst>
+            </p:cNvPr>
+            <p:cNvCxnSpPr>
+              <a:cxnSpLocks/>
+              <a:stCxn id="5" idx="3"/>
+              <a:endCxn id="6" idx="1"/>
+            </p:cNvCxnSpPr>
+            <p:nvPr/>
+          </p:nvCxnSpPr>
+          <p:spPr>
+            <a:xfrm>
+              <a:off x="4407479" y="3350942"/>
+              <a:ext cx="2986383" cy="0"/>
+            </a:xfrm>
+            <a:prstGeom prst="straightConnector1">
+              <a:avLst/>
+            </a:prstGeom>
+            <a:ln w="28575">
+              <a:headEnd type="none" w="med" len="med"/>
+              <a:tailEnd type="arrow"/>
+            </a:ln>
+          </p:spPr>
+          <p:style>
+            <a:lnRef idx="1">
+              <a:schemeClr val="dk1"/>
+            </a:lnRef>
+            <a:fillRef idx="0">
+              <a:schemeClr val="dk1"/>
+            </a:fillRef>
+            <a:effectRef idx="0">
+              <a:schemeClr val="dk1"/>
+            </a:effectRef>
+            <a:fontRef idx="minor">
+              <a:schemeClr val="tx1"/>
+            </a:fontRef>
+          </p:style>
+        </p:cxnSp>
+        <mc:AlternateContent xmlns:mc="http://schemas.openxmlformats.org/markup-compatibility/2006">
+          <mc:Choice xmlns:a14="http://schemas.microsoft.com/office/drawing/2010/main" Requires="a14">
+            <p:sp>
+              <p:nvSpPr>
+                <p:cNvPr id="30" name="TextBox 29">
+                  <a:extLst>
+                    <a:ext uri="{FF2B5EF4-FFF2-40B4-BE49-F238E27FC236}">
+                      <a16:creationId xmlns:a16="http://schemas.microsoft.com/office/drawing/2014/main" id="{2E26B11F-3228-AB1C-D581-67E2FB582E9A}"/>
+                    </a:ext>
+                  </a:extLst>
+                </p:cNvPr>
+                <p:cNvSpPr txBox="1"/>
+                <p:nvPr/>
+              </p:nvSpPr>
+              <p:spPr>
+                <a:xfrm>
+                  <a:off x="5605767" y="2824097"/>
+                  <a:ext cx="417870" cy="430887"/>
+                </a:xfrm>
+                <a:prstGeom prst="rect">
+                  <a:avLst/>
+                </a:prstGeom>
+                <a:noFill/>
+              </p:spPr>
+              <p:txBody>
+                <a:bodyPr wrap="none" lIns="0" tIns="0" rIns="0" bIns="0" rtlCol="0">
+                  <a:spAutoFit/>
+                </a:bodyPr>
+                <a:lstStyle/>
+                <a:p>
+                  <a:pPr/>
+                  <a14:m>
+                    <m:oMathPara xmlns:m="http://schemas.openxmlformats.org/officeDocument/2006/math">
+                      <m:oMathParaPr>
+                        <m:jc m:val="centerGroup"/>
+                      </m:oMathParaPr>
+                      <m:oMath xmlns:m="http://schemas.openxmlformats.org/officeDocument/2006/math">
+                        <m:sSub>
+                          <m:sSubPr>
+                            <m:ctrlPr>
+                              <a:rPr lang="en-CA" sz="2800" b="0" i="1" smtClean="0">
+                                <a:latin typeface="Cambria Math" panose="02040503050406030204" pitchFamily="18" charset="0"/>
+                              </a:rPr>
+                            </m:ctrlPr>
+                          </m:sSubPr>
+                          <m:e>
+                            <m:r>
+                              <a:rPr lang="en-CA" sz="2800" b="0" i="1" smtClean="0">
+                                <a:latin typeface="Cambria Math" panose="02040503050406030204" pitchFamily="18" charset="0"/>
+                              </a:rPr>
+                              <m:t>𝛾</m:t>
+                            </m:r>
+                          </m:e>
+                          <m:sub>
+                            <m:r>
+                              <a:rPr lang="en-CA" sz="2800" b="0" i="1" smtClean="0">
+                                <a:latin typeface="Cambria Math" panose="02040503050406030204" pitchFamily="18" charset="0"/>
+                              </a:rPr>
+                              <m:t>1</m:t>
+                            </m:r>
+                          </m:sub>
+                        </m:sSub>
+                      </m:oMath>
+                    </m:oMathPara>
+                  </a14:m>
+                  <a:endParaRPr lang="en-CA" sz="2800" b="0" dirty="0"/>
+                </a:p>
+              </p:txBody>
+            </p:sp>
+          </mc:Choice>
+          <mc:Fallback>
+            <p:sp>
+              <p:nvSpPr>
+                <p:cNvPr id="30" name="TextBox 29">
+                  <a:extLst>
+                    <a:ext uri="{FF2B5EF4-FFF2-40B4-BE49-F238E27FC236}">
+                      <a16:creationId xmlns:a16="http://schemas.microsoft.com/office/drawing/2014/main" id="{2E26B11F-3228-AB1C-D581-67E2FB582E9A}"/>
+                    </a:ext>
+                  </a:extLst>
+                </p:cNvPr>
+                <p:cNvSpPr txBox="1">
+                  <a:spLocks noRot="1" noChangeAspect="1" noMove="1" noResize="1" noEditPoints="1" noAdjustHandles="1" noChangeArrowheads="1" noChangeShapeType="1" noTextEdit="1"/>
+                </p:cNvSpPr>
+                <p:nvPr/>
+              </p:nvSpPr>
+              <p:spPr>
+                <a:xfrm>
+                  <a:off x="5605767" y="2824097"/>
+                  <a:ext cx="417870" cy="430887"/>
+                </a:xfrm>
+                <a:prstGeom prst="rect">
+                  <a:avLst/>
+                </a:prstGeom>
+                <a:blipFill>
+                  <a:blip r:embed="rId4"/>
+                  <a:stretch>
+                    <a:fillRect l="-17647" r="-5882" b="-17143"/>
+                  </a:stretch>
+                </a:blipFill>
+              </p:spPr>
+              <p:txBody>
+                <a:bodyPr/>
+                <a:lstStyle/>
+                <a:p>
+                  <a:r>
+                    <a:rPr lang="en-CA">
+                      <a:noFill/>
+                    </a:rPr>
+                    <a:t> </a:t>
+                  </a:r>
+                </a:p>
+              </p:txBody>
+            </p:sp>
+          </mc:Fallback>
+        </mc:AlternateContent>
+        <mc:AlternateContent xmlns:mc="http://schemas.openxmlformats.org/markup-compatibility/2006">
+          <mc:Choice xmlns:a14="http://schemas.microsoft.com/office/drawing/2010/main" Requires="a14">
+            <p:sp>
+              <p:nvSpPr>
+                <p:cNvPr id="32" name="TextBox 31">
+                  <a:extLst>
+                    <a:ext uri="{FF2B5EF4-FFF2-40B4-BE49-F238E27FC236}">
+                      <a16:creationId xmlns:a16="http://schemas.microsoft.com/office/drawing/2014/main" id="{2F28D522-3941-86BF-9864-150476A99BF4}"/>
+                    </a:ext>
+                  </a:extLst>
+                </p:cNvPr>
+                <p:cNvSpPr txBox="1"/>
+                <p:nvPr/>
+              </p:nvSpPr>
+              <p:spPr>
+                <a:xfrm>
+                  <a:off x="7393862" y="2524186"/>
+                  <a:ext cx="307455" cy="430887"/>
+                </a:xfrm>
+                <a:prstGeom prst="rect">
+                  <a:avLst/>
+                </a:prstGeom>
+                <a:noFill/>
+              </p:spPr>
+              <p:txBody>
+                <a:bodyPr wrap="square" lIns="0" tIns="0" rIns="0" bIns="0" rtlCol="0">
+                  <a:spAutoFit/>
+                </a:bodyPr>
+                <a:lstStyle/>
+                <a:p>
+                  <a:pPr/>
+                  <a14:m>
+                    <m:oMathPara xmlns:m="http://schemas.openxmlformats.org/officeDocument/2006/math">
+                      <m:oMathParaPr>
+                        <m:jc m:val="centerGroup"/>
+                      </m:oMathParaPr>
+                      <m:oMath xmlns:m="http://schemas.openxmlformats.org/officeDocument/2006/math">
+                        <m:r>
+                          <a:rPr lang="en-CA" sz="2800" b="0" i="1" smtClean="0">
+                            <a:latin typeface="Cambria Math" panose="02040503050406030204" pitchFamily="18" charset="0"/>
+                          </a:rPr>
+                          <m:t>𝛼</m:t>
+                        </m:r>
+                      </m:oMath>
+                    </m:oMathPara>
+                  </a14:m>
+                  <a:endParaRPr lang="en-CA" sz="2800" b="0" dirty="0"/>
+                </a:p>
+              </p:txBody>
+            </p:sp>
+          </mc:Choice>
+          <mc:Fallback>
+            <p:sp>
+              <p:nvSpPr>
+                <p:cNvPr id="32" name="TextBox 31">
+                  <a:extLst>
+                    <a:ext uri="{FF2B5EF4-FFF2-40B4-BE49-F238E27FC236}">
+                      <a16:creationId xmlns:a16="http://schemas.microsoft.com/office/drawing/2014/main" id="{2F28D522-3941-86BF-9864-150476A99BF4}"/>
+                    </a:ext>
+                  </a:extLst>
+                </p:cNvPr>
+                <p:cNvSpPr txBox="1">
+                  <a:spLocks noRot="1" noChangeAspect="1" noMove="1" noResize="1" noEditPoints="1" noAdjustHandles="1" noChangeArrowheads="1" noChangeShapeType="1" noTextEdit="1"/>
+                </p:cNvSpPr>
+                <p:nvPr/>
+              </p:nvSpPr>
+              <p:spPr>
+                <a:xfrm>
+                  <a:off x="7393862" y="2524186"/>
+                  <a:ext cx="307455" cy="430887"/>
+                </a:xfrm>
+                <a:prstGeom prst="rect">
+                  <a:avLst/>
+                </a:prstGeom>
+                <a:blipFill>
+                  <a:blip r:embed="rId5"/>
+                  <a:stretch>
+                    <a:fillRect l="-16000" r="-12000"/>
+                  </a:stretch>
+                </a:blipFill>
+              </p:spPr>
+              <p:txBody>
+                <a:bodyPr/>
+                <a:lstStyle/>
+                <a:p>
+                  <a:r>
+                    <a:rPr lang="en-CA">
+                      <a:noFill/>
+                    </a:rPr>
+                    <a:t> </a:t>
+                  </a:r>
+                </a:p>
+              </p:txBody>
+            </p:sp>
+          </mc:Fallback>
+        </mc:AlternateContent>
+        <mc:AlternateContent xmlns:mc="http://schemas.openxmlformats.org/markup-compatibility/2006">
+          <mc:Choice xmlns:a14="http://schemas.microsoft.com/office/drawing/2010/main" Requires="a14">
+            <p:sp>
+              <p:nvSpPr>
+                <p:cNvPr id="50" name="TextBox 49">
+                  <a:extLst>
+                    <a:ext uri="{FF2B5EF4-FFF2-40B4-BE49-F238E27FC236}">
+                      <a16:creationId xmlns:a16="http://schemas.microsoft.com/office/drawing/2014/main" id="{2BCED0B0-976F-E61B-E2B7-7E55399E9E0A}"/>
+                    </a:ext>
+                  </a:extLst>
+                </p:cNvPr>
+                <p:cNvSpPr txBox="1"/>
+                <p:nvPr/>
+              </p:nvSpPr>
+              <p:spPr>
+                <a:xfrm>
+                  <a:off x="8470834" y="3121223"/>
+                  <a:ext cx="242631" cy="307777"/>
+                </a:xfrm>
+                <a:prstGeom prst="rect">
+                  <a:avLst/>
+                </a:prstGeom>
+                <a:noFill/>
+              </p:spPr>
+              <p:txBody>
+                <a:bodyPr wrap="none" lIns="0" tIns="0" rIns="0" bIns="0" rtlCol="0">
+                  <a:spAutoFit/>
+                </a:bodyPr>
+                <a:lstStyle/>
+                <a:p>
+                  <a:pPr/>
+                  <a14:m>
+                    <m:oMathPara xmlns:m="http://schemas.openxmlformats.org/officeDocument/2006/math">
+                      <m:oMathParaPr>
+                        <m:jc m:val="centerGroup"/>
+                      </m:oMathParaPr>
+                      <m:oMath xmlns:m="http://schemas.openxmlformats.org/officeDocument/2006/math">
+                        <m:r>
+                          <a:rPr lang="en-CA" sz="2000" b="0" i="1" smtClean="0">
+                            <a:latin typeface="Cambria Math" panose="02040503050406030204" pitchFamily="18" charset="0"/>
+                          </a:rPr>
+                          <m:t>𝜓</m:t>
+                        </m:r>
+                      </m:oMath>
+                    </m:oMathPara>
+                  </a14:m>
+                  <a:endParaRPr lang="en-CA" sz="2000" b="0" dirty="0"/>
+                </a:p>
+              </p:txBody>
+            </p:sp>
+          </mc:Choice>
+          <mc:Fallback>
+            <p:sp>
+              <p:nvSpPr>
+                <p:cNvPr id="50" name="TextBox 49">
+                  <a:extLst>
+                    <a:ext uri="{FF2B5EF4-FFF2-40B4-BE49-F238E27FC236}">
+                      <a16:creationId xmlns:a16="http://schemas.microsoft.com/office/drawing/2014/main" id="{2BCED0B0-976F-E61B-E2B7-7E55399E9E0A}"/>
+                    </a:ext>
+                  </a:extLst>
+                </p:cNvPr>
+                <p:cNvSpPr txBox="1">
+                  <a:spLocks noRot="1" noChangeAspect="1" noMove="1" noResize="1" noEditPoints="1" noAdjustHandles="1" noChangeArrowheads="1" noChangeShapeType="1" noTextEdit="1"/>
+                </p:cNvSpPr>
+                <p:nvPr/>
+              </p:nvSpPr>
+              <p:spPr>
+                <a:xfrm>
+                  <a:off x="8470834" y="3121223"/>
+                  <a:ext cx="242631" cy="307777"/>
+                </a:xfrm>
+                <a:prstGeom prst="rect">
+                  <a:avLst/>
+                </a:prstGeom>
+                <a:blipFill>
+                  <a:blip r:embed="rId6"/>
+                  <a:stretch>
+                    <a:fillRect l="-36842" r="-36842" b="-26923"/>
+                  </a:stretch>
+                </a:blipFill>
+              </p:spPr>
+              <p:txBody>
+                <a:bodyPr/>
+                <a:lstStyle/>
+                <a:p>
+                  <a:r>
+                    <a:rPr lang="en-CA">
+                      <a:noFill/>
+                    </a:rPr>
+                    <a:t> </a:t>
+                  </a:r>
+                </a:p>
+              </p:txBody>
+            </p:sp>
+          </mc:Fallback>
+        </mc:AlternateContent>
+        <p:sp>
+          <p:nvSpPr>
+            <p:cNvPr id="8" name="Arc 7">
+              <a:extLst>
+                <a:ext uri="{FF2B5EF4-FFF2-40B4-BE49-F238E27FC236}">
+                  <a16:creationId xmlns:a16="http://schemas.microsoft.com/office/drawing/2014/main" id="{481B26A1-3278-884A-6AD5-73642092F739}"/>
+                </a:ext>
+              </a:extLst>
+            </p:cNvPr>
+            <p:cNvSpPr/>
+            <p:nvPr/>
+          </p:nvSpPr>
+          <p:spPr>
+            <a:xfrm>
+              <a:off x="7955058" y="3081938"/>
+              <a:ext cx="485440" cy="486000"/>
+            </a:xfrm>
+            <a:prstGeom prst="arc">
+              <a:avLst>
+                <a:gd name="adj1" fmla="val 16200000"/>
+                <a:gd name="adj2" fmla="val 5437479"/>
+              </a:avLst>
+            </a:prstGeom>
+            <a:ln w="15875">
+              <a:headEnd type="triangle" w="lg" len="med"/>
+              <a:tailEnd type="triangle" w="lg" len="med"/>
+            </a:ln>
+          </p:spPr>
+          <p:style>
+            <a:lnRef idx="1">
+              <a:schemeClr val="dk1"/>
+            </a:lnRef>
+            <a:fillRef idx="0">
+              <a:schemeClr val="dk1"/>
+            </a:fillRef>
+            <a:effectRef idx="0">
+              <a:schemeClr val="dk1"/>
+            </a:effectRef>
+            <a:fontRef idx="minor">
+              <a:schemeClr val="tx1"/>
+            </a:fontRef>
+          </p:style>
+          <p:txBody>
+            <a:bodyPr rtlCol="0" anchor="ctr"/>
+            <a:lstStyle/>
+            <a:p>
+              <a:pPr algn="ctr"/>
+              <a:endParaRPr lang="en-CA"/>
+            </a:p>
+          </p:txBody>
+        </p:sp>
+      </p:grpSp>
+    </p:spTree>
+    <p:extLst>
+      <p:ext uri="{BB962C8B-B14F-4D97-AF65-F5344CB8AC3E}">
+        <p14:creationId xmlns:p14="http://schemas.microsoft.com/office/powerpoint/2010/main" val="3259574121"/>
+      </p:ext>
+    </p:extLst>
+  </p:cSld>
+  <p:clrMapOvr>
+    <a:masterClrMapping/>
+  </p:clrMapOvr>
+</p:sld>
+</file>
+
+<file path=ppt/slides/slide24.xml><?xml version="1.0" encoding="utf-8"?>
+<p:sld xmlns:a="http://schemas.openxmlformats.org/drawingml/2006/main" xmlns:r="http://schemas.openxmlformats.org/officeDocument/2006/relationships" xmlns:p="http://schemas.openxmlformats.org/presentationml/2006/main">
+  <p:cSld>
+    <p:spTree>
+      <p:nvGrpSpPr>
         <p:cNvPr id="1" name=""/>
         <p:cNvGrpSpPr/>
         <p:nvPr/>
@@ -19859,7 +20683,7 @@
             <a:fld id="{5C35FCF4-C3EF-BD43-82E0-05BC237DAD2A}" type="slidenum">
               <a:rPr lang="en-US" smtClean="0"/>
               <a:pPr/>
-              <a:t>23</a:t>
+              <a:t>24</a:t>
             </a:fld>
             <a:endParaRPr lang="en-US" dirty="0"/>
           </a:p>
@@ -22056,15 +22880,6 @@
 </file>
 
 <file path=customXml/item2.xml><?xml version="1.0" encoding="utf-8"?>
-<?mso-contentType ?>
-<FormTemplates xmlns="http://schemas.microsoft.com/sharepoint/v3/contenttype/forms">
-  <Display>DocumentLibraryForm</Display>
-  <Edit>DocumentLibraryForm</Edit>
-  <New>DocumentLibraryForm</New>
-</FormTemplates>
-</file>
-
-<file path=customXml/item3.xml><?xml version="1.0" encoding="utf-8"?>
 <ct:contentTypeSchema xmlns:ct="http://schemas.microsoft.com/office/2006/metadata/contentType" xmlns:ma="http://schemas.microsoft.com/office/2006/metadata/properties/metaAttributes" ct:_="" ma:_="" ma:contentTypeName="文档" ma:contentTypeID="0x010100A14D9A0FA515564792FEACC70AB1043E" ma:contentTypeVersion="15" ma:contentTypeDescription="Create a new document." ma:contentTypeScope="" ma:versionID="268d53061a527a1a15b3a06f324de7ac">
   <xsd:schema xmlns:xsd="http://www.w3.org/2001/XMLSchema" xmlns:xs="http://www.w3.org/2001/XMLSchema" xmlns:p="http://schemas.microsoft.com/office/2006/metadata/properties" xmlns:ns2="7a4191d5-9b76-4ae3-8401-87ceee92a846" xmlns:ns3="b9b0194d-1e98-4efc-bad5-9450f4bf7a13" targetNamespace="http://schemas.microsoft.com/office/2006/metadata/properties" ma:root="true" ma:fieldsID="602eb0f4584b499882d83f15ecf09c65" ns2:_="" ns3:_="">
     <xsd:import namespace="7a4191d5-9b76-4ae3-8401-87ceee92a846"/>
@@ -22287,6 +23102,15 @@
 </ct:contentTypeSchema>
 </file>
 
+<file path=customXml/item3.xml><?xml version="1.0" encoding="utf-8"?>
+<?mso-contentType ?>
+<FormTemplates xmlns="http://schemas.microsoft.com/sharepoint/v3/contenttype/forms">
+  <Display>DocumentLibraryForm</Display>
+  <Edit>DocumentLibraryForm</Edit>
+  <New>DocumentLibraryForm</New>
+</FormTemplates>
+</file>
+
 <file path=customXml/itemProps1.xml><?xml version="1.0" encoding="utf-8"?>
 <ds:datastoreItem xmlns:ds="http://schemas.openxmlformats.org/officeDocument/2006/customXml" ds:itemID="{F0B8F560-7E6C-44AE-AFE4-924D1118F0AA}">
   <ds:schemaRefs>
@@ -22299,14 +23123,6 @@
 </file>
 
 <file path=customXml/itemProps2.xml><?xml version="1.0" encoding="utf-8"?>
-<ds:datastoreItem xmlns:ds="http://schemas.openxmlformats.org/officeDocument/2006/customXml" ds:itemID="{67A4AE25-BBA1-49A6-B4F8-E97286BA017A}">
-  <ds:schemaRefs>
-    <ds:schemaRef ds:uri="http://schemas.microsoft.com/sharepoint/v3/contenttype/forms"/>
-  </ds:schemaRefs>
-</ds:datastoreItem>
-</file>
-
-<file path=customXml/itemProps3.xml><?xml version="1.0" encoding="utf-8"?>
 <ds:datastoreItem xmlns:ds="http://schemas.openxmlformats.org/officeDocument/2006/customXml" ds:itemID="{E8C4D92C-5791-4EB8-90FF-890DA6933338}">
   <ds:schemaRefs>
     <ds:schemaRef ds:uri="http://schemas.microsoft.com/office/2006/metadata/contentType"/>
@@ -22323,4 +23139,12 @@
     <ds:schemaRef ds:uri="http://schemas.microsoft.com/internal/obd"/>
   </ds:schemaRefs>
 </ds:datastoreItem>
+</file>
+
+<file path=customXml/itemProps3.xml><?xml version="1.0" encoding="utf-8"?>
+<ds:datastoreItem xmlns:ds="http://schemas.openxmlformats.org/officeDocument/2006/customXml" ds:itemID="{67A4AE25-BBA1-49A6-B4F8-E97286BA017A}">
+  <ds:schemaRefs>
+    <ds:schemaRef ds:uri="http://schemas.microsoft.com/sharepoint/v3/contenttype/forms"/>
+  </ds:schemaRefs>
+</ds:datastoreItem>
 </file>
--- a/DRAFT - Research Capstone Project v1.pptx
+++ b/DRAFT - Research Capstone Project v1.pptx
@@ -27,10 +27,10 @@
     <p:sldId id="265" r:id="rId21"/>
     <p:sldId id="266" r:id="rId22"/>
     <p:sldId id="267" r:id="rId23"/>
-    <p:sldId id="282" r:id="rId24"/>
-    <p:sldId id="281" r:id="rId25"/>
-    <p:sldId id="283" r:id="rId26"/>
-    <p:sldId id="284" r:id="rId27"/>
+    <p:sldId id="281" r:id="rId24"/>
+    <p:sldId id="283" r:id="rId25"/>
+    <p:sldId id="284" r:id="rId26"/>
+    <p:sldId id="282" r:id="rId27"/>
     <p:sldId id="276" r:id="rId28"/>
   </p:sldIdLst>
   <p:sldSz cx="12192000" cy="6858000"/>
@@ -158,14 +158,14 @@
             <p14:sldId id="265"/>
             <p14:sldId id="266"/>
             <p14:sldId id="267"/>
+            <p14:sldId id="281"/>
+            <p14:sldId id="283"/>
+            <p14:sldId id="284"/>
           </p14:sldIdLst>
         </p14:section>
         <p14:section name="Chapter 2" id="{F93EAB6F-73BF-2E49-B7E3-9CD400E72EF3}">
           <p14:sldIdLst>
             <p14:sldId id="282"/>
-            <p14:sldId id="281"/>
-            <p14:sldId id="283"/>
-            <p14:sldId id="284"/>
           </p14:sldIdLst>
         </p14:section>
         <p14:section name="References" id="{40F15CAC-8DAD-3249-8E13-F4A4FA175033}">
@@ -7581,7 +7581,7 @@
           <a:p>
             <a:fld id="{4B2CACE1-0839-DD4E-8A8D-815B08AED9A4}" type="datetimeFigureOut">
               <a:rPr lang="en-US" smtClean="0"/>
-              <a:t>7/6/25</a:t>
+              <a:t>7/11/25</a:t>
             </a:fld>
             <a:endParaRPr lang="en-US"/>
           </a:p>
@@ -10029,7 +10029,7 @@
           <a:p>
             <a:r>
               <a:rPr lang="en-US" dirty="0"/>
-              <a:t>July 6, 2025</a:t>
+              <a:t>July 7, 2025</a:t>
             </a:r>
           </a:p>
         </p:txBody>
@@ -17571,85 +17571,6 @@
   <p:cSld>
     <p:spTree>
       <p:nvGrpSpPr>
-        <p:cNvPr id="1" name="">
-          <a:extLst>
-            <a:ext uri="{FF2B5EF4-FFF2-40B4-BE49-F238E27FC236}">
-              <a16:creationId xmlns:a16="http://schemas.microsoft.com/office/drawing/2014/main" id="{0E390700-844C-18F8-0AE2-0A3B4EAB2DF5}"/>
-            </a:ext>
-          </a:extLst>
-        </p:cNvPr>
-        <p:cNvGrpSpPr/>
-        <p:nvPr/>
-      </p:nvGrpSpPr>
-      <p:grpSpPr>
-        <a:xfrm>
-          <a:off x="0" y="0"/>
-          <a:ext cx="0" cy="0"/>
-          <a:chOff x="0" y="0"/>
-          <a:chExt cx="0" cy="0"/>
-        </a:xfrm>
-      </p:grpSpPr>
-      <p:sp>
-        <p:nvSpPr>
-          <p:cNvPr id="2" name="Title 1">
-            <a:extLst>
-              <a:ext uri="{FF2B5EF4-FFF2-40B4-BE49-F238E27FC236}">
-                <a16:creationId xmlns:a16="http://schemas.microsoft.com/office/drawing/2014/main" id="{93E1EDA4-08A2-624F-AF46-672A33F5DE33}"/>
-              </a:ext>
-            </a:extLst>
-          </p:cNvPr>
-          <p:cNvSpPr>
-            <a:spLocks noGrp="1"/>
-          </p:cNvSpPr>
-          <p:nvPr>
-            <p:ph type="ctrTitle"/>
-          </p:nvPr>
-        </p:nvSpPr>
-        <p:spPr>
-          <a:xfrm>
-            <a:off x="647178" y="2256479"/>
-            <a:ext cx="9144000" cy="2345043"/>
-          </a:xfrm>
-        </p:spPr>
-        <p:txBody>
-          <a:bodyPr anchor="ctr" anchorCtr="0">
-            <a:normAutofit/>
-          </a:bodyPr>
-          <a:lstStyle/>
-          <a:p>
-            <a:r>
-              <a:rPr lang="en-CA" dirty="0"/>
-              <a:t>Chapter 2</a:t>
-            </a:r>
-            <a:r>
-              <a:rPr lang="en-CA" b="0" dirty="0"/>
-              <a:t>: </a:t>
-            </a:r>
-            <a:r>
-              <a:rPr lang="en-CA" dirty="0"/>
-              <a:t>Path Analysis</a:t>
-            </a:r>
-          </a:p>
-        </p:txBody>
-      </p:sp>
-    </p:spTree>
-    <p:extLst>
-      <p:ext uri="{BB962C8B-B14F-4D97-AF65-F5344CB8AC3E}">
-        <p14:creationId xmlns:p14="http://schemas.microsoft.com/office/powerpoint/2010/main" val="1924336528"/>
-      </p:ext>
-    </p:extLst>
-  </p:cSld>
-  <p:clrMapOvr>
-    <a:masterClrMapping/>
-  </p:clrMapOvr>
-</p:sld>
-</file>
-
-<file path=ppt/slides/slide21.xml><?xml version="1.0" encoding="utf-8"?>
-<p:sld xmlns:a="http://schemas.openxmlformats.org/drawingml/2006/main" xmlns:r="http://schemas.openxmlformats.org/officeDocument/2006/relationships" xmlns:p="http://schemas.openxmlformats.org/presentationml/2006/main">
-  <p:cSld>
-    <p:spTree>
-      <p:nvGrpSpPr>
         <p:cNvPr id="1" name=""/>
         <p:cNvGrpSpPr/>
         <p:nvPr/>
@@ -17685,7 +17606,7 @@
           <a:p>
             <a:r>
               <a:rPr lang="en-CA" dirty="0"/>
-              <a:t>Example: Path Diagram</a:t>
+              <a:t>The Path Diagram</a:t>
             </a:r>
           </a:p>
         </p:txBody>
@@ -17714,7 +17635,7 @@
             <a:fld id="{5C35FCF4-C3EF-BD43-82E0-05BC237DAD2A}" type="slidenum">
               <a:rPr lang="en-US" smtClean="0"/>
               <a:pPr/>
-              <a:t>21</a:t>
+              <a:t>20</a:t>
             </a:fld>
             <a:endParaRPr lang="en-US" dirty="0"/>
           </a:p>
@@ -19162,7 +19083,7 @@
 </p:sld>
 </file>
 
-<file path=ppt/slides/slide22.xml><?xml version="1.0" encoding="utf-8"?>
+<file path=ppt/slides/slide21.xml><?xml version="1.0" encoding="utf-8"?>
 <p:sld xmlns:a="http://schemas.openxmlformats.org/drawingml/2006/main" xmlns:r="http://schemas.openxmlformats.org/officeDocument/2006/relationships" xmlns:p="http://schemas.openxmlformats.org/presentationml/2006/main">
   <p:cSld>
     <p:spTree>
@@ -19284,7 +19205,7 @@
             <a:fld id="{5C35FCF4-C3EF-BD43-82E0-05BC237DAD2A}" type="slidenum">
               <a:rPr lang="en-US" smtClean="0"/>
               <a:pPr/>
-              <a:t>22</a:t>
+              <a:t>21</a:t>
             </a:fld>
             <a:endParaRPr lang="en-US" dirty="0"/>
           </a:p>
@@ -19724,7 +19645,7 @@
 </p:sld>
 </file>
 
-<file path=ppt/slides/slide23.xml><?xml version="1.0" encoding="utf-8"?>
+<file path=ppt/slides/slide22.xml><?xml version="1.0" encoding="utf-8"?>
 <p:sld xmlns:a="http://schemas.openxmlformats.org/drawingml/2006/main" xmlns:r="http://schemas.openxmlformats.org/officeDocument/2006/relationships" xmlns:p="http://schemas.openxmlformats.org/presentationml/2006/main">
   <p:cSld>
     <p:spTree>
@@ -19770,7 +19691,7 @@
           <a:p>
             <a:r>
               <a:rPr lang="en-CA" dirty="0"/>
-              <a:t>Example: (Simplified) Path Diagram</a:t>
+              <a:t>(Simplified) Path Diagram</a:t>
             </a:r>
           </a:p>
         </p:txBody>
@@ -19799,7 +19720,7 @@
             <a:fld id="{5C35FCF4-C3EF-BD43-82E0-05BC237DAD2A}" type="slidenum">
               <a:rPr lang="en-US" smtClean="0"/>
               <a:pPr/>
-              <a:t>23</a:t>
+              <a:t>22</a:t>
             </a:fld>
             <a:endParaRPr lang="en-US" dirty="0"/>
           </a:p>
@@ -19825,8 +19746,8 @@
             <a:chExt cx="5097721" cy="1222624"/>
           </a:xfrm>
         </p:grpSpPr>
-        <mc:AlternateContent xmlns:mc="http://schemas.openxmlformats.org/markup-compatibility/2006">
-          <mc:Choice xmlns:a14="http://schemas.microsoft.com/office/drawing/2010/main" Requires="a14">
+        <mc:AlternateContent xmlns:mc="http://schemas.openxmlformats.org/markup-compatibility/2006" xmlns:a14="http://schemas.microsoft.com/office/drawing/2010/main">
+          <mc:Choice Requires="a14">
             <p:sp>
               <p:nvSpPr>
                 <p:cNvPr id="5" name="Rectangle 4">
@@ -19912,7 +19833,7 @@
               </p:txBody>
             </p:sp>
           </mc:Choice>
-          <mc:Fallback>
+          <mc:Fallback xmlns="">
             <p:sp>
               <p:nvSpPr>
                 <p:cNvPr id="5" name="Rectangle 4">
@@ -19957,8 +19878,8 @@
             </p:sp>
           </mc:Fallback>
         </mc:AlternateContent>
-        <mc:AlternateContent xmlns:mc="http://schemas.openxmlformats.org/markup-compatibility/2006">
-          <mc:Choice xmlns:a14="http://schemas.microsoft.com/office/drawing/2010/main" Requires="a14">
+        <mc:AlternateContent xmlns:mc="http://schemas.openxmlformats.org/markup-compatibility/2006" xmlns:a14="http://schemas.microsoft.com/office/drawing/2010/main">
+          <mc:Choice Requires="a14">
             <p:sp>
               <p:nvSpPr>
                 <p:cNvPr id="6" name="Rectangle 5">
@@ -20038,7 +19959,7 @@
               </p:txBody>
             </p:sp>
           </mc:Choice>
-          <mc:Fallback>
+          <mc:Fallback xmlns="">
             <p:sp>
               <p:nvSpPr>
                 <p:cNvPr id="6" name="Rectangle 5">
@@ -20127,8 +20048,8 @@
             </a:fontRef>
           </p:style>
         </p:cxnSp>
-        <mc:AlternateContent xmlns:mc="http://schemas.openxmlformats.org/markup-compatibility/2006">
-          <mc:Choice xmlns:a14="http://schemas.microsoft.com/office/drawing/2010/main" Requires="a14">
+        <mc:AlternateContent xmlns:mc="http://schemas.openxmlformats.org/markup-compatibility/2006" xmlns:a14="http://schemas.microsoft.com/office/drawing/2010/main">
+          <mc:Choice Requires="a14">
             <p:sp>
               <p:nvSpPr>
                 <p:cNvPr id="30" name="TextBox 29">
@@ -20197,7 +20118,7 @@
               </p:txBody>
             </p:sp>
           </mc:Choice>
-          <mc:Fallback>
+          <mc:Fallback xmlns="">
             <p:sp>
               <p:nvSpPr>
                 <p:cNvPr id="30" name="TextBox 29">
@@ -20242,8 +20163,8 @@
             </p:sp>
           </mc:Fallback>
         </mc:AlternateContent>
-        <mc:AlternateContent xmlns:mc="http://schemas.openxmlformats.org/markup-compatibility/2006">
-          <mc:Choice xmlns:a14="http://schemas.microsoft.com/office/drawing/2010/main" Requires="a14">
+        <mc:AlternateContent xmlns:mc="http://schemas.openxmlformats.org/markup-compatibility/2006" xmlns:a14="http://schemas.microsoft.com/office/drawing/2010/main">
+          <mc:Choice Requires="a14">
             <p:sp>
               <p:nvSpPr>
                 <p:cNvPr id="32" name="TextBox 31">
@@ -20293,7 +20214,7 @@
               </p:txBody>
             </p:sp>
           </mc:Choice>
-          <mc:Fallback>
+          <mc:Fallback xmlns="">
             <p:sp>
               <p:nvSpPr>
                 <p:cNvPr id="32" name="TextBox 31">
@@ -20338,8 +20259,8 @@
             </p:sp>
           </mc:Fallback>
         </mc:AlternateContent>
-        <mc:AlternateContent xmlns:mc="http://schemas.openxmlformats.org/markup-compatibility/2006">
-          <mc:Choice xmlns:a14="http://schemas.microsoft.com/office/drawing/2010/main" Requires="a14">
+        <mc:AlternateContent xmlns:mc="http://schemas.openxmlformats.org/markup-compatibility/2006" xmlns:a14="http://schemas.microsoft.com/office/drawing/2010/main">
+          <mc:Choice Requires="a14">
             <p:sp>
               <p:nvSpPr>
                 <p:cNvPr id="50" name="TextBox 49">
@@ -20389,7 +20310,7 @@
               </p:txBody>
             </p:sp>
           </mc:Choice>
-          <mc:Fallback>
+          <mc:Fallback xmlns="">
             <p:sp>
               <p:nvSpPr>
                 <p:cNvPr id="50" name="TextBox 49">
@@ -20490,6 +20411,85 @@
     <p:extLst>
       <p:ext uri="{BB962C8B-B14F-4D97-AF65-F5344CB8AC3E}">
         <p14:creationId xmlns:p14="http://schemas.microsoft.com/office/powerpoint/2010/main" val="3259574121"/>
+      </p:ext>
+    </p:extLst>
+  </p:cSld>
+  <p:clrMapOvr>
+    <a:masterClrMapping/>
+  </p:clrMapOvr>
+</p:sld>
+</file>
+
+<file path=ppt/slides/slide23.xml><?xml version="1.0" encoding="utf-8"?>
+<p:sld xmlns:a="http://schemas.openxmlformats.org/drawingml/2006/main" xmlns:r="http://schemas.openxmlformats.org/officeDocument/2006/relationships" xmlns:p="http://schemas.openxmlformats.org/presentationml/2006/main">
+  <p:cSld>
+    <p:spTree>
+      <p:nvGrpSpPr>
+        <p:cNvPr id="1" name="">
+          <a:extLst>
+            <a:ext uri="{FF2B5EF4-FFF2-40B4-BE49-F238E27FC236}">
+              <a16:creationId xmlns:a16="http://schemas.microsoft.com/office/drawing/2014/main" id="{0E390700-844C-18F8-0AE2-0A3B4EAB2DF5}"/>
+            </a:ext>
+          </a:extLst>
+        </p:cNvPr>
+        <p:cNvGrpSpPr/>
+        <p:nvPr/>
+      </p:nvGrpSpPr>
+      <p:grpSpPr>
+        <a:xfrm>
+          <a:off x="0" y="0"/>
+          <a:ext cx="0" cy="0"/>
+          <a:chOff x="0" y="0"/>
+          <a:chExt cx="0" cy="0"/>
+        </a:xfrm>
+      </p:grpSpPr>
+      <p:sp>
+        <p:nvSpPr>
+          <p:cNvPr id="2" name="Title 1">
+            <a:extLst>
+              <a:ext uri="{FF2B5EF4-FFF2-40B4-BE49-F238E27FC236}">
+                <a16:creationId xmlns:a16="http://schemas.microsoft.com/office/drawing/2014/main" id="{93E1EDA4-08A2-624F-AF46-672A33F5DE33}"/>
+              </a:ext>
+            </a:extLst>
+          </p:cNvPr>
+          <p:cNvSpPr>
+            <a:spLocks noGrp="1"/>
+          </p:cNvSpPr>
+          <p:nvPr>
+            <p:ph type="ctrTitle"/>
+          </p:nvPr>
+        </p:nvSpPr>
+        <p:spPr>
+          <a:xfrm>
+            <a:off x="647178" y="2256479"/>
+            <a:ext cx="9144000" cy="2345043"/>
+          </a:xfrm>
+        </p:spPr>
+        <p:txBody>
+          <a:bodyPr anchor="ctr" anchorCtr="0">
+            <a:normAutofit/>
+          </a:bodyPr>
+          <a:lstStyle/>
+          <a:p>
+            <a:r>
+              <a:rPr lang="en-CA" dirty="0"/>
+              <a:t>Chapter 2</a:t>
+            </a:r>
+            <a:r>
+              <a:rPr lang="en-CA" b="0" dirty="0"/>
+              <a:t>: </a:t>
+            </a:r>
+            <a:r>
+              <a:rPr lang="en-CA" dirty="0"/>
+              <a:t>Path Analysis</a:t>
+            </a:r>
+          </a:p>
+        </p:txBody>
+      </p:sp>
+    </p:spTree>
+    <p:extLst>
+      <p:ext uri="{BB962C8B-B14F-4D97-AF65-F5344CB8AC3E}">
+        <p14:creationId xmlns:p14="http://schemas.microsoft.com/office/powerpoint/2010/main" val="1924336528"/>
       </p:ext>
     </p:extLst>
   </p:cSld>

--- a/DRAFT - Research Capstone Project v1.pptx
+++ b/DRAFT - Research Capstone Project v1.pptx
@@ -5,7 +5,7 @@
     <p:sldMasterId id="2147483648" r:id="rId4"/>
   </p:sldMasterIdLst>
   <p:notesMasterIdLst>
-    <p:notesMasterId r:id="rId29"/>
+    <p:notesMasterId r:id="rId30"/>
   </p:notesMasterIdLst>
   <p:sldIdLst>
     <p:sldId id="256" r:id="rId5"/>
@@ -31,7 +31,8 @@
     <p:sldId id="283" r:id="rId25"/>
     <p:sldId id="284" r:id="rId26"/>
     <p:sldId id="282" r:id="rId27"/>
-    <p:sldId id="276" r:id="rId28"/>
+    <p:sldId id="286" r:id="rId28"/>
+    <p:sldId id="276" r:id="rId29"/>
   </p:sldIdLst>
   <p:sldSz cx="12192000" cy="6858000"/>
   <p:notesSz cx="6858000" cy="9144000"/>
@@ -166,6 +167,7 @@
         <p14:section name="Chapter 2" id="{F93EAB6F-73BF-2E49-B7E3-9CD400E72EF3}">
           <p14:sldIdLst>
             <p14:sldId id="282"/>
+            <p14:sldId id="286"/>
           </p14:sldIdLst>
         </p14:section>
         <p14:section name="References" id="{40F15CAC-8DAD-3249-8E13-F4A4FA175033}">
@@ -7581,7 +7583,7 @@
           <a:p>
             <a:fld id="{4B2CACE1-0839-DD4E-8A8D-815B08AED9A4}" type="datetimeFigureOut">
               <a:rPr lang="en-US" smtClean="0"/>
-              <a:t>7/11/25</a:t>
+              <a:t>7/28/25</a:t>
             </a:fld>
             <a:endParaRPr lang="en-US"/>
           </a:p>
@@ -20504,6 +20506,1352 @@
   <p:cSld>
     <p:spTree>
       <p:nvGrpSpPr>
+        <p:cNvPr id="1" name="">
+          <a:extLst>
+            <a:ext uri="{FF2B5EF4-FFF2-40B4-BE49-F238E27FC236}">
+              <a16:creationId xmlns:a16="http://schemas.microsoft.com/office/drawing/2014/main" id="{7E8D63F7-57C0-915D-0149-13FAC479270E}"/>
+            </a:ext>
+          </a:extLst>
+        </p:cNvPr>
+        <p:cNvGrpSpPr/>
+        <p:nvPr/>
+      </p:nvGrpSpPr>
+      <p:grpSpPr>
+        <a:xfrm>
+          <a:off x="0" y="0"/>
+          <a:ext cx="0" cy="0"/>
+          <a:chOff x="0" y="0"/>
+          <a:chExt cx="0" cy="0"/>
+        </a:xfrm>
+      </p:grpSpPr>
+      <p:sp>
+        <p:nvSpPr>
+          <p:cNvPr id="2" name="Title 1">
+            <a:extLst>
+              <a:ext uri="{FF2B5EF4-FFF2-40B4-BE49-F238E27FC236}">
+                <a16:creationId xmlns:a16="http://schemas.microsoft.com/office/drawing/2014/main" id="{9D1ACD12-D068-DBC8-3A77-EFED9F420F86}"/>
+              </a:ext>
+            </a:extLst>
+          </p:cNvPr>
+          <p:cNvSpPr>
+            <a:spLocks noGrp="1"/>
+          </p:cNvSpPr>
+          <p:nvPr>
+            <p:ph type="title"/>
+          </p:nvPr>
+        </p:nvSpPr>
+        <p:spPr/>
+        <p:txBody>
+          <a:bodyPr/>
+          <a:lstStyle/>
+          <a:p>
+            <a:r>
+              <a:rPr lang="en-CA" dirty="0"/>
+              <a:t>Example: Recursive Model (Mediation)</a:t>
+            </a:r>
+          </a:p>
+        </p:txBody>
+      </p:sp>
+      <p:sp>
+        <p:nvSpPr>
+          <p:cNvPr id="4" name="Slide Number Placeholder 3">
+            <a:extLst>
+              <a:ext uri="{FF2B5EF4-FFF2-40B4-BE49-F238E27FC236}">
+                <a16:creationId xmlns:a16="http://schemas.microsoft.com/office/drawing/2014/main" id="{A9659EEF-80DD-D247-7937-4304102ABE1C}"/>
+              </a:ext>
+            </a:extLst>
+          </p:cNvPr>
+          <p:cNvSpPr>
+            <a:spLocks noGrp="1"/>
+          </p:cNvSpPr>
+          <p:nvPr>
+            <p:ph type="sldNum" sz="quarter" idx="12"/>
+          </p:nvPr>
+        </p:nvSpPr>
+        <p:spPr/>
+        <p:txBody>
+          <a:bodyPr/>
+          <a:lstStyle/>
+          <a:p>
+            <a:fld id="{5C35FCF4-C3EF-BD43-82E0-05BC237DAD2A}" type="slidenum">
+              <a:rPr lang="en-US" smtClean="0"/>
+              <a:pPr/>
+              <a:t>24</a:t>
+            </a:fld>
+            <a:endParaRPr lang="en-US" dirty="0"/>
+          </a:p>
+        </p:txBody>
+      </p:sp>
+      <p:grpSp>
+        <p:nvGrpSpPr>
+          <p:cNvPr id="98" name="Group 97">
+            <a:extLst>
+              <a:ext uri="{FF2B5EF4-FFF2-40B4-BE49-F238E27FC236}">
+                <a16:creationId xmlns:a16="http://schemas.microsoft.com/office/drawing/2014/main" id="{102CC6F2-DBEB-91D5-E480-7D8FD348FDC1}"/>
+              </a:ext>
+            </a:extLst>
+          </p:cNvPr>
+          <p:cNvGrpSpPr/>
+          <p:nvPr/>
+        </p:nvGrpSpPr>
+        <p:grpSpPr>
+          <a:xfrm>
+            <a:off x="2966277" y="1887016"/>
+            <a:ext cx="6259445" cy="3665210"/>
+            <a:chOff x="1627340" y="1545472"/>
+            <a:chExt cx="6259445" cy="3665210"/>
+          </a:xfrm>
+        </p:grpSpPr>
+        <mc:AlternateContent xmlns:mc="http://schemas.openxmlformats.org/markup-compatibility/2006">
+          <mc:Choice xmlns:a14="http://schemas.microsoft.com/office/drawing/2010/main" Requires="a14">
+            <p:sp>
+              <p:nvSpPr>
+                <p:cNvPr id="5" name="Rectangle 4">
+                  <a:extLst>
+                    <a:ext uri="{FF2B5EF4-FFF2-40B4-BE49-F238E27FC236}">
+                      <a16:creationId xmlns:a16="http://schemas.microsoft.com/office/drawing/2014/main" id="{D9909665-8240-BB01-6C1D-25054ABD0678}"/>
+                    </a:ext>
+                  </a:extLst>
+                </p:cNvPr>
+                <p:cNvSpPr/>
+                <p:nvPr/>
+              </p:nvSpPr>
+              <p:spPr>
+                <a:xfrm>
+                  <a:off x="3316931" y="2295204"/>
+                  <a:ext cx="791735" cy="791737"/>
+                </a:xfrm>
+                <a:prstGeom prst="rect">
+                  <a:avLst/>
+                </a:prstGeom>
+              </p:spPr>
+              <p:style>
+                <a:lnRef idx="2">
+                  <a:schemeClr val="dk1"/>
+                </a:lnRef>
+                <a:fillRef idx="1">
+                  <a:schemeClr val="lt1"/>
+                </a:fillRef>
+                <a:effectRef idx="0">
+                  <a:schemeClr val="dk1"/>
+                </a:effectRef>
+                <a:fontRef idx="minor">
+                  <a:schemeClr val="dk1"/>
+                </a:fontRef>
+              </p:style>
+              <p:txBody>
+                <a:bodyPr wrap="none" lIns="108000" tIns="0" rIns="0" bIns="108000" rtlCol="0" anchor="ctr" anchorCtr="1"/>
+                <a:lstStyle/>
+                <a:p>
+                  <a:pPr algn="just"/>
+                  <a14:m>
+                    <m:oMathPara xmlns:m="http://schemas.openxmlformats.org/officeDocument/2006/math">
+                      <m:oMathParaPr>
+                        <m:jc m:val="right"/>
+                      </m:oMathParaPr>
+                      <m:oMath xmlns:m="http://schemas.openxmlformats.org/officeDocument/2006/math">
+                        <m:sSub>
+                          <m:sSubPr>
+                            <m:ctrlPr>
+                              <a:rPr lang="en-CA" sz="2800" b="0" i="1" smtClean="0">
+                                <a:latin typeface="Cambria Math" panose="02040503050406030204" pitchFamily="18" charset="0"/>
+                              </a:rPr>
+                            </m:ctrlPr>
+                          </m:sSubPr>
+                          <m:e>
+                            <m:r>
+                              <a:rPr lang="en-CA" sz="2800" b="0" i="1" smtClean="0">
+                                <a:latin typeface="Cambria Math" panose="02040503050406030204" pitchFamily="18" charset="0"/>
+                              </a:rPr>
+                              <m:t>𝑦</m:t>
+                            </m:r>
+                          </m:e>
+                          <m:sub>
+                            <m:r>
+                              <a:rPr lang="en-CA" sz="2800" b="0" i="1" smtClean="0">
+                                <a:latin typeface="Cambria Math" panose="02040503050406030204" pitchFamily="18" charset="0"/>
+                              </a:rPr>
+                              <m:t>𝑖</m:t>
+                            </m:r>
+                            <m:r>
+                              <a:rPr lang="en-CA" sz="2800" b="0" i="1" smtClean="0">
+                                <a:latin typeface="Cambria Math" panose="02040503050406030204" pitchFamily="18" charset="0"/>
+                              </a:rPr>
+                              <m:t>1</m:t>
+                            </m:r>
+                          </m:sub>
+                        </m:sSub>
+                      </m:oMath>
+                    </m:oMathPara>
+                  </a14:m>
+                  <a:endParaRPr lang="en-CA" sz="2800" dirty="0"/>
+                </a:p>
+              </p:txBody>
+            </p:sp>
+          </mc:Choice>
+          <mc:Fallback>
+            <p:sp>
+              <p:nvSpPr>
+                <p:cNvPr id="5" name="Rectangle 4">
+                  <a:extLst>
+                    <a:ext uri="{FF2B5EF4-FFF2-40B4-BE49-F238E27FC236}">
+                      <a16:creationId xmlns:a16="http://schemas.microsoft.com/office/drawing/2014/main" id="{D9909665-8240-BB01-6C1D-25054ABD0678}"/>
+                    </a:ext>
+                  </a:extLst>
+                </p:cNvPr>
+                <p:cNvSpPr>
+                  <a:spLocks noRot="1" noChangeAspect="1" noMove="1" noResize="1" noEditPoints="1" noAdjustHandles="1" noChangeArrowheads="1" noChangeShapeType="1" noTextEdit="1"/>
+                </p:cNvSpPr>
+                <p:nvPr/>
+              </p:nvSpPr>
+              <p:spPr>
+                <a:xfrm>
+                  <a:off x="3316931" y="2295204"/>
+                  <a:ext cx="791735" cy="791737"/>
+                </a:xfrm>
+                <a:prstGeom prst="rect">
+                  <a:avLst/>
+                </a:prstGeom>
+                <a:blipFill>
+                  <a:blip r:embed="rId2"/>
+                  <a:stretch>
+                    <a:fillRect/>
+                  </a:stretch>
+                </a:blipFill>
+              </p:spPr>
+              <p:txBody>
+                <a:bodyPr/>
+                <a:lstStyle/>
+                <a:p>
+                  <a:r>
+                    <a:rPr lang="en-CA">
+                      <a:noFill/>
+                    </a:rPr>
+                    <a:t> </a:t>
+                  </a:r>
+                </a:p>
+              </p:txBody>
+            </p:sp>
+          </mc:Fallback>
+        </mc:AlternateContent>
+        <mc:AlternateContent xmlns:mc="http://schemas.openxmlformats.org/markup-compatibility/2006">
+          <mc:Choice xmlns:a14="http://schemas.microsoft.com/office/drawing/2010/main" Requires="a14">
+            <p:sp>
+              <p:nvSpPr>
+                <p:cNvPr id="6" name="Rectangle 5">
+                  <a:extLst>
+                    <a:ext uri="{FF2B5EF4-FFF2-40B4-BE49-F238E27FC236}">
+                      <a16:creationId xmlns:a16="http://schemas.microsoft.com/office/drawing/2014/main" id="{62633095-8E34-DD31-0586-9A6C538BFBF3}"/>
+                    </a:ext>
+                  </a:extLst>
+                </p:cNvPr>
+                <p:cNvSpPr/>
+                <p:nvPr/>
+              </p:nvSpPr>
+              <p:spPr>
+                <a:xfrm>
+                  <a:off x="7095049" y="2295204"/>
+                  <a:ext cx="791736" cy="791737"/>
+                </a:xfrm>
+                <a:prstGeom prst="rect">
+                  <a:avLst/>
+                </a:prstGeom>
+              </p:spPr>
+              <p:style>
+                <a:lnRef idx="2">
+                  <a:schemeClr val="dk1"/>
+                </a:lnRef>
+                <a:fillRef idx="1">
+                  <a:schemeClr val="lt1"/>
+                </a:fillRef>
+                <a:effectRef idx="0">
+                  <a:schemeClr val="dk1"/>
+                </a:effectRef>
+                <a:fontRef idx="minor">
+                  <a:schemeClr val="dk1"/>
+                </a:fontRef>
+              </p:style>
+              <p:txBody>
+                <a:bodyPr wrap="none" lIns="108000" tIns="0" rIns="0" bIns="108000" rtlCol="0" anchor="ctr" anchorCtr="1"/>
+                <a:lstStyle/>
+                <a:p>
+                  <a:pPr algn="just"/>
+                  <a14:m>
+                    <m:oMathPara xmlns:m="http://schemas.openxmlformats.org/officeDocument/2006/math">
+                      <m:oMathParaPr>
+                        <m:jc m:val="right"/>
+                      </m:oMathParaPr>
+                      <m:oMath xmlns:m="http://schemas.openxmlformats.org/officeDocument/2006/math">
+                        <m:sSub>
+                          <m:sSubPr>
+                            <m:ctrlPr>
+                              <a:rPr lang="en-CA" sz="2800" b="0" i="1" smtClean="0">
+                                <a:latin typeface="Cambria Math" panose="02040503050406030204" pitchFamily="18" charset="0"/>
+                              </a:rPr>
+                            </m:ctrlPr>
+                          </m:sSubPr>
+                          <m:e>
+                            <m:r>
+                              <a:rPr lang="en-CA" sz="2800" b="0" i="1" smtClean="0">
+                                <a:latin typeface="Cambria Math" panose="02040503050406030204" pitchFamily="18" charset="0"/>
+                              </a:rPr>
+                              <m:t>𝑦</m:t>
+                            </m:r>
+                          </m:e>
+                          <m:sub>
+                            <m:r>
+                              <a:rPr lang="en-CA" sz="2800" b="0" i="1" smtClean="0">
+                                <a:latin typeface="Cambria Math" panose="02040503050406030204" pitchFamily="18" charset="0"/>
+                              </a:rPr>
+                              <m:t>𝑖</m:t>
+                            </m:r>
+                            <m:r>
+                              <a:rPr lang="en-CA" sz="2800" b="0" i="1" smtClean="0">
+                                <a:latin typeface="Cambria Math" panose="02040503050406030204" pitchFamily="18" charset="0"/>
+                              </a:rPr>
+                              <m:t>2</m:t>
+                            </m:r>
+                          </m:sub>
+                        </m:sSub>
+                      </m:oMath>
+                    </m:oMathPara>
+                  </a14:m>
+                  <a:endParaRPr lang="en-CA" sz="2800" dirty="0"/>
+                </a:p>
+              </p:txBody>
+            </p:sp>
+          </mc:Choice>
+          <mc:Fallback>
+            <p:sp>
+              <p:nvSpPr>
+                <p:cNvPr id="6" name="Rectangle 5">
+                  <a:extLst>
+                    <a:ext uri="{FF2B5EF4-FFF2-40B4-BE49-F238E27FC236}">
+                      <a16:creationId xmlns:a16="http://schemas.microsoft.com/office/drawing/2014/main" id="{62633095-8E34-DD31-0586-9A6C538BFBF3}"/>
+                    </a:ext>
+                  </a:extLst>
+                </p:cNvPr>
+                <p:cNvSpPr>
+                  <a:spLocks noRot="1" noChangeAspect="1" noMove="1" noResize="1" noEditPoints="1" noAdjustHandles="1" noChangeArrowheads="1" noChangeShapeType="1" noTextEdit="1"/>
+                </p:cNvSpPr>
+                <p:nvPr/>
+              </p:nvSpPr>
+              <p:spPr>
+                <a:xfrm>
+                  <a:off x="7095049" y="2295204"/>
+                  <a:ext cx="791736" cy="791737"/>
+                </a:xfrm>
+                <a:prstGeom prst="rect">
+                  <a:avLst/>
+                </a:prstGeom>
+                <a:blipFill>
+                  <a:blip r:embed="rId3"/>
+                  <a:stretch>
+                    <a:fillRect/>
+                  </a:stretch>
+                </a:blipFill>
+              </p:spPr>
+              <p:txBody>
+                <a:bodyPr/>
+                <a:lstStyle/>
+                <a:p>
+                  <a:r>
+                    <a:rPr lang="en-CA">
+                      <a:noFill/>
+                    </a:rPr>
+                    <a:t> </a:t>
+                  </a:r>
+                </a:p>
+              </p:txBody>
+            </p:sp>
+          </mc:Fallback>
+        </mc:AlternateContent>
+        <p:cxnSp>
+          <p:nvCxnSpPr>
+            <p:cNvPr id="9" name="Straight Arrow Connector 8">
+              <a:extLst>
+                <a:ext uri="{FF2B5EF4-FFF2-40B4-BE49-F238E27FC236}">
+                  <a16:creationId xmlns:a16="http://schemas.microsoft.com/office/drawing/2014/main" id="{19D7A6AB-DEB4-8E6C-8991-ACFE9B91664E}"/>
+                </a:ext>
+              </a:extLst>
+            </p:cNvPr>
+            <p:cNvCxnSpPr>
+              <a:cxnSpLocks/>
+              <a:stCxn id="5" idx="3"/>
+              <a:endCxn id="6" idx="1"/>
+            </p:cNvCxnSpPr>
+            <p:nvPr/>
+          </p:nvCxnSpPr>
+          <p:spPr>
+            <a:xfrm>
+              <a:off x="4108666" y="2691073"/>
+              <a:ext cx="2986383" cy="0"/>
+            </a:xfrm>
+            <a:prstGeom prst="straightConnector1">
+              <a:avLst/>
+            </a:prstGeom>
+            <a:ln w="28575">
+              <a:headEnd type="none" w="med" len="med"/>
+              <a:tailEnd type="arrow"/>
+            </a:ln>
+          </p:spPr>
+          <p:style>
+            <a:lnRef idx="1">
+              <a:schemeClr val="dk1"/>
+            </a:lnRef>
+            <a:fillRef idx="0">
+              <a:schemeClr val="dk1"/>
+            </a:fillRef>
+            <a:effectRef idx="0">
+              <a:schemeClr val="dk1"/>
+            </a:effectRef>
+            <a:fontRef idx="minor">
+              <a:schemeClr val="tx1"/>
+            </a:fontRef>
+          </p:style>
+        </p:cxnSp>
+        <mc:AlternateContent xmlns:mc="http://schemas.openxmlformats.org/markup-compatibility/2006">
+          <mc:Choice xmlns:a14="http://schemas.microsoft.com/office/drawing/2010/main" Requires="a14">
+            <p:sp>
+              <p:nvSpPr>
+                <p:cNvPr id="30" name="TextBox 29">
+                  <a:extLst>
+                    <a:ext uri="{FF2B5EF4-FFF2-40B4-BE49-F238E27FC236}">
+                      <a16:creationId xmlns:a16="http://schemas.microsoft.com/office/drawing/2014/main" id="{4F43E146-1F8F-BE82-0D4B-6C131B51A004}"/>
+                    </a:ext>
+                  </a:extLst>
+                </p:cNvPr>
+                <p:cNvSpPr txBox="1"/>
+                <p:nvPr/>
+              </p:nvSpPr>
+              <p:spPr>
+                <a:xfrm>
+                  <a:off x="5115412" y="2133762"/>
+                  <a:ext cx="588174" cy="430887"/>
+                </a:xfrm>
+                <a:prstGeom prst="rect">
+                  <a:avLst/>
+                </a:prstGeom>
+                <a:noFill/>
+              </p:spPr>
+              <p:txBody>
+                <a:bodyPr wrap="none" lIns="0" tIns="0" rIns="0" bIns="0" rtlCol="0">
+                  <a:spAutoFit/>
+                </a:bodyPr>
+                <a:lstStyle/>
+                <a:p>
+                  <a:pPr/>
+                  <a14:m>
+                    <m:oMathPara xmlns:m="http://schemas.openxmlformats.org/officeDocument/2006/math">
+                      <m:oMathParaPr>
+                        <m:jc m:val="centerGroup"/>
+                      </m:oMathParaPr>
+                      <m:oMath xmlns:m="http://schemas.openxmlformats.org/officeDocument/2006/math">
+                        <m:sSub>
+                          <m:sSubPr>
+                            <m:ctrlPr>
+                              <a:rPr lang="en-CA" sz="2800" b="0" i="1" smtClean="0">
+                                <a:latin typeface="Cambria Math" panose="02040503050406030204" pitchFamily="18" charset="0"/>
+                              </a:rPr>
+                            </m:ctrlPr>
+                          </m:sSubPr>
+                          <m:e>
+                            <m:r>
+                              <a:rPr lang="en-CA" sz="2800" b="0" i="1" smtClean="0">
+                                <a:latin typeface="Cambria Math" panose="02040503050406030204" pitchFamily="18" charset="0"/>
+                              </a:rPr>
+                              <m:t>𝛽</m:t>
+                            </m:r>
+                          </m:e>
+                          <m:sub>
+                            <m:r>
+                              <a:rPr lang="en-CA" sz="2800" b="0" i="1" smtClean="0">
+                                <a:latin typeface="Cambria Math" panose="02040503050406030204" pitchFamily="18" charset="0"/>
+                              </a:rPr>
+                              <m:t>12</m:t>
+                            </m:r>
+                          </m:sub>
+                        </m:sSub>
+                      </m:oMath>
+                    </m:oMathPara>
+                  </a14:m>
+                  <a:endParaRPr lang="en-CA" sz="2800" b="0" dirty="0"/>
+                </a:p>
+              </p:txBody>
+            </p:sp>
+          </mc:Choice>
+          <mc:Fallback>
+            <p:sp>
+              <p:nvSpPr>
+                <p:cNvPr id="30" name="TextBox 29">
+                  <a:extLst>
+                    <a:ext uri="{FF2B5EF4-FFF2-40B4-BE49-F238E27FC236}">
+                      <a16:creationId xmlns:a16="http://schemas.microsoft.com/office/drawing/2014/main" id="{4F43E146-1F8F-BE82-0D4B-6C131B51A004}"/>
+                    </a:ext>
+                  </a:extLst>
+                </p:cNvPr>
+                <p:cNvSpPr txBox="1">
+                  <a:spLocks noRot="1" noChangeAspect="1" noMove="1" noResize="1" noEditPoints="1" noAdjustHandles="1" noChangeArrowheads="1" noChangeShapeType="1" noTextEdit="1"/>
+                </p:cNvSpPr>
+                <p:nvPr/>
+              </p:nvSpPr>
+              <p:spPr>
+                <a:xfrm>
+                  <a:off x="5115412" y="2133762"/>
+                  <a:ext cx="588174" cy="430887"/>
+                </a:xfrm>
+                <a:prstGeom prst="rect">
+                  <a:avLst/>
+                </a:prstGeom>
+                <a:blipFill>
+                  <a:blip r:embed="rId4"/>
+                  <a:stretch>
+                    <a:fillRect l="-21277" r="-4255" b="-34286"/>
+                  </a:stretch>
+                </a:blipFill>
+              </p:spPr>
+              <p:txBody>
+                <a:bodyPr/>
+                <a:lstStyle/>
+                <a:p>
+                  <a:r>
+                    <a:rPr lang="en-CA">
+                      <a:noFill/>
+                    </a:rPr>
+                    <a:t> </a:t>
+                  </a:r>
+                </a:p>
+              </p:txBody>
+            </p:sp>
+          </mc:Fallback>
+        </mc:AlternateContent>
+        <p:cxnSp>
+          <p:nvCxnSpPr>
+            <p:cNvPr id="39" name="Straight Arrow Connector 38">
+              <a:extLst>
+                <a:ext uri="{FF2B5EF4-FFF2-40B4-BE49-F238E27FC236}">
+                  <a16:creationId xmlns:a16="http://schemas.microsoft.com/office/drawing/2014/main" id="{EF59DF12-60EC-745B-CC63-9309372C72E9}"/>
+                </a:ext>
+              </a:extLst>
+            </p:cNvPr>
+            <p:cNvCxnSpPr>
+              <a:cxnSpLocks/>
+              <a:stCxn id="44" idx="5"/>
+              <a:endCxn id="6" idx="0"/>
+            </p:cNvCxnSpPr>
+            <p:nvPr/>
+          </p:nvCxnSpPr>
+          <p:spPr>
+            <a:xfrm>
+              <a:off x="7277183" y="1994538"/>
+              <a:ext cx="213734" cy="300666"/>
+            </a:xfrm>
+            <a:prstGeom prst="straightConnector1">
+              <a:avLst/>
+            </a:prstGeom>
+            <a:ln w="28575">
+              <a:headEnd type="none" w="med" len="med"/>
+              <a:tailEnd type="arrow"/>
+            </a:ln>
+          </p:spPr>
+          <p:style>
+            <a:lnRef idx="1">
+              <a:schemeClr val="dk1"/>
+            </a:lnRef>
+            <a:fillRef idx="0">
+              <a:schemeClr val="dk1"/>
+            </a:fillRef>
+            <a:effectRef idx="0">
+              <a:schemeClr val="dk1"/>
+            </a:effectRef>
+            <a:fontRef idx="minor">
+              <a:schemeClr val="tx1"/>
+            </a:fontRef>
+          </p:style>
+        </p:cxnSp>
+        <mc:AlternateContent xmlns:mc="http://schemas.openxmlformats.org/markup-compatibility/2006">
+          <mc:Choice xmlns:a14="http://schemas.microsoft.com/office/drawing/2010/main" Requires="a14">
+            <p:sp>
+              <p:nvSpPr>
+                <p:cNvPr id="44" name="Oval 43">
+                  <a:extLst>
+                    <a:ext uri="{FF2B5EF4-FFF2-40B4-BE49-F238E27FC236}">
+                      <a16:creationId xmlns:a16="http://schemas.microsoft.com/office/drawing/2014/main" id="{65A0603C-4695-81D9-B8EC-D1A7880C7FDD}"/>
+                    </a:ext>
+                  </a:extLst>
+                </p:cNvPr>
+                <p:cNvSpPr/>
+                <p:nvPr/>
+              </p:nvSpPr>
+              <p:spPr>
+                <a:xfrm>
+                  <a:off x="6837471" y="1545472"/>
+                  <a:ext cx="515155" cy="526113"/>
+                </a:xfrm>
+                <a:prstGeom prst="ellipse">
+                  <a:avLst/>
+                </a:prstGeom>
+              </p:spPr>
+              <p:style>
+                <a:lnRef idx="2">
+                  <a:schemeClr val="dk1"/>
+                </a:lnRef>
+                <a:fillRef idx="1">
+                  <a:schemeClr val="lt1"/>
+                </a:fillRef>
+                <a:effectRef idx="0">
+                  <a:schemeClr val="dk1"/>
+                </a:effectRef>
+                <a:fontRef idx="minor">
+                  <a:schemeClr val="dk1"/>
+                </a:fontRef>
+              </p:style>
+              <p:txBody>
+                <a:bodyPr lIns="72000" tIns="0" rIns="0" bIns="36000" rtlCol="0" anchor="ctr"/>
+                <a:lstStyle/>
+                <a:p>
+                  <a:pPr algn="ctr"/>
+                  <a14:m>
+                    <m:oMathPara xmlns:m="http://schemas.openxmlformats.org/officeDocument/2006/math">
+                      <m:oMathParaPr>
+                        <m:jc m:val="centerGroup"/>
+                      </m:oMathParaPr>
+                      <m:oMath xmlns:m="http://schemas.openxmlformats.org/officeDocument/2006/math">
+                        <m:sSub>
+                          <m:sSubPr>
+                            <m:ctrlPr>
+                              <a:rPr lang="en-CA" sz="2000" b="0" i="1" smtClean="0">
+                                <a:latin typeface="Cambria Math" panose="02040503050406030204" pitchFamily="18" charset="0"/>
+                              </a:rPr>
+                            </m:ctrlPr>
+                          </m:sSubPr>
+                          <m:e>
+                            <m:r>
+                              <a:rPr lang="en-CA" sz="2000" b="0" i="1" smtClean="0">
+                                <a:latin typeface="Cambria Math" panose="02040503050406030204" pitchFamily="18" charset="0"/>
+                              </a:rPr>
+                              <m:t>𝜁</m:t>
+                            </m:r>
+                          </m:e>
+                          <m:sub>
+                            <m:r>
+                              <a:rPr lang="en-CA" sz="2000" b="0" i="1" smtClean="0">
+                                <a:latin typeface="Cambria Math" panose="02040503050406030204" pitchFamily="18" charset="0"/>
+                              </a:rPr>
+                              <m:t>𝑖</m:t>
+                            </m:r>
+                            <m:r>
+                              <a:rPr lang="en-CA" sz="2000" b="0" i="1" smtClean="0">
+                                <a:latin typeface="Cambria Math" panose="02040503050406030204" pitchFamily="18" charset="0"/>
+                              </a:rPr>
+                              <m:t>2</m:t>
+                            </m:r>
+                          </m:sub>
+                        </m:sSub>
+                      </m:oMath>
+                    </m:oMathPara>
+                  </a14:m>
+                  <a:endParaRPr lang="en-CA" sz="2000" dirty="0"/>
+                </a:p>
+              </p:txBody>
+            </p:sp>
+          </mc:Choice>
+          <mc:Fallback>
+            <p:sp>
+              <p:nvSpPr>
+                <p:cNvPr id="44" name="Oval 43">
+                  <a:extLst>
+                    <a:ext uri="{FF2B5EF4-FFF2-40B4-BE49-F238E27FC236}">
+                      <a16:creationId xmlns:a16="http://schemas.microsoft.com/office/drawing/2014/main" id="{65A0603C-4695-81D9-B8EC-D1A7880C7FDD}"/>
+                    </a:ext>
+                  </a:extLst>
+                </p:cNvPr>
+                <p:cNvSpPr>
+                  <a:spLocks noRot="1" noChangeAspect="1" noMove="1" noResize="1" noEditPoints="1" noAdjustHandles="1" noChangeArrowheads="1" noChangeShapeType="1" noTextEdit="1"/>
+                </p:cNvSpPr>
+                <p:nvPr/>
+              </p:nvSpPr>
+              <p:spPr>
+                <a:xfrm>
+                  <a:off x="6837471" y="1545472"/>
+                  <a:ext cx="515155" cy="526113"/>
+                </a:xfrm>
+                <a:prstGeom prst="ellipse">
+                  <a:avLst/>
+                </a:prstGeom>
+                <a:blipFill>
+                  <a:blip r:embed="rId5"/>
+                  <a:stretch>
+                    <a:fillRect/>
+                  </a:stretch>
+                </a:blipFill>
+              </p:spPr>
+              <p:txBody>
+                <a:bodyPr/>
+                <a:lstStyle/>
+                <a:p>
+                  <a:r>
+                    <a:rPr lang="en-CA">
+                      <a:noFill/>
+                    </a:rPr>
+                    <a:t> </a:t>
+                  </a:r>
+                </a:p>
+              </p:txBody>
+            </p:sp>
+          </mc:Fallback>
+        </mc:AlternateContent>
+        <mc:AlternateContent xmlns:mc="http://schemas.openxmlformats.org/markup-compatibility/2006">
+          <mc:Choice xmlns:a14="http://schemas.microsoft.com/office/drawing/2010/main" Requires="a14">
+            <p:sp>
+              <p:nvSpPr>
+                <p:cNvPr id="10" name="Rectangle 9">
+                  <a:extLst>
+                    <a:ext uri="{FF2B5EF4-FFF2-40B4-BE49-F238E27FC236}">
+                      <a16:creationId xmlns:a16="http://schemas.microsoft.com/office/drawing/2014/main" id="{476E8E43-7695-82D7-3D50-DE9DA32D12F8}"/>
+                    </a:ext>
+                  </a:extLst>
+                </p:cNvPr>
+                <p:cNvSpPr/>
+                <p:nvPr/>
+              </p:nvSpPr>
+              <p:spPr>
+                <a:xfrm>
+                  <a:off x="1627340" y="4418945"/>
+                  <a:ext cx="791736" cy="791737"/>
+                </a:xfrm>
+                <a:prstGeom prst="rect">
+                  <a:avLst/>
+                </a:prstGeom>
+              </p:spPr>
+              <p:style>
+                <a:lnRef idx="2">
+                  <a:schemeClr val="dk1"/>
+                </a:lnRef>
+                <a:fillRef idx="1">
+                  <a:schemeClr val="lt1"/>
+                </a:fillRef>
+                <a:effectRef idx="0">
+                  <a:schemeClr val="dk1"/>
+                </a:effectRef>
+                <a:fontRef idx="minor">
+                  <a:schemeClr val="dk1"/>
+                </a:fontRef>
+              </p:style>
+              <p:txBody>
+                <a:bodyPr wrap="none" lIns="108000" tIns="0" rIns="0" bIns="108000" rtlCol="0" anchor="ctr" anchorCtr="1"/>
+                <a:lstStyle/>
+                <a:p>
+                  <a:pPr algn="just"/>
+                  <a14:m>
+                    <m:oMathPara xmlns:m="http://schemas.openxmlformats.org/officeDocument/2006/math">
+                      <m:oMathParaPr>
+                        <m:jc m:val="right"/>
+                      </m:oMathParaPr>
+                      <m:oMath xmlns:m="http://schemas.openxmlformats.org/officeDocument/2006/math">
+                        <m:sSub>
+                          <m:sSubPr>
+                            <m:ctrlPr>
+                              <a:rPr lang="en-CA" sz="2800" b="0" i="1" smtClean="0">
+                                <a:latin typeface="Cambria Math" panose="02040503050406030204" pitchFamily="18" charset="0"/>
+                              </a:rPr>
+                            </m:ctrlPr>
+                          </m:sSubPr>
+                          <m:e>
+                            <m:r>
+                              <a:rPr lang="en-CA" sz="2800" b="0" i="1" smtClean="0">
+                                <a:latin typeface="Cambria Math" panose="02040503050406030204" pitchFamily="18" charset="0"/>
+                              </a:rPr>
+                              <m:t>𝑥</m:t>
+                            </m:r>
+                          </m:e>
+                          <m:sub>
+                            <m:r>
+                              <a:rPr lang="en-CA" sz="2800" b="0" i="1" smtClean="0">
+                                <a:latin typeface="Cambria Math" panose="02040503050406030204" pitchFamily="18" charset="0"/>
+                              </a:rPr>
+                              <m:t>𝑖</m:t>
+                            </m:r>
+                          </m:sub>
+                        </m:sSub>
+                      </m:oMath>
+                    </m:oMathPara>
+                  </a14:m>
+                  <a:endParaRPr lang="en-CA" sz="2800" dirty="0"/>
+                </a:p>
+              </p:txBody>
+            </p:sp>
+          </mc:Choice>
+          <mc:Fallback>
+            <p:sp>
+              <p:nvSpPr>
+                <p:cNvPr id="10" name="Rectangle 9">
+                  <a:extLst>
+                    <a:ext uri="{FF2B5EF4-FFF2-40B4-BE49-F238E27FC236}">
+                      <a16:creationId xmlns:a16="http://schemas.microsoft.com/office/drawing/2014/main" id="{476E8E43-7695-82D7-3D50-DE9DA32D12F8}"/>
+                    </a:ext>
+                  </a:extLst>
+                </p:cNvPr>
+                <p:cNvSpPr>
+                  <a:spLocks noRot="1" noChangeAspect="1" noMove="1" noResize="1" noEditPoints="1" noAdjustHandles="1" noChangeArrowheads="1" noChangeShapeType="1" noTextEdit="1"/>
+                </p:cNvSpPr>
+                <p:nvPr/>
+              </p:nvSpPr>
+              <p:spPr>
+                <a:xfrm>
+                  <a:off x="1627340" y="4418945"/>
+                  <a:ext cx="791736" cy="791737"/>
+                </a:xfrm>
+                <a:prstGeom prst="rect">
+                  <a:avLst/>
+                </a:prstGeom>
+                <a:blipFill>
+                  <a:blip r:embed="rId6"/>
+                  <a:stretch>
+                    <a:fillRect/>
+                  </a:stretch>
+                </a:blipFill>
+              </p:spPr>
+              <p:txBody>
+                <a:bodyPr/>
+                <a:lstStyle/>
+                <a:p>
+                  <a:r>
+                    <a:rPr lang="en-CA">
+                      <a:noFill/>
+                    </a:rPr>
+                    <a:t> </a:t>
+                  </a:r>
+                </a:p>
+              </p:txBody>
+            </p:sp>
+          </mc:Fallback>
+        </mc:AlternateContent>
+        <p:cxnSp>
+          <p:nvCxnSpPr>
+            <p:cNvPr id="18" name="Straight Arrow Connector 17">
+              <a:extLst>
+                <a:ext uri="{FF2B5EF4-FFF2-40B4-BE49-F238E27FC236}">
+                  <a16:creationId xmlns:a16="http://schemas.microsoft.com/office/drawing/2014/main" id="{7565866C-97A4-7A43-3BC0-E961C1E2B415}"/>
+                </a:ext>
+              </a:extLst>
+            </p:cNvPr>
+            <p:cNvCxnSpPr>
+              <a:cxnSpLocks/>
+              <a:stCxn id="10" idx="0"/>
+              <a:endCxn id="5" idx="1"/>
+            </p:cNvCxnSpPr>
+            <p:nvPr/>
+          </p:nvCxnSpPr>
+          <p:spPr>
+            <a:xfrm flipV="1">
+              <a:off x="2023208" y="2691073"/>
+              <a:ext cx="1293723" cy="1727872"/>
+            </a:xfrm>
+            <a:prstGeom prst="straightConnector1">
+              <a:avLst/>
+            </a:prstGeom>
+            <a:ln w="28575">
+              <a:headEnd type="none" w="med" len="med"/>
+              <a:tailEnd type="arrow"/>
+            </a:ln>
+          </p:spPr>
+          <p:style>
+            <a:lnRef idx="1">
+              <a:schemeClr val="dk1"/>
+            </a:lnRef>
+            <a:fillRef idx="0">
+              <a:schemeClr val="dk1"/>
+            </a:fillRef>
+            <a:effectRef idx="0">
+              <a:schemeClr val="dk1"/>
+            </a:effectRef>
+            <a:fontRef idx="minor">
+              <a:schemeClr val="tx1"/>
+            </a:fontRef>
+          </p:style>
+        </p:cxnSp>
+        <p:cxnSp>
+          <p:nvCxnSpPr>
+            <p:cNvPr id="21" name="Straight Arrow Connector 20">
+              <a:extLst>
+                <a:ext uri="{FF2B5EF4-FFF2-40B4-BE49-F238E27FC236}">
+                  <a16:creationId xmlns:a16="http://schemas.microsoft.com/office/drawing/2014/main" id="{DC6ACCE5-DDF1-0CA1-F899-5B9112B2BB0F}"/>
+                </a:ext>
+              </a:extLst>
+            </p:cNvPr>
+            <p:cNvCxnSpPr>
+              <a:cxnSpLocks/>
+              <a:stCxn id="10" idx="0"/>
+              <a:endCxn id="6" idx="1"/>
+            </p:cNvCxnSpPr>
+            <p:nvPr/>
+          </p:nvCxnSpPr>
+          <p:spPr>
+            <a:xfrm flipV="1">
+              <a:off x="2023208" y="2691073"/>
+              <a:ext cx="5071841" cy="1727872"/>
+            </a:xfrm>
+            <a:prstGeom prst="straightConnector1">
+              <a:avLst/>
+            </a:prstGeom>
+            <a:ln w="28575">
+              <a:headEnd type="none" w="med" len="med"/>
+              <a:tailEnd type="arrow"/>
+            </a:ln>
+          </p:spPr>
+          <p:style>
+            <a:lnRef idx="1">
+              <a:schemeClr val="dk1"/>
+            </a:lnRef>
+            <a:fillRef idx="0">
+              <a:schemeClr val="dk1"/>
+            </a:fillRef>
+            <a:effectRef idx="0">
+              <a:schemeClr val="dk1"/>
+            </a:effectRef>
+            <a:fontRef idx="minor">
+              <a:schemeClr val="tx1"/>
+            </a:fontRef>
+          </p:style>
+        </p:cxnSp>
+        <mc:AlternateContent xmlns:mc="http://schemas.openxmlformats.org/markup-compatibility/2006">
+          <mc:Choice xmlns:a14="http://schemas.microsoft.com/office/drawing/2010/main" Requires="a14">
+            <p:sp>
+              <p:nvSpPr>
+                <p:cNvPr id="24" name="TextBox 23">
+                  <a:extLst>
+                    <a:ext uri="{FF2B5EF4-FFF2-40B4-BE49-F238E27FC236}">
+                      <a16:creationId xmlns:a16="http://schemas.microsoft.com/office/drawing/2014/main" id="{858F890B-FCC2-A7E5-1404-93D460B558FD}"/>
+                    </a:ext>
+                  </a:extLst>
+                </p:cNvPr>
+                <p:cNvSpPr txBox="1"/>
+                <p:nvPr/>
+              </p:nvSpPr>
+              <p:spPr>
+                <a:xfrm>
+                  <a:off x="4559128" y="3555009"/>
+                  <a:ext cx="570156" cy="430887"/>
+                </a:xfrm>
+                <a:prstGeom prst="rect">
+                  <a:avLst/>
+                </a:prstGeom>
+                <a:noFill/>
+              </p:spPr>
+              <p:txBody>
+                <a:bodyPr wrap="none" lIns="0" tIns="0" rIns="0" bIns="0" rtlCol="0">
+                  <a:spAutoFit/>
+                </a:bodyPr>
+                <a:lstStyle/>
+                <a:p>
+                  <a:pPr/>
+                  <a14:m>
+                    <m:oMathPara xmlns:m="http://schemas.openxmlformats.org/officeDocument/2006/math">
+                      <m:oMathParaPr>
+                        <m:jc m:val="centerGroup"/>
+                      </m:oMathParaPr>
+                      <m:oMath xmlns:m="http://schemas.openxmlformats.org/officeDocument/2006/math">
+                        <m:sSub>
+                          <m:sSubPr>
+                            <m:ctrlPr>
+                              <a:rPr lang="en-CA" sz="2800" b="0" i="1" smtClean="0">
+                                <a:latin typeface="Cambria Math" panose="02040503050406030204" pitchFamily="18" charset="0"/>
+                              </a:rPr>
+                            </m:ctrlPr>
+                          </m:sSubPr>
+                          <m:e>
+                            <m:r>
+                              <a:rPr lang="en-CA" sz="2800" b="0" i="1" smtClean="0">
+                                <a:latin typeface="Cambria Math" panose="02040503050406030204" pitchFamily="18" charset="0"/>
+                              </a:rPr>
+                              <m:t>𝛾</m:t>
+                            </m:r>
+                          </m:e>
+                          <m:sub>
+                            <m:r>
+                              <a:rPr lang="en-CA" sz="2800" b="0" i="1" smtClean="0">
+                                <a:latin typeface="Cambria Math" panose="02040503050406030204" pitchFamily="18" charset="0"/>
+                              </a:rPr>
+                              <m:t>1</m:t>
+                            </m:r>
+                            <m:r>
+                              <a:rPr lang="en-CA" sz="2800" b="0" i="1" smtClean="0">
+                                <a:latin typeface="Cambria Math" panose="02040503050406030204" pitchFamily="18" charset="0"/>
+                              </a:rPr>
+                              <m:t>2</m:t>
+                            </m:r>
+                          </m:sub>
+                        </m:sSub>
+                      </m:oMath>
+                    </m:oMathPara>
+                  </a14:m>
+                  <a:endParaRPr lang="en-CA" sz="2800" b="0" dirty="0"/>
+                </a:p>
+              </p:txBody>
+            </p:sp>
+          </mc:Choice>
+          <mc:Fallback>
+            <p:sp>
+              <p:nvSpPr>
+                <p:cNvPr id="24" name="TextBox 23">
+                  <a:extLst>
+                    <a:ext uri="{FF2B5EF4-FFF2-40B4-BE49-F238E27FC236}">
+                      <a16:creationId xmlns:a16="http://schemas.microsoft.com/office/drawing/2014/main" id="{858F890B-FCC2-A7E5-1404-93D460B558FD}"/>
+                    </a:ext>
+                  </a:extLst>
+                </p:cNvPr>
+                <p:cNvSpPr txBox="1">
+                  <a:spLocks noRot="1" noChangeAspect="1" noMove="1" noResize="1" noEditPoints="1" noAdjustHandles="1" noChangeArrowheads="1" noChangeShapeType="1" noTextEdit="1"/>
+                </p:cNvSpPr>
+                <p:nvPr/>
+              </p:nvSpPr>
+              <p:spPr>
+                <a:xfrm>
+                  <a:off x="4559128" y="3555009"/>
+                  <a:ext cx="570156" cy="430887"/>
+                </a:xfrm>
+                <a:prstGeom prst="rect">
+                  <a:avLst/>
+                </a:prstGeom>
+                <a:blipFill>
+                  <a:blip r:embed="rId7"/>
+                  <a:stretch>
+                    <a:fillRect l="-13043" r="-4348" b="-20000"/>
+                  </a:stretch>
+                </a:blipFill>
+              </p:spPr>
+              <p:txBody>
+                <a:bodyPr/>
+                <a:lstStyle/>
+                <a:p>
+                  <a:r>
+                    <a:rPr lang="en-CA">
+                      <a:noFill/>
+                    </a:rPr>
+                    <a:t> </a:t>
+                  </a:r>
+                </a:p>
+              </p:txBody>
+            </p:sp>
+          </mc:Fallback>
+        </mc:AlternateContent>
+        <mc:AlternateContent xmlns:mc="http://schemas.openxmlformats.org/markup-compatibility/2006">
+          <mc:Choice xmlns:a14="http://schemas.microsoft.com/office/drawing/2010/main" Requires="a14">
+            <p:sp>
+              <p:nvSpPr>
+                <p:cNvPr id="25" name="TextBox 24">
+                  <a:extLst>
+                    <a:ext uri="{FF2B5EF4-FFF2-40B4-BE49-F238E27FC236}">
+                      <a16:creationId xmlns:a16="http://schemas.microsoft.com/office/drawing/2014/main" id="{CEEC2139-A38D-EE70-173B-C033BB216A88}"/>
+                    </a:ext>
+                  </a:extLst>
+                </p:cNvPr>
+                <p:cNvSpPr txBox="1"/>
+                <p:nvPr/>
+              </p:nvSpPr>
+              <p:spPr>
+                <a:xfrm>
+                  <a:off x="2133998" y="2998113"/>
+                  <a:ext cx="570156" cy="430887"/>
+                </a:xfrm>
+                <a:prstGeom prst="rect">
+                  <a:avLst/>
+                </a:prstGeom>
+                <a:noFill/>
+              </p:spPr>
+              <p:txBody>
+                <a:bodyPr wrap="none" lIns="0" tIns="0" rIns="0" bIns="0" rtlCol="0">
+                  <a:spAutoFit/>
+                </a:bodyPr>
+                <a:lstStyle/>
+                <a:p>
+                  <a:pPr/>
+                  <a14:m>
+                    <m:oMathPara xmlns:m="http://schemas.openxmlformats.org/officeDocument/2006/math">
+                      <m:oMathParaPr>
+                        <m:jc m:val="centerGroup"/>
+                      </m:oMathParaPr>
+                      <m:oMath xmlns:m="http://schemas.openxmlformats.org/officeDocument/2006/math">
+                        <m:sSub>
+                          <m:sSubPr>
+                            <m:ctrlPr>
+                              <a:rPr lang="en-CA" sz="2800" b="0" i="1" smtClean="0">
+                                <a:latin typeface="Cambria Math" panose="02040503050406030204" pitchFamily="18" charset="0"/>
+                              </a:rPr>
+                            </m:ctrlPr>
+                          </m:sSubPr>
+                          <m:e>
+                            <m:r>
+                              <a:rPr lang="en-CA" sz="2800" b="0" i="1" smtClean="0">
+                                <a:latin typeface="Cambria Math" panose="02040503050406030204" pitchFamily="18" charset="0"/>
+                              </a:rPr>
+                              <m:t>𝛾</m:t>
+                            </m:r>
+                          </m:e>
+                          <m:sub>
+                            <m:r>
+                              <a:rPr lang="en-CA" sz="2800" b="0" i="1" smtClean="0">
+                                <a:latin typeface="Cambria Math" panose="02040503050406030204" pitchFamily="18" charset="0"/>
+                              </a:rPr>
+                              <m:t>1</m:t>
+                            </m:r>
+                            <m:r>
+                              <a:rPr lang="en-CA" sz="2800" b="0" i="1" smtClean="0">
+                                <a:latin typeface="Cambria Math" panose="02040503050406030204" pitchFamily="18" charset="0"/>
+                              </a:rPr>
+                              <m:t>1</m:t>
+                            </m:r>
+                          </m:sub>
+                        </m:sSub>
+                      </m:oMath>
+                    </m:oMathPara>
+                  </a14:m>
+                  <a:endParaRPr lang="en-CA" sz="2800" b="0" dirty="0"/>
+                </a:p>
+              </p:txBody>
+            </p:sp>
+          </mc:Choice>
+          <mc:Fallback>
+            <p:sp>
+              <p:nvSpPr>
+                <p:cNvPr id="25" name="TextBox 24">
+                  <a:extLst>
+                    <a:ext uri="{FF2B5EF4-FFF2-40B4-BE49-F238E27FC236}">
+                      <a16:creationId xmlns:a16="http://schemas.microsoft.com/office/drawing/2014/main" id="{CEEC2139-A38D-EE70-173B-C033BB216A88}"/>
+                    </a:ext>
+                  </a:extLst>
+                </p:cNvPr>
+                <p:cNvSpPr txBox="1">
+                  <a:spLocks noRot="1" noChangeAspect="1" noMove="1" noResize="1" noEditPoints="1" noAdjustHandles="1" noChangeArrowheads="1" noChangeShapeType="1" noTextEdit="1"/>
+                </p:cNvSpPr>
+                <p:nvPr/>
+              </p:nvSpPr>
+              <p:spPr>
+                <a:xfrm>
+                  <a:off x="2133998" y="2998113"/>
+                  <a:ext cx="570156" cy="430887"/>
+                </a:xfrm>
+                <a:prstGeom prst="rect">
+                  <a:avLst/>
+                </a:prstGeom>
+                <a:blipFill>
+                  <a:blip r:embed="rId8"/>
+                  <a:stretch>
+                    <a:fillRect l="-13043" r="-4348" b="-17143"/>
+                  </a:stretch>
+                </a:blipFill>
+              </p:spPr>
+              <p:txBody>
+                <a:bodyPr/>
+                <a:lstStyle/>
+                <a:p>
+                  <a:r>
+                    <a:rPr lang="en-CA">
+                      <a:noFill/>
+                    </a:rPr>
+                    <a:t> </a:t>
+                  </a:r>
+                </a:p>
+              </p:txBody>
+            </p:sp>
+          </mc:Fallback>
+        </mc:AlternateContent>
+        <p:cxnSp>
+          <p:nvCxnSpPr>
+            <p:cNvPr id="55" name="Straight Arrow Connector 54">
+              <a:extLst>
+                <a:ext uri="{FF2B5EF4-FFF2-40B4-BE49-F238E27FC236}">
+                  <a16:creationId xmlns:a16="http://schemas.microsoft.com/office/drawing/2014/main" id="{4C01BD3C-7641-4B94-1259-4632518ABF41}"/>
+                </a:ext>
+              </a:extLst>
+            </p:cNvPr>
+            <p:cNvCxnSpPr>
+              <a:cxnSpLocks/>
+              <a:stCxn id="56" idx="5"/>
+              <a:endCxn id="5" idx="0"/>
+            </p:cNvCxnSpPr>
+            <p:nvPr/>
+          </p:nvCxnSpPr>
+          <p:spPr>
+            <a:xfrm>
+              <a:off x="3499065" y="1994538"/>
+              <a:ext cx="213734" cy="300666"/>
+            </a:xfrm>
+            <a:prstGeom prst="straightConnector1">
+              <a:avLst/>
+            </a:prstGeom>
+            <a:ln w="28575">
+              <a:headEnd type="none" w="med" len="med"/>
+              <a:tailEnd type="arrow"/>
+            </a:ln>
+          </p:spPr>
+          <p:style>
+            <a:lnRef idx="1">
+              <a:schemeClr val="dk1"/>
+            </a:lnRef>
+            <a:fillRef idx="0">
+              <a:schemeClr val="dk1"/>
+            </a:fillRef>
+            <a:effectRef idx="0">
+              <a:schemeClr val="dk1"/>
+            </a:effectRef>
+            <a:fontRef idx="minor">
+              <a:schemeClr val="tx1"/>
+            </a:fontRef>
+          </p:style>
+        </p:cxnSp>
+        <mc:AlternateContent xmlns:mc="http://schemas.openxmlformats.org/markup-compatibility/2006">
+          <mc:Choice xmlns:a14="http://schemas.microsoft.com/office/drawing/2010/main" Requires="a14">
+            <p:sp>
+              <p:nvSpPr>
+                <p:cNvPr id="56" name="Oval 55">
+                  <a:extLst>
+                    <a:ext uri="{FF2B5EF4-FFF2-40B4-BE49-F238E27FC236}">
+                      <a16:creationId xmlns:a16="http://schemas.microsoft.com/office/drawing/2014/main" id="{C2A4BCAA-D112-E622-89B5-D72AD2E5218D}"/>
+                    </a:ext>
+                  </a:extLst>
+                </p:cNvPr>
+                <p:cNvSpPr/>
+                <p:nvPr/>
+              </p:nvSpPr>
+              <p:spPr>
+                <a:xfrm>
+                  <a:off x="3059353" y="1545472"/>
+                  <a:ext cx="515155" cy="526113"/>
+                </a:xfrm>
+                <a:prstGeom prst="ellipse">
+                  <a:avLst/>
+                </a:prstGeom>
+              </p:spPr>
+              <p:style>
+                <a:lnRef idx="2">
+                  <a:schemeClr val="dk1"/>
+                </a:lnRef>
+                <a:fillRef idx="1">
+                  <a:schemeClr val="lt1"/>
+                </a:fillRef>
+                <a:effectRef idx="0">
+                  <a:schemeClr val="dk1"/>
+                </a:effectRef>
+                <a:fontRef idx="minor">
+                  <a:schemeClr val="dk1"/>
+                </a:fontRef>
+              </p:style>
+              <p:txBody>
+                <a:bodyPr lIns="72000" tIns="0" rIns="0" bIns="36000" rtlCol="0" anchor="ctr"/>
+                <a:lstStyle/>
+                <a:p>
+                  <a:pPr algn="ctr"/>
+                  <a14:m>
+                    <m:oMathPara xmlns:m="http://schemas.openxmlformats.org/officeDocument/2006/math">
+                      <m:oMathParaPr>
+                        <m:jc m:val="centerGroup"/>
+                      </m:oMathParaPr>
+                      <m:oMath xmlns:m="http://schemas.openxmlformats.org/officeDocument/2006/math">
+                        <m:sSub>
+                          <m:sSubPr>
+                            <m:ctrlPr>
+                              <a:rPr lang="en-CA" sz="2000" b="0" i="1" smtClean="0">
+                                <a:latin typeface="Cambria Math" panose="02040503050406030204" pitchFamily="18" charset="0"/>
+                              </a:rPr>
+                            </m:ctrlPr>
+                          </m:sSubPr>
+                          <m:e>
+                            <m:r>
+                              <a:rPr lang="en-CA" sz="2000" b="0" i="1" smtClean="0">
+                                <a:latin typeface="Cambria Math" panose="02040503050406030204" pitchFamily="18" charset="0"/>
+                              </a:rPr>
+                              <m:t>𝜁</m:t>
+                            </m:r>
+                          </m:e>
+                          <m:sub>
+                            <m:r>
+                              <a:rPr lang="en-CA" sz="2000" b="0" i="1" smtClean="0">
+                                <a:latin typeface="Cambria Math" panose="02040503050406030204" pitchFamily="18" charset="0"/>
+                              </a:rPr>
+                              <m:t>𝑖</m:t>
+                            </m:r>
+                            <m:r>
+                              <a:rPr lang="en-CA" sz="2000" b="0" i="1" smtClean="0">
+                                <a:latin typeface="Cambria Math" panose="02040503050406030204" pitchFamily="18" charset="0"/>
+                              </a:rPr>
+                              <m:t>1</m:t>
+                            </m:r>
+                          </m:sub>
+                        </m:sSub>
+                      </m:oMath>
+                    </m:oMathPara>
+                  </a14:m>
+                  <a:endParaRPr lang="en-CA" sz="2000" dirty="0"/>
+                </a:p>
+              </p:txBody>
+            </p:sp>
+          </mc:Choice>
+          <mc:Fallback>
+            <p:sp>
+              <p:nvSpPr>
+                <p:cNvPr id="56" name="Oval 55">
+                  <a:extLst>
+                    <a:ext uri="{FF2B5EF4-FFF2-40B4-BE49-F238E27FC236}">
+                      <a16:creationId xmlns:a16="http://schemas.microsoft.com/office/drawing/2014/main" id="{C2A4BCAA-D112-E622-89B5-D72AD2E5218D}"/>
+                    </a:ext>
+                  </a:extLst>
+                </p:cNvPr>
+                <p:cNvSpPr>
+                  <a:spLocks noRot="1" noChangeAspect="1" noMove="1" noResize="1" noEditPoints="1" noAdjustHandles="1" noChangeArrowheads="1" noChangeShapeType="1" noTextEdit="1"/>
+                </p:cNvSpPr>
+                <p:nvPr/>
+              </p:nvSpPr>
+              <p:spPr>
+                <a:xfrm>
+                  <a:off x="3059353" y="1545472"/>
+                  <a:ext cx="515155" cy="526113"/>
+                </a:xfrm>
+                <a:prstGeom prst="ellipse">
+                  <a:avLst/>
+                </a:prstGeom>
+                <a:blipFill>
+                  <a:blip r:embed="rId9"/>
+                  <a:stretch>
+                    <a:fillRect/>
+                  </a:stretch>
+                </a:blipFill>
+              </p:spPr>
+              <p:txBody>
+                <a:bodyPr/>
+                <a:lstStyle/>
+                <a:p>
+                  <a:r>
+                    <a:rPr lang="en-CA">
+                      <a:noFill/>
+                    </a:rPr>
+                    <a:t> </a:t>
+                  </a:r>
+                </a:p>
+              </p:txBody>
+            </p:sp>
+          </mc:Fallback>
+        </mc:AlternateContent>
+      </p:grpSp>
+    </p:spTree>
+    <p:extLst>
+      <p:ext uri="{BB962C8B-B14F-4D97-AF65-F5344CB8AC3E}">
+        <p14:creationId xmlns:p14="http://schemas.microsoft.com/office/powerpoint/2010/main" val="2783703639"/>
+      </p:ext>
+    </p:extLst>
+  </p:cSld>
+  <p:clrMapOvr>
+    <a:masterClrMapping/>
+  </p:clrMapOvr>
+</p:sld>
+</file>
+
+<file path=ppt/slides/slide25.xml><?xml version="1.0" encoding="utf-8"?>
+<p:sld xmlns:a="http://schemas.openxmlformats.org/drawingml/2006/main" xmlns:r="http://schemas.openxmlformats.org/officeDocument/2006/relationships" xmlns:p="http://schemas.openxmlformats.org/presentationml/2006/main">
+  <p:cSld>
+    <p:spTree>
+      <p:nvGrpSpPr>
         <p:cNvPr id="1" name=""/>
         <p:cNvGrpSpPr/>
         <p:nvPr/>
@@ -20683,7 +22031,7 @@
             <a:fld id="{5C35FCF4-C3EF-BD43-82E0-05BC237DAD2A}" type="slidenum">
               <a:rPr lang="en-US" smtClean="0"/>
               <a:pPr/>
-              <a:t>24</a:t>
+              <a:t>25</a:t>
             </a:fld>
             <a:endParaRPr lang="en-US" dirty="0"/>
           </a:p>
@@ -22880,6 +24228,15 @@
 </file>
 
 <file path=customXml/item2.xml><?xml version="1.0" encoding="utf-8"?>
+<?mso-contentType ?>
+<FormTemplates xmlns="http://schemas.microsoft.com/sharepoint/v3/contenttype/forms">
+  <Display>DocumentLibraryForm</Display>
+  <Edit>DocumentLibraryForm</Edit>
+  <New>DocumentLibraryForm</New>
+</FormTemplates>
+</file>
+
+<file path=customXml/item3.xml><?xml version="1.0" encoding="utf-8"?>
 <ct:contentTypeSchema xmlns:ct="http://schemas.microsoft.com/office/2006/metadata/contentType" xmlns:ma="http://schemas.microsoft.com/office/2006/metadata/properties/metaAttributes" ct:_="" ma:_="" ma:contentTypeName="文档" ma:contentTypeID="0x010100A14D9A0FA515564792FEACC70AB1043E" ma:contentTypeVersion="15" ma:contentTypeDescription="Create a new document." ma:contentTypeScope="" ma:versionID="268d53061a527a1a15b3a06f324de7ac">
   <xsd:schema xmlns:xsd="http://www.w3.org/2001/XMLSchema" xmlns:xs="http://www.w3.org/2001/XMLSchema" xmlns:p="http://schemas.microsoft.com/office/2006/metadata/properties" xmlns:ns2="7a4191d5-9b76-4ae3-8401-87ceee92a846" xmlns:ns3="b9b0194d-1e98-4efc-bad5-9450f4bf7a13" targetNamespace="http://schemas.microsoft.com/office/2006/metadata/properties" ma:root="true" ma:fieldsID="602eb0f4584b499882d83f15ecf09c65" ns2:_="" ns3:_="">
     <xsd:import namespace="7a4191d5-9b76-4ae3-8401-87ceee92a846"/>
@@ -23102,15 +24459,6 @@
 </ct:contentTypeSchema>
 </file>
 
-<file path=customXml/item3.xml><?xml version="1.0" encoding="utf-8"?>
-<?mso-contentType ?>
-<FormTemplates xmlns="http://schemas.microsoft.com/sharepoint/v3/contenttype/forms">
-  <Display>DocumentLibraryForm</Display>
-  <Edit>DocumentLibraryForm</Edit>
-  <New>DocumentLibraryForm</New>
-</FormTemplates>
-</file>
-
 <file path=customXml/itemProps1.xml><?xml version="1.0" encoding="utf-8"?>
 <ds:datastoreItem xmlns:ds="http://schemas.openxmlformats.org/officeDocument/2006/customXml" ds:itemID="{F0B8F560-7E6C-44AE-AFE4-924D1118F0AA}">
   <ds:schemaRefs>
@@ -23123,6 +24471,14 @@
 </file>
 
 <file path=customXml/itemProps2.xml><?xml version="1.0" encoding="utf-8"?>
+<ds:datastoreItem xmlns:ds="http://schemas.openxmlformats.org/officeDocument/2006/customXml" ds:itemID="{67A4AE25-BBA1-49A6-B4F8-E97286BA017A}">
+  <ds:schemaRefs>
+    <ds:schemaRef ds:uri="http://schemas.microsoft.com/sharepoint/v3/contenttype/forms"/>
+  </ds:schemaRefs>
+</ds:datastoreItem>
+</file>
+
+<file path=customXml/itemProps3.xml><?xml version="1.0" encoding="utf-8"?>
 <ds:datastoreItem xmlns:ds="http://schemas.openxmlformats.org/officeDocument/2006/customXml" ds:itemID="{E8C4D92C-5791-4EB8-90FF-890DA6933338}">
   <ds:schemaRefs>
     <ds:schemaRef ds:uri="http://schemas.microsoft.com/office/2006/metadata/contentType"/>
@@ -23139,12 +24495,4 @@
     <ds:schemaRef ds:uri="http://schemas.microsoft.com/internal/obd"/>
   </ds:schemaRefs>
 </ds:datastoreItem>
-</file>
-
-<file path=customXml/itemProps3.xml><?xml version="1.0" encoding="utf-8"?>
-<ds:datastoreItem xmlns:ds="http://schemas.openxmlformats.org/officeDocument/2006/customXml" ds:itemID="{67A4AE25-BBA1-49A6-B4F8-E97286BA017A}">
-  <ds:schemaRefs>
-    <ds:schemaRef ds:uri="http://schemas.microsoft.com/sharepoint/v3/contenttype/forms"/>
-  </ds:schemaRefs>
-</ds:datastoreItem>
 </file>
--- a/DRAFT - Research Capstone Project v1.pptx
+++ b/DRAFT - Research Capstone Project v1.pptx
@@ -10031,7 +10031,7 @@
           <a:p>
             <a:r>
               <a:rPr lang="en-US" dirty="0"/>
-              <a:t>July 7, 2025</a:t>
+              <a:t>July 28, 2025</a:t>
             </a:r>
           </a:p>
         </p:txBody>
@@ -20602,8 +20602,8 @@
             <a:chExt cx="6259445" cy="3665210"/>
           </a:xfrm>
         </p:grpSpPr>
-        <mc:AlternateContent xmlns:mc="http://schemas.openxmlformats.org/markup-compatibility/2006">
-          <mc:Choice xmlns:a14="http://schemas.microsoft.com/office/drawing/2010/main" Requires="a14">
+        <mc:AlternateContent xmlns:mc="http://schemas.openxmlformats.org/markup-compatibility/2006" xmlns:a14="http://schemas.microsoft.com/office/drawing/2010/main">
+          <mc:Choice Requires="a14">
             <p:sp>
               <p:nvSpPr>
                 <p:cNvPr id="5" name="Rectangle 4">
@@ -20689,7 +20689,7 @@
               </p:txBody>
             </p:sp>
           </mc:Choice>
-          <mc:Fallback>
+          <mc:Fallback xmlns="">
             <p:sp>
               <p:nvSpPr>
                 <p:cNvPr id="5" name="Rectangle 4">
@@ -20734,8 +20734,8 @@
             </p:sp>
           </mc:Fallback>
         </mc:AlternateContent>
-        <mc:AlternateContent xmlns:mc="http://schemas.openxmlformats.org/markup-compatibility/2006">
-          <mc:Choice xmlns:a14="http://schemas.microsoft.com/office/drawing/2010/main" Requires="a14">
+        <mc:AlternateContent xmlns:mc="http://schemas.openxmlformats.org/markup-compatibility/2006" xmlns:a14="http://schemas.microsoft.com/office/drawing/2010/main">
+          <mc:Choice Requires="a14">
             <p:sp>
               <p:nvSpPr>
                 <p:cNvPr id="6" name="Rectangle 5">
@@ -20821,7 +20821,7 @@
               </p:txBody>
             </p:sp>
           </mc:Choice>
-          <mc:Fallback>
+          <mc:Fallback xmlns="">
             <p:sp>
               <p:nvSpPr>
                 <p:cNvPr id="6" name="Rectangle 5">
@@ -20910,8 +20910,8 @@
             </a:fontRef>
           </p:style>
         </p:cxnSp>
-        <mc:AlternateContent xmlns:mc="http://schemas.openxmlformats.org/markup-compatibility/2006">
-          <mc:Choice xmlns:a14="http://schemas.microsoft.com/office/drawing/2010/main" Requires="a14">
+        <mc:AlternateContent xmlns:mc="http://schemas.openxmlformats.org/markup-compatibility/2006" xmlns:a14="http://schemas.microsoft.com/office/drawing/2010/main">
+          <mc:Choice Requires="a14">
             <p:sp>
               <p:nvSpPr>
                 <p:cNvPr id="30" name="TextBox 29">
@@ -20980,7 +20980,7 @@
               </p:txBody>
             </p:sp>
           </mc:Choice>
-          <mc:Fallback>
+          <mc:Fallback xmlns="">
             <p:sp>
               <p:nvSpPr>
                 <p:cNvPr id="30" name="TextBox 29">
@@ -21069,8 +21069,8 @@
             </a:fontRef>
           </p:style>
         </p:cxnSp>
-        <mc:AlternateContent xmlns:mc="http://schemas.openxmlformats.org/markup-compatibility/2006">
-          <mc:Choice xmlns:a14="http://schemas.microsoft.com/office/drawing/2010/main" Requires="a14">
+        <mc:AlternateContent xmlns:mc="http://schemas.openxmlformats.org/markup-compatibility/2006" xmlns:a14="http://schemas.microsoft.com/office/drawing/2010/main">
+          <mc:Choice Requires="a14">
             <p:sp>
               <p:nvSpPr>
                 <p:cNvPr id="44" name="Oval 43">
@@ -21156,7 +21156,7 @@
               </p:txBody>
             </p:sp>
           </mc:Choice>
-          <mc:Fallback>
+          <mc:Fallback xmlns="">
             <p:sp>
               <p:nvSpPr>
                 <p:cNvPr id="44" name="Oval 43">
@@ -21201,8 +21201,8 @@
             </p:sp>
           </mc:Fallback>
         </mc:AlternateContent>
-        <mc:AlternateContent xmlns:mc="http://schemas.openxmlformats.org/markup-compatibility/2006">
-          <mc:Choice xmlns:a14="http://schemas.microsoft.com/office/drawing/2010/main" Requires="a14">
+        <mc:AlternateContent xmlns:mc="http://schemas.openxmlformats.org/markup-compatibility/2006" xmlns:a14="http://schemas.microsoft.com/office/drawing/2010/main">
+          <mc:Choice Requires="a14">
             <p:sp>
               <p:nvSpPr>
                 <p:cNvPr id="10" name="Rectangle 9">
@@ -21282,7 +21282,7 @@
               </p:txBody>
             </p:sp>
           </mc:Choice>
-          <mc:Fallback>
+          <mc:Fallback xmlns="">
             <p:sp>
               <p:nvSpPr>
                 <p:cNvPr id="10" name="Rectangle 9">
@@ -21415,8 +21415,8 @@
             </a:fontRef>
           </p:style>
         </p:cxnSp>
-        <mc:AlternateContent xmlns:mc="http://schemas.openxmlformats.org/markup-compatibility/2006">
-          <mc:Choice xmlns:a14="http://schemas.microsoft.com/office/drawing/2010/main" Requires="a14">
+        <mc:AlternateContent xmlns:mc="http://schemas.openxmlformats.org/markup-compatibility/2006" xmlns:a14="http://schemas.microsoft.com/office/drawing/2010/main">
+          <mc:Choice Requires="a14">
             <p:sp>
               <p:nvSpPr>
                 <p:cNvPr id="24" name="TextBox 23">
@@ -21473,13 +21473,7 @@
                               <a:rPr lang="en-CA" sz="2800" b="0" i="1" smtClean="0">
                                 <a:latin typeface="Cambria Math" panose="02040503050406030204" pitchFamily="18" charset="0"/>
                               </a:rPr>
-                              <m:t>1</m:t>
-                            </m:r>
-                            <m:r>
-                              <a:rPr lang="en-CA" sz="2800" b="0" i="1" smtClean="0">
-                                <a:latin typeface="Cambria Math" panose="02040503050406030204" pitchFamily="18" charset="0"/>
-                              </a:rPr>
-                              <m:t>2</m:t>
+                              <m:t>12</m:t>
                             </m:r>
                           </m:sub>
                         </m:sSub>
@@ -21491,7 +21485,7 @@
               </p:txBody>
             </p:sp>
           </mc:Choice>
-          <mc:Fallback>
+          <mc:Fallback xmlns="">
             <p:sp>
               <p:nvSpPr>
                 <p:cNvPr id="24" name="TextBox 23">
@@ -21536,8 +21530,8 @@
             </p:sp>
           </mc:Fallback>
         </mc:AlternateContent>
-        <mc:AlternateContent xmlns:mc="http://schemas.openxmlformats.org/markup-compatibility/2006">
-          <mc:Choice xmlns:a14="http://schemas.microsoft.com/office/drawing/2010/main" Requires="a14">
+        <mc:AlternateContent xmlns:mc="http://schemas.openxmlformats.org/markup-compatibility/2006" xmlns:a14="http://schemas.microsoft.com/office/drawing/2010/main">
+          <mc:Choice Requires="a14">
             <p:sp>
               <p:nvSpPr>
                 <p:cNvPr id="25" name="TextBox 24">
@@ -21594,13 +21588,7 @@
                               <a:rPr lang="en-CA" sz="2800" b="0" i="1" smtClean="0">
                                 <a:latin typeface="Cambria Math" panose="02040503050406030204" pitchFamily="18" charset="0"/>
                               </a:rPr>
-                              <m:t>1</m:t>
-                            </m:r>
-                            <m:r>
-                              <a:rPr lang="en-CA" sz="2800" b="0" i="1" smtClean="0">
-                                <a:latin typeface="Cambria Math" panose="02040503050406030204" pitchFamily="18" charset="0"/>
-                              </a:rPr>
-                              <m:t>1</m:t>
+                              <m:t>11</m:t>
                             </m:r>
                           </m:sub>
                         </m:sSub>
@@ -21612,7 +21600,7 @@
               </p:txBody>
             </p:sp>
           </mc:Choice>
-          <mc:Fallback>
+          <mc:Fallback xmlns="">
             <p:sp>
               <p:nvSpPr>
                 <p:cNvPr id="25" name="TextBox 24">
@@ -21701,8 +21689,8 @@
             </a:fontRef>
           </p:style>
         </p:cxnSp>
-        <mc:AlternateContent xmlns:mc="http://schemas.openxmlformats.org/markup-compatibility/2006">
-          <mc:Choice xmlns:a14="http://schemas.microsoft.com/office/drawing/2010/main" Requires="a14">
+        <mc:AlternateContent xmlns:mc="http://schemas.openxmlformats.org/markup-compatibility/2006" xmlns:a14="http://schemas.microsoft.com/office/drawing/2010/main">
+          <mc:Choice Requires="a14">
             <p:sp>
               <p:nvSpPr>
                 <p:cNvPr id="56" name="Oval 55">
@@ -21788,7 +21776,7 @@
               </p:txBody>
             </p:sp>
           </mc:Choice>
-          <mc:Fallback>
+          <mc:Fallback xmlns="">
             <p:sp>
               <p:nvSpPr>
                 <p:cNvPr id="56" name="Oval 55">
@@ -24228,15 +24216,6 @@
 </file>
 
 <file path=customXml/item2.xml><?xml version="1.0" encoding="utf-8"?>
-<?mso-contentType ?>
-<FormTemplates xmlns="http://schemas.microsoft.com/sharepoint/v3/contenttype/forms">
-  <Display>DocumentLibraryForm</Display>
-  <Edit>DocumentLibraryForm</Edit>
-  <New>DocumentLibraryForm</New>
-</FormTemplates>
-</file>
-
-<file path=customXml/item3.xml><?xml version="1.0" encoding="utf-8"?>
 <ct:contentTypeSchema xmlns:ct="http://schemas.microsoft.com/office/2006/metadata/contentType" xmlns:ma="http://schemas.microsoft.com/office/2006/metadata/properties/metaAttributes" ct:_="" ma:_="" ma:contentTypeName="文档" ma:contentTypeID="0x010100A14D9A0FA515564792FEACC70AB1043E" ma:contentTypeVersion="15" ma:contentTypeDescription="Create a new document." ma:contentTypeScope="" ma:versionID="268d53061a527a1a15b3a06f324de7ac">
   <xsd:schema xmlns:xsd="http://www.w3.org/2001/XMLSchema" xmlns:xs="http://www.w3.org/2001/XMLSchema" xmlns:p="http://schemas.microsoft.com/office/2006/metadata/properties" xmlns:ns2="7a4191d5-9b76-4ae3-8401-87ceee92a846" xmlns:ns3="b9b0194d-1e98-4efc-bad5-9450f4bf7a13" targetNamespace="http://schemas.microsoft.com/office/2006/metadata/properties" ma:root="true" ma:fieldsID="602eb0f4584b499882d83f15ecf09c65" ns2:_="" ns3:_="">
     <xsd:import namespace="7a4191d5-9b76-4ae3-8401-87ceee92a846"/>
@@ -24459,6 +24438,15 @@
 </ct:contentTypeSchema>
 </file>
 
+<file path=customXml/item3.xml><?xml version="1.0" encoding="utf-8"?>
+<?mso-contentType ?>
+<FormTemplates xmlns="http://schemas.microsoft.com/sharepoint/v3/contenttype/forms">
+  <Display>DocumentLibraryForm</Display>
+  <Edit>DocumentLibraryForm</Edit>
+  <New>DocumentLibraryForm</New>
+</FormTemplates>
+</file>
+
 <file path=customXml/itemProps1.xml><?xml version="1.0" encoding="utf-8"?>
 <ds:datastoreItem xmlns:ds="http://schemas.openxmlformats.org/officeDocument/2006/customXml" ds:itemID="{F0B8F560-7E6C-44AE-AFE4-924D1118F0AA}">
   <ds:schemaRefs>
@@ -24471,14 +24459,6 @@
 </file>
 
 <file path=customXml/itemProps2.xml><?xml version="1.0" encoding="utf-8"?>
-<ds:datastoreItem xmlns:ds="http://schemas.openxmlformats.org/officeDocument/2006/customXml" ds:itemID="{67A4AE25-BBA1-49A6-B4F8-E97286BA017A}">
-  <ds:schemaRefs>
-    <ds:schemaRef ds:uri="http://schemas.microsoft.com/sharepoint/v3/contenttype/forms"/>
-  </ds:schemaRefs>
-</ds:datastoreItem>
-</file>
-
-<file path=customXml/itemProps3.xml><?xml version="1.0" encoding="utf-8"?>
 <ds:datastoreItem xmlns:ds="http://schemas.openxmlformats.org/officeDocument/2006/customXml" ds:itemID="{E8C4D92C-5791-4EB8-90FF-890DA6933338}">
   <ds:schemaRefs>
     <ds:schemaRef ds:uri="http://schemas.microsoft.com/office/2006/metadata/contentType"/>
@@ -24495,4 +24475,12 @@
     <ds:schemaRef ds:uri="http://schemas.microsoft.com/internal/obd"/>
   </ds:schemaRefs>
 </ds:datastoreItem>
+</file>
+
+<file path=customXml/itemProps3.xml><?xml version="1.0" encoding="utf-8"?>
+<ds:datastoreItem xmlns:ds="http://schemas.openxmlformats.org/officeDocument/2006/customXml" ds:itemID="{67A4AE25-BBA1-49A6-B4F8-E97286BA017A}">
+  <ds:schemaRefs>
+    <ds:schemaRef ds:uri="http://schemas.microsoft.com/sharepoint/v3/contenttype/forms"/>
+  </ds:schemaRefs>
+</ds:datastoreItem>
 </file>
--- a/DRAFT - Research Capstone Project v1.pptx
+++ b/DRAFT - Research Capstone Project v1.pptx
@@ -31,7 +31,7 @@
     <p:sldId id="283" r:id="rId25"/>
     <p:sldId id="284" r:id="rId26"/>
     <p:sldId id="282" r:id="rId27"/>
-    <p:sldId id="286" r:id="rId28"/>
+    <p:sldId id="287" r:id="rId28"/>
     <p:sldId id="276" r:id="rId29"/>
   </p:sldIdLst>
   <p:sldSz cx="12192000" cy="6858000"/>
@@ -167,7 +167,7 @@
         <p14:section name="Chapter 2" id="{F93EAB6F-73BF-2E49-B7E3-9CD400E72EF3}">
           <p14:sldIdLst>
             <p14:sldId id="282"/>
-            <p14:sldId id="286"/>
+            <p14:sldId id="287"/>
           </p14:sldIdLst>
         </p14:section>
         <p14:section name="References" id="{40F15CAC-8DAD-3249-8E13-F4A4FA175033}">
@@ -7583,7 +7583,7 @@
           <a:p>
             <a:fld id="{4B2CACE1-0839-DD4E-8A8D-815B08AED9A4}" type="datetimeFigureOut">
               <a:rPr lang="en-US" smtClean="0"/>
-              <a:t>7/28/25</a:t>
+              <a:t>7/29/25</a:t>
             </a:fld>
             <a:endParaRPr lang="en-US"/>
           </a:p>
@@ -17657,10 +17657,10 @@
         </p:nvGrpSpPr>
         <p:grpSpPr>
           <a:xfrm>
-            <a:off x="2877179" y="2824097"/>
-            <a:ext cx="6794234" cy="1970928"/>
-            <a:chOff x="2877179" y="2824097"/>
-            <a:chExt cx="6794234" cy="1970928"/>
+            <a:off x="2877179" y="2884960"/>
+            <a:ext cx="6794234" cy="1910065"/>
+            <a:chOff x="2877179" y="2884960"/>
+            <a:chExt cx="6794234" cy="1910065"/>
           </a:xfrm>
         </p:grpSpPr>
         <mc:AlternateContent xmlns:mc="http://schemas.openxmlformats.org/markup-compatibility/2006" xmlns:a14="http://schemas.microsoft.com/office/drawing/2010/main">
@@ -18174,8 +18174,8 @@
               </p:nvSpPr>
               <p:spPr>
                 <a:xfrm>
-                  <a:off x="5605767" y="2824097"/>
-                  <a:ext cx="417870" cy="430887"/>
+                  <a:off x="5673739" y="2884960"/>
+                  <a:ext cx="356123" cy="369332"/>
                 </a:xfrm>
                 <a:prstGeom prst="rect">
                   <a:avLst/>
@@ -18198,14 +18198,14 @@
                         <m:sSub>
                           <m:sSubPr>
                             <m:ctrlPr>
-                              <a:rPr lang="en-CA" sz="2800" b="0" i="1" smtClean="0">
+                              <a:rPr lang="en-CA" sz="2400" b="0" i="1" smtClean="0">
                                 <a:latin typeface="Cambria Math" panose="02040503050406030204" pitchFamily="18" charset="0"/>
                               </a:rPr>
                             </m:ctrlPr>
                           </m:sSubPr>
                           <m:e>
                             <m:r>
-                              <a:rPr lang="en-CA" sz="2800" b="0" i="1" smtClean="0">
+                              <a:rPr lang="en-CA" sz="2400" b="0" i="1" smtClean="0">
                                 <a:latin typeface="Cambria Math" panose="02040503050406030204" pitchFamily="18" charset="0"/>
                               </a:rPr>
                               <m:t>𝛾</m:t>
@@ -18213,7 +18213,7 @@
                           </m:e>
                           <m:sub>
                             <m:r>
-                              <a:rPr lang="en-CA" sz="2800" b="0" i="1" smtClean="0">
+                              <a:rPr lang="en-CA" sz="2400" b="0" i="1" smtClean="0">
                                 <a:latin typeface="Cambria Math" panose="02040503050406030204" pitchFamily="18" charset="0"/>
                               </a:rPr>
                               <m:t>1</m:t>
@@ -18223,7 +18223,7 @@
                       </m:oMath>
                     </m:oMathPara>
                   </a14:m>
-                  <a:endParaRPr lang="en-CA" sz="2800" b="0" dirty="0"/>
+                  <a:endParaRPr lang="en-CA" sz="2400" b="0" dirty="0"/>
                 </a:p>
               </p:txBody>
             </p:sp>
@@ -18245,8 +18245,8 @@
               </p:nvSpPr>
               <p:spPr>
                 <a:xfrm>
-                  <a:off x="5605767" y="2824097"/>
-                  <a:ext cx="417870" cy="430887"/>
+                  <a:off x="5673739" y="2884960"/>
+                  <a:ext cx="356123" cy="369332"/>
                 </a:xfrm>
                 <a:prstGeom prst="rect">
                   <a:avLst/>
@@ -18254,7 +18254,7 @@
                 <a:blipFill>
                   <a:blip r:embed="rId5"/>
                   <a:stretch>
-                    <a:fillRect l="-17647" r="-5882" b="-17143"/>
+                    <a:fillRect l="-17241" r="-6897" b="-23333"/>
                   </a:stretch>
                 </a:blipFill>
               </p:spPr>
@@ -18290,7 +18290,7 @@
               <p:spPr>
                 <a:xfrm>
                   <a:off x="4836800" y="3667186"/>
-                  <a:ext cx="456342" cy="430887"/>
+                  <a:ext cx="389081" cy="369332"/>
                 </a:xfrm>
                 <a:prstGeom prst="rect">
                   <a:avLst/>
@@ -18313,14 +18313,14 @@
                         <m:sSub>
                           <m:sSubPr>
                             <m:ctrlPr>
-                              <a:rPr lang="en-CA" sz="2800" b="0" i="1" smtClean="0">
+                              <a:rPr lang="en-CA" sz="2400" b="0" i="1" smtClean="0">
                                 <a:latin typeface="Cambria Math" panose="02040503050406030204" pitchFamily="18" charset="0"/>
                               </a:rPr>
                             </m:ctrlPr>
                           </m:sSubPr>
                           <m:e>
                             <m:r>
-                              <a:rPr lang="en-CA" sz="2800" b="0" i="1" smtClean="0">
+                              <a:rPr lang="en-CA" sz="2400" b="0" i="1" smtClean="0">
                                 <a:latin typeface="Cambria Math" panose="02040503050406030204" pitchFamily="18" charset="0"/>
                               </a:rPr>
                               <m:t>𝜇</m:t>
@@ -18328,7 +18328,7 @@
                           </m:e>
                           <m:sub>
                             <m:r>
-                              <a:rPr lang="en-CA" sz="2800" b="0" i="1" smtClean="0">
+                              <a:rPr lang="en-CA" sz="2400" b="0" i="1" smtClean="0">
                                 <a:latin typeface="Cambria Math" panose="02040503050406030204" pitchFamily="18" charset="0"/>
                               </a:rPr>
                               <m:t>𝑥</m:t>
@@ -18338,7 +18338,7 @@
                       </m:oMath>
                     </m:oMathPara>
                   </a14:m>
-                  <a:endParaRPr lang="en-CA" sz="2800" b="0" dirty="0"/>
+                  <a:endParaRPr lang="en-CA" sz="2400" b="0" dirty="0"/>
                 </a:p>
               </p:txBody>
             </p:sp>
@@ -18361,7 +18361,7 @@
               <p:spPr>
                 <a:xfrm>
                   <a:off x="4836800" y="3667186"/>
-                  <a:ext cx="456342" cy="430887"/>
+                  <a:ext cx="389081" cy="369332"/>
                 </a:xfrm>
                 <a:prstGeom prst="rect">
                   <a:avLst/>
@@ -18369,7 +18369,7 @@
                 <a:blipFill>
                   <a:blip r:embed="rId6"/>
                   <a:stretch>
-                    <a:fillRect l="-16216" r="-2703" b="-17143"/>
+                    <a:fillRect l="-15625" b="-23333"/>
                   </a:stretch>
                 </a:blipFill>
               </p:spPr>
@@ -18404,8 +18404,8 @@
               </p:nvSpPr>
               <p:spPr>
                 <a:xfrm>
-                  <a:off x="6651916" y="3667185"/>
-                  <a:ext cx="307455" cy="430887"/>
+                  <a:off x="6677806" y="3667186"/>
+                  <a:ext cx="307455" cy="369332"/>
                 </a:xfrm>
                 <a:prstGeom prst="rect">
                   <a:avLst/>
@@ -18426,7 +18426,7 @@
                       </m:oMathParaPr>
                       <m:oMath xmlns:m="http://schemas.openxmlformats.org/officeDocument/2006/math">
                         <m:r>
-                          <a:rPr lang="en-CA" sz="2800" b="0" i="1" smtClean="0">
+                          <a:rPr lang="en-CA" sz="2400" b="0" i="1" smtClean="0">
                             <a:latin typeface="Cambria Math" panose="02040503050406030204" pitchFamily="18" charset="0"/>
                           </a:rPr>
                           <m:t>𝛼</m:t>
@@ -18434,7 +18434,7 @@
                       </m:oMath>
                     </m:oMathPara>
                   </a14:m>
-                  <a:endParaRPr lang="en-CA" sz="2800" b="0" dirty="0"/>
+                  <a:endParaRPr lang="en-CA" sz="2400" b="0" dirty="0"/>
                 </a:p>
               </p:txBody>
             </p:sp>
@@ -18456,8 +18456,8 @@
               </p:nvSpPr>
               <p:spPr>
                 <a:xfrm>
-                  <a:off x="6651916" y="3667185"/>
-                  <a:ext cx="307455" cy="430887"/>
+                  <a:off x="6677806" y="3667186"/>
+                  <a:ext cx="307455" cy="369332"/>
                 </a:xfrm>
                 <a:prstGeom prst="rect">
                   <a:avLst/>
@@ -18465,7 +18465,7 @@
                 <a:blipFill>
                   <a:blip r:embed="rId7"/>
                   <a:stretch>
-                    <a:fillRect l="-11538" r="-7692"/>
+                    <a:fillRect l="-3846"/>
                   </a:stretch>
                 </a:blipFill>
               </p:spPr>
@@ -18552,7 +18552,7 @@
               <p:spPr>
                 <a:xfrm>
                   <a:off x="2877179" y="3109261"/>
-                  <a:ext cx="479940" cy="430887"/>
+                  <a:ext cx="409086" cy="369332"/>
                 </a:xfrm>
                 <a:prstGeom prst="rect">
                   <a:avLst/>
@@ -18575,14 +18575,14 @@
                         <m:sSubSup>
                           <m:sSubSupPr>
                             <m:ctrlPr>
-                              <a:rPr lang="en-CA" sz="2800" b="0" i="1" smtClean="0">
+                              <a:rPr lang="en-CA" sz="2400" b="0" i="1" smtClean="0">
                                 <a:latin typeface="Cambria Math" panose="02040503050406030204" pitchFamily="18" charset="0"/>
                               </a:rPr>
                             </m:ctrlPr>
                           </m:sSubSupPr>
                           <m:e>
                             <m:r>
-                              <a:rPr lang="en-CA" sz="2800" b="0" i="1" smtClean="0">
+                              <a:rPr lang="en-CA" sz="2400" b="0" i="1" smtClean="0">
                                 <a:latin typeface="Cambria Math" panose="02040503050406030204" pitchFamily="18" charset="0"/>
                               </a:rPr>
                               <m:t>𝜎</m:t>
@@ -18590,7 +18590,7 @@
                           </m:e>
                           <m:sub>
                             <m:r>
-                              <a:rPr lang="en-CA" sz="2800" b="0" i="1" smtClean="0">
+                              <a:rPr lang="en-CA" sz="2400" b="0" i="1" smtClean="0">
                                 <a:latin typeface="Cambria Math" panose="02040503050406030204" pitchFamily="18" charset="0"/>
                               </a:rPr>
                               <m:t>𝑥</m:t>
@@ -18598,7 +18598,7 @@
                           </m:sub>
                           <m:sup>
                             <m:r>
-                              <a:rPr lang="en-CA" sz="2800" b="0" i="1" smtClean="0">
+                              <a:rPr lang="en-CA" sz="2400" b="0" i="1" smtClean="0">
                                 <a:latin typeface="Cambria Math" panose="02040503050406030204" pitchFamily="18" charset="0"/>
                               </a:rPr>
                               <m:t>2</m:t>
@@ -18608,7 +18608,7 @@
                       </m:oMath>
                     </m:oMathPara>
                   </a14:m>
-                  <a:endParaRPr lang="en-CA" sz="2800" b="0" dirty="0"/>
+                  <a:endParaRPr lang="en-CA" sz="2400" b="0" dirty="0"/>
                 </a:p>
               </p:txBody>
             </p:sp>
@@ -18631,7 +18631,7 @@
               <p:spPr>
                 <a:xfrm>
                   <a:off x="2877179" y="3109261"/>
-                  <a:ext cx="479940" cy="430887"/>
+                  <a:ext cx="409086" cy="369332"/>
                 </a:xfrm>
                 <a:prstGeom prst="rect">
                   <a:avLst/>
@@ -18639,7 +18639,7 @@
                 <a:blipFill>
                   <a:blip r:embed="rId8"/>
                   <a:stretch>
-                    <a:fillRect l="-7692" t="-2857" r="-5128" b="-8571"/>
+                    <a:fillRect l="-9091" r="-6061" b="-9677"/>
                   </a:stretch>
                 </a:blipFill>
               </p:spPr>
@@ -18677,7 +18677,7 @@
           <p:spPr>
             <a:xfrm flipH="1">
               <a:off x="8185598" y="3349780"/>
-              <a:ext cx="473128" cy="1162"/>
+              <a:ext cx="473127" cy="1162"/>
             </a:xfrm>
             <a:prstGeom prst="straightConnector1">
               <a:avLst/>
@@ -18718,8 +18718,8 @@
               </p:nvSpPr>
               <p:spPr>
                 <a:xfrm>
-                  <a:off x="8658726" y="3086723"/>
-                  <a:ext cx="515155" cy="526113"/>
+                  <a:off x="8658725" y="3086723"/>
+                  <a:ext cx="529200" cy="526113"/>
                 </a:xfrm>
                 <a:prstGeom prst="ellipse">
                   <a:avLst/>
@@ -18800,8 +18800,8 @@
               </p:nvSpPr>
               <p:spPr>
                 <a:xfrm>
-                  <a:off x="8658726" y="3086723"/>
-                  <a:ext cx="515155" cy="526113"/>
+                  <a:off x="8658725" y="3086723"/>
+                  <a:ext cx="529200" cy="526113"/>
                 </a:xfrm>
                 <a:prstGeom prst="ellipse">
                   <a:avLst/>
@@ -19730,10 +19730,10 @@
       </p:sp>
       <p:grpSp>
         <p:nvGrpSpPr>
-          <p:cNvPr id="10" name="Group 9">
+          <p:cNvPr id="7" name="Group 6">
             <a:extLst>
               <a:ext uri="{FF2B5EF4-FFF2-40B4-BE49-F238E27FC236}">
-                <a16:creationId xmlns:a16="http://schemas.microsoft.com/office/drawing/2014/main" id="{E03D63D3-38E7-8857-CC09-6E884E423D8A}"/>
+                <a16:creationId xmlns:a16="http://schemas.microsoft.com/office/drawing/2014/main" id="{7A5020BA-666A-DCDE-5DAF-135A99F83E14}"/>
               </a:ext>
             </a:extLst>
           </p:cNvPr>
@@ -20054,121 +20054,6 @@
           <mc:Choice Requires="a14">
             <p:sp>
               <p:nvSpPr>
-                <p:cNvPr id="30" name="TextBox 29">
-                  <a:extLst>
-                    <a:ext uri="{FF2B5EF4-FFF2-40B4-BE49-F238E27FC236}">
-                      <a16:creationId xmlns:a16="http://schemas.microsoft.com/office/drawing/2014/main" id="{2E26B11F-3228-AB1C-D581-67E2FB582E9A}"/>
-                    </a:ext>
-                  </a:extLst>
-                </p:cNvPr>
-                <p:cNvSpPr txBox="1"/>
-                <p:nvPr/>
-              </p:nvSpPr>
-              <p:spPr>
-                <a:xfrm>
-                  <a:off x="5605767" y="2824097"/>
-                  <a:ext cx="417870" cy="430887"/>
-                </a:xfrm>
-                <a:prstGeom prst="rect">
-                  <a:avLst/>
-                </a:prstGeom>
-                <a:noFill/>
-              </p:spPr>
-              <p:txBody>
-                <a:bodyPr wrap="none" lIns="0" tIns="0" rIns="0" bIns="0" rtlCol="0">
-                  <a:spAutoFit/>
-                </a:bodyPr>
-                <a:lstStyle/>
-                <a:p>
-                  <a:pPr/>
-                  <a14:m>
-                    <m:oMathPara xmlns:m="http://schemas.openxmlformats.org/officeDocument/2006/math">
-                      <m:oMathParaPr>
-                        <m:jc m:val="centerGroup"/>
-                      </m:oMathParaPr>
-                      <m:oMath xmlns:m="http://schemas.openxmlformats.org/officeDocument/2006/math">
-                        <m:sSub>
-                          <m:sSubPr>
-                            <m:ctrlPr>
-                              <a:rPr lang="en-CA" sz="2800" b="0" i="1" smtClean="0">
-                                <a:latin typeface="Cambria Math" panose="02040503050406030204" pitchFamily="18" charset="0"/>
-                              </a:rPr>
-                            </m:ctrlPr>
-                          </m:sSubPr>
-                          <m:e>
-                            <m:r>
-                              <a:rPr lang="en-CA" sz="2800" b="0" i="1" smtClean="0">
-                                <a:latin typeface="Cambria Math" panose="02040503050406030204" pitchFamily="18" charset="0"/>
-                              </a:rPr>
-                              <m:t>𝛾</m:t>
-                            </m:r>
-                          </m:e>
-                          <m:sub>
-                            <m:r>
-                              <a:rPr lang="en-CA" sz="2800" b="0" i="1" smtClean="0">
-                                <a:latin typeface="Cambria Math" panose="02040503050406030204" pitchFamily="18" charset="0"/>
-                              </a:rPr>
-                              <m:t>1</m:t>
-                            </m:r>
-                          </m:sub>
-                        </m:sSub>
-                      </m:oMath>
-                    </m:oMathPara>
-                  </a14:m>
-                  <a:endParaRPr lang="en-CA" sz="2800" b="0" dirty="0"/>
-                </a:p>
-              </p:txBody>
-            </p:sp>
-          </mc:Choice>
-          <mc:Fallback xmlns="">
-            <p:sp>
-              <p:nvSpPr>
-                <p:cNvPr id="30" name="TextBox 29">
-                  <a:extLst>
-                    <a:ext uri="{FF2B5EF4-FFF2-40B4-BE49-F238E27FC236}">
-                      <a16:creationId xmlns:a16="http://schemas.microsoft.com/office/drawing/2014/main" id="{2E26B11F-3228-AB1C-D581-67E2FB582E9A}"/>
-                    </a:ext>
-                  </a:extLst>
-                </p:cNvPr>
-                <p:cNvSpPr txBox="1">
-                  <a:spLocks noRot="1" noChangeAspect="1" noMove="1" noResize="1" noEditPoints="1" noAdjustHandles="1" noChangeArrowheads="1" noChangeShapeType="1" noTextEdit="1"/>
-                </p:cNvSpPr>
-                <p:nvPr/>
-              </p:nvSpPr>
-              <p:spPr>
-                <a:xfrm>
-                  <a:off x="5605767" y="2824097"/>
-                  <a:ext cx="417870" cy="430887"/>
-                </a:xfrm>
-                <a:prstGeom prst="rect">
-                  <a:avLst/>
-                </a:prstGeom>
-                <a:blipFill>
-                  <a:blip r:embed="rId4"/>
-                  <a:stretch>
-                    <a:fillRect l="-17647" r="-5882" b="-17143"/>
-                  </a:stretch>
-                </a:blipFill>
-              </p:spPr>
-              <p:txBody>
-                <a:bodyPr/>
-                <a:lstStyle/>
-                <a:p>
-                  <a:r>
-                    <a:rPr lang="en-CA">
-                      <a:noFill/>
-                    </a:rPr>
-                    <a:t> </a:t>
-                  </a:r>
-                </a:p>
-              </p:txBody>
-            </p:sp>
-          </mc:Fallback>
-        </mc:AlternateContent>
-        <mc:AlternateContent xmlns:mc="http://schemas.openxmlformats.org/markup-compatibility/2006" xmlns:a14="http://schemas.microsoft.com/office/drawing/2010/main">
-          <mc:Choice Requires="a14">
-            <p:sp>
-              <p:nvSpPr>
                 <p:cNvPr id="32" name="TextBox 31">
                   <a:extLst>
                     <a:ext uri="{FF2B5EF4-FFF2-40B4-BE49-F238E27FC236}">
@@ -20182,7 +20067,7 @@
               <p:spPr>
                 <a:xfrm>
                   <a:off x="7393862" y="2524186"/>
-                  <a:ext cx="307455" cy="430887"/>
+                  <a:ext cx="307455" cy="369332"/>
                 </a:xfrm>
                 <a:prstGeom prst="rect">
                   <a:avLst/>
@@ -20203,7 +20088,7 @@
                       </m:oMathParaPr>
                       <m:oMath xmlns:m="http://schemas.openxmlformats.org/officeDocument/2006/math">
                         <m:r>
-                          <a:rPr lang="en-CA" sz="2800" b="0" i="1" smtClean="0">
+                          <a:rPr lang="en-CA" sz="2400" b="0" i="1" smtClean="0">
                             <a:latin typeface="Cambria Math" panose="02040503050406030204" pitchFamily="18" charset="0"/>
                           </a:rPr>
                           <m:t>𝛼</m:t>
@@ -20211,7 +20096,7 @@
                       </m:oMath>
                     </m:oMathPara>
                   </a14:m>
-                  <a:endParaRPr lang="en-CA" sz="2800" b="0" dirty="0"/>
+                  <a:endParaRPr lang="en-CA" sz="2400" b="0" dirty="0"/>
                 </a:p>
               </p:txBody>
             </p:sp>
@@ -20234,15 +20119,15 @@
               <p:spPr>
                 <a:xfrm>
                   <a:off x="7393862" y="2524186"/>
-                  <a:ext cx="307455" cy="430887"/>
+                  <a:ext cx="307455" cy="369332"/>
                 </a:xfrm>
                 <a:prstGeom prst="rect">
                   <a:avLst/>
                 </a:prstGeom>
                 <a:blipFill>
-                  <a:blip r:embed="rId5"/>
+                  <a:blip r:embed="rId4"/>
                   <a:stretch>
-                    <a:fillRect l="-16000" r="-12000"/>
+                    <a:fillRect l="-8000"/>
                   </a:stretch>
                 </a:blipFill>
               </p:spPr>
@@ -20336,7 +20221,7 @@
                   <a:avLst/>
                 </a:prstGeom>
                 <a:blipFill>
-                  <a:blip r:embed="rId6"/>
+                  <a:blip r:embed="rId5"/>
                   <a:stretch>
                     <a:fillRect l="-36842" r="-36842" b="-26923"/>
                   </a:stretch>
@@ -20408,6 +20293,121 @@
             </a:p>
           </p:txBody>
         </p:sp>
+        <mc:AlternateContent xmlns:mc="http://schemas.openxmlformats.org/markup-compatibility/2006" xmlns:a14="http://schemas.microsoft.com/office/drawing/2010/main">
+          <mc:Choice Requires="a14">
+            <p:sp>
+              <p:nvSpPr>
+                <p:cNvPr id="3" name="TextBox 2">
+                  <a:extLst>
+                    <a:ext uri="{FF2B5EF4-FFF2-40B4-BE49-F238E27FC236}">
+                      <a16:creationId xmlns:a16="http://schemas.microsoft.com/office/drawing/2014/main" id="{C3776265-209D-B785-FA6D-273E1B486F44}"/>
+                    </a:ext>
+                  </a:extLst>
+                </p:cNvPr>
+                <p:cNvSpPr txBox="1"/>
+                <p:nvPr/>
+              </p:nvSpPr>
+              <p:spPr>
+                <a:xfrm>
+                  <a:off x="5673739" y="2884960"/>
+                  <a:ext cx="356123" cy="369332"/>
+                </a:xfrm>
+                <a:prstGeom prst="rect">
+                  <a:avLst/>
+                </a:prstGeom>
+                <a:noFill/>
+              </p:spPr>
+              <p:txBody>
+                <a:bodyPr wrap="none" lIns="0" tIns="0" rIns="0" bIns="0" rtlCol="0">
+                  <a:spAutoFit/>
+                </a:bodyPr>
+                <a:lstStyle/>
+                <a:p>
+                  <a:pPr/>
+                  <a14:m>
+                    <m:oMathPara xmlns:m="http://schemas.openxmlformats.org/officeDocument/2006/math">
+                      <m:oMathParaPr>
+                        <m:jc m:val="centerGroup"/>
+                      </m:oMathParaPr>
+                      <m:oMath xmlns:m="http://schemas.openxmlformats.org/officeDocument/2006/math">
+                        <m:sSub>
+                          <m:sSubPr>
+                            <m:ctrlPr>
+                              <a:rPr lang="en-CA" sz="2400" b="0" i="1" smtClean="0">
+                                <a:latin typeface="Cambria Math" panose="02040503050406030204" pitchFamily="18" charset="0"/>
+                              </a:rPr>
+                            </m:ctrlPr>
+                          </m:sSubPr>
+                          <m:e>
+                            <m:r>
+                              <a:rPr lang="en-CA" sz="2400" b="0" i="1" smtClean="0">
+                                <a:latin typeface="Cambria Math" panose="02040503050406030204" pitchFamily="18" charset="0"/>
+                              </a:rPr>
+                              <m:t>𝛾</m:t>
+                            </m:r>
+                          </m:e>
+                          <m:sub>
+                            <m:r>
+                              <a:rPr lang="en-CA" sz="2400" b="0" i="1" smtClean="0">
+                                <a:latin typeface="Cambria Math" panose="02040503050406030204" pitchFamily="18" charset="0"/>
+                              </a:rPr>
+                              <m:t>1</m:t>
+                            </m:r>
+                          </m:sub>
+                        </m:sSub>
+                      </m:oMath>
+                    </m:oMathPara>
+                  </a14:m>
+                  <a:endParaRPr lang="en-CA" sz="2400" b="0" dirty="0"/>
+                </a:p>
+              </p:txBody>
+            </p:sp>
+          </mc:Choice>
+          <mc:Fallback xmlns="">
+            <p:sp>
+              <p:nvSpPr>
+                <p:cNvPr id="3" name="TextBox 2">
+                  <a:extLst>
+                    <a:ext uri="{FF2B5EF4-FFF2-40B4-BE49-F238E27FC236}">
+                      <a16:creationId xmlns:a16="http://schemas.microsoft.com/office/drawing/2014/main" id="{C3776265-209D-B785-FA6D-273E1B486F44}"/>
+                    </a:ext>
+                  </a:extLst>
+                </p:cNvPr>
+                <p:cNvSpPr txBox="1">
+                  <a:spLocks noRot="1" noChangeAspect="1" noMove="1" noResize="1" noEditPoints="1" noAdjustHandles="1" noChangeArrowheads="1" noChangeShapeType="1" noTextEdit="1"/>
+                </p:cNvSpPr>
+                <p:nvPr/>
+              </p:nvSpPr>
+              <p:spPr>
+                <a:xfrm>
+                  <a:off x="5673739" y="2884960"/>
+                  <a:ext cx="356123" cy="369332"/>
+                </a:xfrm>
+                <a:prstGeom prst="rect">
+                  <a:avLst/>
+                </a:prstGeom>
+                <a:blipFill>
+                  <a:blip r:embed="rId6"/>
+                  <a:stretch>
+                    <a:fillRect l="-17241" r="-6897" b="-23333"/>
+                  </a:stretch>
+                </a:blipFill>
+              </p:spPr>
+              <p:txBody>
+                <a:bodyPr/>
+                <a:lstStyle/>
+                <a:p>
+                  <a:r>
+                    <a:rPr lang="en-CA">
+                      <a:noFill/>
+                    </a:rPr>
+                    <a:t> </a:t>
+                  </a:r>
+                </a:p>
+              </p:txBody>
+            </p:sp>
+          </mc:Fallback>
+        </mc:AlternateContent>
       </p:grpSp>
     </p:spTree>
     <p:extLst>
@@ -20509,7 +20509,7 @@
         <p:cNvPr id="1" name="">
           <a:extLst>
             <a:ext uri="{FF2B5EF4-FFF2-40B4-BE49-F238E27FC236}">
-              <a16:creationId xmlns:a16="http://schemas.microsoft.com/office/drawing/2014/main" id="{7E8D63F7-57C0-915D-0149-13FAC479270E}"/>
+              <a16:creationId xmlns:a16="http://schemas.microsoft.com/office/drawing/2014/main" id="{BC9E76C1-F43D-7E66-6C13-3A470733BCEB}"/>
             </a:ext>
           </a:extLst>
         </p:cNvPr>
@@ -20529,7 +20529,7 @@
           <p:cNvPr id="2" name="Title 1">
             <a:extLst>
               <a:ext uri="{FF2B5EF4-FFF2-40B4-BE49-F238E27FC236}">
-                <a16:creationId xmlns:a16="http://schemas.microsoft.com/office/drawing/2014/main" id="{9D1ACD12-D068-DBC8-3A77-EFED9F420F86}"/>
+                <a16:creationId xmlns:a16="http://schemas.microsoft.com/office/drawing/2014/main" id="{C0662E5A-AD65-3C10-5D76-51AA38053448}"/>
               </a:ext>
             </a:extLst>
           </p:cNvPr>
@@ -20557,7 +20557,7 @@
           <p:cNvPr id="4" name="Slide Number Placeholder 3">
             <a:extLst>
               <a:ext uri="{FF2B5EF4-FFF2-40B4-BE49-F238E27FC236}">
-                <a16:creationId xmlns:a16="http://schemas.microsoft.com/office/drawing/2014/main" id="{A9659EEF-80DD-D247-7937-4304102ABE1C}"/>
+                <a16:creationId xmlns:a16="http://schemas.microsoft.com/office/drawing/2014/main" id="{B9D5CBF7-CDA7-2852-8A57-39BD5013AC93}"/>
               </a:ext>
             </a:extLst>
           </p:cNvPr>
@@ -20584,10 +20584,10 @@
       </p:sp>
       <p:grpSp>
         <p:nvGrpSpPr>
-          <p:cNvPr id="98" name="Group 97">
+          <p:cNvPr id="37" name="Group 36">
             <a:extLst>
               <a:ext uri="{FF2B5EF4-FFF2-40B4-BE49-F238E27FC236}">
-                <a16:creationId xmlns:a16="http://schemas.microsoft.com/office/drawing/2014/main" id="{102CC6F2-DBEB-91D5-E480-7D8FD348FDC1}"/>
+                <a16:creationId xmlns:a16="http://schemas.microsoft.com/office/drawing/2014/main" id="{4059DFAC-8CAD-50FC-2809-A011A7075B54}"/>
               </a:ext>
             </a:extLst>
           </p:cNvPr>
@@ -20596,10 +20596,10 @@
         </p:nvGrpSpPr>
         <p:grpSpPr>
           <a:xfrm>
-            <a:off x="2966277" y="1887016"/>
-            <a:ext cx="6259445" cy="3665210"/>
-            <a:chOff x="1627340" y="1545472"/>
-            <a:chExt cx="6259445" cy="3665210"/>
+            <a:off x="2701677" y="2200496"/>
+            <a:ext cx="6788646" cy="3052649"/>
+            <a:chOff x="2966277" y="2513975"/>
+            <a:chExt cx="6788646" cy="3052649"/>
           </a:xfrm>
         </p:grpSpPr>
         <mc:AlternateContent xmlns:mc="http://schemas.openxmlformats.org/markup-compatibility/2006" xmlns:a14="http://schemas.microsoft.com/office/drawing/2010/main">
@@ -20609,7 +20609,7 @@
                 <p:cNvPr id="5" name="Rectangle 4">
                   <a:extLst>
                     <a:ext uri="{FF2B5EF4-FFF2-40B4-BE49-F238E27FC236}">
-                      <a16:creationId xmlns:a16="http://schemas.microsoft.com/office/drawing/2014/main" id="{D9909665-8240-BB01-6C1D-25054ABD0678}"/>
+                      <a16:creationId xmlns:a16="http://schemas.microsoft.com/office/drawing/2014/main" id="{6011513E-BB3C-0F5C-3C01-AB5BCC003277}"/>
                     </a:ext>
                   </a:extLst>
                 </p:cNvPr>
@@ -20618,7 +20618,7 @@
               </p:nvSpPr>
               <p:spPr>
                 <a:xfrm>
-                  <a:off x="3316931" y="2295204"/>
+                  <a:off x="5625628" y="2927884"/>
                   <a:ext cx="791735" cy="791737"/>
                 </a:xfrm>
                 <a:prstGeom prst="rect">
@@ -20695,7 +20695,7 @@
                 <p:cNvPr id="5" name="Rectangle 4">
                   <a:extLst>
                     <a:ext uri="{FF2B5EF4-FFF2-40B4-BE49-F238E27FC236}">
-                      <a16:creationId xmlns:a16="http://schemas.microsoft.com/office/drawing/2014/main" id="{D9909665-8240-BB01-6C1D-25054ABD0678}"/>
+                      <a16:creationId xmlns:a16="http://schemas.microsoft.com/office/drawing/2014/main" id="{6011513E-BB3C-0F5C-3C01-AB5BCC003277}"/>
                     </a:ext>
                   </a:extLst>
                 </p:cNvPr>
@@ -20706,7 +20706,7 @@
               </p:nvSpPr>
               <p:spPr>
                 <a:xfrm>
-                  <a:off x="3316931" y="2295204"/>
+                  <a:off x="5625628" y="2927884"/>
                   <a:ext cx="791735" cy="791737"/>
                 </a:xfrm>
                 <a:prstGeom prst="rect">
@@ -20741,7 +20741,7 @@
                 <p:cNvPr id="6" name="Rectangle 5">
                   <a:extLst>
                     <a:ext uri="{FF2B5EF4-FFF2-40B4-BE49-F238E27FC236}">
-                      <a16:creationId xmlns:a16="http://schemas.microsoft.com/office/drawing/2014/main" id="{62633095-8E34-DD31-0586-9A6C538BFBF3}"/>
+                      <a16:creationId xmlns:a16="http://schemas.microsoft.com/office/drawing/2014/main" id="{0A02B7C7-336F-0007-7C52-5F3E5C51AEBC}"/>
                     </a:ext>
                   </a:extLst>
                 </p:cNvPr>
@@ -20750,7 +20750,7 @@
               </p:nvSpPr>
               <p:spPr>
                 <a:xfrm>
-                  <a:off x="7095049" y="2295204"/>
+                  <a:off x="8284979" y="4760488"/>
                   <a:ext cx="791736" cy="791737"/>
                 </a:xfrm>
                 <a:prstGeom prst="rect">
@@ -20827,7 +20827,7 @@
                 <p:cNvPr id="6" name="Rectangle 5">
                   <a:extLst>
                     <a:ext uri="{FF2B5EF4-FFF2-40B4-BE49-F238E27FC236}">
-                      <a16:creationId xmlns:a16="http://schemas.microsoft.com/office/drawing/2014/main" id="{62633095-8E34-DD31-0586-9A6C538BFBF3}"/>
+                      <a16:creationId xmlns:a16="http://schemas.microsoft.com/office/drawing/2014/main" id="{0A02B7C7-336F-0007-7C52-5F3E5C51AEBC}"/>
                     </a:ext>
                   </a:extLst>
                 </p:cNvPr>
@@ -20838,7 +20838,7 @@
               </p:nvSpPr>
               <p:spPr>
                 <a:xfrm>
-                  <a:off x="7095049" y="2295204"/>
+                  <a:off x="8284979" y="4760488"/>
                   <a:ext cx="791736" cy="791737"/>
                 </a:xfrm>
                 <a:prstGeom prst="rect">
@@ -20871,7 +20871,7 @@
             <p:cNvPr id="9" name="Straight Arrow Connector 8">
               <a:extLst>
                 <a:ext uri="{FF2B5EF4-FFF2-40B4-BE49-F238E27FC236}">
-                  <a16:creationId xmlns:a16="http://schemas.microsoft.com/office/drawing/2014/main" id="{19D7A6AB-DEB4-8E6C-8991-ACFE9B91664E}"/>
+                  <a16:creationId xmlns:a16="http://schemas.microsoft.com/office/drawing/2014/main" id="{4014336C-C7BD-54F4-AE58-3683ECBB36E5}"/>
                 </a:ext>
               </a:extLst>
             </p:cNvPr>
@@ -20884,8 +20884,8 @@
           </p:nvCxnSpPr>
           <p:spPr>
             <a:xfrm>
-              <a:off x="4108666" y="2691073"/>
-              <a:ext cx="2986383" cy="0"/>
+              <a:off x="6417363" y="3323753"/>
+              <a:ext cx="1867616" cy="1832604"/>
             </a:xfrm>
             <a:prstGeom prst="straightConnector1">
               <a:avLst/>
@@ -20917,7 +20917,7 @@
                 <p:cNvPr id="30" name="TextBox 29">
                   <a:extLst>
                     <a:ext uri="{FF2B5EF4-FFF2-40B4-BE49-F238E27FC236}">
-                      <a16:creationId xmlns:a16="http://schemas.microsoft.com/office/drawing/2014/main" id="{4F43E146-1F8F-BE82-0D4B-6C131B51A004}"/>
+                      <a16:creationId xmlns:a16="http://schemas.microsoft.com/office/drawing/2014/main" id="{C7F78ED6-52C6-CF95-7A2F-A530E8941FE5}"/>
                     </a:ext>
                   </a:extLst>
                 </p:cNvPr>
@@ -20926,8 +20926,8 @@
               </p:nvSpPr>
               <p:spPr>
                 <a:xfrm>
-                  <a:off x="5115412" y="2133762"/>
-                  <a:ext cx="588174" cy="430887"/>
+                  <a:off x="7351170" y="3724756"/>
+                  <a:ext cx="507768" cy="369332"/>
                 </a:xfrm>
                 <a:prstGeom prst="rect">
                   <a:avLst/>
@@ -20950,14 +20950,14 @@
                         <m:sSub>
                           <m:sSubPr>
                             <m:ctrlPr>
-                              <a:rPr lang="en-CA" sz="2800" b="0" i="1" smtClean="0">
+                              <a:rPr lang="en-CA" sz="2400" b="0" i="1" smtClean="0">
                                 <a:latin typeface="Cambria Math" panose="02040503050406030204" pitchFamily="18" charset="0"/>
                               </a:rPr>
                             </m:ctrlPr>
                           </m:sSubPr>
                           <m:e>
                             <m:r>
-                              <a:rPr lang="en-CA" sz="2800" b="0" i="1" smtClean="0">
+                              <a:rPr lang="en-CA" sz="2400" b="0" i="1" smtClean="0">
                                 <a:latin typeface="Cambria Math" panose="02040503050406030204" pitchFamily="18" charset="0"/>
                               </a:rPr>
                               <m:t>𝛽</m:t>
@@ -20965,17 +20965,17 @@
                           </m:e>
                           <m:sub>
                             <m:r>
-                              <a:rPr lang="en-CA" sz="2800" b="0" i="1" smtClean="0">
+                              <a:rPr lang="en-CA" sz="2400" b="0" i="1" smtClean="0">
                                 <a:latin typeface="Cambria Math" panose="02040503050406030204" pitchFamily="18" charset="0"/>
                               </a:rPr>
-                              <m:t>12</m:t>
+                              <m:t>21</m:t>
                             </m:r>
                           </m:sub>
                         </m:sSub>
                       </m:oMath>
                     </m:oMathPara>
                   </a14:m>
-                  <a:endParaRPr lang="en-CA" sz="2800" b="0" dirty="0"/>
+                  <a:endParaRPr lang="en-CA" sz="2400" b="0" dirty="0"/>
                 </a:p>
               </p:txBody>
             </p:sp>
@@ -20986,7 +20986,7 @@
                 <p:cNvPr id="30" name="TextBox 29">
                   <a:extLst>
                     <a:ext uri="{FF2B5EF4-FFF2-40B4-BE49-F238E27FC236}">
-                      <a16:creationId xmlns:a16="http://schemas.microsoft.com/office/drawing/2014/main" id="{4F43E146-1F8F-BE82-0D4B-6C131B51A004}"/>
+                      <a16:creationId xmlns:a16="http://schemas.microsoft.com/office/drawing/2014/main" id="{C7F78ED6-52C6-CF95-7A2F-A530E8941FE5}"/>
                     </a:ext>
                   </a:extLst>
                 </p:cNvPr>
@@ -20997,8 +20997,8 @@
               </p:nvSpPr>
               <p:spPr>
                 <a:xfrm>
-                  <a:off x="5115412" y="2133762"/>
-                  <a:ext cx="588174" cy="430887"/>
+                  <a:off x="7351170" y="3724756"/>
+                  <a:ext cx="507768" cy="369332"/>
                 </a:xfrm>
                 <a:prstGeom prst="rect">
                   <a:avLst/>
@@ -21006,7 +21006,7 @@
                 <a:blipFill>
                   <a:blip r:embed="rId4"/>
                   <a:stretch>
-                    <a:fillRect l="-21277" r="-4255" b="-34286"/>
+                    <a:fillRect l="-19048" r="-2381" b="-33333"/>
                   </a:stretch>
                 </a:blipFill>
               </p:spPr>
@@ -21030,21 +21030,21 @@
             <p:cNvPr id="39" name="Straight Arrow Connector 38">
               <a:extLst>
                 <a:ext uri="{FF2B5EF4-FFF2-40B4-BE49-F238E27FC236}">
-                  <a16:creationId xmlns:a16="http://schemas.microsoft.com/office/drawing/2014/main" id="{EF59DF12-60EC-745B-CC63-9309372C72E9}"/>
+                  <a16:creationId xmlns:a16="http://schemas.microsoft.com/office/drawing/2014/main" id="{BAC1F081-50A1-F02C-5878-B4D63169E1C2}"/>
                 </a:ext>
               </a:extLst>
             </p:cNvPr>
             <p:cNvCxnSpPr>
               <a:cxnSpLocks/>
-              <a:stCxn id="44" idx="5"/>
-              <a:endCxn id="6" idx="0"/>
+              <a:stCxn id="44" idx="4"/>
+              <a:endCxn id="6" idx="3"/>
             </p:cNvCxnSpPr>
             <p:nvPr/>
           </p:nvCxnSpPr>
           <p:spPr>
-            <a:xfrm>
-              <a:off x="7277183" y="1994538"/>
-              <a:ext cx="213734" cy="300666"/>
+            <a:xfrm flipH="1">
+              <a:off x="9076715" y="4915269"/>
+              <a:ext cx="413608" cy="241088"/>
             </a:xfrm>
             <a:prstGeom prst="straightConnector1">
               <a:avLst/>
@@ -21076,7 +21076,7 @@
                 <p:cNvPr id="44" name="Oval 43">
                   <a:extLst>
                     <a:ext uri="{FF2B5EF4-FFF2-40B4-BE49-F238E27FC236}">
-                      <a16:creationId xmlns:a16="http://schemas.microsoft.com/office/drawing/2014/main" id="{65A0603C-4695-81D9-B8EC-D1A7880C7FDD}"/>
+                      <a16:creationId xmlns:a16="http://schemas.microsoft.com/office/drawing/2014/main" id="{D36903A9-AF8D-528A-853E-18747F4D06EF}"/>
                     </a:ext>
                   </a:extLst>
                 </p:cNvPr>
@@ -21085,8 +21085,8 @@
               </p:nvSpPr>
               <p:spPr>
                 <a:xfrm>
-                  <a:off x="6837471" y="1545472"/>
-                  <a:ext cx="515155" cy="526113"/>
+                  <a:off x="9225723" y="4389156"/>
+                  <a:ext cx="529200" cy="526113"/>
                 </a:xfrm>
                 <a:prstGeom prst="ellipse">
                   <a:avLst/>
@@ -21162,7 +21162,7 @@
                 <p:cNvPr id="44" name="Oval 43">
                   <a:extLst>
                     <a:ext uri="{FF2B5EF4-FFF2-40B4-BE49-F238E27FC236}">
-                      <a16:creationId xmlns:a16="http://schemas.microsoft.com/office/drawing/2014/main" id="{65A0603C-4695-81D9-B8EC-D1A7880C7FDD}"/>
+                      <a16:creationId xmlns:a16="http://schemas.microsoft.com/office/drawing/2014/main" id="{D36903A9-AF8D-528A-853E-18747F4D06EF}"/>
                     </a:ext>
                   </a:extLst>
                 </p:cNvPr>
@@ -21173,8 +21173,8 @@
               </p:nvSpPr>
               <p:spPr>
                 <a:xfrm>
-                  <a:off x="6837471" y="1545472"/>
-                  <a:ext cx="515155" cy="526113"/>
+                  <a:off x="9225723" y="4389156"/>
+                  <a:ext cx="529200" cy="526113"/>
                 </a:xfrm>
                 <a:prstGeom prst="ellipse">
                   <a:avLst/>
@@ -21208,7 +21208,7 @@
                 <p:cNvPr id="10" name="Rectangle 9">
                   <a:extLst>
                     <a:ext uri="{FF2B5EF4-FFF2-40B4-BE49-F238E27FC236}">
-                      <a16:creationId xmlns:a16="http://schemas.microsoft.com/office/drawing/2014/main" id="{476E8E43-7695-82D7-3D50-DE9DA32D12F8}"/>
+                      <a16:creationId xmlns:a16="http://schemas.microsoft.com/office/drawing/2014/main" id="{886162B2-EF44-388F-9404-862141B94E29}"/>
                     </a:ext>
                   </a:extLst>
                 </p:cNvPr>
@@ -21217,7 +21217,7 @@
               </p:nvSpPr>
               <p:spPr>
                 <a:xfrm>
-                  <a:off x="1627340" y="4418945"/>
+                  <a:off x="2966277" y="4760489"/>
                   <a:ext cx="791736" cy="791737"/>
                 </a:xfrm>
                 <a:prstGeom prst="rect">
@@ -21272,6 +21272,12 @@
                               </a:rPr>
                               <m:t>𝑖</m:t>
                             </m:r>
+                            <m:r>
+                              <a:rPr lang="en-CA" sz="2800" b="0" i="1" smtClean="0">
+                                <a:latin typeface="Cambria Math" panose="02040503050406030204" pitchFamily="18" charset="0"/>
+                              </a:rPr>
+                              <m:t>1</m:t>
+                            </m:r>
                           </m:sub>
                         </m:sSub>
                       </m:oMath>
@@ -21288,7 +21294,7 @@
                 <p:cNvPr id="10" name="Rectangle 9">
                   <a:extLst>
                     <a:ext uri="{FF2B5EF4-FFF2-40B4-BE49-F238E27FC236}">
-                      <a16:creationId xmlns:a16="http://schemas.microsoft.com/office/drawing/2014/main" id="{476E8E43-7695-82D7-3D50-DE9DA32D12F8}"/>
+                      <a16:creationId xmlns:a16="http://schemas.microsoft.com/office/drawing/2014/main" id="{886162B2-EF44-388F-9404-862141B94E29}"/>
                     </a:ext>
                   </a:extLst>
                 </p:cNvPr>
@@ -21299,7 +21305,7 @@
               </p:nvSpPr>
               <p:spPr>
                 <a:xfrm>
-                  <a:off x="1627340" y="4418945"/>
+                  <a:off x="2966277" y="4760489"/>
                   <a:ext cx="791736" cy="791737"/>
                 </a:xfrm>
                 <a:prstGeom prst="rect">
@@ -21332,21 +21338,21 @@
             <p:cNvPr id="18" name="Straight Arrow Connector 17">
               <a:extLst>
                 <a:ext uri="{FF2B5EF4-FFF2-40B4-BE49-F238E27FC236}">
-                  <a16:creationId xmlns:a16="http://schemas.microsoft.com/office/drawing/2014/main" id="{7565866C-97A4-7A43-3BC0-E961C1E2B415}"/>
+                  <a16:creationId xmlns:a16="http://schemas.microsoft.com/office/drawing/2014/main" id="{BC0211AC-9F41-643C-69CA-2FBFEBD4F49F}"/>
                 </a:ext>
               </a:extLst>
             </p:cNvPr>
             <p:cNvCxnSpPr>
               <a:cxnSpLocks/>
-              <a:stCxn id="10" idx="0"/>
+              <a:stCxn id="10" idx="3"/>
               <a:endCxn id="5" idx="1"/>
             </p:cNvCxnSpPr>
             <p:nvPr/>
           </p:nvCxnSpPr>
           <p:spPr>
             <a:xfrm flipV="1">
-              <a:off x="2023208" y="2691073"/>
-              <a:ext cx="1293723" cy="1727872"/>
+              <a:off x="3758013" y="3323753"/>
+              <a:ext cx="1867615" cy="1832605"/>
             </a:xfrm>
             <a:prstGeom prst="straightConnector1">
               <a:avLst/>
@@ -21376,21 +21382,21 @@
             <p:cNvPr id="21" name="Straight Arrow Connector 20">
               <a:extLst>
                 <a:ext uri="{FF2B5EF4-FFF2-40B4-BE49-F238E27FC236}">
-                  <a16:creationId xmlns:a16="http://schemas.microsoft.com/office/drawing/2014/main" id="{DC6ACCE5-DDF1-0CA1-F899-5B9112B2BB0F}"/>
+                  <a16:creationId xmlns:a16="http://schemas.microsoft.com/office/drawing/2014/main" id="{D33E727B-2ECB-97DA-2DF9-CF65986B41F8}"/>
                 </a:ext>
               </a:extLst>
             </p:cNvPr>
             <p:cNvCxnSpPr>
               <a:cxnSpLocks/>
-              <a:stCxn id="10" idx="0"/>
+              <a:stCxn id="10" idx="3"/>
               <a:endCxn id="6" idx="1"/>
             </p:cNvCxnSpPr>
             <p:nvPr/>
           </p:nvCxnSpPr>
           <p:spPr>
             <a:xfrm flipV="1">
-              <a:off x="2023208" y="2691073"/>
-              <a:ext cx="5071841" cy="1727872"/>
+              <a:off x="3758013" y="5156357"/>
+              <a:ext cx="4526966" cy="1"/>
             </a:xfrm>
             <a:prstGeom prst="straightConnector1">
               <a:avLst/>
@@ -21422,7 +21428,7 @@
                 <p:cNvPr id="24" name="TextBox 23">
                   <a:extLst>
                     <a:ext uri="{FF2B5EF4-FFF2-40B4-BE49-F238E27FC236}">
-                      <a16:creationId xmlns:a16="http://schemas.microsoft.com/office/drawing/2014/main" id="{858F890B-FCC2-A7E5-1404-93D460B558FD}"/>
+                      <a16:creationId xmlns:a16="http://schemas.microsoft.com/office/drawing/2014/main" id="{3AF63E94-7757-D4ED-1705-369A91C7E972}"/>
                     </a:ext>
                   </a:extLst>
                 </p:cNvPr>
@@ -21431,8 +21437,8 @@
               </p:nvSpPr>
               <p:spPr>
                 <a:xfrm>
-                  <a:off x="4559128" y="3555009"/>
-                  <a:ext cx="570156" cy="430887"/>
+                  <a:off x="5903407" y="5197292"/>
+                  <a:ext cx="363241" cy="369332"/>
                 </a:xfrm>
                 <a:prstGeom prst="rect">
                   <a:avLst/>
@@ -21455,14 +21461,14 @@
                         <m:sSub>
                           <m:sSubPr>
                             <m:ctrlPr>
-                              <a:rPr lang="en-CA" sz="2800" b="0" i="1" smtClean="0">
+                              <a:rPr lang="en-CA" sz="2400" b="0" i="1" smtClean="0">
                                 <a:latin typeface="Cambria Math" panose="02040503050406030204" pitchFamily="18" charset="0"/>
                               </a:rPr>
                             </m:ctrlPr>
                           </m:sSubPr>
                           <m:e>
                             <m:r>
-                              <a:rPr lang="en-CA" sz="2800" b="0" i="1" smtClean="0">
+                              <a:rPr lang="en-CA" sz="2400" b="0" i="1" smtClean="0">
                                 <a:latin typeface="Cambria Math" panose="02040503050406030204" pitchFamily="18" charset="0"/>
                               </a:rPr>
                               <m:t>𝛾</m:t>
@@ -21470,17 +21476,17 @@
                           </m:e>
                           <m:sub>
                             <m:r>
-                              <a:rPr lang="en-CA" sz="2800" b="0" i="1" smtClean="0">
+                              <a:rPr lang="en-CA" sz="2400" b="0" i="1" smtClean="0">
                                 <a:latin typeface="Cambria Math" panose="02040503050406030204" pitchFamily="18" charset="0"/>
                               </a:rPr>
-                              <m:t>12</m:t>
+                              <m:t>2</m:t>
                             </m:r>
                           </m:sub>
                         </m:sSub>
                       </m:oMath>
                     </m:oMathPara>
                   </a14:m>
-                  <a:endParaRPr lang="en-CA" sz="2800" b="0" dirty="0"/>
+                  <a:endParaRPr lang="en-CA" sz="2400" b="0" dirty="0"/>
                 </a:p>
               </p:txBody>
             </p:sp>
@@ -21491,7 +21497,7 @@
                 <p:cNvPr id="24" name="TextBox 23">
                   <a:extLst>
                     <a:ext uri="{FF2B5EF4-FFF2-40B4-BE49-F238E27FC236}">
-                      <a16:creationId xmlns:a16="http://schemas.microsoft.com/office/drawing/2014/main" id="{858F890B-FCC2-A7E5-1404-93D460B558FD}"/>
+                      <a16:creationId xmlns:a16="http://schemas.microsoft.com/office/drawing/2014/main" id="{3AF63E94-7757-D4ED-1705-369A91C7E972}"/>
                     </a:ext>
                   </a:extLst>
                 </p:cNvPr>
@@ -21502,8 +21508,8 @@
               </p:nvSpPr>
               <p:spPr>
                 <a:xfrm>
-                  <a:off x="4559128" y="3555009"/>
-                  <a:ext cx="570156" cy="430887"/>
+                  <a:off x="5903407" y="5197292"/>
+                  <a:ext cx="363241" cy="369332"/>
                 </a:xfrm>
                 <a:prstGeom prst="rect">
                   <a:avLst/>
@@ -21511,7 +21517,7 @@
                 <a:blipFill>
                   <a:blip r:embed="rId7"/>
                   <a:stretch>
-                    <a:fillRect l="-13043" r="-4348" b="-20000"/>
+                    <a:fillRect l="-20690" r="-6897" b="-23333"/>
                   </a:stretch>
                 </a:blipFill>
               </p:spPr>
@@ -21537,7 +21543,7 @@
                 <p:cNvPr id="25" name="TextBox 24">
                   <a:extLst>
                     <a:ext uri="{FF2B5EF4-FFF2-40B4-BE49-F238E27FC236}">
-                      <a16:creationId xmlns:a16="http://schemas.microsoft.com/office/drawing/2014/main" id="{CEEC2139-A38D-EE70-173B-C033BB216A88}"/>
+                      <a16:creationId xmlns:a16="http://schemas.microsoft.com/office/drawing/2014/main" id="{D6C9BE6F-3DD7-168B-ADC1-578ED41D914D}"/>
                     </a:ext>
                   </a:extLst>
                 </p:cNvPr>
@@ -21546,8 +21552,8 @@
               </p:nvSpPr>
               <p:spPr>
                 <a:xfrm>
-                  <a:off x="2133998" y="2998113"/>
-                  <a:ext cx="570156" cy="430887"/>
+                  <a:off x="4335697" y="3742479"/>
+                  <a:ext cx="356123" cy="369332"/>
                 </a:xfrm>
                 <a:prstGeom prst="rect">
                   <a:avLst/>
@@ -21570,14 +21576,14 @@
                         <m:sSub>
                           <m:sSubPr>
                             <m:ctrlPr>
-                              <a:rPr lang="en-CA" sz="2800" b="0" i="1" smtClean="0">
+                              <a:rPr lang="en-CA" sz="2400" b="0" i="1" smtClean="0">
                                 <a:latin typeface="Cambria Math" panose="02040503050406030204" pitchFamily="18" charset="0"/>
                               </a:rPr>
                             </m:ctrlPr>
                           </m:sSubPr>
                           <m:e>
                             <m:r>
-                              <a:rPr lang="en-CA" sz="2800" b="0" i="1" smtClean="0">
+                              <a:rPr lang="en-CA" sz="2400" b="0" i="1" smtClean="0">
                                 <a:latin typeface="Cambria Math" panose="02040503050406030204" pitchFamily="18" charset="0"/>
                               </a:rPr>
                               <m:t>𝛾</m:t>
@@ -21585,17 +21591,17 @@
                           </m:e>
                           <m:sub>
                             <m:r>
-                              <a:rPr lang="en-CA" sz="2800" b="0" i="1" smtClean="0">
+                              <a:rPr lang="en-CA" sz="2400" b="0" i="1" smtClean="0">
                                 <a:latin typeface="Cambria Math" panose="02040503050406030204" pitchFamily="18" charset="0"/>
                               </a:rPr>
-                              <m:t>11</m:t>
+                              <m:t>1</m:t>
                             </m:r>
                           </m:sub>
                         </m:sSub>
                       </m:oMath>
                     </m:oMathPara>
                   </a14:m>
-                  <a:endParaRPr lang="en-CA" sz="2800" b="0" dirty="0"/>
+                  <a:endParaRPr lang="en-CA" sz="2400" b="0" dirty="0"/>
                 </a:p>
               </p:txBody>
             </p:sp>
@@ -21606,7 +21612,7 @@
                 <p:cNvPr id="25" name="TextBox 24">
                   <a:extLst>
                     <a:ext uri="{FF2B5EF4-FFF2-40B4-BE49-F238E27FC236}">
-                      <a16:creationId xmlns:a16="http://schemas.microsoft.com/office/drawing/2014/main" id="{CEEC2139-A38D-EE70-173B-C033BB216A88}"/>
+                      <a16:creationId xmlns:a16="http://schemas.microsoft.com/office/drawing/2014/main" id="{D6C9BE6F-3DD7-168B-ADC1-578ED41D914D}"/>
                     </a:ext>
                   </a:extLst>
                 </p:cNvPr>
@@ -21617,8 +21623,8 @@
               </p:nvSpPr>
               <p:spPr>
                 <a:xfrm>
-                  <a:off x="2133998" y="2998113"/>
-                  <a:ext cx="570156" cy="430887"/>
+                  <a:off x="4335697" y="3742479"/>
+                  <a:ext cx="356123" cy="369332"/>
                 </a:xfrm>
                 <a:prstGeom prst="rect">
                   <a:avLst/>
@@ -21626,7 +21632,7 @@
                 <a:blipFill>
                   <a:blip r:embed="rId8"/>
                   <a:stretch>
-                    <a:fillRect l="-13043" r="-4348" b="-17143"/>
+                    <a:fillRect l="-20690" r="-6897" b="-23333"/>
                   </a:stretch>
                 </a:blipFill>
               </p:spPr>
@@ -21650,21 +21656,21 @@
             <p:cNvPr id="55" name="Straight Arrow Connector 54">
               <a:extLst>
                 <a:ext uri="{FF2B5EF4-FFF2-40B4-BE49-F238E27FC236}">
-                  <a16:creationId xmlns:a16="http://schemas.microsoft.com/office/drawing/2014/main" id="{4C01BD3C-7641-4B94-1259-4632518ABF41}"/>
+                  <a16:creationId xmlns:a16="http://schemas.microsoft.com/office/drawing/2014/main" id="{FA287359-CA82-2CDF-160F-6341215B8292}"/>
                 </a:ext>
               </a:extLst>
             </p:cNvPr>
             <p:cNvCxnSpPr>
               <a:cxnSpLocks/>
-              <a:stCxn id="56" idx="5"/>
-              <a:endCxn id="5" idx="0"/>
+              <a:stCxn id="56" idx="4"/>
+              <a:endCxn id="5" idx="3"/>
             </p:cNvCxnSpPr>
             <p:nvPr/>
           </p:nvCxnSpPr>
           <p:spPr>
-            <a:xfrm>
-              <a:off x="3499065" y="1994538"/>
-              <a:ext cx="213734" cy="300666"/>
+            <a:xfrm flipH="1">
+              <a:off x="6417363" y="3040088"/>
+              <a:ext cx="473925" cy="283665"/>
             </a:xfrm>
             <a:prstGeom prst="straightConnector1">
               <a:avLst/>
@@ -21696,7 +21702,7 @@
                 <p:cNvPr id="56" name="Oval 55">
                   <a:extLst>
                     <a:ext uri="{FF2B5EF4-FFF2-40B4-BE49-F238E27FC236}">
-                      <a16:creationId xmlns:a16="http://schemas.microsoft.com/office/drawing/2014/main" id="{C2A4BCAA-D112-E622-89B5-D72AD2E5218D}"/>
+                      <a16:creationId xmlns:a16="http://schemas.microsoft.com/office/drawing/2014/main" id="{6F591F8F-CAFF-B5E1-74E5-87A8AA7EC2F8}"/>
                     </a:ext>
                   </a:extLst>
                 </p:cNvPr>
@@ -21705,8 +21711,8 @@
               </p:nvSpPr>
               <p:spPr>
                 <a:xfrm>
-                  <a:off x="3059353" y="1545472"/>
-                  <a:ext cx="515155" cy="526113"/>
+                  <a:off x="6626688" y="2513975"/>
+                  <a:ext cx="529200" cy="526113"/>
                 </a:xfrm>
                 <a:prstGeom prst="ellipse">
                   <a:avLst/>
@@ -21782,7 +21788,7 @@
                 <p:cNvPr id="56" name="Oval 55">
                   <a:extLst>
                     <a:ext uri="{FF2B5EF4-FFF2-40B4-BE49-F238E27FC236}">
-                      <a16:creationId xmlns:a16="http://schemas.microsoft.com/office/drawing/2014/main" id="{C2A4BCAA-D112-E622-89B5-D72AD2E5218D}"/>
+                      <a16:creationId xmlns:a16="http://schemas.microsoft.com/office/drawing/2014/main" id="{6F591F8F-CAFF-B5E1-74E5-87A8AA7EC2F8}"/>
                     </a:ext>
                   </a:extLst>
                 </p:cNvPr>
@@ -21793,8 +21799,8 @@
               </p:nvSpPr>
               <p:spPr>
                 <a:xfrm>
-                  <a:off x="3059353" y="1545472"/>
-                  <a:ext cx="515155" cy="526113"/>
+                  <a:off x="6626688" y="2513975"/>
+                  <a:ext cx="529200" cy="526113"/>
                 </a:xfrm>
                 <a:prstGeom prst="ellipse">
                   <a:avLst/>
@@ -21821,11 +21827,241 @@
             </p:sp>
           </mc:Fallback>
         </mc:AlternateContent>
+        <mc:AlternateContent xmlns:mc="http://schemas.openxmlformats.org/markup-compatibility/2006" xmlns:a14="http://schemas.microsoft.com/office/drawing/2010/main">
+          <mc:Choice Requires="a14">
+            <p:sp>
+              <p:nvSpPr>
+                <p:cNvPr id="3" name="TextBox 2">
+                  <a:extLst>
+                    <a:ext uri="{FF2B5EF4-FFF2-40B4-BE49-F238E27FC236}">
+                      <a16:creationId xmlns:a16="http://schemas.microsoft.com/office/drawing/2014/main" id="{5505ED86-B491-489D-3E8E-71E3D2FA2A8B}"/>
+                    </a:ext>
+                  </a:extLst>
+                </p:cNvPr>
+                <p:cNvSpPr txBox="1"/>
+                <p:nvPr/>
+              </p:nvSpPr>
+              <p:spPr>
+                <a:xfrm>
+                  <a:off x="5625628" y="2564910"/>
+                  <a:ext cx="351300" cy="307777"/>
+                </a:xfrm>
+                <a:prstGeom prst="rect">
+                  <a:avLst/>
+                </a:prstGeom>
+                <a:noFill/>
+              </p:spPr>
+              <p:txBody>
+                <a:bodyPr wrap="square" lIns="0" tIns="0" rIns="0" bIns="0" rtlCol="0">
+                  <a:spAutoFit/>
+                </a:bodyPr>
+                <a:lstStyle/>
+                <a:p>
+                  <a:pPr/>
+                  <a14:m>
+                    <m:oMathPara xmlns:m="http://schemas.openxmlformats.org/officeDocument/2006/math">
+                      <m:oMathParaPr>
+                        <m:jc m:val="centerGroup"/>
+                      </m:oMathParaPr>
+                      <m:oMath xmlns:m="http://schemas.openxmlformats.org/officeDocument/2006/math">
+                        <m:sSub>
+                          <m:sSubPr>
+                            <m:ctrlPr>
+                              <a:rPr lang="en-CA" sz="2000" b="0" i="1" smtClean="0">
+                                <a:latin typeface="Cambria Math" panose="02040503050406030204" pitchFamily="18" charset="0"/>
+                              </a:rPr>
+                            </m:ctrlPr>
+                          </m:sSubPr>
+                          <m:e>
+                            <m:r>
+                              <a:rPr lang="en-CA" sz="2000" b="0" i="1" smtClean="0">
+                                <a:latin typeface="Cambria Math" panose="02040503050406030204" pitchFamily="18" charset="0"/>
+                              </a:rPr>
+                              <m:t>𝛼</m:t>
+                            </m:r>
+                          </m:e>
+                          <m:sub>
+                            <m:r>
+                              <a:rPr lang="en-CA" sz="2000" b="0" i="1" smtClean="0">
+                                <a:latin typeface="Cambria Math" panose="02040503050406030204" pitchFamily="18" charset="0"/>
+                              </a:rPr>
+                              <m:t>1</m:t>
+                            </m:r>
+                          </m:sub>
+                        </m:sSub>
+                      </m:oMath>
+                    </m:oMathPara>
+                  </a14:m>
+                  <a:endParaRPr lang="en-CA" sz="2000" b="0" dirty="0"/>
+                </a:p>
+              </p:txBody>
+            </p:sp>
+          </mc:Choice>
+          <mc:Fallback xmlns="">
+            <p:sp>
+              <p:nvSpPr>
+                <p:cNvPr id="3" name="TextBox 2">
+                  <a:extLst>
+                    <a:ext uri="{FF2B5EF4-FFF2-40B4-BE49-F238E27FC236}">
+                      <a16:creationId xmlns:a16="http://schemas.microsoft.com/office/drawing/2014/main" id="{5505ED86-B491-489D-3E8E-71E3D2FA2A8B}"/>
+                    </a:ext>
+                  </a:extLst>
+                </p:cNvPr>
+                <p:cNvSpPr txBox="1">
+                  <a:spLocks noRot="1" noChangeAspect="1" noMove="1" noResize="1" noEditPoints="1" noAdjustHandles="1" noChangeArrowheads="1" noChangeShapeType="1" noTextEdit="1"/>
+                </p:cNvSpPr>
+                <p:nvPr/>
+              </p:nvSpPr>
+              <p:spPr>
+                <a:xfrm>
+                  <a:off x="5625628" y="2564910"/>
+                  <a:ext cx="351300" cy="307777"/>
+                </a:xfrm>
+                <a:prstGeom prst="rect">
+                  <a:avLst/>
+                </a:prstGeom>
+                <a:blipFill>
+                  <a:blip r:embed="rId10"/>
+                  <a:stretch>
+                    <a:fillRect l="-3448" r="-3448" b="-12000"/>
+                  </a:stretch>
+                </a:blipFill>
+              </p:spPr>
+              <p:txBody>
+                <a:bodyPr/>
+                <a:lstStyle/>
+                <a:p>
+                  <a:r>
+                    <a:rPr lang="en-CA">
+                      <a:noFill/>
+                    </a:rPr>
+                    <a:t> </a:t>
+                  </a:r>
+                </a:p>
+              </p:txBody>
+            </p:sp>
+          </mc:Fallback>
+        </mc:AlternateContent>
+        <mc:AlternateContent xmlns:mc="http://schemas.openxmlformats.org/markup-compatibility/2006" xmlns:a14="http://schemas.microsoft.com/office/drawing/2010/main">
+          <mc:Choice Requires="a14">
+            <p:sp>
+              <p:nvSpPr>
+                <p:cNvPr id="7" name="TextBox 6">
+                  <a:extLst>
+                    <a:ext uri="{FF2B5EF4-FFF2-40B4-BE49-F238E27FC236}">
+                      <a16:creationId xmlns:a16="http://schemas.microsoft.com/office/drawing/2014/main" id="{BC7AFD6E-7C8E-5126-7751-9F465610A643}"/>
+                    </a:ext>
+                  </a:extLst>
+                </p:cNvPr>
+                <p:cNvSpPr txBox="1"/>
+                <p:nvPr/>
+              </p:nvSpPr>
+              <p:spPr>
+                <a:xfrm>
+                  <a:off x="8284979" y="4389156"/>
+                  <a:ext cx="351300" cy="307777"/>
+                </a:xfrm>
+                <a:prstGeom prst="rect">
+                  <a:avLst/>
+                </a:prstGeom>
+                <a:noFill/>
+              </p:spPr>
+              <p:txBody>
+                <a:bodyPr wrap="square" lIns="0" tIns="0" rIns="0" bIns="0" rtlCol="0">
+                  <a:spAutoFit/>
+                </a:bodyPr>
+                <a:lstStyle/>
+                <a:p>
+                  <a:pPr/>
+                  <a14:m>
+                    <m:oMathPara xmlns:m="http://schemas.openxmlformats.org/officeDocument/2006/math">
+                      <m:oMathParaPr>
+                        <m:jc m:val="centerGroup"/>
+                      </m:oMathParaPr>
+                      <m:oMath xmlns:m="http://schemas.openxmlformats.org/officeDocument/2006/math">
+                        <m:sSub>
+                          <m:sSubPr>
+                            <m:ctrlPr>
+                              <a:rPr lang="en-CA" sz="2000" b="0" i="1" smtClean="0">
+                                <a:latin typeface="Cambria Math" panose="02040503050406030204" pitchFamily="18" charset="0"/>
+                              </a:rPr>
+                            </m:ctrlPr>
+                          </m:sSubPr>
+                          <m:e>
+                            <m:r>
+                              <a:rPr lang="en-CA" sz="2000" b="0" i="1" smtClean="0">
+                                <a:latin typeface="Cambria Math" panose="02040503050406030204" pitchFamily="18" charset="0"/>
+                              </a:rPr>
+                              <m:t>𝛼</m:t>
+                            </m:r>
+                          </m:e>
+                          <m:sub>
+                            <m:r>
+                              <a:rPr lang="en-CA" sz="2000" b="0" i="1" smtClean="0">
+                                <a:latin typeface="Cambria Math" panose="02040503050406030204" pitchFamily="18" charset="0"/>
+                              </a:rPr>
+                              <m:t>2</m:t>
+                            </m:r>
+                          </m:sub>
+                        </m:sSub>
+                      </m:oMath>
+                    </m:oMathPara>
+                  </a14:m>
+                  <a:endParaRPr lang="en-CA" sz="2000" b="0" dirty="0"/>
+                </a:p>
+              </p:txBody>
+            </p:sp>
+          </mc:Choice>
+          <mc:Fallback xmlns="">
+            <p:sp>
+              <p:nvSpPr>
+                <p:cNvPr id="7" name="TextBox 6">
+                  <a:extLst>
+                    <a:ext uri="{FF2B5EF4-FFF2-40B4-BE49-F238E27FC236}">
+                      <a16:creationId xmlns:a16="http://schemas.microsoft.com/office/drawing/2014/main" id="{BC7AFD6E-7C8E-5126-7751-9F465610A643}"/>
+                    </a:ext>
+                  </a:extLst>
+                </p:cNvPr>
+                <p:cNvSpPr txBox="1">
+                  <a:spLocks noRot="1" noChangeAspect="1" noMove="1" noResize="1" noEditPoints="1" noAdjustHandles="1" noChangeArrowheads="1" noChangeShapeType="1" noTextEdit="1"/>
+                </p:cNvSpPr>
+                <p:nvPr/>
+              </p:nvSpPr>
+              <p:spPr>
+                <a:xfrm>
+                  <a:off x="8284979" y="4389156"/>
+                  <a:ext cx="351300" cy="307777"/>
+                </a:xfrm>
+                <a:prstGeom prst="rect">
+                  <a:avLst/>
+                </a:prstGeom>
+                <a:blipFill>
+                  <a:blip r:embed="rId11"/>
+                  <a:stretch>
+                    <a:fillRect l="-6897" b="-12000"/>
+                  </a:stretch>
+                </a:blipFill>
+              </p:spPr>
+              <p:txBody>
+                <a:bodyPr/>
+                <a:lstStyle/>
+                <a:p>
+                  <a:r>
+                    <a:rPr lang="en-CA">
+                      <a:noFill/>
+                    </a:rPr>
+                    <a:t> </a:t>
+                  </a:r>
+                </a:p>
+              </p:txBody>
+            </p:sp>
+          </mc:Fallback>
+        </mc:AlternateContent>
       </p:grpSp>
     </p:spTree>
     <p:extLst>
       <p:ext uri="{BB962C8B-B14F-4D97-AF65-F5344CB8AC3E}">
-        <p14:creationId xmlns:p14="http://schemas.microsoft.com/office/powerpoint/2010/main" val="2783703639"/>
+        <p14:creationId xmlns:p14="http://schemas.microsoft.com/office/powerpoint/2010/main" val="1357955936"/>
       </p:ext>
     </p:extLst>
   </p:cSld>
